--- a/src/assets/1091/ProjectManagement/CH01/01.pptx
+++ b/src/assets/1091/ProjectManagement/CH01/01.pptx
@@ -7,7 +7,7 @@
     <p:sldMasterId id="2147483837" r:id="rId3"/>
   </p:sldMasterIdLst>
   <p:notesMasterIdLst>
-    <p:notesMasterId r:id="rId58"/>
+    <p:notesMasterId r:id="rId67"/>
   </p:notesMasterIdLst>
   <p:sldIdLst>
     <p:sldId id="256" r:id="rId4"/>
@@ -34,36 +34,45 @@
     <p:sldId id="289" r:id="rId25"/>
     <p:sldId id="290" r:id="rId26"/>
     <p:sldId id="291" r:id="rId27"/>
-    <p:sldId id="293" r:id="rId28"/>
-    <p:sldId id="292" r:id="rId29"/>
-    <p:sldId id="294" r:id="rId30"/>
-    <p:sldId id="296" r:id="rId31"/>
-    <p:sldId id="295" r:id="rId32"/>
-    <p:sldId id="297" r:id="rId33"/>
-    <p:sldId id="298" r:id="rId34"/>
-    <p:sldId id="299" r:id="rId35"/>
-    <p:sldId id="300" r:id="rId36"/>
-    <p:sldId id="301" r:id="rId37"/>
-    <p:sldId id="302" r:id="rId38"/>
-    <p:sldId id="303" r:id="rId39"/>
-    <p:sldId id="304" r:id="rId40"/>
-    <p:sldId id="305" r:id="rId41"/>
-    <p:sldId id="306" r:id="rId42"/>
-    <p:sldId id="307" r:id="rId43"/>
-    <p:sldId id="308" r:id="rId44"/>
-    <p:sldId id="309" r:id="rId45"/>
-    <p:sldId id="310" r:id="rId46"/>
-    <p:sldId id="311" r:id="rId47"/>
-    <p:sldId id="312" r:id="rId48"/>
-    <p:sldId id="313" r:id="rId49"/>
-    <p:sldId id="314" r:id="rId50"/>
-    <p:sldId id="315" r:id="rId51"/>
-    <p:sldId id="316" r:id="rId52"/>
-    <p:sldId id="268" r:id="rId53"/>
-    <p:sldId id="317" r:id="rId54"/>
-    <p:sldId id="318" r:id="rId55"/>
-    <p:sldId id="319" r:id="rId56"/>
-    <p:sldId id="320" r:id="rId57"/>
+    <p:sldId id="324" r:id="rId28"/>
+    <p:sldId id="325" r:id="rId29"/>
+    <p:sldId id="293" r:id="rId30"/>
+    <p:sldId id="292" r:id="rId31"/>
+    <p:sldId id="320" r:id="rId32"/>
+    <p:sldId id="294" r:id="rId33"/>
+    <p:sldId id="295" r:id="rId34"/>
+    <p:sldId id="296" r:id="rId35"/>
+    <p:sldId id="326" r:id="rId36"/>
+    <p:sldId id="297" r:id="rId37"/>
+    <p:sldId id="327" r:id="rId38"/>
+    <p:sldId id="298" r:id="rId39"/>
+    <p:sldId id="299" r:id="rId40"/>
+    <p:sldId id="300" r:id="rId41"/>
+    <p:sldId id="301" r:id="rId42"/>
+    <p:sldId id="302" r:id="rId43"/>
+    <p:sldId id="303" r:id="rId44"/>
+    <p:sldId id="304" r:id="rId45"/>
+    <p:sldId id="305" r:id="rId46"/>
+    <p:sldId id="306" r:id="rId47"/>
+    <p:sldId id="307" r:id="rId48"/>
+    <p:sldId id="308" r:id="rId49"/>
+    <p:sldId id="309" r:id="rId50"/>
+    <p:sldId id="310" r:id="rId51"/>
+    <p:sldId id="311" r:id="rId52"/>
+    <p:sldId id="312" r:id="rId53"/>
+    <p:sldId id="321" r:id="rId54"/>
+    <p:sldId id="322" r:id="rId55"/>
+    <p:sldId id="313" r:id="rId56"/>
+    <p:sldId id="314" r:id="rId57"/>
+    <p:sldId id="315" r:id="rId58"/>
+    <p:sldId id="316" r:id="rId59"/>
+    <p:sldId id="268" r:id="rId60"/>
+    <p:sldId id="317" r:id="rId61"/>
+    <p:sldId id="318" r:id="rId62"/>
+    <p:sldId id="323" r:id="rId63"/>
+    <p:sldId id="328" r:id="rId64"/>
+    <p:sldId id="330" r:id="rId65"/>
+    <p:sldId id="329" r:id="rId66"/>
   </p:sldIdLst>
   <p:sldSz cx="12192000" cy="6858000"/>
   <p:notesSz cx="6858000" cy="9144000"/>
@@ -199,16 +208,21 @@
             <p14:sldId id="289"/>
             <p14:sldId id="290"/>
             <p14:sldId id="291"/>
+            <p14:sldId id="324"/>
+            <p14:sldId id="325"/>
             <p14:sldId id="293"/>
             <p14:sldId id="292"/>
+            <p14:sldId id="320"/>
           </p14:sldIdLst>
         </p14:section>
         <p14:section name="專案管理成熟度" id="{A69AF75D-0067-4473-8AD1-B527E5402B1D}">
           <p14:sldIdLst>
             <p14:sldId id="294"/>
+            <p14:sldId id="295"/>
             <p14:sldId id="296"/>
-            <p14:sldId id="295"/>
+            <p14:sldId id="326"/>
             <p14:sldId id="297"/>
+            <p14:sldId id="327"/>
             <p14:sldId id="298"/>
             <p14:sldId id="299"/>
             <p14:sldId id="300"/>
@@ -232,6 +246,8 @@
             <p14:sldId id="310"/>
             <p14:sldId id="311"/>
             <p14:sldId id="312"/>
+            <p14:sldId id="321"/>
+            <p14:sldId id="322"/>
             <p14:sldId id="313"/>
             <p14:sldId id="314"/>
             <p14:sldId id="315"/>
@@ -249,10 +265,12 @@
             <p14:sldId id="318"/>
           </p14:sldIdLst>
         </p14:section>
-        <p14:section name="Q &amp; A" id="{27C6F0C1-CF66-4C96-8872-D2274713128D}">
+        <p14:section name="相關論文" id="{27C6F0C1-CF66-4C96-8872-D2274713128D}">
           <p14:sldIdLst>
-            <p14:sldId id="319"/>
-            <p14:sldId id="320"/>
+            <p14:sldId id="323"/>
+            <p14:sldId id="328"/>
+            <p14:sldId id="330"/>
+            <p14:sldId id="329"/>
           </p14:sldIdLst>
         </p14:section>
       </p14:sectionLst>
@@ -264,7 +282,7 @@
             <a:srgbClr val="A4A3A4"/>
           </p15:clr>
         </p15:guide>
-        <p15:guide id="3" orient="horz" pos="2160">
+        <p15:guide id="3" orient="horz" pos="73" userDrawn="1">
           <p15:clr>
             <a:srgbClr val="A4A3A4"/>
           </p15:clr>
@@ -11831,7 +11849,7 @@
           <a:p>
             <a:r>
               <a:rPr lang="zh-TW" altLang="en-US" dirty="0"/>
-              <a:t>在專案、計畫、和專案組合</a:t>
+              <a:t>專案、計畫、和專案組合</a:t>
             </a:r>
           </a:p>
           <a:p>
@@ -12471,14 +12489,14 @@
             <p:ph idx="1"/>
             <p:extLst>
               <p:ext uri="{D42A27DB-BD31-4B8C-83A1-F6EECF244321}">
-                <p14:modId xmlns:p14="http://schemas.microsoft.com/office/powerpoint/2010/main" val="1733847623"/>
+                <p14:modId xmlns:p14="http://schemas.microsoft.com/office/powerpoint/2010/main" val="54557896"/>
               </p:ext>
             </p:extLst>
           </p:nvPr>
         </p:nvGraphicFramePr>
         <p:xfrm>
-          <a:off x="838200" y="1820863"/>
-          <a:ext cx="11018440" cy="2123440"/>
+          <a:off x="335360" y="1820863"/>
+          <a:ext cx="11521279" cy="4724400"/>
         </p:xfrm>
         <a:graphic>
           <a:graphicData uri="http://schemas.openxmlformats.org/drawingml/2006/table">
@@ -12487,28 +12505,28 @@
                 <a:tableStyleId>{5C22544A-7EE6-4342-B048-85BDC9FD1C3A}</a:tableStyleId>
               </a:tblPr>
               <a:tblGrid>
-                <a:gridCol w="1277409">
+                <a:gridCol w="1872208">
                   <a:extLst>
                     <a:ext uri="{9D8B030D-6E8A-4147-A177-3AD203B41FA5}">
                       <a16:colId xmlns:a16="http://schemas.microsoft.com/office/drawing/2014/main" val="3318587831"/>
                     </a:ext>
                   </a:extLst>
                 </a:gridCol>
-                <a:gridCol w="2862753">
+                <a:gridCol w="2808312">
                   <a:extLst>
                     <a:ext uri="{9D8B030D-6E8A-4147-A177-3AD203B41FA5}">
                       <a16:colId xmlns:a16="http://schemas.microsoft.com/office/drawing/2014/main" val="2652035338"/>
                     </a:ext>
                   </a:extLst>
                 </a:gridCol>
-                <a:gridCol w="3439139">
+                <a:gridCol w="3244671">
                   <a:extLst>
                     <a:ext uri="{9D8B030D-6E8A-4147-A177-3AD203B41FA5}">
                       <a16:colId xmlns:a16="http://schemas.microsoft.com/office/drawing/2014/main" val="1131463792"/>
                     </a:ext>
                   </a:extLst>
                 </a:gridCol>
-                <a:gridCol w="3439139">
+                <a:gridCol w="3596088">
                   <a:extLst>
                     <a:ext uri="{9D8B030D-6E8A-4147-A177-3AD203B41FA5}">
                       <a16:colId xmlns:a16="http://schemas.microsoft.com/office/drawing/2014/main" val="635773032"/>
@@ -12523,10 +12541,10 @@
                     <a:lstStyle/>
                     <a:p>
                       <a:r>
-                        <a:rPr lang="en-US" altLang="zh-TW" dirty="0"/>
+                        <a:rPr lang="en-US" altLang="zh-TW" sz="2800" dirty="0"/>
                         <a:t>Basis</a:t>
                       </a:r>
-                      <a:endParaRPr lang="zh-TW" altLang="en-US" dirty="0"/>
+                      <a:endParaRPr lang="zh-TW" altLang="en-US" sz="2800" dirty="0"/>
                     </a:p>
                   </a:txBody>
                   <a:tcPr/>
@@ -12537,10 +12555,10 @@
                     <a:lstStyle/>
                     <a:p>
                       <a:r>
-                        <a:rPr lang="en-US" altLang="zh-TW" dirty="0"/>
+                        <a:rPr lang="en-US" altLang="zh-TW" sz="2800" dirty="0"/>
                         <a:t>Authority</a:t>
                       </a:r>
-                      <a:endParaRPr lang="zh-TW" altLang="en-US" dirty="0"/>
+                      <a:endParaRPr lang="zh-TW" altLang="en-US" sz="2800" dirty="0"/>
                     </a:p>
                   </a:txBody>
                   <a:tcPr/>
@@ -12551,10 +12569,10 @@
                     <a:lstStyle/>
                     <a:p>
                       <a:r>
-                        <a:rPr lang="en-US" altLang="zh-TW" dirty="0"/>
+                        <a:rPr lang="en-US" altLang="zh-TW" sz="2800" dirty="0"/>
                         <a:t>Responsibility</a:t>
                       </a:r>
-                      <a:endParaRPr lang="zh-TW" altLang="en-US" dirty="0"/>
+                      <a:endParaRPr lang="zh-TW" altLang="en-US" sz="2800" dirty="0"/>
                     </a:p>
                   </a:txBody>
                   <a:tcPr/>
@@ -12565,10 +12583,10 @@
                     <a:lstStyle/>
                     <a:p>
                       <a:r>
-                        <a:rPr lang="en-US" altLang="zh-TW" dirty="0"/>
+                        <a:rPr lang="en-US" altLang="zh-TW" sz="2800" dirty="0"/>
                         <a:t>Accountability</a:t>
                       </a:r>
-                      <a:endParaRPr lang="zh-TW" altLang="en-US" dirty="0"/>
+                      <a:endParaRPr lang="zh-TW" altLang="en-US" sz="2800" dirty="0"/>
                     </a:p>
                   </a:txBody>
                   <a:tcPr/>
@@ -12586,10 +12604,42 @@
                     <a:lstStyle/>
                     <a:p>
                       <a:r>
-                        <a:rPr lang="en-US" altLang="zh-TW" dirty="0"/>
+                        <a:rPr lang="en-US" altLang="zh-TW" sz="2800" b="1" kern="1200" dirty="0">
+                          <a:solidFill>
+                            <a:schemeClr val="lt1"/>
+                          </a:solidFill>
+                          <a:latin typeface="+mn-lt"/>
+                          <a:ea typeface="+mn-ea"/>
+                          <a:cs typeface="+mn-cs"/>
+                        </a:rPr>
                         <a:t>Meaning</a:t>
                       </a:r>
-                      <a:endParaRPr lang="zh-TW" altLang="en-US" dirty="0"/>
+                      <a:endParaRPr lang="zh-TW" altLang="en-US" sz="2800" b="1" kern="1200" dirty="0">
+                        <a:solidFill>
+                          <a:schemeClr val="lt1"/>
+                        </a:solidFill>
+                        <a:latin typeface="+mn-lt"/>
+                        <a:ea typeface="+mn-ea"/>
+                        <a:cs typeface="+mn-cs"/>
+                      </a:endParaRPr>
+                    </a:p>
+                  </a:txBody>
+                  <a:tcPr>
+                    <a:solidFill>
+                      <a:schemeClr val="accent1"/>
+                    </a:solidFill>
+                  </a:tcPr>
+                </a:tc>
+                <a:tc>
+                  <a:txBody>
+                    <a:bodyPr/>
+                    <a:lstStyle/>
+                    <a:p>
+                      <a:r>
+                        <a:rPr lang="en-US" altLang="zh-TW" sz="2800" dirty="0"/>
+                        <a:t>Right to command</a:t>
+                      </a:r>
+                      <a:endParaRPr lang="zh-TW" altLang="en-US" sz="2800" dirty="0"/>
                     </a:p>
                   </a:txBody>
                   <a:tcPr/>
@@ -12600,10 +12650,10 @@
                     <a:lstStyle/>
                     <a:p>
                       <a:r>
-                        <a:rPr lang="en-US" altLang="zh-TW" dirty="0"/>
-                        <a:t>Right to command</a:t>
+                        <a:rPr lang="en-US" altLang="zh-TW" sz="2800" dirty="0"/>
+                        <a:t>Obligation to performance the assigned task</a:t>
                       </a:r>
-                      <a:endParaRPr lang="zh-TW" altLang="en-US" dirty="0"/>
+                      <a:endParaRPr lang="zh-TW" altLang="en-US" sz="2800" dirty="0"/>
                     </a:p>
                   </a:txBody>
                   <a:tcPr/>
@@ -12614,24 +12664,10 @@
                     <a:lstStyle/>
                     <a:p>
                       <a:r>
-                        <a:rPr lang="en-US" altLang="zh-TW" dirty="0"/>
-                        <a:t>Obligation to performance the assigned task</a:t>
-                      </a:r>
-                      <a:endParaRPr lang="zh-TW" altLang="en-US" dirty="0"/>
-                    </a:p>
-                  </a:txBody>
-                  <a:tcPr/>
-                </a:tc>
-                <a:tc>
-                  <a:txBody>
-                    <a:bodyPr/>
-                    <a:lstStyle/>
-                    <a:p>
-                      <a:r>
-                        <a:rPr lang="en-US" altLang="zh-TW" dirty="0"/>
+                        <a:rPr lang="en-US" altLang="zh-TW" sz="2800" dirty="0"/>
                         <a:t>Answerability for outcome of the assigned task</a:t>
                       </a:r>
-                      <a:endParaRPr lang="zh-TW" altLang="en-US" dirty="0"/>
+                      <a:endParaRPr lang="zh-TW" altLang="en-US" sz="2800" dirty="0"/>
                     </a:p>
                   </a:txBody>
                   <a:tcPr/>
@@ -12649,10 +12685,42 @@
                     <a:lstStyle/>
                     <a:p>
                       <a:r>
-                        <a:rPr lang="en-US" altLang="zh-TW" dirty="0"/>
+                        <a:rPr lang="en-US" altLang="zh-TW" sz="2800" b="1" kern="1200" dirty="0">
+                          <a:solidFill>
+                            <a:schemeClr val="lt1"/>
+                          </a:solidFill>
+                          <a:latin typeface="+mn-lt"/>
+                          <a:ea typeface="+mn-ea"/>
+                          <a:cs typeface="+mn-cs"/>
+                        </a:rPr>
                         <a:t>Delegation</a:t>
                       </a:r>
-                      <a:endParaRPr lang="zh-TW" altLang="en-US" dirty="0"/>
+                      <a:endParaRPr lang="zh-TW" altLang="en-US" sz="2800" b="1" kern="1200" dirty="0">
+                        <a:solidFill>
+                          <a:schemeClr val="lt1"/>
+                        </a:solidFill>
+                        <a:latin typeface="+mn-lt"/>
+                        <a:ea typeface="+mn-ea"/>
+                        <a:cs typeface="+mn-cs"/>
+                      </a:endParaRPr>
+                    </a:p>
+                  </a:txBody>
+                  <a:tcPr>
+                    <a:solidFill>
+                      <a:schemeClr val="accent1"/>
+                    </a:solidFill>
+                  </a:tcPr>
+                </a:tc>
+                <a:tc>
+                  <a:txBody>
+                    <a:bodyPr/>
+                    <a:lstStyle/>
+                    <a:p>
+                      <a:r>
+                        <a:rPr lang="en-US" altLang="zh-TW" sz="2800" dirty="0"/>
+                        <a:t>Can be delegated</a:t>
+                      </a:r>
+                      <a:endParaRPr lang="zh-TW" altLang="en-US" sz="2800" dirty="0"/>
                     </a:p>
                   </a:txBody>
                   <a:tcPr/>
@@ -12663,10 +12731,10 @@
                     <a:lstStyle/>
                     <a:p>
                       <a:r>
-                        <a:rPr lang="en-US" altLang="zh-TW" dirty="0"/>
-                        <a:t>Can be delegated</a:t>
+                        <a:rPr lang="en-US" altLang="zh-TW" sz="2800" dirty="0"/>
+                        <a:t>Can not be fully delegated</a:t>
                       </a:r>
-                      <a:endParaRPr lang="zh-TW" altLang="en-US" dirty="0"/>
+                      <a:endParaRPr lang="zh-TW" altLang="en-US" sz="2800" dirty="0"/>
                     </a:p>
                   </a:txBody>
                   <a:tcPr/>
@@ -12677,24 +12745,10 @@
                     <a:lstStyle/>
                     <a:p>
                       <a:r>
-                        <a:rPr lang="en-US" altLang="zh-TW" dirty="0"/>
-                        <a:t>Can not be fully delegated</a:t>
-                      </a:r>
-                      <a:endParaRPr lang="zh-TW" altLang="en-US" dirty="0"/>
-                    </a:p>
-                  </a:txBody>
-                  <a:tcPr/>
-                </a:tc>
-                <a:tc>
-                  <a:txBody>
-                    <a:bodyPr/>
-                    <a:lstStyle/>
-                    <a:p>
-                      <a:r>
-                        <a:rPr lang="en-US" altLang="zh-TW" dirty="0"/>
+                        <a:rPr lang="en-US" altLang="zh-TW" sz="2800" dirty="0"/>
                         <a:t>Can not be delegated at all</a:t>
                       </a:r>
-                      <a:endParaRPr lang="zh-TW" altLang="en-US" dirty="0"/>
+                      <a:endParaRPr lang="zh-TW" altLang="en-US" sz="2800" dirty="0"/>
                     </a:p>
                   </a:txBody>
                   <a:tcPr/>
@@ -12712,10 +12766,42 @@
                     <a:lstStyle/>
                     <a:p>
                       <a:r>
-                        <a:rPr lang="en-US" altLang="zh-TW" dirty="0"/>
+                        <a:rPr lang="en-US" altLang="zh-TW" sz="2800" b="1" kern="1200" dirty="0">
+                          <a:solidFill>
+                            <a:schemeClr val="lt1"/>
+                          </a:solidFill>
+                          <a:latin typeface="+mn-lt"/>
+                          <a:ea typeface="+mn-ea"/>
+                          <a:cs typeface="+mn-cs"/>
+                        </a:rPr>
                         <a:t>Origin</a:t>
                       </a:r>
-                      <a:endParaRPr lang="zh-TW" altLang="en-US" dirty="0"/>
+                      <a:endParaRPr lang="zh-TW" altLang="en-US" sz="2800" b="1" kern="1200" dirty="0">
+                        <a:solidFill>
+                          <a:schemeClr val="lt1"/>
+                        </a:solidFill>
+                        <a:latin typeface="+mn-lt"/>
+                        <a:ea typeface="+mn-ea"/>
+                        <a:cs typeface="+mn-cs"/>
+                      </a:endParaRPr>
+                    </a:p>
+                  </a:txBody>
+                  <a:tcPr>
+                    <a:solidFill>
+                      <a:schemeClr val="accent1"/>
+                    </a:solidFill>
+                  </a:tcPr>
+                </a:tc>
+                <a:tc>
+                  <a:txBody>
+                    <a:bodyPr/>
+                    <a:lstStyle/>
+                    <a:p>
+                      <a:r>
+                        <a:rPr lang="en-US" altLang="zh-TW" sz="2800" dirty="0"/>
+                        <a:t>Arises from formal position</a:t>
+                      </a:r>
+                      <a:endParaRPr lang="zh-TW" altLang="en-US" sz="2800" dirty="0"/>
                     </a:p>
                   </a:txBody>
                   <a:tcPr/>
@@ -12726,10 +12812,10 @@
                     <a:lstStyle/>
                     <a:p>
                       <a:r>
-                        <a:rPr lang="en-US" altLang="zh-TW" dirty="0"/>
-                        <a:t>Arises from formal position</a:t>
+                        <a:rPr lang="en-US" altLang="zh-TW" sz="2800" dirty="0"/>
+                        <a:t>Arises from delegated authority</a:t>
                       </a:r>
-                      <a:endParaRPr lang="zh-TW" altLang="en-US" dirty="0"/>
+                      <a:endParaRPr lang="zh-TW" altLang="en-US" sz="2800" dirty="0"/>
                     </a:p>
                   </a:txBody>
                   <a:tcPr/>
@@ -12740,24 +12826,10 @@
                     <a:lstStyle/>
                     <a:p>
                       <a:r>
-                        <a:rPr lang="en-US" altLang="zh-TW" dirty="0"/>
-                        <a:t>Arises from delegated authority</a:t>
-                      </a:r>
-                      <a:endParaRPr lang="zh-TW" altLang="en-US" dirty="0"/>
-                    </a:p>
-                  </a:txBody>
-                  <a:tcPr/>
-                </a:tc>
-                <a:tc>
-                  <a:txBody>
-                    <a:bodyPr/>
-                    <a:lstStyle/>
-                    <a:p>
-                      <a:r>
-                        <a:rPr lang="en-US" altLang="zh-TW" dirty="0"/>
+                        <a:rPr lang="en-US" altLang="zh-TW" sz="2800" dirty="0"/>
                         <a:t>Arises from responsibility</a:t>
                       </a:r>
-                      <a:endParaRPr lang="zh-TW" altLang="en-US" dirty="0"/>
+                      <a:endParaRPr lang="zh-TW" altLang="en-US" sz="2800" dirty="0"/>
                     </a:p>
                   </a:txBody>
                   <a:tcPr/>
@@ -12775,10 +12847,42 @@
                     <a:lstStyle/>
                     <a:p>
                       <a:r>
-                        <a:rPr lang="en-US" altLang="zh-TW" dirty="0"/>
+                        <a:rPr lang="en-US" altLang="zh-TW" sz="2800" b="1" kern="1200" dirty="0">
+                          <a:solidFill>
+                            <a:schemeClr val="lt1"/>
+                          </a:solidFill>
+                          <a:latin typeface="+mn-lt"/>
+                          <a:ea typeface="+mn-ea"/>
+                          <a:cs typeface="+mn-cs"/>
+                        </a:rPr>
                         <a:t>Flow</a:t>
                       </a:r>
-                      <a:endParaRPr lang="zh-TW" altLang="en-US" dirty="0"/>
+                      <a:endParaRPr lang="zh-TW" altLang="en-US" sz="2800" b="1" kern="1200" dirty="0">
+                        <a:solidFill>
+                          <a:schemeClr val="lt1"/>
+                        </a:solidFill>
+                        <a:latin typeface="+mn-lt"/>
+                        <a:ea typeface="+mn-ea"/>
+                        <a:cs typeface="+mn-cs"/>
+                      </a:endParaRPr>
+                    </a:p>
+                  </a:txBody>
+                  <a:tcPr>
+                    <a:solidFill>
+                      <a:schemeClr val="accent1"/>
+                    </a:solidFill>
+                  </a:tcPr>
+                </a:tc>
+                <a:tc>
+                  <a:txBody>
+                    <a:bodyPr/>
+                    <a:lstStyle/>
+                    <a:p>
+                      <a:r>
+                        <a:rPr lang="en-US" altLang="zh-TW" sz="2800" dirty="0"/>
+                        <a:t>Always flow downward</a:t>
+                      </a:r>
+                      <a:endParaRPr lang="zh-TW" altLang="en-US" sz="2800" dirty="0"/>
                     </a:p>
                   </a:txBody>
                   <a:tcPr/>
@@ -12789,10 +12893,10 @@
                     <a:lstStyle/>
                     <a:p>
                       <a:r>
-                        <a:rPr lang="en-US" altLang="zh-TW" dirty="0"/>
-                        <a:t>Always flow downward</a:t>
+                        <a:rPr lang="en-US" altLang="zh-TW" sz="2800" dirty="0"/>
+                        <a:t>Always flow upward</a:t>
                       </a:r>
-                      <a:endParaRPr lang="zh-TW" altLang="en-US" dirty="0"/>
+                      <a:endParaRPr lang="zh-TW" altLang="en-US" sz="2800" dirty="0"/>
                     </a:p>
                   </a:txBody>
                   <a:tcPr/>
@@ -12803,24 +12907,10 @@
                     <a:lstStyle/>
                     <a:p>
                       <a:r>
-                        <a:rPr lang="en-US" altLang="zh-TW" dirty="0"/>
+                        <a:rPr lang="en-US" altLang="zh-TW" sz="2800" dirty="0"/>
                         <a:t>Always flow upward</a:t>
                       </a:r>
-                      <a:endParaRPr lang="zh-TW" altLang="en-US" dirty="0"/>
-                    </a:p>
-                  </a:txBody>
-                  <a:tcPr/>
-                </a:tc>
-                <a:tc>
-                  <a:txBody>
-                    <a:bodyPr/>
-                    <a:lstStyle/>
-                    <a:p>
-                      <a:r>
-                        <a:rPr lang="en-US" altLang="zh-TW" dirty="0"/>
-                        <a:t>Always flow upward</a:t>
-                      </a:r>
-                      <a:endParaRPr lang="zh-TW" altLang="en-US" dirty="0"/>
+                      <a:endParaRPr lang="zh-TW" altLang="en-US" sz="2800" dirty="0"/>
                     </a:p>
                   </a:txBody>
                   <a:tcPr/>
@@ -12942,84 +13032,38 @@
         <p:spPr/>
         <p:txBody>
           <a:bodyPr>
-            <a:normAutofit fontScale="92500" lnSpcReduction="10000"/>
+            <a:normAutofit/>
           </a:bodyPr>
           <a:lstStyle/>
           <a:p>
             <a:r>
+              <a:rPr lang="en-US" altLang="zh-TW" dirty="0">
+                <a:hlinkClick r:id="rId2"/>
+              </a:rPr>
+              <a:t>PMI </a:t>
+            </a:r>
+            <a:r>
+              <a:rPr lang="zh-TW" altLang="en-US" dirty="0">
+                <a:hlinkClick r:id="rId2"/>
+              </a:rPr>
+              <a:t>定義</a:t>
+            </a:r>
+            <a:endParaRPr lang="en-US" altLang="zh-TW" dirty="0"/>
+          </a:p>
+          <a:p>
+            <a:pPr lvl="1"/>
+            <a:r>
+              <a:rPr lang="zh-TW" altLang="en-US" dirty="0"/>
+              <a:t>專案管理為一種專門技術，乃統合運用管理知識、技術、工具、方法於專案活動上，使專案交付標的物能夠符合或超越專案利害關係人的需求與期望。</a:t>
+            </a:r>
+            <a:endParaRPr lang="en-US" altLang="zh-TW" dirty="0"/>
+          </a:p>
+          <a:p>
+            <a:pPr lvl="1"/>
+            <a:r>
               <a:rPr lang="en-US" altLang="zh-TW" dirty="0"/>
-              <a:t>PMI </a:t>
-            </a:r>
-            <a:r>
-              <a:rPr lang="zh-TW" altLang="en-US" dirty="0"/>
-              <a:t>定義</a:t>
-            </a:r>
-            <a:endParaRPr lang="en-US" altLang="zh-TW" dirty="0"/>
-          </a:p>
-          <a:p>
-            <a:pPr lvl="1"/>
-            <a:r>
-              <a:rPr lang="zh-TW" altLang="en-US" dirty="0"/>
-              <a:t>專案管理為一種專門技術，乃統合運用管理知識、技術、工具、方法於專案活動上，使專案交付標的物能夠符合或超越專案利害關係人的需求與期望。</a:t>
-            </a:r>
-            <a:endParaRPr lang="en-US" altLang="zh-TW" dirty="0"/>
-          </a:p>
-          <a:p>
-            <a:r>
-              <a:rPr lang="en-US" altLang="zh-TW" dirty="0"/>
-              <a:t>Kerzner</a:t>
-            </a:r>
-            <a:r>
-              <a:rPr lang="zh-TW" altLang="en-US" dirty="0"/>
-              <a:t>（</a:t>
-            </a:r>
-            <a:r>
-              <a:rPr lang="en-US" altLang="zh-TW" dirty="0"/>
-              <a:t>2004</a:t>
-            </a:r>
-            <a:r>
-              <a:rPr lang="zh-TW" altLang="en-US" dirty="0"/>
-              <a:t>）定義</a:t>
-            </a:r>
-            <a:endParaRPr lang="en-US" altLang="zh-TW" dirty="0"/>
-          </a:p>
-          <a:p>
-            <a:pPr lvl="1"/>
-            <a:r>
-              <a:rPr lang="zh-TW" altLang="en-US" dirty="0"/>
-              <a:t>專案管理為藉由建立一個相對短期目標，藉由規劃、組織、指導、和控制公司資源以達成特定的目標和目的。</a:t>
-            </a:r>
-            <a:endParaRPr lang="en-US" altLang="zh-TW" dirty="0"/>
-          </a:p>
-          <a:p>
-            <a:r>
-              <a:rPr lang="en-US" altLang="zh-TW" dirty="0"/>
-              <a:t>Wysocki</a:t>
-            </a:r>
-            <a:r>
-              <a:rPr lang="zh-TW" altLang="en-US" dirty="0"/>
-              <a:t>（</a:t>
-            </a:r>
-            <a:r>
-              <a:rPr lang="en-US" altLang="zh-TW" dirty="0"/>
-              <a:t>2014</a:t>
-            </a:r>
-            <a:r>
-              <a:rPr lang="zh-TW" altLang="en-US" dirty="0"/>
-              <a:t>）定義</a:t>
-            </a:r>
-            <a:endParaRPr lang="en-US" altLang="zh-TW" dirty="0"/>
-          </a:p>
-          <a:p>
-            <a:pPr lvl="1"/>
-            <a:r>
-              <a:rPr lang="zh-TW" altLang="en-US" dirty="0"/>
-              <a:t>透過適當的顧客參與，以有組織的普通常識性手法來滿足贊助者需求和傳遞增量的期望商業價值。</a:t>
-            </a:r>
-            <a:endParaRPr lang="en-US" altLang="zh-TW" dirty="0"/>
-          </a:p>
-          <a:p>
-            <a:endParaRPr lang="zh-TW" altLang="en-US" dirty="0"/>
+              <a:t>Project management is the application of knowledge, skills, tools, and techniques to project activities to meet the project requirements. </a:t>
+            </a:r>
           </a:p>
         </p:txBody>
       </p:sp>
@@ -13053,6 +13097,42 @@
           </a:p>
         </p:txBody>
       </p:sp>
+      <p:pic>
+        <p:nvPicPr>
+          <p:cNvPr id="6" name="圖片 5">
+            <a:extLst>
+              <a:ext uri="{FF2B5EF4-FFF2-40B4-BE49-F238E27FC236}">
+                <a16:creationId xmlns:a16="http://schemas.microsoft.com/office/drawing/2014/main" id="{1037B43B-ED2F-48B7-A003-7E9DCA1BF501}"/>
+              </a:ext>
+            </a:extLst>
+          </p:cNvPr>
+          <p:cNvPicPr>
+            <a:picLocks noChangeAspect="1"/>
+          </p:cNvPicPr>
+          <p:nvPr/>
+        </p:nvPicPr>
+        <p:blipFill>
+          <a:blip r:embed="rId3" cstate="print">
+            <a:extLst>
+              <a:ext uri="{28A0092B-C50C-407E-A947-70E740481C1C}">
+                <a14:useLocalDpi xmlns:a14="http://schemas.microsoft.com/office/drawing/2010/main" val="0"/>
+              </a:ext>
+            </a:extLst>
+          </a:blip>
+          <a:stretch>
+            <a:fillRect/>
+          </a:stretch>
+        </p:blipFill>
+        <p:spPr>
+          <a:xfrm>
+            <a:off x="5807968" y="260501"/>
+            <a:ext cx="1185490" cy="1536518"/>
+          </a:xfrm>
+          <a:prstGeom prst="rect">
+            <a:avLst/>
+          </a:prstGeom>
+        </p:spPr>
+      </p:pic>
     </p:spTree>
     <p:extLst>
       <p:ext uri="{BB962C8B-B14F-4D97-AF65-F5344CB8AC3E}">
@@ -13085,10 +13165,10 @@
       </p:grpSpPr>
       <p:sp>
         <p:nvSpPr>
-          <p:cNvPr id="5" name="標題 4">
+          <p:cNvPr id="2" name="標題 1">
             <a:extLst>
               <a:ext uri="{FF2B5EF4-FFF2-40B4-BE49-F238E27FC236}">
-                <a16:creationId xmlns:a16="http://schemas.microsoft.com/office/drawing/2014/main" id="{64570FF0-F78B-468A-8A8C-DED14A098CB6}"/>
+                <a16:creationId xmlns:a16="http://schemas.microsoft.com/office/drawing/2014/main" id="{B227F00B-2090-4061-AB19-2711DC1AFEFF}"/>
               </a:ext>
             </a:extLst>
           </p:cNvPr>
@@ -13106,7 +13186,65 @@
           <a:p>
             <a:r>
               <a:rPr lang="zh-TW" altLang="en-US" dirty="0"/>
-              <a:t>專案管理</a:t>
+              <a:t>專案管理的定義</a:t>
+            </a:r>
+          </a:p>
+        </p:txBody>
+      </p:sp>
+      <p:sp>
+        <p:nvSpPr>
+          <p:cNvPr id="3" name="內容版面配置區 2">
+            <a:extLst>
+              <a:ext uri="{FF2B5EF4-FFF2-40B4-BE49-F238E27FC236}">
+                <a16:creationId xmlns:a16="http://schemas.microsoft.com/office/drawing/2014/main" id="{2592D4B6-8544-4441-ABE1-FE112F29D9B4}"/>
+              </a:ext>
+            </a:extLst>
+          </p:cNvPr>
+          <p:cNvSpPr>
+            <a:spLocks noGrp="1"/>
+          </p:cNvSpPr>
+          <p:nvPr>
+            <p:ph idx="1"/>
+          </p:nvPr>
+        </p:nvSpPr>
+        <p:spPr/>
+        <p:txBody>
+          <a:bodyPr>
+            <a:normAutofit/>
+          </a:bodyPr>
+          <a:lstStyle/>
+          <a:p>
+            <a:r>
+              <a:rPr lang="en-US" altLang="zh-TW" dirty="0"/>
+              <a:t>Kerzner</a:t>
+            </a:r>
+            <a:r>
+              <a:rPr lang="zh-TW" altLang="en-US" dirty="0"/>
+              <a:t>（</a:t>
+            </a:r>
+            <a:r>
+              <a:rPr lang="en-US" altLang="zh-TW" dirty="0"/>
+              <a:t>2004</a:t>
+            </a:r>
+            <a:r>
+              <a:rPr lang="zh-TW" altLang="en-US" dirty="0"/>
+              <a:t>）定義</a:t>
+            </a:r>
+            <a:endParaRPr lang="en-US" altLang="zh-TW" dirty="0"/>
+          </a:p>
+          <a:p>
+            <a:pPr lvl="1"/>
+            <a:r>
+              <a:rPr lang="zh-TW" altLang="en-US" dirty="0"/>
+              <a:t>專案管理為藉由建立一個相對短期目標，藉由規劃、組織、指導、和控制公司資源以達成特定的目標和目的。</a:t>
+            </a:r>
+            <a:endParaRPr lang="en-US" altLang="zh-TW" dirty="0"/>
+          </a:p>
+          <a:p>
+            <a:pPr lvl="1"/>
+            <a:r>
+              <a:rPr lang="en-US" altLang="zh-TW" dirty="0"/>
+              <a:t>Project management is the planning, organizing, directing, and controlling of company resources for a relatively short-term objective that has been established to complete specific goals and objectives.</a:t>
             </a:r>
           </a:p>
         </p:txBody>
@@ -13116,7 +13254,7 @@
           <p:cNvPr id="4" name="投影片編號版面配置區 3">
             <a:extLst>
               <a:ext uri="{FF2B5EF4-FFF2-40B4-BE49-F238E27FC236}">
-                <a16:creationId xmlns:a16="http://schemas.microsoft.com/office/drawing/2014/main" id="{2451DEB2-695B-49AC-8C37-CC814DD15762}"/>
+                <a16:creationId xmlns:a16="http://schemas.microsoft.com/office/drawing/2014/main" id="{35C2F945-45D9-41DC-861D-13F8710F9833}"/>
               </a:ext>
             </a:extLst>
           </p:cNvPr>
@@ -13143,10 +13281,10 @@
       </p:sp>
       <p:pic>
         <p:nvPicPr>
-          <p:cNvPr id="7" name="圖片 6">
+          <p:cNvPr id="8" name="圖片 7">
             <a:extLst>
               <a:ext uri="{FF2B5EF4-FFF2-40B4-BE49-F238E27FC236}">
-                <a16:creationId xmlns:a16="http://schemas.microsoft.com/office/drawing/2014/main" id="{CE3B1522-EBC1-4BA1-A251-09CA71EB6422}"/>
+                <a16:creationId xmlns:a16="http://schemas.microsoft.com/office/drawing/2014/main" id="{2A098ECD-552E-4E37-A597-B43F40B78ADB}"/>
               </a:ext>
             </a:extLst>
           </p:cNvPr>
@@ -13156,71 +13294,31 @@
           <p:nvPr/>
         </p:nvPicPr>
         <p:blipFill>
-          <a:blip r:embed="rId2"/>
+          <a:blip r:embed="rId2">
+            <a:extLst>
+              <a:ext uri="{28A0092B-C50C-407E-A947-70E740481C1C}">
+                <a14:useLocalDpi xmlns:a14="http://schemas.microsoft.com/office/drawing/2010/main" val="0"/>
+              </a:ext>
+            </a:extLst>
+          </a:blip>
           <a:stretch>
             <a:fillRect/>
           </a:stretch>
         </p:blipFill>
         <p:spPr>
           <a:xfrm>
-            <a:off x="3067595" y="1124744"/>
-            <a:ext cx="4900613" cy="5514975"/>
+            <a:off x="6993458" y="260501"/>
+            <a:ext cx="1550814" cy="1550814"/>
           </a:xfrm>
           <a:prstGeom prst="rect">
             <a:avLst/>
           </a:prstGeom>
         </p:spPr>
       </p:pic>
-      <p:sp>
-        <p:nvSpPr>
-          <p:cNvPr id="8" name="矩形 7">
-            <a:extLst>
-              <a:ext uri="{FF2B5EF4-FFF2-40B4-BE49-F238E27FC236}">
-                <a16:creationId xmlns:a16="http://schemas.microsoft.com/office/drawing/2014/main" id="{4B7BD301-B3C5-462A-AA54-98B34ACE2EFC}"/>
-              </a:ext>
-            </a:extLst>
-          </p:cNvPr>
-          <p:cNvSpPr/>
-          <p:nvPr/>
-        </p:nvSpPr>
-        <p:spPr>
-          <a:xfrm>
-            <a:off x="3666112" y="649163"/>
-            <a:ext cx="1851789" cy="369332"/>
-          </a:xfrm>
-          <a:prstGeom prst="rect">
-            <a:avLst/>
-          </a:prstGeom>
-        </p:spPr>
-        <p:txBody>
-          <a:bodyPr wrap="none">
-            <a:spAutoFit/>
-          </a:bodyPr>
-          <a:lstStyle/>
-          <a:p>
-            <a:r>
-              <a:rPr lang="en-US" altLang="zh-TW" dirty="0"/>
-              <a:t>Kerzner</a:t>
-            </a:r>
-            <a:r>
-              <a:rPr lang="zh-TW" altLang="en-US" dirty="0"/>
-              <a:t>（</a:t>
-            </a:r>
-            <a:r>
-              <a:rPr lang="en-US" altLang="zh-TW" dirty="0"/>
-              <a:t>2004</a:t>
-            </a:r>
-            <a:r>
-              <a:rPr lang="zh-TW" altLang="en-US" dirty="0"/>
-              <a:t>）</a:t>
-            </a:r>
-          </a:p>
-        </p:txBody>
-      </p:sp>
     </p:spTree>
     <p:extLst>
       <p:ext uri="{BB962C8B-B14F-4D97-AF65-F5344CB8AC3E}">
-        <p14:creationId xmlns:p14="http://schemas.microsoft.com/office/powerpoint/2010/main" val="444543783"/>
+        <p14:creationId xmlns:p14="http://schemas.microsoft.com/office/powerpoint/2010/main" val="3601335093"/>
       </p:ext>
     </p:extLst>
   </p:cSld>
@@ -13252,7 +13350,7 @@
           <p:cNvPr id="2" name="標題 1">
             <a:extLst>
               <a:ext uri="{FF2B5EF4-FFF2-40B4-BE49-F238E27FC236}">
-                <a16:creationId xmlns:a16="http://schemas.microsoft.com/office/drawing/2014/main" id="{A8D830E1-03E5-4793-9B96-6370A400A612}"/>
+                <a16:creationId xmlns:a16="http://schemas.microsoft.com/office/drawing/2014/main" id="{B227F00B-2090-4061-AB19-2711DC1AFEFF}"/>
               </a:ext>
             </a:extLst>
           </p:cNvPr>
@@ -13270,7 +13368,7 @@
           <a:p>
             <a:r>
               <a:rPr lang="zh-TW" altLang="en-US" dirty="0"/>
-              <a:t>專案管理的三個法則</a:t>
+              <a:t>專案管理的定義</a:t>
             </a:r>
           </a:p>
         </p:txBody>
@@ -13280,7 +13378,7 @@
           <p:cNvPr id="3" name="內容版面配置區 2">
             <a:extLst>
               <a:ext uri="{FF2B5EF4-FFF2-40B4-BE49-F238E27FC236}">
-                <a16:creationId xmlns:a16="http://schemas.microsoft.com/office/drawing/2014/main" id="{FACA8C27-6153-4CDA-8903-6E256E4776A7}"/>
+                <a16:creationId xmlns:a16="http://schemas.microsoft.com/office/drawing/2014/main" id="{2592D4B6-8544-4441-ABE1-FE112F29D9B4}"/>
               </a:ext>
             </a:extLst>
           </p:cNvPr>
@@ -13293,94 +13391,57 @@
         </p:nvSpPr>
         <p:spPr/>
         <p:txBody>
-          <a:bodyPr>
-            <a:normAutofit fontScale="92500"/>
-          </a:bodyPr>
-          <a:lstStyle/>
-          <a:p>
-            <a:r>
-              <a:rPr lang="zh-TW" altLang="en-US" dirty="0"/>
-              <a:t>專案失敗（時程延宕或預算超出）的原因，影響法則</a:t>
+          <a:bodyPr/>
+          <a:lstStyle/>
+          <a:p>
+            <a:r>
+              <a:rPr lang="en-US" altLang="zh-TW" dirty="0"/>
+              <a:t>Wysocki</a:t>
+            </a:r>
+            <a:r>
+              <a:rPr lang="zh-TW" altLang="en-US" dirty="0"/>
+              <a:t>（</a:t>
+            </a:r>
+            <a:r>
+              <a:rPr lang="en-US" altLang="zh-TW" dirty="0"/>
+              <a:t>2014</a:t>
+            </a:r>
+            <a:r>
+              <a:rPr lang="zh-TW" altLang="en-US" dirty="0"/>
+              <a:t>）定義</a:t>
             </a:r>
             <a:endParaRPr lang="en-US" altLang="zh-TW" dirty="0"/>
           </a:p>
           <a:p>
-            <a:r>
-              <a:rPr lang="zh-TW" altLang="en-US" dirty="0"/>
-              <a:t>帕金森定律（</a:t>
-            </a:r>
+            <a:pPr lvl="1"/>
+            <a:r>
+              <a:rPr lang="zh-TW" altLang="en-US" dirty="0"/>
+              <a:t>透過適當的</a:t>
+            </a:r>
+            <a:r>
+              <a:rPr lang="zh-TW" altLang="en-US" b="1" dirty="0"/>
+              <a:t>顧客參與</a:t>
+            </a:r>
+            <a:r>
+              <a:rPr lang="zh-TW" altLang="en-US" dirty="0"/>
+              <a:t>，以有組織的普通常識性手法來滿足贊助者需求和傳遞增量的期望商業價值。</a:t>
+            </a:r>
+            <a:endParaRPr lang="en-US" altLang="zh-TW" dirty="0"/>
+          </a:p>
+          <a:p>
+            <a:pPr lvl="1"/>
             <a:r>
               <a:rPr lang="en-US" altLang="zh-TW" dirty="0"/>
-              <a:t>Parkinson’s law</a:t>
-            </a:r>
-            <a:r>
-              <a:rPr lang="zh-TW" altLang="en-US" dirty="0"/>
-              <a:t>）</a:t>
-            </a:r>
-            <a:endParaRPr lang="en-US" altLang="zh-TW" dirty="0"/>
-          </a:p>
-          <a:p>
-            <a:pPr lvl="1"/>
-            <a:r>
-              <a:rPr lang="zh-TW" altLang="en-US" dirty="0"/>
-              <a:t>有多少時間可以完成工作，就會用盡整個時間。很少提前完成。</a:t>
-            </a:r>
-            <a:endParaRPr lang="en-US" altLang="zh-TW" dirty="0"/>
-          </a:p>
-          <a:p>
-            <a:r>
-              <a:rPr lang="zh-TW" altLang="en-US" dirty="0"/>
-              <a:t>彼得原理（</a:t>
+              <a:t>Project management is an organized common-sense approach that utilizes the appropriate </a:t>
+            </a:r>
+            <a:r>
+              <a:rPr lang="en-US" altLang="zh-TW" b="1" dirty="0"/>
+              <a:t>client involvement </a:t>
             </a:r>
             <a:r>
               <a:rPr lang="en-US" altLang="zh-TW" dirty="0"/>
-              <a:t>Peter principle</a:t>
-            </a:r>
-            <a:r>
-              <a:rPr lang="zh-TW" altLang="en-US" dirty="0"/>
-              <a:t>）</a:t>
-            </a:r>
-            <a:endParaRPr lang="en-US" altLang="zh-TW" dirty="0"/>
-          </a:p>
-          <a:p>
-            <a:pPr lvl="1"/>
-            <a:r>
-              <a:rPr lang="zh-TW" altLang="en-US" dirty="0"/>
-              <a:t>人往往被晉升到其能力所不及的職位</a:t>
-            </a:r>
-            <a:endParaRPr lang="en-US" altLang="zh-TW" dirty="0"/>
-          </a:p>
-          <a:p>
-            <a:pPr lvl="1"/>
-            <a:r>
-              <a:rPr lang="zh-TW" altLang="en-US" dirty="0"/>
-              <a:t>有能力的人不會被拔擢</a:t>
-            </a:r>
-            <a:endParaRPr lang="en-US" altLang="zh-TW" dirty="0"/>
-          </a:p>
-          <a:p>
-            <a:r>
-              <a:rPr lang="zh-TW" altLang="en-US" dirty="0"/>
-              <a:t>墨菲定律（</a:t>
-            </a:r>
-            <a:r>
-              <a:rPr lang="en-US" altLang="zh-TW" dirty="0"/>
-              <a:t>Murphy’s law</a:t>
-            </a:r>
-            <a:r>
-              <a:rPr lang="zh-TW" altLang="en-US" dirty="0"/>
-              <a:t>）</a:t>
-            </a:r>
-            <a:endParaRPr lang="en-US" altLang="zh-TW" dirty="0"/>
-          </a:p>
-          <a:p>
-            <a:pPr lvl="1"/>
-            <a:r>
-              <a:rPr lang="zh-TW" altLang="en-US" dirty="0"/>
-              <a:t>任何有可能出錯的地方都將出錯</a:t>
-            </a:r>
-          </a:p>
-          <a:p>
+              <a:t>in order to meet sponsor needs and deliver expected incremental business value.</a:t>
+            </a:r>
             <a:endParaRPr lang="zh-TW" altLang="en-US" dirty="0"/>
           </a:p>
         </p:txBody>
@@ -13390,7 +13451,7 @@
           <p:cNvPr id="4" name="投影片編號版面配置區 3">
             <a:extLst>
               <a:ext uri="{FF2B5EF4-FFF2-40B4-BE49-F238E27FC236}">
-                <a16:creationId xmlns:a16="http://schemas.microsoft.com/office/drawing/2014/main" id="{82659996-65D9-434A-9FB2-E2D9A9EAA209}"/>
+                <a16:creationId xmlns:a16="http://schemas.microsoft.com/office/drawing/2014/main" id="{35C2F945-45D9-41DC-861D-13F8710F9833}"/>
               </a:ext>
             </a:extLst>
           </p:cNvPr>
@@ -13415,10 +13476,46 @@
           </a:p>
         </p:txBody>
       </p:sp>
+      <p:pic>
+        <p:nvPicPr>
+          <p:cNvPr id="10" name="圖片 9">
+            <a:extLst>
+              <a:ext uri="{FF2B5EF4-FFF2-40B4-BE49-F238E27FC236}">
+                <a16:creationId xmlns:a16="http://schemas.microsoft.com/office/drawing/2014/main" id="{ADF56543-9382-4CF6-9E2D-5B985BAB1466}"/>
+              </a:ext>
+            </a:extLst>
+          </p:cNvPr>
+          <p:cNvPicPr>
+            <a:picLocks noChangeAspect="1"/>
+          </p:cNvPicPr>
+          <p:nvPr/>
+        </p:nvPicPr>
+        <p:blipFill>
+          <a:blip r:embed="rId2" cstate="print">
+            <a:extLst>
+              <a:ext uri="{28A0092B-C50C-407E-A947-70E740481C1C}">
+                <a14:useLocalDpi xmlns:a14="http://schemas.microsoft.com/office/drawing/2010/main" val="0"/>
+              </a:ext>
+            </a:extLst>
+          </a:blip>
+          <a:stretch>
+            <a:fillRect/>
+          </a:stretch>
+        </p:blipFill>
+        <p:spPr>
+          <a:xfrm>
+            <a:off x="8544273" y="260502"/>
+            <a:ext cx="1224136" cy="1538650"/>
+          </a:xfrm>
+          <a:prstGeom prst="rect">
+            <a:avLst/>
+          </a:prstGeom>
+        </p:spPr>
+      </p:pic>
     </p:spTree>
     <p:extLst>
       <p:ext uri="{BB962C8B-B14F-4D97-AF65-F5344CB8AC3E}">
-        <p14:creationId xmlns:p14="http://schemas.microsoft.com/office/powerpoint/2010/main" val="2150795344"/>
+        <p14:creationId xmlns:p14="http://schemas.microsoft.com/office/powerpoint/2010/main" val="284409216"/>
       </p:ext>
     </p:extLst>
   </p:cSld>
@@ -13447,10 +13544,10 @@
       </p:grpSpPr>
       <p:sp>
         <p:nvSpPr>
-          <p:cNvPr id="2" name="標題 1">
+          <p:cNvPr id="5" name="標題 4">
             <a:extLst>
               <a:ext uri="{FF2B5EF4-FFF2-40B4-BE49-F238E27FC236}">
-                <a16:creationId xmlns:a16="http://schemas.microsoft.com/office/drawing/2014/main" id="{888A1ABE-C6B2-4309-9AA9-DE2DFA550A41}"/>
+                <a16:creationId xmlns:a16="http://schemas.microsoft.com/office/drawing/2014/main" id="{64570FF0-F78B-468A-8A8C-DED14A098CB6}"/>
               </a:ext>
             </a:extLst>
           </p:cNvPr>
@@ -13468,54 +13565,17 @@
           <a:p>
             <a:r>
               <a:rPr lang="zh-TW" altLang="en-US" dirty="0"/>
-              <a:t>組織專案管理成熟度</a:t>
-            </a:r>
-          </a:p>
-        </p:txBody>
-      </p:sp>
-      <p:sp>
-        <p:nvSpPr>
-          <p:cNvPr id="7" name="內容版面配置區 6">
+              <a:t>專案管理</a:t>
+            </a:r>
+          </a:p>
+        </p:txBody>
+      </p:sp>
+      <p:sp>
+        <p:nvSpPr>
+          <p:cNvPr id="4" name="投影片編號版面配置區 3">
             <a:extLst>
               <a:ext uri="{FF2B5EF4-FFF2-40B4-BE49-F238E27FC236}">
-                <a16:creationId xmlns:a16="http://schemas.microsoft.com/office/drawing/2014/main" id="{EAC6F061-5E69-4FDF-BAD6-2667A4DF68B1}"/>
-              </a:ext>
-            </a:extLst>
-          </p:cNvPr>
-          <p:cNvSpPr>
-            <a:spLocks noGrp="1"/>
-          </p:cNvSpPr>
-          <p:nvPr>
-            <p:ph idx="1"/>
-          </p:nvPr>
-        </p:nvSpPr>
-        <p:spPr/>
-        <p:txBody>
-          <a:bodyPr>
-            <a:normAutofit/>
-          </a:bodyPr>
-          <a:lstStyle/>
-          <a:p>
-            <a:r>
-              <a:rPr lang="zh-TW" altLang="en-US" dirty="0"/>
-              <a:t>組織能否發展出一個前後一致、可重複的、和可預測的方法，以規劃和執行專案並提昇專案和專業管理成功的比例，此即為組織的專案管理能力成熟度。</a:t>
-            </a:r>
-            <a:endParaRPr lang="en-US" altLang="zh-TW" dirty="0"/>
-          </a:p>
-          <a:p>
-            <a:r>
-              <a:rPr lang="zh-TW" altLang="en-US" dirty="0"/>
-              <a:t>成熟度模式起源於全面品質管理領域，是一個觀念性架構，專案管理成熟度模式是描述專案管理的各項實務（如排程）流程的成熟度，組織可以藉此開發出／達成令人滿意的產品／服務。</a:t>
-            </a:r>
-          </a:p>
-        </p:txBody>
-      </p:sp>
-      <p:sp>
-        <p:nvSpPr>
-          <p:cNvPr id="4" name="投影片編號版面配置區 3">
-            <a:extLst>
-              <a:ext uri="{FF2B5EF4-FFF2-40B4-BE49-F238E27FC236}">
-                <a16:creationId xmlns:a16="http://schemas.microsoft.com/office/drawing/2014/main" id="{1664ED7A-25BC-4FAA-AB41-1BD8CEFF46EF}"/>
+                <a16:creationId xmlns:a16="http://schemas.microsoft.com/office/drawing/2014/main" id="{2451DEB2-695B-49AC-8C37-CC814DD15762}"/>
               </a:ext>
             </a:extLst>
           </p:cNvPr>
@@ -13540,10 +13600,116 @@
           </a:p>
         </p:txBody>
       </p:sp>
+      <p:pic>
+        <p:nvPicPr>
+          <p:cNvPr id="7" name="圖片 6">
+            <a:extLst>
+              <a:ext uri="{FF2B5EF4-FFF2-40B4-BE49-F238E27FC236}">
+                <a16:creationId xmlns:a16="http://schemas.microsoft.com/office/drawing/2014/main" id="{CE3B1522-EBC1-4BA1-A251-09CA71EB6422}"/>
+              </a:ext>
+            </a:extLst>
+          </p:cNvPr>
+          <p:cNvPicPr>
+            <a:picLocks noChangeAspect="1"/>
+          </p:cNvPicPr>
+          <p:nvPr/>
+        </p:nvPicPr>
+        <p:blipFill>
+          <a:blip r:embed="rId2"/>
+          <a:stretch>
+            <a:fillRect/>
+          </a:stretch>
+        </p:blipFill>
+        <p:spPr>
+          <a:xfrm>
+            <a:off x="3787675" y="1124744"/>
+            <a:ext cx="4900613" cy="5514975"/>
+          </a:xfrm>
+          <a:prstGeom prst="rect">
+            <a:avLst/>
+          </a:prstGeom>
+        </p:spPr>
+      </p:pic>
+      <p:sp>
+        <p:nvSpPr>
+          <p:cNvPr id="8" name="矩形 7">
+            <a:extLst>
+              <a:ext uri="{FF2B5EF4-FFF2-40B4-BE49-F238E27FC236}">
+                <a16:creationId xmlns:a16="http://schemas.microsoft.com/office/drawing/2014/main" id="{4B7BD301-B3C5-462A-AA54-98B34ACE2EFC}"/>
+              </a:ext>
+            </a:extLst>
+          </p:cNvPr>
+          <p:cNvSpPr/>
+          <p:nvPr/>
+        </p:nvSpPr>
+        <p:spPr>
+          <a:xfrm>
+            <a:off x="3666112" y="649163"/>
+            <a:ext cx="1851789" cy="369332"/>
+          </a:xfrm>
+          <a:prstGeom prst="rect">
+            <a:avLst/>
+          </a:prstGeom>
+        </p:spPr>
+        <p:txBody>
+          <a:bodyPr wrap="none">
+            <a:spAutoFit/>
+          </a:bodyPr>
+          <a:lstStyle/>
+          <a:p>
+            <a:r>
+              <a:rPr lang="en-US" altLang="zh-TW" dirty="0"/>
+              <a:t>Kerzner</a:t>
+            </a:r>
+            <a:r>
+              <a:rPr lang="zh-TW" altLang="en-US" dirty="0"/>
+              <a:t>（</a:t>
+            </a:r>
+            <a:r>
+              <a:rPr lang="en-US" altLang="zh-TW" dirty="0"/>
+              <a:t>2004</a:t>
+            </a:r>
+            <a:r>
+              <a:rPr lang="zh-TW" altLang="en-US" dirty="0"/>
+              <a:t>）</a:t>
+            </a:r>
+          </a:p>
+        </p:txBody>
+      </p:sp>
+      <p:pic>
+        <p:nvPicPr>
+          <p:cNvPr id="3" name="圖片 2">
+            <a:extLst>
+              <a:ext uri="{FF2B5EF4-FFF2-40B4-BE49-F238E27FC236}">
+                <a16:creationId xmlns:a16="http://schemas.microsoft.com/office/drawing/2014/main" id="{A0271ADA-59F1-4005-8CB7-0538D82C38EA}"/>
+              </a:ext>
+            </a:extLst>
+          </p:cNvPr>
+          <p:cNvPicPr>
+            <a:picLocks noChangeAspect="1"/>
+          </p:cNvPicPr>
+          <p:nvPr/>
+        </p:nvPicPr>
+        <p:blipFill>
+          <a:blip r:embed="rId3"/>
+          <a:stretch>
+            <a:fillRect/>
+          </a:stretch>
+        </p:blipFill>
+        <p:spPr>
+          <a:xfrm>
+            <a:off x="3431704" y="213218"/>
+            <a:ext cx="6408712" cy="6561514"/>
+          </a:xfrm>
+          <a:prstGeom prst="rect">
+            <a:avLst/>
+          </a:prstGeom>
+        </p:spPr>
+      </p:pic>
     </p:spTree>
     <p:extLst>
       <p:ext uri="{BB962C8B-B14F-4D97-AF65-F5344CB8AC3E}">
-        <p14:creationId xmlns:p14="http://schemas.microsoft.com/office/powerpoint/2010/main" val="3206307841"/>
+        <p14:creationId xmlns:p14="http://schemas.microsoft.com/office/powerpoint/2010/main" val="444543783"/>
       </p:ext>
     </p:extLst>
   </p:cSld>
@@ -13575,7 +13741,7 @@
           <p:cNvPr id="2" name="標題 1">
             <a:extLst>
               <a:ext uri="{FF2B5EF4-FFF2-40B4-BE49-F238E27FC236}">
-                <a16:creationId xmlns:a16="http://schemas.microsoft.com/office/drawing/2014/main" id="{2875FD8A-BA76-4364-958B-CC4707F22CFD}"/>
+                <a16:creationId xmlns:a16="http://schemas.microsoft.com/office/drawing/2014/main" id="{A8D830E1-03E5-4793-9B96-6370A400A612}"/>
               </a:ext>
             </a:extLst>
           </p:cNvPr>
@@ -13588,24 +13754,132 @@
         </p:nvSpPr>
         <p:spPr/>
         <p:txBody>
+          <a:bodyPr/>
+          <a:lstStyle/>
+          <a:p>
+            <a:r>
+              <a:rPr lang="zh-TW" altLang="en-US" dirty="0"/>
+              <a:t>專案失敗（時程延宕或預算超出）的原因</a:t>
+            </a:r>
+          </a:p>
+        </p:txBody>
+      </p:sp>
+      <p:sp>
+        <p:nvSpPr>
+          <p:cNvPr id="3" name="內容版面配置區 2">
+            <a:extLst>
+              <a:ext uri="{FF2B5EF4-FFF2-40B4-BE49-F238E27FC236}">
+                <a16:creationId xmlns:a16="http://schemas.microsoft.com/office/drawing/2014/main" id="{FACA8C27-6153-4CDA-8903-6E256E4776A7}"/>
+              </a:ext>
+            </a:extLst>
+          </p:cNvPr>
+          <p:cNvSpPr>
+            <a:spLocks noGrp="1"/>
+          </p:cNvSpPr>
+          <p:nvPr>
+            <p:ph idx="1"/>
+          </p:nvPr>
+        </p:nvSpPr>
+        <p:spPr/>
+        <p:txBody>
           <a:bodyPr>
-            <a:normAutofit fontScale="90000"/>
+            <a:normAutofit fontScale="92500" lnSpcReduction="10000"/>
           </a:bodyPr>
           <a:lstStyle/>
           <a:p>
             <a:r>
               <a:rPr lang="zh-TW" altLang="en-US" dirty="0"/>
-              <a:t>蜘蛛網方法論</a:t>
-            </a:r>
-            <a:br>
+              <a:t>帕金森定律（</a:t>
+            </a:r>
+            <a:r>
               <a:rPr lang="en-US" altLang="zh-TW" dirty="0"/>
-            </a:br>
+              <a:t>Parkinson’s law</a:t>
+            </a:r>
+            <a:r>
+              <a:rPr lang="zh-TW" altLang="en-US" dirty="0"/>
+              <a:t>）</a:t>
+            </a:r>
+            <a:endParaRPr lang="en-US" altLang="zh-TW" dirty="0"/>
+          </a:p>
+          <a:p>
+            <a:pPr lvl="1"/>
+            <a:r>
+              <a:rPr lang="zh-TW" altLang="en-US" dirty="0"/>
+              <a:t>有多少時間可以完成工作，就會用盡整個時間。很少提前完成。</a:t>
+            </a:r>
+            <a:endParaRPr lang="en-US" altLang="zh-TW" dirty="0"/>
+          </a:p>
+          <a:p>
+            <a:pPr lvl="1"/>
             <a:r>
               <a:rPr lang="en-US" altLang="zh-TW" dirty="0"/>
-              <a:t>Spider Web Methodology</a:t>
+              <a:t>Work expands so as to fill the time available for its completion</a:t>
+            </a:r>
+          </a:p>
+          <a:p>
+            <a:r>
+              <a:rPr lang="zh-TW" altLang="en-US" dirty="0"/>
+              <a:t>彼得原理（</a:t>
+            </a:r>
+            <a:r>
+              <a:rPr lang="en-US" altLang="zh-TW" dirty="0"/>
+              <a:t>Peter principle</a:t>
+            </a:r>
+            <a:r>
+              <a:rPr lang="zh-TW" altLang="en-US" dirty="0"/>
+              <a:t>）</a:t>
+            </a:r>
+            <a:endParaRPr lang="en-US" altLang="zh-TW" dirty="0"/>
+          </a:p>
+          <a:p>
+            <a:pPr lvl="1"/>
+            <a:r>
+              <a:rPr lang="zh-TW" altLang="en-US" dirty="0"/>
+              <a:t>人往往被晉升到其能力所不及的職位。</a:t>
+            </a:r>
+            <a:endParaRPr lang="en-US" altLang="zh-TW" dirty="0"/>
+          </a:p>
+          <a:p>
+            <a:pPr lvl="1"/>
+            <a:r>
+              <a:rPr lang="en-US" altLang="zh-TW" dirty="0"/>
+              <a:t>People in a hierarchy tend to rise to their "level of incompetence"</a:t>
+            </a:r>
+          </a:p>
+          <a:p>
+            <a:r>
+              <a:rPr lang="zh-TW" altLang="en-US" dirty="0"/>
+              <a:t>墨菲定律（</a:t>
+            </a:r>
+            <a:r>
+              <a:rPr lang="en-US" altLang="zh-TW" dirty="0"/>
+              <a:t>Murphy’s law</a:t>
+            </a:r>
+            <a:r>
+              <a:rPr lang="zh-TW" altLang="en-US" dirty="0"/>
+              <a:t>）</a:t>
+            </a:r>
+            <a:endParaRPr lang="en-US" altLang="zh-TW" dirty="0"/>
+          </a:p>
+          <a:p>
+            <a:pPr lvl="1"/>
+            <a:r>
+              <a:rPr lang="zh-TW" altLang="en-US" dirty="0"/>
+              <a:t>任何有可能出錯的地方都將出錯</a:t>
+            </a:r>
+            <a:endParaRPr lang="en-US" altLang="zh-TW" dirty="0"/>
+          </a:p>
+          <a:p>
+            <a:pPr lvl="1"/>
+            <a:r>
+              <a:rPr lang="en-US" altLang="zh-TW" dirty="0"/>
+              <a:t>Anything that can go wrong will go wrong</a:t>
             </a:r>
             <a:endParaRPr lang="zh-TW" altLang="en-US" dirty="0"/>
           </a:p>
+          <a:p>
+            <a:endParaRPr lang="zh-TW" altLang="en-US" dirty="0"/>
+          </a:p>
         </p:txBody>
       </p:sp>
       <p:sp>
@@ -13613,7 +13887,7 @@
           <p:cNvPr id="4" name="投影片編號版面配置區 3">
             <a:extLst>
               <a:ext uri="{FF2B5EF4-FFF2-40B4-BE49-F238E27FC236}">
-                <a16:creationId xmlns:a16="http://schemas.microsoft.com/office/drawing/2014/main" id="{590F9244-86AE-4F76-B23C-DE1F454CD12B}"/>
+                <a16:creationId xmlns:a16="http://schemas.microsoft.com/office/drawing/2014/main" id="{82659996-65D9-434A-9FB2-E2D9A9EAA209}"/>
               </a:ext>
             </a:extLst>
           </p:cNvPr>
@@ -13638,279 +13912,10 @@
           </a:p>
         </p:txBody>
       </p:sp>
-      <p:pic>
-        <p:nvPicPr>
-          <p:cNvPr id="5" name="圖片 4">
-            <a:extLst>
-              <a:ext uri="{FF2B5EF4-FFF2-40B4-BE49-F238E27FC236}">
-                <a16:creationId xmlns:a16="http://schemas.microsoft.com/office/drawing/2014/main" id="{72BF7814-ABED-4FB3-948D-3C0A0FCF5680}"/>
-              </a:ext>
-            </a:extLst>
-          </p:cNvPr>
-          <p:cNvPicPr>
-            <a:picLocks noChangeAspect="1"/>
-          </p:cNvPicPr>
-          <p:nvPr/>
-        </p:nvPicPr>
-        <p:blipFill>
-          <a:blip r:embed="rId2"/>
-          <a:stretch>
-            <a:fillRect/>
-          </a:stretch>
-        </p:blipFill>
-        <p:spPr>
-          <a:xfrm>
-            <a:off x="1055440" y="1467891"/>
-            <a:ext cx="6342539" cy="5253584"/>
-          </a:xfrm>
-          <a:prstGeom prst="rect">
-            <a:avLst/>
-          </a:prstGeom>
-        </p:spPr>
-      </p:pic>
-      <p:graphicFrame>
-        <p:nvGraphicFramePr>
-          <p:cNvPr id="6" name="表格 6">
-            <a:extLst>
-              <a:ext uri="{FF2B5EF4-FFF2-40B4-BE49-F238E27FC236}">
-                <a16:creationId xmlns:a16="http://schemas.microsoft.com/office/drawing/2014/main" id="{1184EFA6-6918-49DC-AF0C-7094FDEFB354}"/>
-              </a:ext>
-            </a:extLst>
-          </p:cNvPr>
-          <p:cNvGraphicFramePr>
-            <a:graphicFrameLocks noGrp="1"/>
-          </p:cNvGraphicFramePr>
-          <p:nvPr>
-            <p:extLst>
-              <p:ext uri="{D42A27DB-BD31-4B8C-83A1-F6EECF244321}">
-                <p14:modId xmlns:p14="http://schemas.microsoft.com/office/powerpoint/2010/main" val="1484366058"/>
-              </p:ext>
-            </p:extLst>
-          </p:nvPr>
-        </p:nvGraphicFramePr>
-        <p:xfrm>
-          <a:off x="7536160" y="3429000"/>
-          <a:ext cx="4320480" cy="1854200"/>
-        </p:xfrm>
-        <a:graphic>
-          <a:graphicData uri="http://schemas.openxmlformats.org/drawingml/2006/table">
-            <a:tbl>
-              <a:tblPr firstRow="1" bandRow="1">
-                <a:tableStyleId>{5C22544A-7EE6-4342-B048-85BDC9FD1C3A}</a:tableStyleId>
-              </a:tblPr>
-              <a:tblGrid>
-                <a:gridCol w="1368152">
-                  <a:extLst>
-                    <a:ext uri="{9D8B030D-6E8A-4147-A177-3AD203B41FA5}">
-                      <a16:colId xmlns:a16="http://schemas.microsoft.com/office/drawing/2014/main" val="1674706579"/>
-                    </a:ext>
-                  </a:extLst>
-                </a:gridCol>
-                <a:gridCol w="2952328">
-                  <a:extLst>
-                    <a:ext uri="{9D8B030D-6E8A-4147-A177-3AD203B41FA5}">
-                      <a16:colId xmlns:a16="http://schemas.microsoft.com/office/drawing/2014/main" val="1142941763"/>
-                    </a:ext>
-                  </a:extLst>
-                </a:gridCol>
-              </a:tblGrid>
-              <a:tr h="370840">
-                <a:tc>
-                  <a:txBody>
-                    <a:bodyPr/>
-                    <a:lstStyle/>
-                    <a:p>
-                      <a:r>
-                        <a:rPr lang="zh-TW" altLang="en-US" dirty="0"/>
-                        <a:t>水準或等級</a:t>
-                      </a:r>
-                    </a:p>
-                  </a:txBody>
-                  <a:tcPr/>
-                </a:tc>
-                <a:tc>
-                  <a:txBody>
-                    <a:bodyPr/>
-                    <a:lstStyle/>
-                    <a:p>
-                      <a:r>
-                        <a:rPr lang="zh-TW" altLang="en-US" dirty="0"/>
-                        <a:t>含意</a:t>
-                      </a:r>
-                    </a:p>
-                  </a:txBody>
-                  <a:tcPr/>
-                </a:tc>
-                <a:extLst>
-                  <a:ext uri="{0D108BD9-81ED-4DB2-BD59-A6C34878D82A}">
-                    <a16:rowId xmlns:a16="http://schemas.microsoft.com/office/drawing/2014/main" val="861587385"/>
-                  </a:ext>
-                </a:extLst>
-              </a:tr>
-              <a:tr h="370840">
-                <a:tc>
-                  <a:txBody>
-                    <a:bodyPr/>
-                    <a:lstStyle/>
-                    <a:p>
-                      <a:pPr algn="ctr"/>
-                      <a:r>
-                        <a:rPr lang="en-US" altLang="zh-TW" dirty="0"/>
-                        <a:t>0</a:t>
-                      </a:r>
-                      <a:endParaRPr lang="zh-TW" altLang="en-US" dirty="0"/>
-                    </a:p>
-                  </a:txBody>
-                  <a:tcPr/>
-                </a:tc>
-                <a:tc>
-                  <a:txBody>
-                    <a:bodyPr/>
-                    <a:lstStyle/>
-                    <a:p>
-                      <a:r>
-                        <a:rPr lang="zh-TW" altLang="en-US" dirty="0"/>
-                        <a:t>未定義</a:t>
-                      </a:r>
-                      <a:r>
-                        <a:rPr lang="en-US" altLang="zh-TW" dirty="0"/>
-                        <a:t>/</a:t>
-                      </a:r>
-                      <a:r>
-                        <a:rPr lang="zh-TW" altLang="en-US" dirty="0"/>
-                        <a:t>不好</a:t>
-                      </a:r>
-                    </a:p>
-                  </a:txBody>
-                  <a:tcPr/>
-                </a:tc>
-                <a:extLst>
-                  <a:ext uri="{0D108BD9-81ED-4DB2-BD59-A6C34878D82A}">
-                    <a16:rowId xmlns:a16="http://schemas.microsoft.com/office/drawing/2014/main" val="171175301"/>
-                  </a:ext>
-                </a:extLst>
-              </a:tr>
-              <a:tr h="370840">
-                <a:tc>
-                  <a:txBody>
-                    <a:bodyPr/>
-                    <a:lstStyle/>
-                    <a:p>
-                      <a:pPr algn="ctr"/>
-                      <a:r>
-                        <a:rPr lang="en-US" altLang="zh-TW" dirty="0"/>
-                        <a:t>1</a:t>
-                      </a:r>
-                      <a:endParaRPr lang="zh-TW" altLang="en-US" dirty="0"/>
-                    </a:p>
-                  </a:txBody>
-                  <a:tcPr/>
-                </a:tc>
-                <a:tc>
-                  <a:txBody>
-                    <a:bodyPr/>
-                    <a:lstStyle/>
-                    <a:p>
-                      <a:r>
-                        <a:rPr lang="zh-TW" altLang="en-US" dirty="0"/>
-                        <a:t>已定義但低於同業標準</a:t>
-                      </a:r>
-                    </a:p>
-                  </a:txBody>
-                  <a:tcPr/>
-                </a:tc>
-                <a:extLst>
-                  <a:ext uri="{0D108BD9-81ED-4DB2-BD59-A6C34878D82A}">
-                    <a16:rowId xmlns:a16="http://schemas.microsoft.com/office/drawing/2014/main" val="2998820102"/>
-                  </a:ext>
-                </a:extLst>
-              </a:tr>
-              <a:tr h="370840">
-                <a:tc>
-                  <a:txBody>
-                    <a:bodyPr/>
-                    <a:lstStyle/>
-                    <a:p>
-                      <a:pPr algn="ctr"/>
-                      <a:r>
-                        <a:rPr lang="en-US" altLang="zh-TW" dirty="0"/>
-                        <a:t>2</a:t>
-                      </a:r>
-                      <a:endParaRPr lang="zh-TW" altLang="en-US" dirty="0"/>
-                    </a:p>
-                  </a:txBody>
-                  <a:tcPr/>
-                </a:tc>
-                <a:tc>
-                  <a:txBody>
-                    <a:bodyPr/>
-                    <a:lstStyle/>
-                    <a:p>
-                      <a:r>
-                        <a:rPr lang="zh-TW" altLang="en-US" dirty="0"/>
-                        <a:t>達到同業標準</a:t>
-                      </a:r>
-                    </a:p>
-                  </a:txBody>
-                  <a:tcPr/>
-                </a:tc>
-                <a:extLst>
-                  <a:ext uri="{0D108BD9-81ED-4DB2-BD59-A6C34878D82A}">
-                    <a16:rowId xmlns:a16="http://schemas.microsoft.com/office/drawing/2014/main" val="3167716452"/>
-                  </a:ext>
-                </a:extLst>
-              </a:tr>
-              <a:tr h="370840">
-                <a:tc>
-                  <a:txBody>
-                    <a:bodyPr/>
-                    <a:lstStyle/>
-                    <a:p>
-                      <a:pPr algn="ctr"/>
-                      <a:r>
-                        <a:rPr lang="en-US" altLang="zh-TW" dirty="0"/>
-                        <a:t>3</a:t>
-                      </a:r>
-                      <a:endParaRPr lang="zh-TW" altLang="en-US" dirty="0"/>
-                    </a:p>
-                  </a:txBody>
-                  <a:tcPr/>
-                </a:tc>
-                <a:tc>
-                  <a:txBody>
-                    <a:bodyPr/>
-                    <a:lstStyle/>
-                    <a:p>
-                      <a:r>
-                        <a:rPr lang="zh-TW" altLang="en-US" dirty="0"/>
-                        <a:t>業界領導者</a:t>
-                      </a:r>
-                      <a:r>
-                        <a:rPr lang="en-US" altLang="zh-TW" dirty="0"/>
-                        <a:t>/</a:t>
-                      </a:r>
-                      <a:r>
-                        <a:rPr lang="zh-TW" altLang="en-US" dirty="0"/>
-                        <a:t>高於同業標準</a:t>
-                      </a:r>
-                    </a:p>
-                  </a:txBody>
-                  <a:tcPr/>
-                </a:tc>
-                <a:extLst>
-                  <a:ext uri="{0D108BD9-81ED-4DB2-BD59-A6C34878D82A}">
-                    <a16:rowId xmlns:a16="http://schemas.microsoft.com/office/drawing/2014/main" val="2040345808"/>
-                  </a:ext>
-                </a:extLst>
-              </a:tr>
-            </a:tbl>
-          </a:graphicData>
-        </a:graphic>
-      </p:graphicFrame>
     </p:spTree>
     <p:extLst>
       <p:ext uri="{BB962C8B-B14F-4D97-AF65-F5344CB8AC3E}">
-        <p14:creationId xmlns:p14="http://schemas.microsoft.com/office/powerpoint/2010/main" val="3239172921"/>
+        <p14:creationId xmlns:p14="http://schemas.microsoft.com/office/powerpoint/2010/main" val="2150795344"/>
       </p:ext>
     </p:extLst>
   </p:cSld>
@@ -13942,7 +13947,7 @@
           <p:cNvPr id="2" name="標題 1">
             <a:extLst>
               <a:ext uri="{FF2B5EF4-FFF2-40B4-BE49-F238E27FC236}">
-                <a16:creationId xmlns:a16="http://schemas.microsoft.com/office/drawing/2014/main" id="{0F8A4803-06C7-4530-A9DE-92B1F9F41752}"/>
+                <a16:creationId xmlns:a16="http://schemas.microsoft.com/office/drawing/2014/main" id="{DE3BB3BA-1E3D-45B1-B4ED-128E19B7253B}"/>
               </a:ext>
             </a:extLst>
           </p:cNvPr>
@@ -13955,32 +13960,180 @@
         </p:nvSpPr>
         <p:spPr/>
         <p:txBody>
+          <a:bodyPr/>
+          <a:lstStyle/>
+          <a:p>
+            <a:r>
+              <a:rPr lang="zh-TW" altLang="zh-TW" dirty="0"/>
+              <a:t>專案成功</a:t>
+            </a:r>
+            <a:r>
+              <a:rPr lang="en-US" altLang="zh-TW" dirty="0"/>
+              <a:t> vs </a:t>
+            </a:r>
+            <a:r>
+              <a:rPr lang="zh-TW" altLang="zh-TW" dirty="0"/>
+              <a:t>專案管理成功</a:t>
+            </a:r>
+            <a:endParaRPr lang="zh-TW" altLang="en-US" dirty="0"/>
+          </a:p>
+        </p:txBody>
+      </p:sp>
+      <p:sp>
+        <p:nvSpPr>
+          <p:cNvPr id="3" name="文字版面配置區 2">
+            <a:extLst>
+              <a:ext uri="{FF2B5EF4-FFF2-40B4-BE49-F238E27FC236}">
+                <a16:creationId xmlns:a16="http://schemas.microsoft.com/office/drawing/2014/main" id="{8C83FEED-FAB8-4B9C-BF5A-0284301BE19B}"/>
+              </a:ext>
+            </a:extLst>
+          </p:cNvPr>
+          <p:cNvSpPr>
+            <a:spLocks noGrp="1"/>
+          </p:cNvSpPr>
+          <p:nvPr>
+            <p:ph type="body" idx="1"/>
+          </p:nvPr>
+        </p:nvSpPr>
+        <p:spPr/>
+        <p:txBody>
+          <a:bodyPr/>
+          <a:lstStyle/>
+          <a:p>
+            <a:r>
+              <a:rPr lang="zh-TW" altLang="zh-TW" dirty="0"/>
+              <a:t>專案管理成功</a:t>
+            </a:r>
+            <a:endParaRPr lang="en-US" altLang="zh-TW" dirty="0"/>
+          </a:p>
+        </p:txBody>
+      </p:sp>
+      <p:sp>
+        <p:nvSpPr>
+          <p:cNvPr id="7" name="內容版面配置區 6">
+            <a:extLst>
+              <a:ext uri="{FF2B5EF4-FFF2-40B4-BE49-F238E27FC236}">
+                <a16:creationId xmlns:a16="http://schemas.microsoft.com/office/drawing/2014/main" id="{19165656-A3AE-4B10-97CB-50B932575A6F}"/>
+              </a:ext>
+            </a:extLst>
+          </p:cNvPr>
+          <p:cNvSpPr>
+            <a:spLocks noGrp="1"/>
+          </p:cNvSpPr>
+          <p:nvPr>
+            <p:ph sz="half" idx="2"/>
+          </p:nvPr>
+        </p:nvSpPr>
+        <p:spPr/>
+        <p:txBody>
           <a:bodyPr>
-            <a:normAutofit fontScale="90000"/>
+            <a:normAutofit/>
           </a:bodyPr>
           <a:lstStyle/>
           <a:p>
             <a:r>
-              <a:rPr lang="zh-TW" altLang="en-US" dirty="0"/>
-              <a:t>能力成熟度模式 </a:t>
-            </a:r>
-            <a:br>
               <a:rPr lang="en-US" altLang="zh-TW" dirty="0"/>
-            </a:br>
+              <a:t>Kerzner: </a:t>
+            </a:r>
+          </a:p>
+          <a:p>
+            <a:pPr lvl="1"/>
+            <a:r>
+              <a:rPr lang="zh-TW" altLang="zh-TW" dirty="0"/>
+              <a:t>在預定時間和成本內，有效能及有效率地運用資源，達成專案的預定目標，而且產品的品質是被顧客所接受。</a:t>
+            </a:r>
+          </a:p>
+          <a:p>
+            <a:r>
+              <a:rPr lang="en-US" altLang="zh-TW" dirty="0" err="1"/>
+              <a:t>Kapur</a:t>
+            </a:r>
             <a:r>
               <a:rPr lang="en-US" altLang="zh-TW" dirty="0"/>
-              <a:t>Capability Maturity Model (CMM)</a:t>
-            </a:r>
+              <a:t>:</a:t>
+            </a:r>
+          </a:p>
+          <a:p>
+            <a:pPr lvl="1"/>
+            <a:r>
+              <a:rPr lang="zh-TW" altLang="zh-TW" dirty="0"/>
+              <a:t>專案管理 （成功）</a:t>
+            </a:r>
+            <a:r>
+              <a:rPr lang="en-US" altLang="zh-TW" dirty="0"/>
+              <a:t>= </a:t>
+            </a:r>
+            <a:r>
+              <a:rPr lang="zh-TW" altLang="zh-TW" dirty="0"/>
+              <a:t>（時程</a:t>
+            </a:r>
+            <a:r>
+              <a:rPr lang="en-US" altLang="zh-TW" dirty="0"/>
+              <a:t> + </a:t>
+            </a:r>
+            <a:r>
+              <a:rPr lang="zh-TW" altLang="zh-TW" dirty="0"/>
+              <a:t>範疇</a:t>
+            </a:r>
+            <a:r>
+              <a:rPr lang="en-US" altLang="zh-TW" dirty="0"/>
+              <a:t> + </a:t>
+            </a:r>
+            <a:r>
+              <a:rPr lang="zh-TW" altLang="zh-TW" dirty="0"/>
+              <a:t>預算</a:t>
+            </a:r>
+            <a:r>
+              <a:rPr lang="en-US" altLang="zh-TW" dirty="0"/>
+              <a:t> + </a:t>
+            </a:r>
+            <a:r>
+              <a:rPr lang="zh-TW" altLang="zh-TW" dirty="0"/>
+              <a:t>品質）</a:t>
+            </a:r>
+            <a:r>
+              <a:rPr lang="en-US" altLang="zh-TW" dirty="0"/>
+              <a:t>→ </a:t>
+            </a:r>
+            <a:r>
+              <a:rPr lang="zh-TW" altLang="zh-TW" dirty="0"/>
+              <a:t>顧客滿意</a:t>
+            </a:r>
+          </a:p>
+          <a:p>
+            <a:pPr lvl="1"/>
+            <a:r>
+              <a:rPr lang="zh-TW" altLang="zh-TW" dirty="0"/>
+              <a:t>專案管理成功定義為專案為達成和實現專案目標之效率（</a:t>
+            </a:r>
+            <a:r>
+              <a:rPr lang="en-US" altLang="zh-TW" dirty="0"/>
+              <a:t>Efficiency</a:t>
+            </a:r>
+            <a:r>
+              <a:rPr lang="zh-TW" altLang="zh-TW" dirty="0"/>
+              <a:t>）</a:t>
+            </a:r>
+          </a:p>
+          <a:p>
+            <a:pPr lvl="2"/>
+            <a:endParaRPr lang="zh-TW" altLang="zh-TW" dirty="0"/>
+          </a:p>
+          <a:p>
+            <a:pPr lvl="1"/>
+            <a:endParaRPr lang="zh-TW" altLang="zh-TW" dirty="0"/>
+          </a:p>
+          <a:p>
             <a:endParaRPr lang="zh-TW" altLang="en-US" dirty="0"/>
           </a:p>
         </p:txBody>
       </p:sp>
       <p:sp>
         <p:nvSpPr>
-          <p:cNvPr id="3" name="內容版面配置區 2">
+          <p:cNvPr id="5" name="文字版面配置區 4">
             <a:extLst>
               <a:ext uri="{FF2B5EF4-FFF2-40B4-BE49-F238E27FC236}">
-                <a16:creationId xmlns:a16="http://schemas.microsoft.com/office/drawing/2014/main" id="{53A1928C-C570-4AA8-98AD-852D26808FB8}"/>
+                <a16:creationId xmlns:a16="http://schemas.microsoft.com/office/drawing/2014/main" id="{22534CCC-9567-4497-B654-646590A841D3}"/>
               </a:ext>
             </a:extLst>
           </p:cNvPr>
@@ -13988,82 +14141,131 @@
             <a:spLocks noGrp="1"/>
           </p:cNvSpPr>
           <p:nvPr>
-            <p:ph idx="1"/>
+            <p:ph type="body" sz="quarter" idx="3"/>
+          </p:nvPr>
+        </p:nvSpPr>
+        <p:spPr/>
+        <p:txBody>
+          <a:bodyPr/>
+          <a:lstStyle/>
+          <a:p>
+            <a:r>
+              <a:rPr lang="zh-TW" altLang="zh-TW" dirty="0"/>
+              <a:t>專案成功</a:t>
+            </a:r>
+            <a:endParaRPr lang="zh-TW" altLang="en-US" dirty="0"/>
+          </a:p>
+        </p:txBody>
+      </p:sp>
+      <p:sp>
+        <p:nvSpPr>
+          <p:cNvPr id="6" name="內容版面配置區 5">
+            <a:extLst>
+              <a:ext uri="{FF2B5EF4-FFF2-40B4-BE49-F238E27FC236}">
+                <a16:creationId xmlns:a16="http://schemas.microsoft.com/office/drawing/2014/main" id="{977EE0CD-9F5B-45C9-BDD4-DE39241B30ED}"/>
+              </a:ext>
+            </a:extLst>
+          </p:cNvPr>
+          <p:cNvSpPr>
+            <a:spLocks noGrp="1"/>
+          </p:cNvSpPr>
+          <p:nvPr>
+            <p:ph sz="quarter" idx="4"/>
           </p:nvPr>
         </p:nvSpPr>
         <p:spPr/>
         <p:txBody>
           <a:bodyPr>
-            <a:normAutofit lnSpcReduction="10000"/>
+            <a:normAutofit/>
           </a:bodyPr>
           <a:lstStyle/>
           <a:p>
             <a:r>
-              <a:rPr lang="zh-TW" altLang="en-US" dirty="0"/>
-              <a:t>源自美國卡耐基美隆大學（</a:t>
+              <a:rPr lang="en-US" altLang="zh-TW" dirty="0" err="1"/>
+              <a:t>Kapur</a:t>
             </a:r>
             <a:r>
               <a:rPr lang="en-US" altLang="zh-TW" dirty="0"/>
-              <a:t>Carnegie Mellon University, CMU</a:t>
-            </a:r>
-            <a:r>
-              <a:rPr lang="zh-TW" altLang="en-US" dirty="0"/>
-              <a:t>） </a:t>
+              <a:t>:</a:t>
+            </a:r>
+          </a:p>
+          <a:p>
+            <a:pPr lvl="1"/>
+            <a:r>
+              <a:rPr lang="zh-TW" altLang="zh-TW" dirty="0"/>
+              <a:t>以「效能（</a:t>
+            </a:r>
+            <a:r>
+              <a:rPr lang="en-US" altLang="zh-TW" dirty="0"/>
+              <a:t>Effectiveness</a:t>
+            </a:r>
+            <a:r>
+              <a:rPr lang="zh-TW" altLang="zh-TW" dirty="0"/>
+              <a:t>）」衡量</a:t>
             </a:r>
             <a:endParaRPr lang="en-US" altLang="zh-TW" dirty="0"/>
           </a:p>
           <a:p>
-            <a:r>
-              <a:rPr lang="zh-TW" altLang="en-US" dirty="0"/>
-              <a:t>專案管理成熟度 </a:t>
+            <a:pPr lvl="2"/>
+            <a:r>
+              <a:rPr lang="zh-TW" altLang="zh-TW" dirty="0"/>
+              <a:t>專案完成</a:t>
+            </a:r>
+            <a:r>
+              <a:rPr lang="zh-TW" altLang="en-US" dirty="0"/>
+              <a:t>的</a:t>
+            </a:r>
+            <a:r>
+              <a:rPr lang="zh-TW" altLang="zh-TW" dirty="0"/>
+              <a:t>交付標的物帶來的利益</a:t>
+            </a:r>
+            <a:endParaRPr lang="en-US" altLang="zh-TW" dirty="0"/>
+          </a:p>
+          <a:p>
+            <a:pPr lvl="2"/>
+            <a:r>
+              <a:rPr lang="zh-TW" altLang="zh-TW" dirty="0"/>
+              <a:t>利害關係人滿意之程度</a:t>
+            </a:r>
+            <a:endParaRPr lang="en-US" altLang="zh-TW" dirty="0"/>
+          </a:p>
+          <a:p>
+            <a:pPr lvl="2"/>
+            <a:r>
+              <a:rPr lang="zh-TW" altLang="en-US" dirty="0"/>
+              <a:t>亦即</a:t>
+            </a:r>
+            <a:r>
+              <a:rPr lang="zh-TW" altLang="zh-TW" dirty="0"/>
+              <a:t>專案目標最後被達成的程度。</a:t>
+            </a:r>
+            <a:endParaRPr lang="en-US" altLang="zh-TW" dirty="0"/>
+          </a:p>
+          <a:p>
+            <a:pPr lvl="1"/>
+            <a:r>
+              <a:rPr lang="zh-TW" altLang="zh-TW" dirty="0"/>
+              <a:t>專案成功</a:t>
             </a:r>
             <a:r>
               <a:rPr lang="en-US" altLang="zh-TW" dirty="0"/>
-              <a:t>OPM3</a:t>
-            </a:r>
-          </a:p>
-          <a:p>
-            <a:pPr lvl="1"/>
-            <a:r>
-              <a:rPr lang="zh-TW" altLang="en-US" dirty="0"/>
-              <a:t>專案管理協會</a:t>
-            </a:r>
-            <a:endParaRPr lang="en-US" altLang="zh-TW" dirty="0"/>
-          </a:p>
-          <a:p>
-            <a:r>
-              <a:rPr lang="zh-TW" altLang="en-US" dirty="0"/>
-              <a:t>能力成熟度整合模型 </a:t>
+              <a:t> = </a:t>
+            </a:r>
+            <a:r>
+              <a:rPr lang="zh-TW" altLang="zh-TW" dirty="0"/>
+              <a:t>專案管理成功（滿足時間、成本、和品質要求）</a:t>
             </a:r>
             <a:r>
               <a:rPr lang="en-US" altLang="zh-TW" dirty="0"/>
-              <a:t>CMMI</a:t>
-            </a:r>
-          </a:p>
-          <a:p>
-            <a:pPr lvl="1"/>
-            <a:r>
-              <a:rPr lang="zh-TW" altLang="en-US" dirty="0"/>
-              <a:t>卡耐基美隆大學軟體工程學院</a:t>
-            </a:r>
-            <a:endParaRPr lang="en-US" altLang="zh-TW" dirty="0"/>
-          </a:p>
-          <a:p>
-            <a:r>
-              <a:rPr lang="zh-TW" altLang="en-US" dirty="0"/>
-              <a:t>專案組合、計畫和專案管理成熟度模型 </a:t>
-            </a:r>
-            <a:r>
-              <a:rPr lang="en-US" altLang="zh-TW" dirty="0"/>
-              <a:t>P3M3</a:t>
-            </a:r>
-          </a:p>
-          <a:p>
-            <a:pPr lvl="1"/>
-            <a:r>
-              <a:rPr lang="zh-TW" altLang="en-US" dirty="0"/>
-              <a:t>英國商務部</a:t>
-            </a:r>
+              <a:t>+ </a:t>
+            </a:r>
+            <a:r>
+              <a:rPr lang="zh-TW" altLang="zh-TW" dirty="0"/>
+              <a:t>實現預期利益</a:t>
+            </a:r>
+          </a:p>
+          <a:p>
+            <a:endParaRPr lang="zh-TW" altLang="en-US" dirty="0"/>
           </a:p>
         </p:txBody>
       </p:sp>
@@ -14072,7 +14274,7 @@
           <p:cNvPr id="4" name="投影片編號版面配置區 3">
             <a:extLst>
               <a:ext uri="{FF2B5EF4-FFF2-40B4-BE49-F238E27FC236}">
-                <a16:creationId xmlns:a16="http://schemas.microsoft.com/office/drawing/2014/main" id="{D04835A4-6262-4948-8B92-783921159E7A}"/>
+                <a16:creationId xmlns:a16="http://schemas.microsoft.com/office/drawing/2014/main" id="{19CFC7AF-892F-4D64-A753-479510081822}"/>
               </a:ext>
             </a:extLst>
           </p:cNvPr>
@@ -14100,7 +14302,7 @@
     </p:spTree>
     <p:extLst>
       <p:ext uri="{BB962C8B-B14F-4D97-AF65-F5344CB8AC3E}">
-        <p14:creationId xmlns:p14="http://schemas.microsoft.com/office/powerpoint/2010/main" val="22734926"/>
+        <p14:creationId xmlns:p14="http://schemas.microsoft.com/office/powerpoint/2010/main" val="4040002911"/>
       </p:ext>
     </p:extLst>
   </p:cSld>
@@ -14459,7 +14661,7 @@
           <p:cNvPr id="2" name="標題 1">
             <a:extLst>
               <a:ext uri="{FF2B5EF4-FFF2-40B4-BE49-F238E27FC236}">
-                <a16:creationId xmlns:a16="http://schemas.microsoft.com/office/drawing/2014/main" id="{201C4852-92F4-4FCE-8589-A88561D98962}"/>
+                <a16:creationId xmlns:a16="http://schemas.microsoft.com/office/drawing/2014/main" id="{888A1ABE-C6B2-4309-9AA9-DE2DFA550A41}"/>
               </a:ext>
             </a:extLst>
           </p:cNvPr>
@@ -14477,7 +14679,68 @@
           <a:p>
             <a:r>
               <a:rPr lang="zh-TW" altLang="en-US" dirty="0"/>
-              <a:t>成熟度模式</a:t>
+              <a:t>組織專案管理成熟度</a:t>
+            </a:r>
+          </a:p>
+        </p:txBody>
+      </p:sp>
+      <p:sp>
+        <p:nvSpPr>
+          <p:cNvPr id="7" name="內容版面配置區 6">
+            <a:extLst>
+              <a:ext uri="{FF2B5EF4-FFF2-40B4-BE49-F238E27FC236}">
+                <a16:creationId xmlns:a16="http://schemas.microsoft.com/office/drawing/2014/main" id="{EAC6F061-5E69-4FDF-BAD6-2667A4DF68B1}"/>
+              </a:ext>
+            </a:extLst>
+          </p:cNvPr>
+          <p:cNvSpPr>
+            <a:spLocks noGrp="1"/>
+          </p:cNvSpPr>
+          <p:nvPr>
+            <p:ph idx="1"/>
+          </p:nvPr>
+        </p:nvSpPr>
+        <p:spPr/>
+        <p:txBody>
+          <a:bodyPr>
+            <a:normAutofit/>
+          </a:bodyPr>
+          <a:lstStyle/>
+          <a:p>
+            <a:r>
+              <a:rPr lang="zh-TW" altLang="en-US" dirty="0"/>
+              <a:t>組織能否發展出一個</a:t>
+            </a:r>
+            <a:r>
+              <a:rPr lang="zh-TW" altLang="en-US" b="1" dirty="0"/>
+              <a:t>前後一致</a:t>
+            </a:r>
+            <a:r>
+              <a:rPr lang="zh-TW" altLang="en-US" dirty="0"/>
+              <a:t>、</a:t>
+            </a:r>
+            <a:r>
+              <a:rPr lang="zh-TW" altLang="en-US" b="1" dirty="0"/>
+              <a:t>可重複</a:t>
+            </a:r>
+            <a:r>
+              <a:rPr lang="zh-TW" altLang="en-US" dirty="0"/>
+              <a:t>的、和</a:t>
+            </a:r>
+            <a:r>
+              <a:rPr lang="zh-TW" altLang="en-US" b="1" dirty="0"/>
+              <a:t>可預測</a:t>
+            </a:r>
+            <a:r>
+              <a:rPr lang="zh-TW" altLang="en-US" dirty="0"/>
+              <a:t>的方法，以規劃和執行專案並提昇專案和專業管理成功的比例，此即為組織的專案管理能力成熟度。</a:t>
+            </a:r>
+            <a:endParaRPr lang="en-US" altLang="zh-TW" dirty="0"/>
+          </a:p>
+          <a:p>
+            <a:r>
+              <a:rPr lang="zh-TW" altLang="en-US" dirty="0"/>
+              <a:t>成熟度模式起源於全面品質管理領域，是一個觀念性架構，專案管理成熟度模式是描述專案管理的各項實務（如排程）流程的成熟度，組織可以藉此開發出／達成令人滿意的產品／服務。</a:t>
             </a:r>
           </a:p>
         </p:txBody>
@@ -14487,7 +14750,7 @@
           <p:cNvPr id="4" name="投影片編號版面配置區 3">
             <a:extLst>
               <a:ext uri="{FF2B5EF4-FFF2-40B4-BE49-F238E27FC236}">
-                <a16:creationId xmlns:a16="http://schemas.microsoft.com/office/drawing/2014/main" id="{10482CCE-AEF6-4A6F-ABE1-31E7A6DF62E0}"/>
+                <a16:creationId xmlns:a16="http://schemas.microsoft.com/office/drawing/2014/main" id="{1664ED7A-25BC-4FAA-AB41-1BD8CEFF46EF}"/>
               </a:ext>
             </a:extLst>
           </p:cNvPr>
@@ -14507,6 +14770,847 @@
               <a:rPr lang="en-US" altLang="zh-TW" smtClean="0"/>
               <a:pPr/>
               <a:t>30</a:t>
+            </a:fld>
+            <a:endParaRPr lang="en-US" altLang="zh-TW"/>
+          </a:p>
+        </p:txBody>
+      </p:sp>
+    </p:spTree>
+    <p:extLst>
+      <p:ext uri="{BB962C8B-B14F-4D97-AF65-F5344CB8AC3E}">
+        <p14:creationId xmlns:p14="http://schemas.microsoft.com/office/powerpoint/2010/main" val="3206307841"/>
+      </p:ext>
+    </p:extLst>
+  </p:cSld>
+  <p:clrMapOvr>
+    <a:masterClrMapping/>
+  </p:clrMapOvr>
+</p:sld>
+</file>
+
+<file path=ppt/slides/slide31.xml><?xml version="1.0" encoding="utf-8"?>
+<p:sld xmlns:a="http://schemas.openxmlformats.org/drawingml/2006/main" xmlns:r="http://schemas.openxmlformats.org/officeDocument/2006/relationships" xmlns:p="http://schemas.openxmlformats.org/presentationml/2006/main">
+  <p:cSld>
+    <p:spTree>
+      <p:nvGrpSpPr>
+        <p:cNvPr id="1" name=""/>
+        <p:cNvGrpSpPr/>
+        <p:nvPr/>
+      </p:nvGrpSpPr>
+      <p:grpSpPr>
+        <a:xfrm>
+          <a:off x="0" y="0"/>
+          <a:ext cx="0" cy="0"/>
+          <a:chOff x="0" y="0"/>
+          <a:chExt cx="0" cy="0"/>
+        </a:xfrm>
+      </p:grpSpPr>
+      <p:sp>
+        <p:nvSpPr>
+          <p:cNvPr id="2" name="標題 1">
+            <a:extLst>
+              <a:ext uri="{FF2B5EF4-FFF2-40B4-BE49-F238E27FC236}">
+                <a16:creationId xmlns:a16="http://schemas.microsoft.com/office/drawing/2014/main" id="{0F8A4803-06C7-4530-A9DE-92B1F9F41752}"/>
+              </a:ext>
+            </a:extLst>
+          </p:cNvPr>
+          <p:cNvSpPr>
+            <a:spLocks noGrp="1"/>
+          </p:cNvSpPr>
+          <p:nvPr>
+            <p:ph type="title"/>
+          </p:nvPr>
+        </p:nvSpPr>
+        <p:spPr/>
+        <p:txBody>
+          <a:bodyPr>
+            <a:normAutofit fontScale="90000"/>
+          </a:bodyPr>
+          <a:lstStyle/>
+          <a:p>
+            <a:r>
+              <a:rPr lang="zh-TW" altLang="en-US" dirty="0"/>
+              <a:t>能力成熟度模式 </a:t>
+            </a:r>
+            <a:br>
+              <a:rPr lang="en-US" altLang="zh-TW" dirty="0"/>
+            </a:br>
+            <a:r>
+              <a:rPr lang="en-US" altLang="zh-TW" dirty="0"/>
+              <a:t>Capability Maturity Model (CMM)</a:t>
+            </a:r>
+            <a:endParaRPr lang="zh-TW" altLang="en-US" dirty="0"/>
+          </a:p>
+        </p:txBody>
+      </p:sp>
+      <p:sp>
+        <p:nvSpPr>
+          <p:cNvPr id="3" name="內容版面配置區 2">
+            <a:extLst>
+              <a:ext uri="{FF2B5EF4-FFF2-40B4-BE49-F238E27FC236}">
+                <a16:creationId xmlns:a16="http://schemas.microsoft.com/office/drawing/2014/main" id="{53A1928C-C570-4AA8-98AD-852D26808FB8}"/>
+              </a:ext>
+            </a:extLst>
+          </p:cNvPr>
+          <p:cNvSpPr>
+            <a:spLocks noGrp="1"/>
+          </p:cNvSpPr>
+          <p:nvPr>
+            <p:ph idx="1"/>
+          </p:nvPr>
+        </p:nvSpPr>
+        <p:spPr/>
+        <p:txBody>
+          <a:bodyPr>
+            <a:normAutofit/>
+          </a:bodyPr>
+          <a:lstStyle/>
+          <a:p>
+            <a:r>
+              <a:rPr lang="zh-TW" altLang="en-US" dirty="0"/>
+              <a:t>源自美國卡耐基美隆大學（</a:t>
+            </a:r>
+            <a:r>
+              <a:rPr lang="en-US" altLang="zh-TW" dirty="0"/>
+              <a:t>Carnegie Mellon University, CMU</a:t>
+            </a:r>
+            <a:r>
+              <a:rPr lang="zh-TW" altLang="en-US" dirty="0"/>
+              <a:t>） </a:t>
+            </a:r>
+            <a:endParaRPr lang="en-US" altLang="zh-TW" dirty="0"/>
+          </a:p>
+          <a:p>
+            <a:r>
+              <a:rPr lang="zh-TW" altLang="en-US" dirty="0"/>
+              <a:t>對特定的商業模式或產業，發展出大約</a:t>
+            </a:r>
+            <a:r>
+              <a:rPr lang="en-US" altLang="zh-TW" dirty="0"/>
+              <a:t>30</a:t>
+            </a:r>
+            <a:r>
+              <a:rPr lang="zh-TW" altLang="en-US" dirty="0"/>
+              <a:t>種成熟度模式</a:t>
+            </a:r>
+            <a:endParaRPr lang="en-US" altLang="zh-TW" dirty="0"/>
+          </a:p>
+          <a:p>
+            <a:r>
+              <a:rPr lang="zh-TW" altLang="en-US" dirty="0"/>
+              <a:t>發展最佳的專案管理實務是一個演化過程，並非一蹴可及，而是一個漸進的持續改善過程</a:t>
+            </a:r>
+            <a:endParaRPr lang="en-US" altLang="zh-TW" dirty="0"/>
+          </a:p>
+          <a:p>
+            <a:r>
+              <a:rPr lang="zh-TW" altLang="en-US" dirty="0"/>
+              <a:t>成熟度模式可以提供定義與實現這個過程的範本（</a:t>
+            </a:r>
+            <a:r>
+              <a:rPr lang="en-US" altLang="zh-TW" dirty="0"/>
+              <a:t>Template</a:t>
+            </a:r>
+            <a:r>
+              <a:rPr lang="zh-TW" altLang="en-US" dirty="0"/>
+              <a:t>）</a:t>
+            </a:r>
+            <a:endParaRPr lang="en-US" altLang="zh-TW" dirty="0"/>
+          </a:p>
+        </p:txBody>
+      </p:sp>
+      <p:sp>
+        <p:nvSpPr>
+          <p:cNvPr id="4" name="投影片編號版面配置區 3">
+            <a:extLst>
+              <a:ext uri="{FF2B5EF4-FFF2-40B4-BE49-F238E27FC236}">
+                <a16:creationId xmlns:a16="http://schemas.microsoft.com/office/drawing/2014/main" id="{D04835A4-6262-4948-8B92-783921159E7A}"/>
+              </a:ext>
+            </a:extLst>
+          </p:cNvPr>
+          <p:cNvSpPr>
+            <a:spLocks noGrp="1"/>
+          </p:cNvSpPr>
+          <p:nvPr>
+            <p:ph type="sldNum" sz="quarter" idx="12"/>
+          </p:nvPr>
+        </p:nvSpPr>
+        <p:spPr/>
+        <p:txBody>
+          <a:bodyPr/>
+          <a:lstStyle/>
+          <a:p>
+            <a:fld id="{06AFB70A-E524-49E4-8F5C-48BFBE4381EC}" type="slidenum">
+              <a:rPr lang="en-US" altLang="zh-TW" smtClean="0"/>
+              <a:pPr/>
+              <a:t>31</a:t>
+            </a:fld>
+            <a:endParaRPr lang="en-US" altLang="zh-TW"/>
+          </a:p>
+        </p:txBody>
+      </p:sp>
+    </p:spTree>
+    <p:extLst>
+      <p:ext uri="{BB962C8B-B14F-4D97-AF65-F5344CB8AC3E}">
+        <p14:creationId xmlns:p14="http://schemas.microsoft.com/office/powerpoint/2010/main" val="22734926"/>
+      </p:ext>
+    </p:extLst>
+  </p:cSld>
+  <p:clrMapOvr>
+    <a:masterClrMapping/>
+  </p:clrMapOvr>
+</p:sld>
+</file>
+
+<file path=ppt/slides/slide32.xml><?xml version="1.0" encoding="utf-8"?>
+<p:sld xmlns:a="http://schemas.openxmlformats.org/drawingml/2006/main" xmlns:r="http://schemas.openxmlformats.org/officeDocument/2006/relationships" xmlns:p="http://schemas.openxmlformats.org/presentationml/2006/main">
+  <p:cSld>
+    <p:spTree>
+      <p:nvGrpSpPr>
+        <p:cNvPr id="1" name=""/>
+        <p:cNvGrpSpPr/>
+        <p:nvPr/>
+      </p:nvGrpSpPr>
+      <p:grpSpPr>
+        <a:xfrm>
+          <a:off x="0" y="0"/>
+          <a:ext cx="0" cy="0"/>
+          <a:chOff x="0" y="0"/>
+          <a:chExt cx="0" cy="0"/>
+        </a:xfrm>
+      </p:grpSpPr>
+      <p:sp>
+        <p:nvSpPr>
+          <p:cNvPr id="2" name="標題 1">
+            <a:extLst>
+              <a:ext uri="{FF2B5EF4-FFF2-40B4-BE49-F238E27FC236}">
+                <a16:creationId xmlns:a16="http://schemas.microsoft.com/office/drawing/2014/main" id="{2875FD8A-BA76-4364-958B-CC4707F22CFD}"/>
+              </a:ext>
+            </a:extLst>
+          </p:cNvPr>
+          <p:cNvSpPr>
+            <a:spLocks noGrp="1"/>
+          </p:cNvSpPr>
+          <p:nvPr>
+            <p:ph type="title"/>
+          </p:nvPr>
+        </p:nvSpPr>
+        <p:spPr/>
+        <p:txBody>
+          <a:bodyPr>
+            <a:normAutofit fontScale="90000"/>
+          </a:bodyPr>
+          <a:lstStyle/>
+          <a:p>
+            <a:r>
+              <a:rPr lang="zh-TW" altLang="en-US" dirty="0"/>
+              <a:t>蜘蛛網方法論</a:t>
+            </a:r>
+            <a:br>
+              <a:rPr lang="en-US" altLang="zh-TW" dirty="0"/>
+            </a:br>
+            <a:r>
+              <a:rPr lang="en-US" altLang="zh-TW" dirty="0"/>
+              <a:t>Spider Web Methodology</a:t>
+            </a:r>
+            <a:endParaRPr lang="zh-TW" altLang="en-US" dirty="0"/>
+          </a:p>
+        </p:txBody>
+      </p:sp>
+      <p:sp>
+        <p:nvSpPr>
+          <p:cNvPr id="4" name="投影片編號版面配置區 3">
+            <a:extLst>
+              <a:ext uri="{FF2B5EF4-FFF2-40B4-BE49-F238E27FC236}">
+                <a16:creationId xmlns:a16="http://schemas.microsoft.com/office/drawing/2014/main" id="{590F9244-86AE-4F76-B23C-DE1F454CD12B}"/>
+              </a:ext>
+            </a:extLst>
+          </p:cNvPr>
+          <p:cNvSpPr>
+            <a:spLocks noGrp="1"/>
+          </p:cNvSpPr>
+          <p:nvPr>
+            <p:ph type="sldNum" sz="quarter" idx="12"/>
+          </p:nvPr>
+        </p:nvSpPr>
+        <p:spPr/>
+        <p:txBody>
+          <a:bodyPr/>
+          <a:lstStyle/>
+          <a:p>
+            <a:fld id="{06AFB70A-E524-49E4-8F5C-48BFBE4381EC}" type="slidenum">
+              <a:rPr lang="en-US" altLang="zh-TW" smtClean="0"/>
+              <a:pPr/>
+              <a:t>32</a:t>
+            </a:fld>
+            <a:endParaRPr lang="en-US" altLang="zh-TW"/>
+          </a:p>
+        </p:txBody>
+      </p:sp>
+      <p:pic>
+        <p:nvPicPr>
+          <p:cNvPr id="5" name="圖片 4">
+            <a:extLst>
+              <a:ext uri="{FF2B5EF4-FFF2-40B4-BE49-F238E27FC236}">
+                <a16:creationId xmlns:a16="http://schemas.microsoft.com/office/drawing/2014/main" id="{72BF7814-ABED-4FB3-948D-3C0A0FCF5680}"/>
+              </a:ext>
+            </a:extLst>
+          </p:cNvPr>
+          <p:cNvPicPr>
+            <a:picLocks noChangeAspect="1"/>
+          </p:cNvPicPr>
+          <p:nvPr/>
+        </p:nvPicPr>
+        <p:blipFill>
+          <a:blip r:embed="rId2"/>
+          <a:stretch>
+            <a:fillRect/>
+          </a:stretch>
+        </p:blipFill>
+        <p:spPr>
+          <a:xfrm>
+            <a:off x="1055440" y="1467891"/>
+            <a:ext cx="6342539" cy="5253584"/>
+          </a:xfrm>
+          <a:prstGeom prst="rect">
+            <a:avLst/>
+          </a:prstGeom>
+        </p:spPr>
+      </p:pic>
+      <p:graphicFrame>
+        <p:nvGraphicFramePr>
+          <p:cNvPr id="6" name="表格 6">
+            <a:extLst>
+              <a:ext uri="{FF2B5EF4-FFF2-40B4-BE49-F238E27FC236}">
+                <a16:creationId xmlns:a16="http://schemas.microsoft.com/office/drawing/2014/main" id="{1184EFA6-6918-49DC-AF0C-7094FDEFB354}"/>
+              </a:ext>
+            </a:extLst>
+          </p:cNvPr>
+          <p:cNvGraphicFramePr>
+            <a:graphicFrameLocks noGrp="1"/>
+          </p:cNvGraphicFramePr>
+          <p:nvPr>
+            <p:extLst>
+              <p:ext uri="{D42A27DB-BD31-4B8C-83A1-F6EECF244321}">
+                <p14:modId xmlns:p14="http://schemas.microsoft.com/office/powerpoint/2010/main" val="4116910277"/>
+              </p:ext>
+            </p:extLst>
+          </p:nvPr>
+        </p:nvGraphicFramePr>
+        <p:xfrm>
+          <a:off x="7594789" y="1916832"/>
+          <a:ext cx="4241421" cy="3383280"/>
+        </p:xfrm>
+        <a:graphic>
+          <a:graphicData uri="http://schemas.openxmlformats.org/drawingml/2006/table">
+            <a:tbl>
+              <a:tblPr firstRow="1" bandRow="1">
+                <a:tableStyleId>{5C22544A-7EE6-4342-B048-85BDC9FD1C3A}</a:tableStyleId>
+              </a:tblPr>
+              <a:tblGrid>
+                <a:gridCol w="1343117">
+                  <a:extLst>
+                    <a:ext uri="{9D8B030D-6E8A-4147-A177-3AD203B41FA5}">
+                      <a16:colId xmlns:a16="http://schemas.microsoft.com/office/drawing/2014/main" val="1674706579"/>
+                    </a:ext>
+                  </a:extLst>
+                </a:gridCol>
+                <a:gridCol w="2898304">
+                  <a:extLst>
+                    <a:ext uri="{9D8B030D-6E8A-4147-A177-3AD203B41FA5}">
+                      <a16:colId xmlns:a16="http://schemas.microsoft.com/office/drawing/2014/main" val="1142941763"/>
+                    </a:ext>
+                  </a:extLst>
+                </a:gridCol>
+              </a:tblGrid>
+              <a:tr h="370840">
+                <a:tc>
+                  <a:txBody>
+                    <a:bodyPr/>
+                    <a:lstStyle/>
+                    <a:p>
+                      <a:r>
+                        <a:rPr lang="zh-TW" altLang="en-US" sz="2400" dirty="0"/>
+                        <a:t>水準或</a:t>
+                      </a:r>
+                      <a:br>
+                        <a:rPr lang="en-US" altLang="zh-TW" sz="2400" dirty="0"/>
+                      </a:br>
+                      <a:r>
+                        <a:rPr lang="zh-TW" altLang="en-US" sz="2400" dirty="0"/>
+                        <a:t>等級</a:t>
+                      </a:r>
+                    </a:p>
+                  </a:txBody>
+                  <a:tcPr/>
+                </a:tc>
+                <a:tc>
+                  <a:txBody>
+                    <a:bodyPr/>
+                    <a:lstStyle/>
+                    <a:p>
+                      <a:r>
+                        <a:rPr lang="zh-TW" altLang="en-US" sz="2400" dirty="0"/>
+                        <a:t>含意</a:t>
+                      </a:r>
+                    </a:p>
+                  </a:txBody>
+                  <a:tcPr/>
+                </a:tc>
+                <a:extLst>
+                  <a:ext uri="{0D108BD9-81ED-4DB2-BD59-A6C34878D82A}">
+                    <a16:rowId xmlns:a16="http://schemas.microsoft.com/office/drawing/2014/main" val="861587385"/>
+                  </a:ext>
+                </a:extLst>
+              </a:tr>
+              <a:tr h="370840">
+                <a:tc>
+                  <a:txBody>
+                    <a:bodyPr/>
+                    <a:lstStyle/>
+                    <a:p>
+                      <a:pPr algn="ctr"/>
+                      <a:r>
+                        <a:rPr lang="en-US" altLang="zh-TW" sz="2400" dirty="0"/>
+                        <a:t>0</a:t>
+                      </a:r>
+                      <a:endParaRPr lang="zh-TW" altLang="en-US" sz="2400" dirty="0"/>
+                    </a:p>
+                  </a:txBody>
+                  <a:tcPr/>
+                </a:tc>
+                <a:tc>
+                  <a:txBody>
+                    <a:bodyPr/>
+                    <a:lstStyle/>
+                    <a:p>
+                      <a:r>
+                        <a:rPr lang="zh-TW" altLang="en-US" sz="2400" dirty="0"/>
+                        <a:t>未定義</a:t>
+                      </a:r>
+                      <a:r>
+                        <a:rPr lang="en-US" altLang="zh-TW" sz="2400" dirty="0"/>
+                        <a:t>/</a:t>
+                      </a:r>
+                      <a:r>
+                        <a:rPr lang="zh-TW" altLang="en-US" sz="2400" dirty="0"/>
+                        <a:t>不好</a:t>
+                      </a:r>
+                    </a:p>
+                  </a:txBody>
+                  <a:tcPr/>
+                </a:tc>
+                <a:extLst>
+                  <a:ext uri="{0D108BD9-81ED-4DB2-BD59-A6C34878D82A}">
+                    <a16:rowId xmlns:a16="http://schemas.microsoft.com/office/drawing/2014/main" val="171175301"/>
+                  </a:ext>
+                </a:extLst>
+              </a:tr>
+              <a:tr h="370840">
+                <a:tc>
+                  <a:txBody>
+                    <a:bodyPr/>
+                    <a:lstStyle/>
+                    <a:p>
+                      <a:pPr algn="ctr"/>
+                      <a:r>
+                        <a:rPr lang="en-US" altLang="zh-TW" sz="2400" dirty="0"/>
+                        <a:t>1</a:t>
+                      </a:r>
+                      <a:endParaRPr lang="zh-TW" altLang="en-US" sz="2400" dirty="0"/>
+                    </a:p>
+                  </a:txBody>
+                  <a:tcPr/>
+                </a:tc>
+                <a:tc>
+                  <a:txBody>
+                    <a:bodyPr/>
+                    <a:lstStyle/>
+                    <a:p>
+                      <a:r>
+                        <a:rPr lang="zh-TW" altLang="en-US" sz="2400" dirty="0"/>
+                        <a:t>已定義但低於同業標準</a:t>
+                      </a:r>
+                    </a:p>
+                  </a:txBody>
+                  <a:tcPr/>
+                </a:tc>
+                <a:extLst>
+                  <a:ext uri="{0D108BD9-81ED-4DB2-BD59-A6C34878D82A}">
+                    <a16:rowId xmlns:a16="http://schemas.microsoft.com/office/drawing/2014/main" val="2998820102"/>
+                  </a:ext>
+                </a:extLst>
+              </a:tr>
+              <a:tr h="370840">
+                <a:tc>
+                  <a:txBody>
+                    <a:bodyPr/>
+                    <a:lstStyle/>
+                    <a:p>
+                      <a:pPr algn="ctr"/>
+                      <a:r>
+                        <a:rPr lang="en-US" altLang="zh-TW" sz="2400" dirty="0"/>
+                        <a:t>2</a:t>
+                      </a:r>
+                      <a:endParaRPr lang="zh-TW" altLang="en-US" sz="2400" dirty="0"/>
+                    </a:p>
+                  </a:txBody>
+                  <a:tcPr/>
+                </a:tc>
+                <a:tc>
+                  <a:txBody>
+                    <a:bodyPr/>
+                    <a:lstStyle/>
+                    <a:p>
+                      <a:r>
+                        <a:rPr lang="zh-TW" altLang="en-US" sz="2400" dirty="0"/>
+                        <a:t>達到同業標準</a:t>
+                      </a:r>
+                    </a:p>
+                  </a:txBody>
+                  <a:tcPr/>
+                </a:tc>
+                <a:extLst>
+                  <a:ext uri="{0D108BD9-81ED-4DB2-BD59-A6C34878D82A}">
+                    <a16:rowId xmlns:a16="http://schemas.microsoft.com/office/drawing/2014/main" val="3167716452"/>
+                  </a:ext>
+                </a:extLst>
+              </a:tr>
+              <a:tr h="370840">
+                <a:tc>
+                  <a:txBody>
+                    <a:bodyPr/>
+                    <a:lstStyle/>
+                    <a:p>
+                      <a:pPr algn="ctr"/>
+                      <a:r>
+                        <a:rPr lang="en-US" altLang="zh-TW" sz="2400" dirty="0"/>
+                        <a:t>3</a:t>
+                      </a:r>
+                      <a:endParaRPr lang="zh-TW" altLang="en-US" sz="2400" dirty="0"/>
+                    </a:p>
+                  </a:txBody>
+                  <a:tcPr/>
+                </a:tc>
+                <a:tc>
+                  <a:txBody>
+                    <a:bodyPr/>
+                    <a:lstStyle/>
+                    <a:p>
+                      <a:r>
+                        <a:rPr lang="zh-TW" altLang="en-US" sz="2400" dirty="0"/>
+                        <a:t>業界領導者</a:t>
+                      </a:r>
+                      <a:r>
+                        <a:rPr lang="en-US" altLang="zh-TW" sz="2400" dirty="0"/>
+                        <a:t>/</a:t>
+                      </a:r>
+                      <a:r>
+                        <a:rPr lang="zh-TW" altLang="en-US" sz="2400" dirty="0"/>
+                        <a:t>高於同業標準</a:t>
+                      </a:r>
+                    </a:p>
+                  </a:txBody>
+                  <a:tcPr/>
+                </a:tc>
+                <a:extLst>
+                  <a:ext uri="{0D108BD9-81ED-4DB2-BD59-A6C34878D82A}">
+                    <a16:rowId xmlns:a16="http://schemas.microsoft.com/office/drawing/2014/main" val="2040345808"/>
+                  </a:ext>
+                </a:extLst>
+              </a:tr>
+            </a:tbl>
+          </a:graphicData>
+        </a:graphic>
+      </p:graphicFrame>
+    </p:spTree>
+    <p:extLst>
+      <p:ext uri="{BB962C8B-B14F-4D97-AF65-F5344CB8AC3E}">
+        <p14:creationId xmlns:p14="http://schemas.microsoft.com/office/powerpoint/2010/main" val="3239172921"/>
+      </p:ext>
+    </p:extLst>
+  </p:cSld>
+  <p:clrMapOvr>
+    <a:masterClrMapping/>
+  </p:clrMapOvr>
+</p:sld>
+</file>
+
+<file path=ppt/slides/slide33.xml><?xml version="1.0" encoding="utf-8"?>
+<p:sld xmlns:a="http://schemas.openxmlformats.org/drawingml/2006/main" xmlns:r="http://schemas.openxmlformats.org/officeDocument/2006/relationships" xmlns:p="http://schemas.openxmlformats.org/presentationml/2006/main">
+  <p:cSld>
+    <p:spTree>
+      <p:nvGrpSpPr>
+        <p:cNvPr id="1" name=""/>
+        <p:cNvGrpSpPr/>
+        <p:nvPr/>
+      </p:nvGrpSpPr>
+      <p:grpSpPr>
+        <a:xfrm>
+          <a:off x="0" y="0"/>
+          <a:ext cx="0" cy="0"/>
+          <a:chOff x="0" y="0"/>
+          <a:chExt cx="0" cy="0"/>
+        </a:xfrm>
+      </p:grpSpPr>
+      <p:sp>
+        <p:nvSpPr>
+          <p:cNvPr id="2" name="標題 1">
+            <a:extLst>
+              <a:ext uri="{FF2B5EF4-FFF2-40B4-BE49-F238E27FC236}">
+                <a16:creationId xmlns:a16="http://schemas.microsoft.com/office/drawing/2014/main" id="{3D3B0800-F7EA-4E71-B350-580256B5AFB6}"/>
+              </a:ext>
+            </a:extLst>
+          </p:cNvPr>
+          <p:cNvSpPr>
+            <a:spLocks noGrp="1"/>
+          </p:cNvSpPr>
+          <p:nvPr>
+            <p:ph type="title"/>
+          </p:nvPr>
+        </p:nvSpPr>
+        <p:spPr/>
+        <p:txBody>
+          <a:bodyPr/>
+          <a:lstStyle/>
+          <a:p>
+            <a:r>
+              <a:rPr lang="zh-TW" altLang="en-US" dirty="0"/>
+              <a:t>常見的成熟度模式</a:t>
+            </a:r>
+          </a:p>
+        </p:txBody>
+      </p:sp>
+      <p:sp>
+        <p:nvSpPr>
+          <p:cNvPr id="3" name="內容版面配置區 2">
+            <a:extLst>
+              <a:ext uri="{FF2B5EF4-FFF2-40B4-BE49-F238E27FC236}">
+                <a16:creationId xmlns:a16="http://schemas.microsoft.com/office/drawing/2014/main" id="{17B49AD4-2045-489A-82A5-C48212BE37C5}"/>
+              </a:ext>
+            </a:extLst>
+          </p:cNvPr>
+          <p:cNvSpPr>
+            <a:spLocks noGrp="1"/>
+          </p:cNvSpPr>
+          <p:nvPr>
+            <p:ph idx="1"/>
+          </p:nvPr>
+        </p:nvSpPr>
+        <p:spPr/>
+        <p:txBody>
+          <a:bodyPr>
+            <a:normAutofit fontScale="92500" lnSpcReduction="10000"/>
+          </a:bodyPr>
+          <a:lstStyle/>
+          <a:p>
+            <a:r>
+              <a:rPr lang="zh-TW" altLang="en-US" dirty="0"/>
+              <a:t>專案管理成熟度 </a:t>
+            </a:r>
+            <a:r>
+              <a:rPr lang="en-US" altLang="zh-TW" dirty="0"/>
+              <a:t>OPM3</a:t>
+            </a:r>
+          </a:p>
+          <a:p>
+            <a:pPr lvl="1"/>
+            <a:r>
+              <a:rPr lang="zh-TW" altLang="en-US" dirty="0"/>
+              <a:t>專案管理協會 </a:t>
+            </a:r>
+            <a:r>
+              <a:rPr lang="en-US" altLang="zh-TW" dirty="0"/>
+              <a:t>PMI</a:t>
+            </a:r>
+          </a:p>
+          <a:p>
+            <a:pPr lvl="1"/>
+            <a:r>
+              <a:rPr lang="en-US" altLang="zh-TW" dirty="0"/>
+              <a:t>Organizational Project Management Maturity Model</a:t>
+            </a:r>
+          </a:p>
+          <a:p>
+            <a:r>
+              <a:rPr lang="zh-TW" altLang="en-US" dirty="0"/>
+              <a:t>能力成熟度整合模型 </a:t>
+            </a:r>
+            <a:r>
+              <a:rPr lang="en-US" altLang="zh-TW" dirty="0"/>
+              <a:t>CMMI</a:t>
+            </a:r>
+          </a:p>
+          <a:p>
+            <a:pPr lvl="1"/>
+            <a:r>
+              <a:rPr lang="zh-TW" altLang="en-US" dirty="0"/>
+              <a:t>卡耐基美隆大學軟體工程學院 </a:t>
+            </a:r>
+            <a:r>
+              <a:rPr lang="en-US" altLang="zh-TW" dirty="0"/>
+              <a:t>CMU SEI</a:t>
+            </a:r>
+          </a:p>
+          <a:p>
+            <a:pPr lvl="1"/>
+            <a:r>
+              <a:rPr lang="en-US" altLang="zh-TW" dirty="0"/>
+              <a:t>Capability Maturity Model Integration</a:t>
+            </a:r>
+          </a:p>
+          <a:p>
+            <a:r>
+              <a:rPr lang="zh-TW" altLang="en-US" dirty="0"/>
+              <a:t>專案組合、計畫和專案管理成熟度模型 </a:t>
+            </a:r>
+            <a:r>
+              <a:rPr lang="en-US" altLang="zh-TW" dirty="0"/>
+              <a:t>P3M3</a:t>
+            </a:r>
+          </a:p>
+          <a:p>
+            <a:pPr lvl="1"/>
+            <a:r>
+              <a:rPr lang="zh-TW" altLang="en-US" dirty="0"/>
+              <a:t>英國商務部 </a:t>
+            </a:r>
+            <a:r>
+              <a:rPr lang="en-US" altLang="zh-TW" dirty="0"/>
+              <a:t>UK Office of Government Commerce (OGC)</a:t>
+            </a:r>
+          </a:p>
+          <a:p>
+            <a:pPr lvl="1"/>
+            <a:r>
+              <a:rPr lang="en-US" altLang="zh-TW" dirty="0"/>
+              <a:t>Portfolio, </a:t>
+            </a:r>
+            <a:r>
+              <a:rPr lang="en-US" altLang="zh-TW" dirty="0" err="1"/>
+              <a:t>Programme</a:t>
+            </a:r>
+            <a:r>
+              <a:rPr lang="en-US" altLang="zh-TW" dirty="0"/>
+              <a:t> and Project Management Maturity Model</a:t>
+            </a:r>
+            <a:endParaRPr lang="zh-TW" altLang="en-US" dirty="0"/>
+          </a:p>
+        </p:txBody>
+      </p:sp>
+      <p:sp>
+        <p:nvSpPr>
+          <p:cNvPr id="4" name="投影片編號版面配置區 3">
+            <a:extLst>
+              <a:ext uri="{FF2B5EF4-FFF2-40B4-BE49-F238E27FC236}">
+                <a16:creationId xmlns:a16="http://schemas.microsoft.com/office/drawing/2014/main" id="{434DE32F-9D6D-40CF-8AEE-7B32B0C6DB7D}"/>
+              </a:ext>
+            </a:extLst>
+          </p:cNvPr>
+          <p:cNvSpPr>
+            <a:spLocks noGrp="1"/>
+          </p:cNvSpPr>
+          <p:nvPr>
+            <p:ph type="sldNum" sz="quarter" idx="12"/>
+          </p:nvPr>
+        </p:nvSpPr>
+        <p:spPr/>
+        <p:txBody>
+          <a:bodyPr/>
+          <a:lstStyle/>
+          <a:p>
+            <a:fld id="{06AFB70A-E524-49E4-8F5C-48BFBE4381EC}" type="slidenum">
+              <a:rPr lang="en-US" altLang="zh-TW" smtClean="0"/>
+              <a:pPr/>
+              <a:t>33</a:t>
+            </a:fld>
+            <a:endParaRPr lang="en-US" altLang="zh-TW"/>
+          </a:p>
+        </p:txBody>
+      </p:sp>
+    </p:spTree>
+    <p:extLst>
+      <p:ext uri="{BB962C8B-B14F-4D97-AF65-F5344CB8AC3E}">
+        <p14:creationId xmlns:p14="http://schemas.microsoft.com/office/powerpoint/2010/main" val="1504392808"/>
+      </p:ext>
+    </p:extLst>
+  </p:cSld>
+  <p:clrMapOvr>
+    <a:masterClrMapping/>
+  </p:clrMapOvr>
+</p:sld>
+</file>
+
+<file path=ppt/slides/slide34.xml><?xml version="1.0" encoding="utf-8"?>
+<p:sld xmlns:a="http://schemas.openxmlformats.org/drawingml/2006/main" xmlns:r="http://schemas.openxmlformats.org/officeDocument/2006/relationships" xmlns:p="http://schemas.openxmlformats.org/presentationml/2006/main">
+  <p:cSld>
+    <p:spTree>
+      <p:nvGrpSpPr>
+        <p:cNvPr id="1" name=""/>
+        <p:cNvGrpSpPr/>
+        <p:nvPr/>
+      </p:nvGrpSpPr>
+      <p:grpSpPr>
+        <a:xfrm>
+          <a:off x="0" y="0"/>
+          <a:ext cx="0" cy="0"/>
+          <a:chOff x="0" y="0"/>
+          <a:chExt cx="0" cy="0"/>
+        </a:xfrm>
+      </p:grpSpPr>
+      <p:sp>
+        <p:nvSpPr>
+          <p:cNvPr id="2" name="標題 1">
+            <a:extLst>
+              <a:ext uri="{FF2B5EF4-FFF2-40B4-BE49-F238E27FC236}">
+                <a16:creationId xmlns:a16="http://schemas.microsoft.com/office/drawing/2014/main" id="{201C4852-92F4-4FCE-8589-A88561D98962}"/>
+              </a:ext>
+            </a:extLst>
+          </p:cNvPr>
+          <p:cNvSpPr>
+            <a:spLocks noGrp="1"/>
+          </p:cNvSpPr>
+          <p:nvPr>
+            <p:ph type="title"/>
+          </p:nvPr>
+        </p:nvSpPr>
+        <p:spPr/>
+        <p:txBody>
+          <a:bodyPr/>
+          <a:lstStyle/>
+          <a:p>
+            <a:r>
+              <a:rPr lang="zh-TW" altLang="en-US" dirty="0"/>
+              <a:t>成熟度模式</a:t>
+            </a:r>
+          </a:p>
+        </p:txBody>
+      </p:sp>
+      <p:sp>
+        <p:nvSpPr>
+          <p:cNvPr id="4" name="投影片編號版面配置區 3">
+            <a:extLst>
+              <a:ext uri="{FF2B5EF4-FFF2-40B4-BE49-F238E27FC236}">
+                <a16:creationId xmlns:a16="http://schemas.microsoft.com/office/drawing/2014/main" id="{10482CCE-AEF6-4A6F-ABE1-31E7A6DF62E0}"/>
+              </a:ext>
+            </a:extLst>
+          </p:cNvPr>
+          <p:cNvSpPr>
+            <a:spLocks noGrp="1"/>
+          </p:cNvSpPr>
+          <p:nvPr>
+            <p:ph type="sldNum" sz="quarter" idx="12"/>
+          </p:nvPr>
+        </p:nvSpPr>
+        <p:spPr/>
+        <p:txBody>
+          <a:bodyPr/>
+          <a:lstStyle/>
+          <a:p>
+            <a:fld id="{06AFB70A-E524-49E4-8F5C-48BFBE4381EC}" type="slidenum">
+              <a:rPr lang="en-US" altLang="zh-TW" smtClean="0"/>
+              <a:pPr/>
+              <a:t>34</a:t>
             </a:fld>
             <a:endParaRPr lang="en-US" altLang="zh-TW"/>
           </a:p>
@@ -14551,8 +15655,8 @@
         </p:blipFill>
         <p:spPr bwMode="auto">
           <a:xfrm>
-            <a:off x="1775520" y="1268760"/>
-            <a:ext cx="5976664" cy="5470732"/>
+            <a:off x="2909646" y="523100"/>
+            <a:ext cx="6372708" cy="5833250"/>
           </a:xfrm>
           <a:prstGeom prst="rect">
             <a:avLst/>
@@ -14592,6 +15696,131 @@
           </a:extLst>
         </p:spPr>
       </p:pic>
+      <p:sp>
+        <p:nvSpPr>
+          <p:cNvPr id="3" name="文字方塊 2">
+            <a:extLst>
+              <a:ext uri="{FF2B5EF4-FFF2-40B4-BE49-F238E27FC236}">
+                <a16:creationId xmlns:a16="http://schemas.microsoft.com/office/drawing/2014/main" id="{C8BC3C25-3751-4907-B924-00FD5F11C00B}"/>
+              </a:ext>
+            </a:extLst>
+          </p:cNvPr>
+          <p:cNvSpPr txBox="1"/>
+          <p:nvPr/>
+        </p:nvSpPr>
+        <p:spPr>
+          <a:xfrm>
+            <a:off x="2135560" y="2420888"/>
+            <a:ext cx="2425866" cy="461665"/>
+          </a:xfrm>
+          <a:prstGeom prst="rect">
+            <a:avLst/>
+          </a:prstGeom>
+        </p:spPr>
+        <p:style>
+          <a:lnRef idx="2">
+            <a:schemeClr val="accent2">
+              <a:shade val="50000"/>
+            </a:schemeClr>
+          </a:lnRef>
+          <a:fillRef idx="1">
+            <a:schemeClr val="accent2"/>
+          </a:fillRef>
+          <a:effectRef idx="0">
+            <a:schemeClr val="accent2"/>
+          </a:effectRef>
+          <a:fontRef idx="minor">
+            <a:schemeClr val="lt1"/>
+          </a:fontRef>
+        </p:style>
+        <p:txBody>
+          <a:bodyPr wrap="square">
+            <a:spAutoFit/>
+          </a:bodyPr>
+          <a:lstStyle>
+            <a:defPPr>
+              <a:defRPr lang="en-US"/>
+            </a:defPPr>
+            <a:lvl1pPr algn="r">
+              <a:defRPr sz="2400">
+                <a:latin typeface="+mj-lt"/>
+              </a:defRPr>
+            </a:lvl1pPr>
+          </a:lstStyle>
+          <a:p>
+            <a:r>
+              <a:rPr lang="en-US" altLang="zh-TW" dirty="0"/>
+              <a:t>I</a:t>
+            </a:r>
+            <a:r>
+              <a:rPr lang="zh-TW" altLang="en-US" dirty="0"/>
+              <a:t>nstitutionalized</a:t>
+            </a:r>
+          </a:p>
+        </p:txBody>
+      </p:sp>
+      <p:sp>
+        <p:nvSpPr>
+          <p:cNvPr id="7" name="文字方塊 6">
+            <a:extLst>
+              <a:ext uri="{FF2B5EF4-FFF2-40B4-BE49-F238E27FC236}">
+                <a16:creationId xmlns:a16="http://schemas.microsoft.com/office/drawing/2014/main" id="{BC580A9A-BEDF-4612-B85C-24B72D2D8771}"/>
+              </a:ext>
+            </a:extLst>
+          </p:cNvPr>
+          <p:cNvSpPr txBox="1"/>
+          <p:nvPr/>
+        </p:nvSpPr>
+        <p:spPr>
+          <a:xfrm>
+            <a:off x="2135560" y="3789040"/>
+            <a:ext cx="1599976" cy="461665"/>
+          </a:xfrm>
+          <a:prstGeom prst="rect">
+            <a:avLst/>
+          </a:prstGeom>
+        </p:spPr>
+        <p:style>
+          <a:lnRef idx="2">
+            <a:schemeClr val="accent2">
+              <a:shade val="50000"/>
+            </a:schemeClr>
+          </a:lnRef>
+          <a:fillRef idx="1">
+            <a:schemeClr val="accent2"/>
+          </a:fillRef>
+          <a:effectRef idx="0">
+            <a:schemeClr val="accent2"/>
+          </a:effectRef>
+          <a:fontRef idx="minor">
+            <a:schemeClr val="lt1"/>
+          </a:fontRef>
+        </p:style>
+        <p:txBody>
+          <a:bodyPr wrap="square">
+            <a:spAutoFit/>
+          </a:bodyPr>
+          <a:lstStyle>
+            <a:defPPr>
+              <a:defRPr lang="en-US"/>
+            </a:defPPr>
+            <a:lvl1pPr algn="r">
+              <a:defRPr sz="2400"/>
+            </a:lvl1pPr>
+          </a:lstStyle>
+          <a:p>
+            <a:r>
+              <a:rPr lang="en-US" altLang="zh-TW" dirty="0">
+                <a:latin typeface="+mj-lt"/>
+              </a:rPr>
+              <a:t>Defined</a:t>
+            </a:r>
+            <a:endParaRPr lang="zh-TW" altLang="en-US" dirty="0">
+              <a:latin typeface="+mj-lt"/>
+            </a:endParaRPr>
+          </a:p>
+        </p:txBody>
+      </p:sp>
     </p:spTree>
     <p:extLst>
       <p:ext uri="{BB962C8B-B14F-4D97-AF65-F5344CB8AC3E}">
@@ -14605,7 +15834,7 @@
 </p:sld>
 </file>
 
-<file path=ppt/slides/slide31.xml><?xml version="1.0" encoding="utf-8"?>
+<file path=ppt/slides/slide35.xml><?xml version="1.0" encoding="utf-8"?>
 <p:sld xmlns:a="http://schemas.openxmlformats.org/drawingml/2006/main" xmlns:r="http://schemas.openxmlformats.org/officeDocument/2006/relationships" xmlns:p="http://schemas.openxmlformats.org/presentationml/2006/main">
   <p:cSld>
     <p:spTree>
@@ -14627,6 +15856,595 @@
           <p:cNvPr id="2" name="標題 1">
             <a:extLst>
               <a:ext uri="{FF2B5EF4-FFF2-40B4-BE49-F238E27FC236}">
+                <a16:creationId xmlns:a16="http://schemas.microsoft.com/office/drawing/2014/main" id="{EA50A247-4550-4443-BD7E-2919BCEE1BA3}"/>
+              </a:ext>
+            </a:extLst>
+          </p:cNvPr>
+          <p:cNvSpPr>
+            <a:spLocks noGrp="1"/>
+          </p:cNvSpPr>
+          <p:nvPr>
+            <p:ph type="title"/>
+          </p:nvPr>
+        </p:nvSpPr>
+        <p:spPr/>
+        <p:txBody>
+          <a:bodyPr>
+            <a:normAutofit fontScale="90000"/>
+          </a:bodyPr>
+          <a:lstStyle/>
+          <a:p>
+            <a:r>
+              <a:rPr lang="en-US" altLang="zh-TW" dirty="0"/>
+              <a:t>CMMI Levels</a:t>
+            </a:r>
+            <a:br>
+              <a:rPr lang="en-US" altLang="zh-TW" dirty="0"/>
+            </a:br>
+            <a:endParaRPr lang="zh-TW" altLang="en-US" dirty="0"/>
+          </a:p>
+        </p:txBody>
+      </p:sp>
+      <p:sp>
+        <p:nvSpPr>
+          <p:cNvPr id="4" name="投影片編號版面配置區 3">
+            <a:extLst>
+              <a:ext uri="{FF2B5EF4-FFF2-40B4-BE49-F238E27FC236}">
+                <a16:creationId xmlns:a16="http://schemas.microsoft.com/office/drawing/2014/main" id="{F6F29714-5B1F-42EB-BEB1-1826E28ED4B3}"/>
+              </a:ext>
+            </a:extLst>
+          </p:cNvPr>
+          <p:cNvSpPr>
+            <a:spLocks noGrp="1"/>
+          </p:cNvSpPr>
+          <p:nvPr>
+            <p:ph type="sldNum" sz="quarter" idx="12"/>
+          </p:nvPr>
+        </p:nvSpPr>
+        <p:spPr/>
+        <p:txBody>
+          <a:bodyPr/>
+          <a:lstStyle/>
+          <a:p>
+            <a:fld id="{06AFB70A-E524-49E4-8F5C-48BFBE4381EC}" type="slidenum">
+              <a:rPr lang="en-US" altLang="zh-TW" smtClean="0"/>
+              <a:pPr/>
+              <a:t>35</a:t>
+            </a:fld>
+            <a:endParaRPr lang="en-US" altLang="zh-TW"/>
+          </a:p>
+        </p:txBody>
+      </p:sp>
+      <p:sp>
+        <p:nvSpPr>
+          <p:cNvPr id="5" name="矩形: 圓角 4">
+            <a:extLst>
+              <a:ext uri="{FF2B5EF4-FFF2-40B4-BE49-F238E27FC236}">
+                <a16:creationId xmlns:a16="http://schemas.microsoft.com/office/drawing/2014/main" id="{7CAF9796-DCC4-409E-BB23-277297134E02}"/>
+              </a:ext>
+            </a:extLst>
+          </p:cNvPr>
+          <p:cNvSpPr/>
+          <p:nvPr/>
+        </p:nvSpPr>
+        <p:spPr>
+          <a:xfrm>
+            <a:off x="96927" y="5589240"/>
+            <a:ext cx="1678593" cy="767110"/>
+          </a:xfrm>
+          <a:prstGeom prst="roundRect">
+            <a:avLst/>
+          </a:prstGeom>
+        </p:spPr>
+        <p:style>
+          <a:lnRef idx="2">
+            <a:schemeClr val="accent1">
+              <a:shade val="50000"/>
+            </a:schemeClr>
+          </a:lnRef>
+          <a:fillRef idx="1">
+            <a:schemeClr val="accent1"/>
+          </a:fillRef>
+          <a:effectRef idx="0">
+            <a:schemeClr val="accent1"/>
+          </a:effectRef>
+          <a:fontRef idx="minor">
+            <a:schemeClr val="lt1"/>
+          </a:fontRef>
+        </p:style>
+        <p:txBody>
+          <a:bodyPr rtlCol="0" anchor="ctr"/>
+          <a:lstStyle/>
+          <a:p>
+            <a:pPr algn="ctr"/>
+            <a:r>
+              <a:rPr lang="en-US" altLang="zh-TW" sz="2400" dirty="0"/>
+              <a:t>1</a:t>
+            </a:r>
+          </a:p>
+          <a:p>
+            <a:pPr algn="ctr"/>
+            <a:r>
+              <a:rPr lang="en-US" altLang="zh-TW" sz="2400" dirty="0"/>
+              <a:t>Initial</a:t>
+            </a:r>
+            <a:endParaRPr lang="zh-TW" altLang="en-US" sz="2400" dirty="0"/>
+          </a:p>
+        </p:txBody>
+      </p:sp>
+      <p:sp>
+        <p:nvSpPr>
+          <p:cNvPr id="6" name="矩形: 圓角 5">
+            <a:extLst>
+              <a:ext uri="{FF2B5EF4-FFF2-40B4-BE49-F238E27FC236}">
+                <a16:creationId xmlns:a16="http://schemas.microsoft.com/office/drawing/2014/main" id="{968E0544-9271-49C8-B66C-8CB54000E5F8}"/>
+              </a:ext>
+            </a:extLst>
+          </p:cNvPr>
+          <p:cNvSpPr/>
+          <p:nvPr/>
+        </p:nvSpPr>
+        <p:spPr>
+          <a:xfrm>
+            <a:off x="838200" y="4509120"/>
+            <a:ext cx="1678593" cy="767110"/>
+          </a:xfrm>
+          <a:prstGeom prst="roundRect">
+            <a:avLst/>
+          </a:prstGeom>
+        </p:spPr>
+        <p:style>
+          <a:lnRef idx="2">
+            <a:schemeClr val="accent1">
+              <a:shade val="50000"/>
+            </a:schemeClr>
+          </a:lnRef>
+          <a:fillRef idx="1">
+            <a:schemeClr val="accent1"/>
+          </a:fillRef>
+          <a:effectRef idx="0">
+            <a:schemeClr val="accent1"/>
+          </a:effectRef>
+          <a:fontRef idx="minor">
+            <a:schemeClr val="lt1"/>
+          </a:fontRef>
+        </p:style>
+        <p:txBody>
+          <a:bodyPr rtlCol="0" anchor="ctr"/>
+          <a:lstStyle/>
+          <a:p>
+            <a:pPr algn="ctr"/>
+            <a:r>
+              <a:rPr lang="en-US" altLang="zh-TW" sz="2400" dirty="0"/>
+              <a:t>2</a:t>
+            </a:r>
+          </a:p>
+          <a:p>
+            <a:pPr algn="ctr"/>
+            <a:r>
+              <a:rPr lang="en-US" altLang="zh-TW" sz="2400" dirty="0"/>
+              <a:t>Repeatable</a:t>
+            </a:r>
+            <a:endParaRPr lang="zh-TW" altLang="en-US" sz="2400" dirty="0"/>
+          </a:p>
+        </p:txBody>
+      </p:sp>
+      <p:sp>
+        <p:nvSpPr>
+          <p:cNvPr id="7" name="矩形: 圓角 6">
+            <a:extLst>
+              <a:ext uri="{FF2B5EF4-FFF2-40B4-BE49-F238E27FC236}">
+                <a16:creationId xmlns:a16="http://schemas.microsoft.com/office/drawing/2014/main" id="{0080B9C7-8BF3-4870-A94C-F54E9DB92AD6}"/>
+              </a:ext>
+            </a:extLst>
+          </p:cNvPr>
+          <p:cNvSpPr/>
+          <p:nvPr/>
+        </p:nvSpPr>
+        <p:spPr>
+          <a:xfrm>
+            <a:off x="1558280" y="3401213"/>
+            <a:ext cx="1678593" cy="767110"/>
+          </a:xfrm>
+          <a:prstGeom prst="roundRect">
+            <a:avLst/>
+          </a:prstGeom>
+        </p:spPr>
+        <p:style>
+          <a:lnRef idx="2">
+            <a:schemeClr val="accent1">
+              <a:shade val="50000"/>
+            </a:schemeClr>
+          </a:lnRef>
+          <a:fillRef idx="1">
+            <a:schemeClr val="accent1"/>
+          </a:fillRef>
+          <a:effectRef idx="0">
+            <a:schemeClr val="accent1"/>
+          </a:effectRef>
+          <a:fontRef idx="minor">
+            <a:schemeClr val="lt1"/>
+          </a:fontRef>
+        </p:style>
+        <p:txBody>
+          <a:bodyPr rtlCol="0" anchor="ctr"/>
+          <a:lstStyle/>
+          <a:p>
+            <a:pPr algn="ctr"/>
+            <a:r>
+              <a:rPr lang="en-US" altLang="zh-TW" sz="2400" dirty="0"/>
+              <a:t>3</a:t>
+            </a:r>
+          </a:p>
+          <a:p>
+            <a:pPr algn="ctr"/>
+            <a:r>
+              <a:rPr lang="en-US" altLang="zh-TW" sz="2400" dirty="0"/>
+              <a:t>Defined</a:t>
+            </a:r>
+            <a:endParaRPr lang="zh-TW" altLang="en-US" sz="2400" dirty="0"/>
+          </a:p>
+        </p:txBody>
+      </p:sp>
+      <p:sp>
+        <p:nvSpPr>
+          <p:cNvPr id="8" name="矩形: 圓角 7">
+            <a:extLst>
+              <a:ext uri="{FF2B5EF4-FFF2-40B4-BE49-F238E27FC236}">
+                <a16:creationId xmlns:a16="http://schemas.microsoft.com/office/drawing/2014/main" id="{57D4B508-076E-4953-A2B9-C2D9E4487978}"/>
+              </a:ext>
+            </a:extLst>
+          </p:cNvPr>
+          <p:cNvSpPr/>
+          <p:nvPr/>
+        </p:nvSpPr>
+        <p:spPr>
+          <a:xfrm>
+            <a:off x="2278360" y="2293306"/>
+            <a:ext cx="1678593" cy="767110"/>
+          </a:xfrm>
+          <a:prstGeom prst="roundRect">
+            <a:avLst/>
+          </a:prstGeom>
+        </p:spPr>
+        <p:style>
+          <a:lnRef idx="2">
+            <a:schemeClr val="accent1">
+              <a:shade val="50000"/>
+            </a:schemeClr>
+          </a:lnRef>
+          <a:fillRef idx="1">
+            <a:schemeClr val="accent1"/>
+          </a:fillRef>
+          <a:effectRef idx="0">
+            <a:schemeClr val="accent1"/>
+          </a:effectRef>
+          <a:fontRef idx="minor">
+            <a:schemeClr val="lt1"/>
+          </a:fontRef>
+        </p:style>
+        <p:txBody>
+          <a:bodyPr rtlCol="0" anchor="ctr"/>
+          <a:lstStyle/>
+          <a:p>
+            <a:pPr algn="ctr"/>
+            <a:r>
+              <a:rPr lang="en-US" altLang="zh-TW" sz="2400" dirty="0"/>
+              <a:t>4</a:t>
+            </a:r>
+          </a:p>
+          <a:p>
+            <a:pPr algn="ctr"/>
+            <a:r>
+              <a:rPr lang="en-US" altLang="zh-TW" sz="2400" dirty="0"/>
+              <a:t>Managed</a:t>
+            </a:r>
+            <a:endParaRPr lang="zh-TW" altLang="en-US" sz="2400" dirty="0"/>
+          </a:p>
+        </p:txBody>
+      </p:sp>
+      <p:sp>
+        <p:nvSpPr>
+          <p:cNvPr id="9" name="矩形: 圓角 8">
+            <a:extLst>
+              <a:ext uri="{FF2B5EF4-FFF2-40B4-BE49-F238E27FC236}">
+                <a16:creationId xmlns:a16="http://schemas.microsoft.com/office/drawing/2014/main" id="{B9B8560A-E53E-4D2F-AF21-D3457092325C}"/>
+              </a:ext>
+            </a:extLst>
+          </p:cNvPr>
+          <p:cNvSpPr/>
+          <p:nvPr/>
+        </p:nvSpPr>
+        <p:spPr>
+          <a:xfrm>
+            <a:off x="2998440" y="1185399"/>
+            <a:ext cx="1678593" cy="767110"/>
+          </a:xfrm>
+          <a:prstGeom prst="roundRect">
+            <a:avLst/>
+          </a:prstGeom>
+        </p:spPr>
+        <p:style>
+          <a:lnRef idx="2">
+            <a:schemeClr val="accent1">
+              <a:shade val="50000"/>
+            </a:schemeClr>
+          </a:lnRef>
+          <a:fillRef idx="1">
+            <a:schemeClr val="accent1"/>
+          </a:fillRef>
+          <a:effectRef idx="0">
+            <a:schemeClr val="accent1"/>
+          </a:effectRef>
+          <a:fontRef idx="minor">
+            <a:schemeClr val="lt1"/>
+          </a:fontRef>
+        </p:style>
+        <p:txBody>
+          <a:bodyPr rtlCol="0" anchor="ctr"/>
+          <a:lstStyle/>
+          <a:p>
+            <a:pPr algn="ctr"/>
+            <a:r>
+              <a:rPr lang="en-US" altLang="zh-TW" sz="2400" dirty="0"/>
+              <a:t>5</a:t>
+            </a:r>
+          </a:p>
+          <a:p>
+            <a:pPr algn="ctr"/>
+            <a:r>
+              <a:rPr lang="en-US" altLang="zh-TW" sz="2400" dirty="0"/>
+              <a:t>Optimizing</a:t>
+            </a:r>
+            <a:endParaRPr lang="zh-TW" altLang="en-US" sz="2400" dirty="0"/>
+          </a:p>
+        </p:txBody>
+      </p:sp>
+      <p:sp>
+        <p:nvSpPr>
+          <p:cNvPr id="15" name="文字方塊 14">
+            <a:extLst>
+              <a:ext uri="{FF2B5EF4-FFF2-40B4-BE49-F238E27FC236}">
+                <a16:creationId xmlns:a16="http://schemas.microsoft.com/office/drawing/2014/main" id="{C827D1C7-B6DD-43D8-8620-C3E26835693C}"/>
+              </a:ext>
+            </a:extLst>
+          </p:cNvPr>
+          <p:cNvSpPr txBox="1"/>
+          <p:nvPr/>
+        </p:nvSpPr>
+        <p:spPr>
+          <a:xfrm>
+            <a:off x="4694251" y="1157843"/>
+            <a:ext cx="4354077" cy="830997"/>
+          </a:xfrm>
+          <a:prstGeom prst="rect">
+            <a:avLst/>
+          </a:prstGeom>
+          <a:noFill/>
+        </p:spPr>
+        <p:txBody>
+          <a:bodyPr wrap="none" rtlCol="0">
+            <a:spAutoFit/>
+          </a:bodyPr>
+          <a:lstStyle/>
+          <a:p>
+            <a:r>
+              <a:rPr lang="en-US" altLang="zh-TW" sz="2400" dirty="0"/>
+              <a:t>Continuous Process Improvement</a:t>
+            </a:r>
+          </a:p>
+          <a:p>
+            <a:r>
+              <a:rPr lang="en-US" altLang="zh-TW" sz="2400" dirty="0"/>
+              <a:t>Focus on process improvement</a:t>
+            </a:r>
+            <a:endParaRPr lang="zh-TW" altLang="en-US" sz="2400" dirty="0"/>
+          </a:p>
+        </p:txBody>
+      </p:sp>
+      <p:sp>
+        <p:nvSpPr>
+          <p:cNvPr id="16" name="文字方塊 15">
+            <a:extLst>
+              <a:ext uri="{FF2B5EF4-FFF2-40B4-BE49-F238E27FC236}">
+                <a16:creationId xmlns:a16="http://schemas.microsoft.com/office/drawing/2014/main" id="{4469C2B4-598A-4142-B513-E244BC39F83B}"/>
+              </a:ext>
+            </a:extLst>
+          </p:cNvPr>
+          <p:cNvSpPr txBox="1"/>
+          <p:nvPr/>
+        </p:nvSpPr>
+        <p:spPr>
+          <a:xfrm>
+            <a:off x="3959031" y="2276872"/>
+            <a:ext cx="4480714" cy="830997"/>
+          </a:xfrm>
+          <a:prstGeom prst="rect">
+            <a:avLst/>
+          </a:prstGeom>
+          <a:noFill/>
+        </p:spPr>
+        <p:txBody>
+          <a:bodyPr wrap="none" rtlCol="0">
+            <a:spAutoFit/>
+          </a:bodyPr>
+          <a:lstStyle/>
+          <a:p>
+            <a:r>
+              <a:rPr lang="en-US" altLang="zh-TW" sz="2400" dirty="0"/>
+              <a:t>Quantitative Management</a:t>
+            </a:r>
+          </a:p>
+          <a:p>
+            <a:r>
+              <a:rPr lang="en-US" altLang="zh-TW" sz="2400" dirty="0"/>
+              <a:t>Processes measured and controlled</a:t>
+            </a:r>
+            <a:endParaRPr lang="zh-TW" altLang="en-US" sz="2400" dirty="0"/>
+          </a:p>
+        </p:txBody>
+      </p:sp>
+      <p:sp>
+        <p:nvSpPr>
+          <p:cNvPr id="17" name="文字方塊 16">
+            <a:extLst>
+              <a:ext uri="{FF2B5EF4-FFF2-40B4-BE49-F238E27FC236}">
+                <a16:creationId xmlns:a16="http://schemas.microsoft.com/office/drawing/2014/main" id="{C3D6BCB3-FB63-40B7-A998-4874AB60EE3B}"/>
+              </a:ext>
+            </a:extLst>
+          </p:cNvPr>
+          <p:cNvSpPr txBox="1"/>
+          <p:nvPr/>
+        </p:nvSpPr>
+        <p:spPr>
+          <a:xfrm>
+            <a:off x="3236873" y="3356992"/>
+            <a:ext cx="7613816" cy="830997"/>
+          </a:xfrm>
+          <a:prstGeom prst="rect">
+            <a:avLst/>
+          </a:prstGeom>
+          <a:noFill/>
+        </p:spPr>
+        <p:txBody>
+          <a:bodyPr wrap="none" rtlCol="0">
+            <a:spAutoFit/>
+          </a:bodyPr>
+          <a:lstStyle/>
+          <a:p>
+            <a:r>
+              <a:rPr lang="en-US" altLang="zh-TW" sz="2400" dirty="0"/>
+              <a:t>Process Standardization</a:t>
+            </a:r>
+          </a:p>
+          <a:p>
+            <a:r>
+              <a:rPr lang="en-US" altLang="zh-TW" sz="2400" dirty="0"/>
+              <a:t>Processes characterized for the organization and is proactive</a:t>
+            </a:r>
+            <a:endParaRPr lang="zh-TW" altLang="en-US" sz="2400" dirty="0"/>
+          </a:p>
+        </p:txBody>
+      </p:sp>
+      <p:sp>
+        <p:nvSpPr>
+          <p:cNvPr id="18" name="文字方塊 17">
+            <a:extLst>
+              <a:ext uri="{FF2B5EF4-FFF2-40B4-BE49-F238E27FC236}">
+                <a16:creationId xmlns:a16="http://schemas.microsoft.com/office/drawing/2014/main" id="{6D89234D-00F9-4222-9587-A1CB406C1C67}"/>
+              </a:ext>
+            </a:extLst>
+          </p:cNvPr>
+          <p:cNvSpPr txBox="1"/>
+          <p:nvPr/>
+        </p:nvSpPr>
+        <p:spPr>
+          <a:xfrm>
+            <a:off x="2554701" y="4470211"/>
+            <a:ext cx="7141699" cy="830997"/>
+          </a:xfrm>
+          <a:prstGeom prst="rect">
+            <a:avLst/>
+          </a:prstGeom>
+          <a:noFill/>
+        </p:spPr>
+        <p:txBody>
+          <a:bodyPr wrap="none" rtlCol="0">
+            <a:spAutoFit/>
+          </a:bodyPr>
+          <a:lstStyle/>
+          <a:p>
+            <a:r>
+              <a:rPr lang="en-US" altLang="zh-TW" sz="2400" dirty="0"/>
+              <a:t>Basic Project Management</a:t>
+            </a:r>
+          </a:p>
+          <a:p>
+            <a:r>
+              <a:rPr lang="en-US" altLang="zh-TW" sz="2400" dirty="0"/>
+              <a:t>Processes characterized for projects and is often reactive</a:t>
+            </a:r>
+            <a:endParaRPr lang="zh-TW" altLang="en-US" sz="2400" dirty="0"/>
+          </a:p>
+        </p:txBody>
+      </p:sp>
+      <p:sp>
+        <p:nvSpPr>
+          <p:cNvPr id="19" name="文字方塊 18">
+            <a:extLst>
+              <a:ext uri="{FF2B5EF4-FFF2-40B4-BE49-F238E27FC236}">
+                <a16:creationId xmlns:a16="http://schemas.microsoft.com/office/drawing/2014/main" id="{B5908B0F-C4A6-4EC3-AA4E-588BB060F8D2}"/>
+              </a:ext>
+            </a:extLst>
+          </p:cNvPr>
+          <p:cNvSpPr txBox="1"/>
+          <p:nvPr/>
+        </p:nvSpPr>
+        <p:spPr>
+          <a:xfrm>
+            <a:off x="1777874" y="5589240"/>
+            <a:ext cx="6979796" cy="830997"/>
+          </a:xfrm>
+          <a:prstGeom prst="rect">
+            <a:avLst/>
+          </a:prstGeom>
+          <a:noFill/>
+        </p:spPr>
+        <p:txBody>
+          <a:bodyPr wrap="none" rtlCol="0">
+            <a:spAutoFit/>
+          </a:bodyPr>
+          <a:lstStyle/>
+          <a:p>
+            <a:r>
+              <a:rPr lang="en-US" altLang="zh-TW" sz="2400" dirty="0"/>
+              <a:t>Hero Efforts</a:t>
+            </a:r>
+          </a:p>
+          <a:p>
+            <a:r>
+              <a:rPr lang="en-US" altLang="zh-TW" sz="2400" dirty="0"/>
+              <a:t>Processes unpredictable, poorly controlled and reactive</a:t>
+            </a:r>
+            <a:endParaRPr lang="zh-TW" altLang="en-US" sz="2400" dirty="0"/>
+          </a:p>
+        </p:txBody>
+      </p:sp>
+    </p:spTree>
+    <p:extLst>
+      <p:ext uri="{BB962C8B-B14F-4D97-AF65-F5344CB8AC3E}">
+        <p14:creationId xmlns:p14="http://schemas.microsoft.com/office/powerpoint/2010/main" val="2035246287"/>
+      </p:ext>
+    </p:extLst>
+  </p:cSld>
+  <p:clrMapOvr>
+    <a:masterClrMapping/>
+  </p:clrMapOvr>
+</p:sld>
+</file>
+
+<file path=ppt/slides/slide36.xml><?xml version="1.0" encoding="utf-8"?>
+<p:sld xmlns:a="http://schemas.openxmlformats.org/drawingml/2006/main" xmlns:r="http://schemas.openxmlformats.org/officeDocument/2006/relationships" xmlns:p="http://schemas.openxmlformats.org/presentationml/2006/main">
+  <p:cSld>
+    <p:spTree>
+      <p:nvGrpSpPr>
+        <p:cNvPr id="1" name=""/>
+        <p:cNvGrpSpPr/>
+        <p:nvPr/>
+      </p:nvGrpSpPr>
+      <p:grpSpPr>
+        <a:xfrm>
+          <a:off x="0" y="0"/>
+          <a:ext cx="0" cy="0"/>
+          <a:chOff x="0" y="0"/>
+          <a:chExt cx="0" cy="0"/>
+        </a:xfrm>
+      </p:grpSpPr>
+      <p:sp>
+        <p:nvSpPr>
+          <p:cNvPr id="2" name="標題 1">
+            <a:extLst>
+              <a:ext uri="{FF2B5EF4-FFF2-40B4-BE49-F238E27FC236}">
                 <a16:creationId xmlns:a16="http://schemas.microsoft.com/office/drawing/2014/main" id="{D1A3C21F-0A28-4F6D-99BA-0C08218F4329}"/>
               </a:ext>
             </a:extLst>
@@ -14745,7 +16563,7 @@
             <a:fld id="{06AFB70A-E524-49E4-8F5C-48BFBE4381EC}" type="slidenum">
               <a:rPr lang="en-US" altLang="zh-TW" smtClean="0"/>
               <a:pPr/>
-              <a:t>31</a:t>
+              <a:t>36</a:t>
             </a:fld>
             <a:endParaRPr lang="en-US" altLang="zh-TW"/>
           </a:p>
@@ -14813,7 +16631,7 @@
 </p:sld>
 </file>
 
-<file path=ppt/slides/slide32.xml><?xml version="1.0" encoding="utf-8"?>
+<file path=ppt/slides/slide37.xml><?xml version="1.0" encoding="utf-8"?>
 <p:sld xmlns:a="http://schemas.openxmlformats.org/drawingml/2006/main" xmlns:r="http://schemas.openxmlformats.org/officeDocument/2006/relationships" xmlns:p="http://schemas.openxmlformats.org/presentationml/2006/main">
   <p:cSld>
     <p:spTree>
@@ -14980,7 +16798,7 @@
             <a:fld id="{06AFB70A-E524-49E4-8F5C-48BFBE4381EC}" type="slidenum">
               <a:rPr lang="en-US" altLang="zh-TW" smtClean="0"/>
               <a:pPr/>
-              <a:t>32</a:t>
+              <a:t>37</a:t>
             </a:fld>
             <a:endParaRPr lang="en-US" altLang="zh-TW"/>
           </a:p>
@@ -14999,7 +16817,7 @@
 </p:sld>
 </file>
 
-<file path=ppt/slides/slide33.xml><?xml version="1.0" encoding="utf-8"?>
+<file path=ppt/slides/slide38.xml><?xml version="1.0" encoding="utf-8"?>
 <p:sld xmlns:a="http://schemas.openxmlformats.org/drawingml/2006/main" xmlns:r="http://schemas.openxmlformats.org/officeDocument/2006/relationships" xmlns:p="http://schemas.openxmlformats.org/presentationml/2006/main">
   <p:cSld>
     <p:spTree>
@@ -15135,7 +16953,7 @@
             <a:fld id="{06AFB70A-E524-49E4-8F5C-48BFBE4381EC}" type="slidenum">
               <a:rPr lang="en-US" altLang="zh-TW" smtClean="0"/>
               <a:pPr/>
-              <a:t>33</a:t>
+              <a:t>38</a:t>
             </a:fld>
             <a:endParaRPr lang="en-US" altLang="zh-TW"/>
           </a:p>
@@ -15154,7 +16972,7 @@
 </p:sld>
 </file>
 
-<file path=ppt/slides/slide34.xml><?xml version="1.0" encoding="utf-8"?>
+<file path=ppt/slides/slide39.xml><?xml version="1.0" encoding="utf-8"?>
 <p:sld xmlns:a="http://schemas.openxmlformats.org/drawingml/2006/main" xmlns:r="http://schemas.openxmlformats.org/officeDocument/2006/relationships" xmlns:p="http://schemas.openxmlformats.org/presentationml/2006/main">
   <p:cSld>
     <p:spTree>
@@ -15266,7 +17084,7 @@
             <a:fld id="{06AFB70A-E524-49E4-8F5C-48BFBE4381EC}" type="slidenum">
               <a:rPr lang="en-US" altLang="zh-TW" smtClean="0"/>
               <a:pPr/>
-              <a:t>34</a:t>
+              <a:t>39</a:t>
             </a:fld>
             <a:endParaRPr lang="en-US" altLang="zh-TW"/>
           </a:p>
@@ -15285,7 +17103,162 @@
 </p:sld>
 </file>
 
-<file path=ppt/slides/slide35.xml><?xml version="1.0" encoding="utf-8"?>
+<file path=ppt/slides/slide4.xml><?xml version="1.0" encoding="utf-8"?>
+<p:sld xmlns:a="http://schemas.openxmlformats.org/drawingml/2006/main" xmlns:r="http://schemas.openxmlformats.org/officeDocument/2006/relationships" xmlns:p="http://schemas.openxmlformats.org/presentationml/2006/main">
+  <p:cSld>
+    <p:spTree>
+      <p:nvGrpSpPr>
+        <p:cNvPr id="1" name=""/>
+        <p:cNvGrpSpPr/>
+        <p:nvPr/>
+      </p:nvGrpSpPr>
+      <p:grpSpPr>
+        <a:xfrm>
+          <a:off x="0" y="0"/>
+          <a:ext cx="0" cy="0"/>
+          <a:chOff x="0" y="0"/>
+          <a:chExt cx="0" cy="0"/>
+        </a:xfrm>
+      </p:grpSpPr>
+      <p:sp>
+        <p:nvSpPr>
+          <p:cNvPr id="2" name="標題 1">
+            <a:extLst>
+              <a:ext uri="{FF2B5EF4-FFF2-40B4-BE49-F238E27FC236}">
+                <a16:creationId xmlns:a16="http://schemas.microsoft.com/office/drawing/2014/main" id="{C81AA084-330E-4ADA-9CA0-84E05503F7B5}"/>
+              </a:ext>
+            </a:extLst>
+          </p:cNvPr>
+          <p:cNvSpPr>
+            <a:spLocks noGrp="1"/>
+          </p:cNvSpPr>
+          <p:nvPr>
+            <p:ph type="title"/>
+          </p:nvPr>
+        </p:nvSpPr>
+        <p:spPr/>
+        <p:txBody>
+          <a:bodyPr/>
+          <a:lstStyle/>
+          <a:p>
+            <a:r>
+              <a:rPr lang="zh-TW" altLang="en-US" dirty="0"/>
+              <a:t>專案管理修煉 </a:t>
+            </a:r>
+            <a:r>
+              <a:rPr lang="en-US" altLang="zh-TW" dirty="0"/>
+              <a:t>Practice</a:t>
+            </a:r>
+            <a:endParaRPr lang="zh-TW" altLang="en-US" dirty="0"/>
+          </a:p>
+        </p:txBody>
+      </p:sp>
+      <p:sp>
+        <p:nvSpPr>
+          <p:cNvPr id="3" name="內容版面配置區 2">
+            <a:extLst>
+              <a:ext uri="{FF2B5EF4-FFF2-40B4-BE49-F238E27FC236}">
+                <a16:creationId xmlns:a16="http://schemas.microsoft.com/office/drawing/2014/main" id="{807BB36E-496C-4F6D-A0EB-2B2E1E3B8EC6}"/>
+              </a:ext>
+            </a:extLst>
+          </p:cNvPr>
+          <p:cNvSpPr>
+            <a:spLocks noGrp="1"/>
+          </p:cNvSpPr>
+          <p:nvPr>
+            <p:ph idx="1"/>
+          </p:nvPr>
+        </p:nvSpPr>
+        <p:spPr/>
+        <p:txBody>
+          <a:bodyPr/>
+          <a:lstStyle/>
+          <a:p>
+            <a:r>
+              <a:rPr lang="zh-TW" altLang="en-US" dirty="0"/>
+              <a:t>修煉包含下列兩個意義：</a:t>
+            </a:r>
+            <a:endParaRPr lang="en-US" altLang="zh-TW" dirty="0"/>
+          </a:p>
+          <a:p>
+            <a:pPr lvl="1"/>
+            <a:r>
+              <a:rPr lang="zh-TW" altLang="en-US" dirty="0"/>
+              <a:t>知識或教學之一個分支；</a:t>
+            </a:r>
+            <a:endParaRPr lang="en-US" altLang="zh-TW" dirty="0"/>
+          </a:p>
+          <a:p>
+            <a:pPr lvl="1"/>
+            <a:r>
+              <a:rPr lang="zh-TW" altLang="en-US" dirty="0"/>
+              <a:t>期望產生某一明確特色特質或典範行為之訓練，尤其是能產生心智改善之訓練。</a:t>
+            </a:r>
+            <a:endParaRPr lang="en-US" altLang="zh-TW" dirty="0"/>
+          </a:p>
+          <a:p>
+            <a:r>
+              <a:rPr lang="zh-TW" altLang="en-US" dirty="0"/>
+              <a:t>專案經理應該具備和精熟的八項修煉，包括</a:t>
+            </a:r>
+            <a:endParaRPr lang="en-US" altLang="zh-TW" dirty="0"/>
+          </a:p>
+          <a:p>
+            <a:pPr lvl="1"/>
+            <a:r>
+              <a:rPr lang="zh-TW" altLang="en-US" dirty="0"/>
+              <a:t>利害關係人管理、風險管理、議題管理、資源管理、任務管理、品質管理、專案變更管制、和專案團隊管理等修煉。</a:t>
+            </a:r>
+          </a:p>
+          <a:p>
+            <a:endParaRPr lang="zh-TW" altLang="en-US" dirty="0"/>
+          </a:p>
+        </p:txBody>
+      </p:sp>
+      <p:sp>
+        <p:nvSpPr>
+          <p:cNvPr id="4" name="投影片編號版面配置區 3">
+            <a:extLst>
+              <a:ext uri="{FF2B5EF4-FFF2-40B4-BE49-F238E27FC236}">
+                <a16:creationId xmlns:a16="http://schemas.microsoft.com/office/drawing/2014/main" id="{839CD43E-A0FD-4DE3-9C67-54D03288B8FF}"/>
+              </a:ext>
+            </a:extLst>
+          </p:cNvPr>
+          <p:cNvSpPr>
+            <a:spLocks noGrp="1"/>
+          </p:cNvSpPr>
+          <p:nvPr>
+            <p:ph type="sldNum" sz="quarter" idx="12"/>
+          </p:nvPr>
+        </p:nvSpPr>
+        <p:spPr/>
+        <p:txBody>
+          <a:bodyPr/>
+          <a:lstStyle/>
+          <a:p>
+            <a:fld id="{06AFB70A-E524-49E4-8F5C-48BFBE4381EC}" type="slidenum">
+              <a:rPr lang="en-US" altLang="zh-TW" smtClean="0"/>
+              <a:pPr/>
+              <a:t>4</a:t>
+            </a:fld>
+            <a:endParaRPr lang="en-US" altLang="zh-TW"/>
+          </a:p>
+        </p:txBody>
+      </p:sp>
+    </p:spTree>
+    <p:extLst>
+      <p:ext uri="{BB962C8B-B14F-4D97-AF65-F5344CB8AC3E}">
+        <p14:creationId xmlns:p14="http://schemas.microsoft.com/office/powerpoint/2010/main" val="634024681"/>
+      </p:ext>
+    </p:extLst>
+  </p:cSld>
+  <p:clrMapOvr>
+    <a:masterClrMapping/>
+  </p:clrMapOvr>
+</p:sld>
+</file>
+
+<file path=ppt/slides/slide40.xml><?xml version="1.0" encoding="utf-8"?>
 <p:sld xmlns:a="http://schemas.openxmlformats.org/drawingml/2006/main" xmlns:r="http://schemas.openxmlformats.org/officeDocument/2006/relationships" xmlns:p="http://schemas.openxmlformats.org/presentationml/2006/main">
   <p:cSld>
     <p:spTree>
@@ -15492,7 +17465,7 @@
             <a:fld id="{06AFB70A-E524-49E4-8F5C-48BFBE4381EC}" type="slidenum">
               <a:rPr lang="en-US" altLang="zh-TW" smtClean="0"/>
               <a:pPr/>
-              <a:t>35</a:t>
+              <a:t>40</a:t>
             </a:fld>
             <a:endParaRPr lang="en-US" altLang="zh-TW"/>
           </a:p>
@@ -15502,927 +17475,6 @@
     <p:extLst>
       <p:ext uri="{BB962C8B-B14F-4D97-AF65-F5344CB8AC3E}">
         <p14:creationId xmlns:p14="http://schemas.microsoft.com/office/powerpoint/2010/main" val="919530581"/>
-      </p:ext>
-    </p:extLst>
-  </p:cSld>
-  <p:clrMapOvr>
-    <a:masterClrMapping/>
-  </p:clrMapOvr>
-</p:sld>
-</file>
-
-<file path=ppt/slides/slide36.xml><?xml version="1.0" encoding="utf-8"?>
-<p:sld xmlns:a="http://schemas.openxmlformats.org/drawingml/2006/main" xmlns:r="http://schemas.openxmlformats.org/officeDocument/2006/relationships" xmlns:p="http://schemas.openxmlformats.org/presentationml/2006/main">
-  <p:cSld>
-    <p:spTree>
-      <p:nvGrpSpPr>
-        <p:cNvPr id="1" name=""/>
-        <p:cNvGrpSpPr/>
-        <p:nvPr/>
-      </p:nvGrpSpPr>
-      <p:grpSpPr>
-        <a:xfrm>
-          <a:off x="0" y="0"/>
-          <a:ext cx="0" cy="0"/>
-          <a:chOff x="0" y="0"/>
-          <a:chExt cx="0" cy="0"/>
-        </a:xfrm>
-      </p:grpSpPr>
-      <p:sp>
-        <p:nvSpPr>
-          <p:cNvPr id="2" name="標題 1">
-            <a:extLst>
-              <a:ext uri="{FF2B5EF4-FFF2-40B4-BE49-F238E27FC236}">
-                <a16:creationId xmlns:a16="http://schemas.microsoft.com/office/drawing/2014/main" id="{8071D78F-D738-4F71-A4FF-289182867C34}"/>
-              </a:ext>
-            </a:extLst>
-          </p:cNvPr>
-          <p:cNvSpPr>
-            <a:spLocks noGrp="1"/>
-          </p:cNvSpPr>
-          <p:nvPr>
-            <p:ph type="title"/>
-          </p:nvPr>
-        </p:nvSpPr>
-        <p:spPr/>
-        <p:txBody>
-          <a:bodyPr/>
-          <a:lstStyle/>
-          <a:p>
-            <a:r>
-              <a:rPr lang="zh-TW" altLang="en-US" dirty="0"/>
-              <a:t>五種專案生命週期</a:t>
-            </a:r>
-          </a:p>
-        </p:txBody>
-      </p:sp>
-      <p:sp>
-        <p:nvSpPr>
-          <p:cNvPr id="3" name="內容版面配置區 2">
-            <a:extLst>
-              <a:ext uri="{FF2B5EF4-FFF2-40B4-BE49-F238E27FC236}">
-                <a16:creationId xmlns:a16="http://schemas.microsoft.com/office/drawing/2014/main" id="{70890233-E38C-4692-909F-BF253EB97657}"/>
-              </a:ext>
-            </a:extLst>
-          </p:cNvPr>
-          <p:cNvSpPr>
-            <a:spLocks noGrp="1"/>
-          </p:cNvSpPr>
-          <p:nvPr>
-            <p:ph idx="1"/>
-          </p:nvPr>
-        </p:nvSpPr>
-        <p:spPr/>
-        <p:txBody>
-          <a:bodyPr/>
-          <a:lstStyle/>
-          <a:p>
-            <a:r>
-              <a:rPr lang="zh-TW" altLang="en-US" dirty="0"/>
-              <a:t>預測性生命週期 </a:t>
-            </a:r>
-            <a:r>
-              <a:rPr lang="en-US" altLang="zh-TW" dirty="0"/>
-              <a:t>Predictive</a:t>
-            </a:r>
-            <a:endParaRPr lang="zh-TW" altLang="en-US" dirty="0"/>
-          </a:p>
-          <a:p>
-            <a:r>
-              <a:rPr lang="zh-TW" altLang="en-US" dirty="0"/>
-              <a:t>反覆生命週期 </a:t>
-            </a:r>
-            <a:r>
-              <a:rPr lang="en-US" altLang="zh-TW" dirty="0"/>
-              <a:t>Iterative</a:t>
-            </a:r>
-          </a:p>
-          <a:p>
-            <a:r>
-              <a:rPr lang="zh-TW" altLang="en-US" dirty="0"/>
-              <a:t>增量生命週期 </a:t>
-            </a:r>
-            <a:r>
-              <a:rPr lang="en-US" altLang="zh-TW" dirty="0"/>
-              <a:t>Incremental</a:t>
-            </a:r>
-          </a:p>
-          <a:p>
-            <a:r>
-              <a:rPr lang="zh-TW" altLang="en-US" dirty="0"/>
-              <a:t>適應性生命週期 </a:t>
-            </a:r>
-            <a:r>
-              <a:rPr lang="en-US" altLang="zh-TW" dirty="0"/>
-              <a:t>Adaptive</a:t>
-            </a:r>
-          </a:p>
-          <a:p>
-            <a:r>
-              <a:rPr lang="zh-TW" altLang="en-US" dirty="0"/>
-              <a:t>混合生命週期 </a:t>
-            </a:r>
-            <a:r>
-              <a:rPr lang="en-US" altLang="zh-TW" dirty="0"/>
-              <a:t>Hybrid</a:t>
-            </a:r>
-            <a:endParaRPr lang="zh-TW" altLang="en-US" dirty="0"/>
-          </a:p>
-        </p:txBody>
-      </p:sp>
-      <p:sp>
-        <p:nvSpPr>
-          <p:cNvPr id="4" name="投影片編號版面配置區 3">
-            <a:extLst>
-              <a:ext uri="{FF2B5EF4-FFF2-40B4-BE49-F238E27FC236}">
-                <a16:creationId xmlns:a16="http://schemas.microsoft.com/office/drawing/2014/main" id="{B4F44615-7160-47E2-8F9E-2C533F35DC14}"/>
-              </a:ext>
-            </a:extLst>
-          </p:cNvPr>
-          <p:cNvSpPr>
-            <a:spLocks noGrp="1"/>
-          </p:cNvSpPr>
-          <p:nvPr>
-            <p:ph type="sldNum" sz="quarter" idx="12"/>
-          </p:nvPr>
-        </p:nvSpPr>
-        <p:spPr/>
-        <p:txBody>
-          <a:bodyPr/>
-          <a:lstStyle/>
-          <a:p>
-            <a:fld id="{06AFB70A-E524-49E4-8F5C-48BFBE4381EC}" type="slidenum">
-              <a:rPr lang="en-US" altLang="zh-TW" smtClean="0"/>
-              <a:pPr/>
-              <a:t>36</a:t>
-            </a:fld>
-            <a:endParaRPr lang="en-US" altLang="zh-TW"/>
-          </a:p>
-        </p:txBody>
-      </p:sp>
-    </p:spTree>
-    <p:extLst>
-      <p:ext uri="{BB962C8B-B14F-4D97-AF65-F5344CB8AC3E}">
-        <p14:creationId xmlns:p14="http://schemas.microsoft.com/office/powerpoint/2010/main" val="817959953"/>
-      </p:ext>
-    </p:extLst>
-  </p:cSld>
-  <p:clrMapOvr>
-    <a:masterClrMapping/>
-  </p:clrMapOvr>
-</p:sld>
-</file>
-
-<file path=ppt/slides/slide37.xml><?xml version="1.0" encoding="utf-8"?>
-<p:sld xmlns:a="http://schemas.openxmlformats.org/drawingml/2006/main" xmlns:r="http://schemas.openxmlformats.org/officeDocument/2006/relationships" xmlns:p="http://schemas.openxmlformats.org/presentationml/2006/main">
-  <p:cSld>
-    <p:spTree>
-      <p:nvGrpSpPr>
-        <p:cNvPr id="1" name=""/>
-        <p:cNvGrpSpPr/>
-        <p:nvPr/>
-      </p:nvGrpSpPr>
-      <p:grpSpPr>
-        <a:xfrm>
-          <a:off x="0" y="0"/>
-          <a:ext cx="0" cy="0"/>
-          <a:chOff x="0" y="0"/>
-          <a:chExt cx="0" cy="0"/>
-        </a:xfrm>
-      </p:grpSpPr>
-      <p:sp>
-        <p:nvSpPr>
-          <p:cNvPr id="2" name="標題 1">
-            <a:extLst>
-              <a:ext uri="{FF2B5EF4-FFF2-40B4-BE49-F238E27FC236}">
-                <a16:creationId xmlns:a16="http://schemas.microsoft.com/office/drawing/2014/main" id="{A9515D4D-7CF5-4413-8FA2-3BC98E54969C}"/>
-              </a:ext>
-            </a:extLst>
-          </p:cNvPr>
-          <p:cNvSpPr>
-            <a:spLocks noGrp="1"/>
-          </p:cNvSpPr>
-          <p:nvPr>
-            <p:ph type="title"/>
-          </p:nvPr>
-        </p:nvSpPr>
-        <p:spPr/>
-        <p:txBody>
-          <a:bodyPr>
-            <a:normAutofit fontScale="90000"/>
-          </a:bodyPr>
-          <a:lstStyle/>
-          <a:p>
-            <a:r>
-              <a:rPr lang="zh-TW" altLang="en-US" dirty="0"/>
-              <a:t>預測性生命週期</a:t>
-            </a:r>
-            <a:br>
-              <a:rPr lang="en-US" altLang="zh-TW" dirty="0"/>
-            </a:br>
-            <a:r>
-              <a:rPr lang="en-US" altLang="zh-TW" dirty="0"/>
-              <a:t>Predictive Life Cycle</a:t>
-            </a:r>
-            <a:endParaRPr lang="zh-TW" altLang="en-US" dirty="0"/>
-          </a:p>
-        </p:txBody>
-      </p:sp>
-      <p:sp>
-        <p:nvSpPr>
-          <p:cNvPr id="3" name="內容版面配置區 2">
-            <a:extLst>
-              <a:ext uri="{FF2B5EF4-FFF2-40B4-BE49-F238E27FC236}">
-                <a16:creationId xmlns:a16="http://schemas.microsoft.com/office/drawing/2014/main" id="{E3C8E82E-6971-439E-96FC-231FD4997A03}"/>
-              </a:ext>
-            </a:extLst>
-          </p:cNvPr>
-          <p:cNvSpPr>
-            <a:spLocks noGrp="1"/>
-          </p:cNvSpPr>
-          <p:nvPr>
-            <p:ph idx="1"/>
-          </p:nvPr>
-        </p:nvSpPr>
-        <p:spPr/>
-        <p:txBody>
-          <a:bodyPr/>
-          <a:lstStyle/>
-          <a:p>
-            <a:r>
-              <a:rPr lang="zh-TW" altLang="en-US" dirty="0"/>
-              <a:t>專案範疇、時間、和成本在生命週期的早期階段即已確定。</a:t>
-            </a:r>
-            <a:endParaRPr lang="en-US" altLang="zh-TW" dirty="0"/>
-          </a:p>
-          <a:p>
-            <a:r>
-              <a:rPr lang="zh-TW" altLang="en-US" dirty="0"/>
-              <a:t>對範疇進行的任何更改都經過仔細管理。</a:t>
-            </a:r>
-            <a:endParaRPr lang="en-US" altLang="zh-TW" dirty="0"/>
-          </a:p>
-          <a:p>
-            <a:r>
-              <a:rPr lang="zh-TW" altLang="en-US" dirty="0"/>
-              <a:t>也稱為瀑布生命週期。</a:t>
-            </a:r>
-            <a:endParaRPr lang="en-US" altLang="zh-TW" dirty="0"/>
-          </a:p>
-          <a:p>
-            <a:pPr lvl="1"/>
-            <a:r>
-              <a:rPr lang="en-US" altLang="zh-TW" dirty="0"/>
-              <a:t>Waterfall Life Cycle</a:t>
-            </a:r>
-            <a:endParaRPr lang="zh-TW" altLang="en-US" dirty="0"/>
-          </a:p>
-          <a:p>
-            <a:endParaRPr lang="zh-TW" altLang="en-US" dirty="0"/>
-          </a:p>
-        </p:txBody>
-      </p:sp>
-      <p:sp>
-        <p:nvSpPr>
-          <p:cNvPr id="4" name="投影片編號版面配置區 3">
-            <a:extLst>
-              <a:ext uri="{FF2B5EF4-FFF2-40B4-BE49-F238E27FC236}">
-                <a16:creationId xmlns:a16="http://schemas.microsoft.com/office/drawing/2014/main" id="{C3C5EB6B-0601-4075-90A6-E49FBBA4382C}"/>
-              </a:ext>
-            </a:extLst>
-          </p:cNvPr>
-          <p:cNvSpPr>
-            <a:spLocks noGrp="1"/>
-          </p:cNvSpPr>
-          <p:nvPr>
-            <p:ph type="sldNum" sz="quarter" idx="12"/>
-          </p:nvPr>
-        </p:nvSpPr>
-        <p:spPr/>
-        <p:txBody>
-          <a:bodyPr/>
-          <a:lstStyle/>
-          <a:p>
-            <a:fld id="{06AFB70A-E524-49E4-8F5C-48BFBE4381EC}" type="slidenum">
-              <a:rPr lang="en-US" altLang="zh-TW" smtClean="0"/>
-              <a:pPr/>
-              <a:t>37</a:t>
-            </a:fld>
-            <a:endParaRPr lang="en-US" altLang="zh-TW"/>
-          </a:p>
-        </p:txBody>
-      </p:sp>
-    </p:spTree>
-    <p:extLst>
-      <p:ext uri="{BB962C8B-B14F-4D97-AF65-F5344CB8AC3E}">
-        <p14:creationId xmlns:p14="http://schemas.microsoft.com/office/powerpoint/2010/main" val="2779025683"/>
-      </p:ext>
-    </p:extLst>
-  </p:cSld>
-  <p:clrMapOvr>
-    <a:masterClrMapping/>
-  </p:clrMapOvr>
-</p:sld>
-</file>
-
-<file path=ppt/slides/slide38.xml><?xml version="1.0" encoding="utf-8"?>
-<p:sld xmlns:a="http://schemas.openxmlformats.org/drawingml/2006/main" xmlns:r="http://schemas.openxmlformats.org/officeDocument/2006/relationships" xmlns:p="http://schemas.openxmlformats.org/presentationml/2006/main">
-  <p:cSld>
-    <p:spTree>
-      <p:nvGrpSpPr>
-        <p:cNvPr id="1" name=""/>
-        <p:cNvGrpSpPr/>
-        <p:nvPr/>
-      </p:nvGrpSpPr>
-      <p:grpSpPr>
-        <a:xfrm>
-          <a:off x="0" y="0"/>
-          <a:ext cx="0" cy="0"/>
-          <a:chOff x="0" y="0"/>
-          <a:chExt cx="0" cy="0"/>
-        </a:xfrm>
-      </p:grpSpPr>
-      <p:sp>
-        <p:nvSpPr>
-          <p:cNvPr id="2" name="標題 1">
-            <a:extLst>
-              <a:ext uri="{FF2B5EF4-FFF2-40B4-BE49-F238E27FC236}">
-                <a16:creationId xmlns:a16="http://schemas.microsoft.com/office/drawing/2014/main" id="{106BE1F4-D49D-405D-BCF7-C5D32210B989}"/>
-              </a:ext>
-            </a:extLst>
-          </p:cNvPr>
-          <p:cNvSpPr>
-            <a:spLocks noGrp="1"/>
-          </p:cNvSpPr>
-          <p:nvPr>
-            <p:ph type="title"/>
-          </p:nvPr>
-        </p:nvSpPr>
-        <p:spPr/>
-        <p:txBody>
-          <a:bodyPr>
-            <a:normAutofit fontScale="90000"/>
-          </a:bodyPr>
-          <a:lstStyle/>
-          <a:p>
-            <a:r>
-              <a:rPr lang="zh-TW" altLang="en-US" dirty="0"/>
-              <a:t>反覆生命週期</a:t>
-            </a:r>
-            <a:br>
-              <a:rPr lang="en-US" altLang="zh-TW" dirty="0"/>
-            </a:br>
-            <a:r>
-              <a:rPr lang="en-US" altLang="zh-TW" dirty="0"/>
-              <a:t>Iterative Life Cycle</a:t>
-            </a:r>
-            <a:endParaRPr lang="zh-TW" altLang="en-US" dirty="0"/>
-          </a:p>
-        </p:txBody>
-      </p:sp>
-      <p:sp>
-        <p:nvSpPr>
-          <p:cNvPr id="3" name="內容版面配置區 2">
-            <a:extLst>
-              <a:ext uri="{FF2B5EF4-FFF2-40B4-BE49-F238E27FC236}">
-                <a16:creationId xmlns:a16="http://schemas.microsoft.com/office/drawing/2014/main" id="{A8775606-4498-4F56-9D28-FF55C7464C4B}"/>
-              </a:ext>
-            </a:extLst>
-          </p:cNvPr>
-          <p:cNvSpPr>
-            <a:spLocks noGrp="1"/>
-          </p:cNvSpPr>
-          <p:nvPr>
-            <p:ph idx="1"/>
-          </p:nvPr>
-        </p:nvSpPr>
-        <p:spPr/>
-        <p:txBody>
-          <a:bodyPr/>
-          <a:lstStyle/>
-          <a:p>
-            <a:r>
-              <a:rPr lang="zh-TW" altLang="en-US" dirty="0"/>
-              <a:t>專案範疇通常在專案生命週期的早期階段即已確定。</a:t>
-            </a:r>
-            <a:endParaRPr lang="en-US" altLang="zh-TW" dirty="0"/>
-          </a:p>
-          <a:p>
-            <a:r>
-              <a:rPr lang="zh-TW" altLang="en-US" dirty="0"/>
-              <a:t>但是隨著專案團隊對產品了解的增加、時間和成本估算會經常進行修改。</a:t>
-            </a:r>
-            <a:endParaRPr lang="en-US" altLang="zh-TW" dirty="0"/>
-          </a:p>
-          <a:p>
-            <a:r>
-              <a:rPr lang="zh-TW" altLang="en-US" dirty="0"/>
-              <a:t>反覆透過一系列重複的週期來開發產品，以增量方式逐漸增加產品功能。</a:t>
-            </a:r>
-          </a:p>
-          <a:p>
-            <a:endParaRPr lang="zh-TW" altLang="en-US" dirty="0"/>
-          </a:p>
-        </p:txBody>
-      </p:sp>
-      <p:sp>
-        <p:nvSpPr>
-          <p:cNvPr id="4" name="投影片編號版面配置區 3">
-            <a:extLst>
-              <a:ext uri="{FF2B5EF4-FFF2-40B4-BE49-F238E27FC236}">
-                <a16:creationId xmlns:a16="http://schemas.microsoft.com/office/drawing/2014/main" id="{F76ED8EB-9C54-4963-A6EA-B2E551B7E337}"/>
-              </a:ext>
-            </a:extLst>
-          </p:cNvPr>
-          <p:cNvSpPr>
-            <a:spLocks noGrp="1"/>
-          </p:cNvSpPr>
-          <p:nvPr>
-            <p:ph type="sldNum" sz="quarter" idx="12"/>
-          </p:nvPr>
-        </p:nvSpPr>
-        <p:spPr/>
-        <p:txBody>
-          <a:bodyPr/>
-          <a:lstStyle/>
-          <a:p>
-            <a:fld id="{06AFB70A-E524-49E4-8F5C-48BFBE4381EC}" type="slidenum">
-              <a:rPr lang="en-US" altLang="zh-TW" smtClean="0"/>
-              <a:pPr/>
-              <a:t>38</a:t>
-            </a:fld>
-            <a:endParaRPr lang="en-US" altLang="zh-TW"/>
-          </a:p>
-        </p:txBody>
-      </p:sp>
-    </p:spTree>
-    <p:extLst>
-      <p:ext uri="{BB962C8B-B14F-4D97-AF65-F5344CB8AC3E}">
-        <p14:creationId xmlns:p14="http://schemas.microsoft.com/office/powerpoint/2010/main" val="3928959037"/>
-      </p:ext>
-    </p:extLst>
-  </p:cSld>
-  <p:clrMapOvr>
-    <a:masterClrMapping/>
-  </p:clrMapOvr>
-</p:sld>
-</file>
-
-<file path=ppt/slides/slide39.xml><?xml version="1.0" encoding="utf-8"?>
-<p:sld xmlns:a="http://schemas.openxmlformats.org/drawingml/2006/main" xmlns:r="http://schemas.openxmlformats.org/officeDocument/2006/relationships" xmlns:p="http://schemas.openxmlformats.org/presentationml/2006/main">
-  <p:cSld>
-    <p:spTree>
-      <p:nvGrpSpPr>
-        <p:cNvPr id="1" name=""/>
-        <p:cNvGrpSpPr/>
-        <p:nvPr/>
-      </p:nvGrpSpPr>
-      <p:grpSpPr>
-        <a:xfrm>
-          <a:off x="0" y="0"/>
-          <a:ext cx="0" cy="0"/>
-          <a:chOff x="0" y="0"/>
-          <a:chExt cx="0" cy="0"/>
-        </a:xfrm>
-      </p:grpSpPr>
-      <p:sp>
-        <p:nvSpPr>
-          <p:cNvPr id="2" name="標題 1">
-            <a:extLst>
-              <a:ext uri="{FF2B5EF4-FFF2-40B4-BE49-F238E27FC236}">
-                <a16:creationId xmlns:a16="http://schemas.microsoft.com/office/drawing/2014/main" id="{48B1471C-6360-4DD8-8CD1-664CA009366D}"/>
-              </a:ext>
-            </a:extLst>
-          </p:cNvPr>
-          <p:cNvSpPr>
-            <a:spLocks noGrp="1"/>
-          </p:cNvSpPr>
-          <p:nvPr>
-            <p:ph type="title"/>
-          </p:nvPr>
-        </p:nvSpPr>
-        <p:spPr/>
-        <p:txBody>
-          <a:bodyPr>
-            <a:normAutofit fontScale="90000"/>
-          </a:bodyPr>
-          <a:lstStyle/>
-          <a:p>
-            <a:r>
-              <a:rPr lang="zh-TW" altLang="en-US" dirty="0"/>
-              <a:t>增量的生命週期</a:t>
-            </a:r>
-            <a:br>
-              <a:rPr lang="en-US" altLang="zh-TW" dirty="0"/>
-            </a:br>
-            <a:r>
-              <a:rPr lang="en-US" altLang="zh-TW" dirty="0"/>
-              <a:t>Incremental Life Cycle</a:t>
-            </a:r>
-            <a:endParaRPr lang="zh-TW" altLang="en-US" dirty="0"/>
-          </a:p>
-        </p:txBody>
-      </p:sp>
-      <p:sp>
-        <p:nvSpPr>
-          <p:cNvPr id="3" name="內容版面配置區 2">
-            <a:extLst>
-              <a:ext uri="{FF2B5EF4-FFF2-40B4-BE49-F238E27FC236}">
-                <a16:creationId xmlns:a16="http://schemas.microsoft.com/office/drawing/2014/main" id="{FB48138F-4FFF-4FAB-8D39-70D940F374F2}"/>
-              </a:ext>
-            </a:extLst>
-          </p:cNvPr>
-          <p:cNvSpPr>
-            <a:spLocks noGrp="1"/>
-          </p:cNvSpPr>
-          <p:nvPr>
-            <p:ph idx="1"/>
-          </p:nvPr>
-        </p:nvSpPr>
-        <p:spPr/>
-        <p:txBody>
-          <a:bodyPr/>
-          <a:lstStyle/>
-          <a:p>
-            <a:r>
-              <a:rPr lang="zh-TW" altLang="en-US" dirty="0"/>
-              <a:t>交付標的物是透過一系列增量產生的，</a:t>
-            </a:r>
-            <a:endParaRPr lang="en-US" altLang="zh-TW" dirty="0"/>
-          </a:p>
-          <a:p>
-            <a:r>
-              <a:rPr lang="zh-TW" altLang="en-US" dirty="0"/>
-              <a:t>這些增量是在預定時間範圍內連續增加產品功能。</a:t>
-            </a:r>
-            <a:endParaRPr lang="en-US" altLang="zh-TW" dirty="0"/>
-          </a:p>
-          <a:p>
-            <a:r>
-              <a:rPr lang="zh-TW" altLang="en-US" dirty="0"/>
-              <a:t>每次增量之交付物包含必要且足夠的能力，</a:t>
-            </a:r>
-            <a:endParaRPr lang="en-US" altLang="zh-TW" dirty="0"/>
-          </a:p>
-          <a:p>
-            <a:r>
-              <a:rPr lang="zh-TW" altLang="en-US" dirty="0"/>
-              <a:t>只有在最後一次增量時產品完整功能才算完成。</a:t>
-            </a:r>
-          </a:p>
-          <a:p>
-            <a:endParaRPr lang="zh-TW" altLang="en-US" dirty="0"/>
-          </a:p>
-        </p:txBody>
-      </p:sp>
-      <p:sp>
-        <p:nvSpPr>
-          <p:cNvPr id="4" name="投影片編號版面配置區 3">
-            <a:extLst>
-              <a:ext uri="{FF2B5EF4-FFF2-40B4-BE49-F238E27FC236}">
-                <a16:creationId xmlns:a16="http://schemas.microsoft.com/office/drawing/2014/main" id="{8178CDBF-056E-4334-AF83-8A897B608914}"/>
-              </a:ext>
-            </a:extLst>
-          </p:cNvPr>
-          <p:cNvSpPr>
-            <a:spLocks noGrp="1"/>
-          </p:cNvSpPr>
-          <p:nvPr>
-            <p:ph type="sldNum" sz="quarter" idx="12"/>
-          </p:nvPr>
-        </p:nvSpPr>
-        <p:spPr/>
-        <p:txBody>
-          <a:bodyPr/>
-          <a:lstStyle/>
-          <a:p>
-            <a:fld id="{06AFB70A-E524-49E4-8F5C-48BFBE4381EC}" type="slidenum">
-              <a:rPr lang="en-US" altLang="zh-TW" smtClean="0"/>
-              <a:pPr/>
-              <a:t>39</a:t>
-            </a:fld>
-            <a:endParaRPr lang="en-US" altLang="zh-TW"/>
-          </a:p>
-        </p:txBody>
-      </p:sp>
-    </p:spTree>
-    <p:extLst>
-      <p:ext uri="{BB962C8B-B14F-4D97-AF65-F5344CB8AC3E}">
-        <p14:creationId xmlns:p14="http://schemas.microsoft.com/office/powerpoint/2010/main" val="862091333"/>
-      </p:ext>
-    </p:extLst>
-  </p:cSld>
-  <p:clrMapOvr>
-    <a:masterClrMapping/>
-  </p:clrMapOvr>
-</p:sld>
-</file>
-
-<file path=ppt/slides/slide4.xml><?xml version="1.0" encoding="utf-8"?>
-<p:sld xmlns:a="http://schemas.openxmlformats.org/drawingml/2006/main" xmlns:r="http://schemas.openxmlformats.org/officeDocument/2006/relationships" xmlns:p="http://schemas.openxmlformats.org/presentationml/2006/main">
-  <p:cSld>
-    <p:spTree>
-      <p:nvGrpSpPr>
-        <p:cNvPr id="1" name=""/>
-        <p:cNvGrpSpPr/>
-        <p:nvPr/>
-      </p:nvGrpSpPr>
-      <p:grpSpPr>
-        <a:xfrm>
-          <a:off x="0" y="0"/>
-          <a:ext cx="0" cy="0"/>
-          <a:chOff x="0" y="0"/>
-          <a:chExt cx="0" cy="0"/>
-        </a:xfrm>
-      </p:grpSpPr>
-      <p:sp>
-        <p:nvSpPr>
-          <p:cNvPr id="2" name="標題 1">
-            <a:extLst>
-              <a:ext uri="{FF2B5EF4-FFF2-40B4-BE49-F238E27FC236}">
-                <a16:creationId xmlns:a16="http://schemas.microsoft.com/office/drawing/2014/main" id="{C81AA084-330E-4ADA-9CA0-84E05503F7B5}"/>
-              </a:ext>
-            </a:extLst>
-          </p:cNvPr>
-          <p:cNvSpPr>
-            <a:spLocks noGrp="1"/>
-          </p:cNvSpPr>
-          <p:nvPr>
-            <p:ph type="title"/>
-          </p:nvPr>
-        </p:nvSpPr>
-        <p:spPr/>
-        <p:txBody>
-          <a:bodyPr/>
-          <a:lstStyle/>
-          <a:p>
-            <a:r>
-              <a:rPr lang="zh-TW" altLang="en-US" dirty="0"/>
-              <a:t>專案管理修煉 </a:t>
-            </a:r>
-            <a:r>
-              <a:rPr lang="en-US" altLang="zh-TW" dirty="0"/>
-              <a:t>Practice</a:t>
-            </a:r>
-            <a:endParaRPr lang="zh-TW" altLang="en-US" dirty="0"/>
-          </a:p>
-        </p:txBody>
-      </p:sp>
-      <p:sp>
-        <p:nvSpPr>
-          <p:cNvPr id="3" name="內容版面配置區 2">
-            <a:extLst>
-              <a:ext uri="{FF2B5EF4-FFF2-40B4-BE49-F238E27FC236}">
-                <a16:creationId xmlns:a16="http://schemas.microsoft.com/office/drawing/2014/main" id="{807BB36E-496C-4F6D-A0EB-2B2E1E3B8EC6}"/>
-              </a:ext>
-            </a:extLst>
-          </p:cNvPr>
-          <p:cNvSpPr>
-            <a:spLocks noGrp="1"/>
-          </p:cNvSpPr>
-          <p:nvPr>
-            <p:ph idx="1"/>
-          </p:nvPr>
-        </p:nvSpPr>
-        <p:spPr/>
-        <p:txBody>
-          <a:bodyPr/>
-          <a:lstStyle/>
-          <a:p>
-            <a:r>
-              <a:rPr lang="zh-TW" altLang="en-US" dirty="0"/>
-              <a:t>修煉包含下列兩個意義：</a:t>
-            </a:r>
-            <a:endParaRPr lang="en-US" altLang="zh-TW" dirty="0"/>
-          </a:p>
-          <a:p>
-            <a:pPr lvl="1"/>
-            <a:r>
-              <a:rPr lang="zh-TW" altLang="en-US" dirty="0"/>
-              <a:t>知識或教學之一個分支；</a:t>
-            </a:r>
-            <a:endParaRPr lang="en-US" altLang="zh-TW" dirty="0"/>
-          </a:p>
-          <a:p>
-            <a:pPr lvl="1"/>
-            <a:r>
-              <a:rPr lang="zh-TW" altLang="en-US" dirty="0"/>
-              <a:t>期望產生某一明確特色特質或典範行為之訓練，尤其是能產生心智改善之訓練。</a:t>
-            </a:r>
-            <a:endParaRPr lang="en-US" altLang="zh-TW" dirty="0"/>
-          </a:p>
-          <a:p>
-            <a:r>
-              <a:rPr lang="zh-TW" altLang="en-US" dirty="0"/>
-              <a:t>專案經理應該具備和精熟的八項修煉，包括</a:t>
-            </a:r>
-            <a:endParaRPr lang="en-US" altLang="zh-TW" dirty="0"/>
-          </a:p>
-          <a:p>
-            <a:pPr lvl="1"/>
-            <a:r>
-              <a:rPr lang="zh-TW" altLang="en-US" dirty="0"/>
-              <a:t>利害關係人管理、風險管理、議題管理、資源管理、任務管理、品質管理、專案變更管制、和專案團隊管理等修煉。</a:t>
-            </a:r>
-          </a:p>
-          <a:p>
-            <a:endParaRPr lang="zh-TW" altLang="en-US" dirty="0"/>
-          </a:p>
-        </p:txBody>
-      </p:sp>
-      <p:sp>
-        <p:nvSpPr>
-          <p:cNvPr id="4" name="投影片編號版面配置區 3">
-            <a:extLst>
-              <a:ext uri="{FF2B5EF4-FFF2-40B4-BE49-F238E27FC236}">
-                <a16:creationId xmlns:a16="http://schemas.microsoft.com/office/drawing/2014/main" id="{839CD43E-A0FD-4DE3-9C67-54D03288B8FF}"/>
-              </a:ext>
-            </a:extLst>
-          </p:cNvPr>
-          <p:cNvSpPr>
-            <a:spLocks noGrp="1"/>
-          </p:cNvSpPr>
-          <p:nvPr>
-            <p:ph type="sldNum" sz="quarter" idx="12"/>
-          </p:nvPr>
-        </p:nvSpPr>
-        <p:spPr/>
-        <p:txBody>
-          <a:bodyPr/>
-          <a:lstStyle/>
-          <a:p>
-            <a:fld id="{06AFB70A-E524-49E4-8F5C-48BFBE4381EC}" type="slidenum">
-              <a:rPr lang="en-US" altLang="zh-TW" smtClean="0"/>
-              <a:pPr/>
-              <a:t>4</a:t>
-            </a:fld>
-            <a:endParaRPr lang="en-US" altLang="zh-TW"/>
-          </a:p>
-        </p:txBody>
-      </p:sp>
-    </p:spTree>
-    <p:extLst>
-      <p:ext uri="{BB962C8B-B14F-4D97-AF65-F5344CB8AC3E}">
-        <p14:creationId xmlns:p14="http://schemas.microsoft.com/office/powerpoint/2010/main" val="634024681"/>
-      </p:ext>
-    </p:extLst>
-  </p:cSld>
-  <p:clrMapOvr>
-    <a:masterClrMapping/>
-  </p:clrMapOvr>
-</p:sld>
-</file>
-
-<file path=ppt/slides/slide40.xml><?xml version="1.0" encoding="utf-8"?>
-<p:sld xmlns:a="http://schemas.openxmlformats.org/drawingml/2006/main" xmlns:r="http://schemas.openxmlformats.org/officeDocument/2006/relationships" xmlns:p="http://schemas.openxmlformats.org/presentationml/2006/main">
-  <p:cSld>
-    <p:spTree>
-      <p:nvGrpSpPr>
-        <p:cNvPr id="1" name=""/>
-        <p:cNvGrpSpPr/>
-        <p:nvPr/>
-      </p:nvGrpSpPr>
-      <p:grpSpPr>
-        <a:xfrm>
-          <a:off x="0" y="0"/>
-          <a:ext cx="0" cy="0"/>
-          <a:chOff x="0" y="0"/>
-          <a:chExt cx="0" cy="0"/>
-        </a:xfrm>
-      </p:grpSpPr>
-      <p:sp>
-        <p:nvSpPr>
-          <p:cNvPr id="2" name="標題 1">
-            <a:extLst>
-              <a:ext uri="{FF2B5EF4-FFF2-40B4-BE49-F238E27FC236}">
-                <a16:creationId xmlns:a16="http://schemas.microsoft.com/office/drawing/2014/main" id="{A31B1FC4-15D6-4CA8-A88A-5A0E3AB302CB}"/>
-              </a:ext>
-            </a:extLst>
-          </p:cNvPr>
-          <p:cNvSpPr>
-            <a:spLocks noGrp="1"/>
-          </p:cNvSpPr>
-          <p:nvPr>
-            <p:ph type="title"/>
-          </p:nvPr>
-        </p:nvSpPr>
-        <p:spPr/>
-        <p:txBody>
-          <a:bodyPr>
-            <a:normAutofit fontScale="90000"/>
-          </a:bodyPr>
-          <a:lstStyle/>
-          <a:p>
-            <a:r>
-              <a:rPr lang="zh-TW" altLang="en-US" dirty="0"/>
-              <a:t>適應性的生命週期</a:t>
-            </a:r>
-            <a:br>
-              <a:rPr lang="en-US" altLang="zh-TW" dirty="0"/>
-            </a:br>
-            <a:r>
-              <a:rPr lang="en-US" altLang="zh-TW" dirty="0"/>
-              <a:t>Adaptive Life Cycle</a:t>
-            </a:r>
-            <a:endParaRPr lang="zh-TW" altLang="en-US" dirty="0"/>
-          </a:p>
-        </p:txBody>
-      </p:sp>
-      <p:sp>
-        <p:nvSpPr>
-          <p:cNvPr id="3" name="內容版面配置區 2">
-            <a:extLst>
-              <a:ext uri="{FF2B5EF4-FFF2-40B4-BE49-F238E27FC236}">
-                <a16:creationId xmlns:a16="http://schemas.microsoft.com/office/drawing/2014/main" id="{241B703B-7E70-4517-842C-3ECB9A2C35A6}"/>
-              </a:ext>
-            </a:extLst>
-          </p:cNvPr>
-          <p:cNvSpPr>
-            <a:spLocks noGrp="1"/>
-          </p:cNvSpPr>
-          <p:nvPr>
-            <p:ph idx="1"/>
-          </p:nvPr>
-        </p:nvSpPr>
-        <p:spPr/>
-        <p:txBody>
-          <a:bodyPr/>
-          <a:lstStyle/>
-          <a:p>
-            <a:r>
-              <a:rPr lang="zh-TW" altLang="en-US" dirty="0"/>
-              <a:t>這種生命周期是敏捷的、反覆的、或增量的。</a:t>
-            </a:r>
-            <a:endParaRPr lang="en-US" altLang="zh-TW" dirty="0"/>
-          </a:p>
-          <a:p>
-            <a:r>
-              <a:rPr lang="zh-TW" altLang="en-US" dirty="0"/>
-              <a:t>詳細的範疇在每次反覆開始之前被定義和核准。</a:t>
-            </a:r>
-            <a:endParaRPr lang="en-US" altLang="zh-TW" dirty="0"/>
-          </a:p>
-          <a:p>
-            <a:r>
-              <a:rPr lang="zh-TW" altLang="en-US" dirty="0"/>
-              <a:t>適應性生命週期也被稱為敏捷</a:t>
-            </a:r>
-            <a:r>
-              <a:rPr lang="en-US" altLang="zh-TW" dirty="0"/>
-              <a:t>(Agile)</a:t>
-            </a:r>
-            <a:r>
-              <a:rPr lang="zh-TW" altLang="en-US" dirty="0"/>
-              <a:t>或變更驅動</a:t>
-            </a:r>
-            <a:r>
-              <a:rPr lang="en-US" altLang="zh-TW" dirty="0"/>
-              <a:t>(Change Driven)</a:t>
-            </a:r>
-            <a:r>
-              <a:rPr lang="zh-TW" altLang="en-US" dirty="0"/>
-              <a:t>的生命週期。</a:t>
-            </a:r>
-          </a:p>
-          <a:p>
-            <a:endParaRPr lang="zh-TW" altLang="en-US" dirty="0"/>
-          </a:p>
-        </p:txBody>
-      </p:sp>
-      <p:sp>
-        <p:nvSpPr>
-          <p:cNvPr id="4" name="投影片編號版面配置區 3">
-            <a:extLst>
-              <a:ext uri="{FF2B5EF4-FFF2-40B4-BE49-F238E27FC236}">
-                <a16:creationId xmlns:a16="http://schemas.microsoft.com/office/drawing/2014/main" id="{0AA70BD9-BF10-4349-8C20-29E70623CD36}"/>
-              </a:ext>
-            </a:extLst>
-          </p:cNvPr>
-          <p:cNvSpPr>
-            <a:spLocks noGrp="1"/>
-          </p:cNvSpPr>
-          <p:nvPr>
-            <p:ph type="sldNum" sz="quarter" idx="12"/>
-          </p:nvPr>
-        </p:nvSpPr>
-        <p:spPr/>
-        <p:txBody>
-          <a:bodyPr/>
-          <a:lstStyle/>
-          <a:p>
-            <a:fld id="{06AFB70A-E524-49E4-8F5C-48BFBE4381EC}" type="slidenum">
-              <a:rPr lang="en-US" altLang="zh-TW" smtClean="0"/>
-              <a:pPr/>
-              <a:t>40</a:t>
-            </a:fld>
-            <a:endParaRPr lang="en-US" altLang="zh-TW"/>
-          </a:p>
-        </p:txBody>
-      </p:sp>
-    </p:spTree>
-    <p:extLst>
-      <p:ext uri="{BB962C8B-B14F-4D97-AF65-F5344CB8AC3E}">
-        <p14:creationId xmlns:p14="http://schemas.microsoft.com/office/powerpoint/2010/main" val="3934737127"/>
       </p:ext>
     </p:extLst>
   </p:cSld>
@@ -16454,7 +17506,7 @@
           <p:cNvPr id="2" name="標題 1">
             <a:extLst>
               <a:ext uri="{FF2B5EF4-FFF2-40B4-BE49-F238E27FC236}">
-                <a16:creationId xmlns:a16="http://schemas.microsoft.com/office/drawing/2014/main" id="{E2B06264-FE67-4B84-83B5-E0F1AAA63032}"/>
+                <a16:creationId xmlns:a16="http://schemas.microsoft.com/office/drawing/2014/main" id="{8071D78F-D738-4F71-A4FF-289182867C34}"/>
               </a:ext>
             </a:extLst>
           </p:cNvPr>
@@ -16472,7 +17524,7 @@
           <a:p>
             <a:r>
               <a:rPr lang="zh-TW" altLang="en-US" dirty="0"/>
-              <a:t>混合生命週期</a:t>
+              <a:t>五種專案生命週期</a:t>
             </a:r>
           </a:p>
         </p:txBody>
@@ -16482,7 +17534,7 @@
           <p:cNvPr id="3" name="內容版面配置區 2">
             <a:extLst>
               <a:ext uri="{FF2B5EF4-FFF2-40B4-BE49-F238E27FC236}">
-                <a16:creationId xmlns:a16="http://schemas.microsoft.com/office/drawing/2014/main" id="{FCFFEBBA-7930-4B2F-919C-7B403FB14694}"/>
+                <a16:creationId xmlns:a16="http://schemas.microsoft.com/office/drawing/2014/main" id="{70890233-E38C-4692-909F-BF253EB97657}"/>
               </a:ext>
             </a:extLst>
           </p:cNvPr>
@@ -16500,19 +17552,55 @@
           <a:p>
             <a:r>
               <a:rPr lang="zh-TW" altLang="en-US" dirty="0"/>
-              <a:t>預測性和適應性生命週期的組合。</a:t>
-            </a:r>
-            <a:endParaRPr lang="en-US" altLang="zh-TW" dirty="0"/>
-          </a:p>
-          <a:p>
-            <a:r>
-              <a:rPr lang="zh-TW" altLang="en-US" dirty="0"/>
-              <a:t>專案中屬於已確定且眾所周知的元素可依預測性開發生命週期，而那些仍在發展的元素則依適應性開發生命週期。</a:t>
-            </a:r>
-          </a:p>
-          <a:p>
+              <a:t>預測性生命週期 </a:t>
+            </a:r>
+            <a:r>
+              <a:rPr lang="en-US" altLang="zh-TW" dirty="0"/>
+              <a:t>Predictive</a:t>
+            </a:r>
             <a:endParaRPr lang="zh-TW" altLang="en-US" dirty="0"/>
           </a:p>
+          <a:p>
+            <a:r>
+              <a:rPr lang="zh-TW" altLang="en-US" dirty="0"/>
+              <a:t>反覆生命週期 </a:t>
+            </a:r>
+            <a:r>
+              <a:rPr lang="en-US" altLang="zh-TW" dirty="0"/>
+              <a:t>Iterative</a:t>
+            </a:r>
+          </a:p>
+          <a:p>
+            <a:r>
+              <a:rPr lang="zh-TW" altLang="en-US" dirty="0"/>
+              <a:t>增量生命週期 </a:t>
+            </a:r>
+            <a:r>
+              <a:rPr lang="en-US" altLang="zh-TW" dirty="0"/>
+              <a:t>Incremental</a:t>
+            </a:r>
+          </a:p>
+          <a:p>
+            <a:r>
+              <a:rPr lang="zh-TW" altLang="en-US" dirty="0"/>
+              <a:t>適應性生命週期 </a:t>
+            </a:r>
+            <a:r>
+              <a:rPr lang="en-US" altLang="zh-TW" dirty="0"/>
+              <a:t>Adaptive</a:t>
+            </a:r>
+          </a:p>
+          <a:p>
+            <a:r>
+              <a:rPr lang="zh-TW" altLang="en-US" dirty="0"/>
+              <a:t>混合生命週期 </a:t>
+            </a:r>
+            <a:r>
+              <a:rPr lang="en-US" altLang="zh-TW" dirty="0"/>
+              <a:t>Hybrid</a:t>
+            </a:r>
+            <a:endParaRPr lang="zh-TW" altLang="en-US" dirty="0"/>
+          </a:p>
         </p:txBody>
       </p:sp>
       <p:sp>
@@ -16520,7 +17608,7 @@
           <p:cNvPr id="4" name="投影片編號版面配置區 3">
             <a:extLst>
               <a:ext uri="{FF2B5EF4-FFF2-40B4-BE49-F238E27FC236}">
-                <a16:creationId xmlns:a16="http://schemas.microsoft.com/office/drawing/2014/main" id="{AE8DBA84-5628-4F6D-97D2-12B027314ACB}"/>
+                <a16:creationId xmlns:a16="http://schemas.microsoft.com/office/drawing/2014/main" id="{B4F44615-7160-47E2-8F9E-2C533F35DC14}"/>
               </a:ext>
             </a:extLst>
           </p:cNvPr>
@@ -16548,7 +17636,7 @@
     </p:spTree>
     <p:extLst>
       <p:ext uri="{BB962C8B-B14F-4D97-AF65-F5344CB8AC3E}">
-        <p14:creationId xmlns:p14="http://schemas.microsoft.com/office/powerpoint/2010/main" val="1246184521"/>
+        <p14:creationId xmlns:p14="http://schemas.microsoft.com/office/powerpoint/2010/main" val="817959953"/>
       </p:ext>
     </p:extLst>
   </p:cSld>
@@ -16580,7 +17668,7 @@
           <p:cNvPr id="2" name="標題 1">
             <a:extLst>
               <a:ext uri="{FF2B5EF4-FFF2-40B4-BE49-F238E27FC236}">
-                <a16:creationId xmlns:a16="http://schemas.microsoft.com/office/drawing/2014/main" id="{91CAEA5D-6170-4F7D-9EC6-76051ECF54C4}"/>
+                <a16:creationId xmlns:a16="http://schemas.microsoft.com/office/drawing/2014/main" id="{A9515D4D-7CF5-4413-8FA2-3BC98E54969C}"/>
               </a:ext>
             </a:extLst>
           </p:cNvPr>
@@ -16593,13 +17681,77 @@
         </p:nvSpPr>
         <p:spPr/>
         <p:txBody>
-          <a:bodyPr/>
-          <a:lstStyle/>
-          <a:p>
-            <a:r>
-              <a:rPr lang="zh-TW" altLang="en-US" dirty="0"/>
-              <a:t>專案生命週期與產品生命週期之關係</a:t>
-            </a:r>
+          <a:bodyPr>
+            <a:normAutofit fontScale="90000"/>
+          </a:bodyPr>
+          <a:lstStyle/>
+          <a:p>
+            <a:r>
+              <a:rPr lang="zh-TW" altLang="en-US" dirty="0"/>
+              <a:t>預測性生命週期</a:t>
+            </a:r>
+            <a:br>
+              <a:rPr lang="en-US" altLang="zh-TW" dirty="0"/>
+            </a:br>
+            <a:r>
+              <a:rPr lang="en-US" altLang="zh-TW" dirty="0"/>
+              <a:t>Predictive Life Cycle</a:t>
+            </a:r>
+            <a:endParaRPr lang="zh-TW" altLang="en-US" dirty="0"/>
+          </a:p>
+        </p:txBody>
+      </p:sp>
+      <p:sp>
+        <p:nvSpPr>
+          <p:cNvPr id="3" name="內容版面配置區 2">
+            <a:extLst>
+              <a:ext uri="{FF2B5EF4-FFF2-40B4-BE49-F238E27FC236}">
+                <a16:creationId xmlns:a16="http://schemas.microsoft.com/office/drawing/2014/main" id="{E3C8E82E-6971-439E-96FC-231FD4997A03}"/>
+              </a:ext>
+            </a:extLst>
+          </p:cNvPr>
+          <p:cNvSpPr>
+            <a:spLocks noGrp="1"/>
+          </p:cNvSpPr>
+          <p:nvPr>
+            <p:ph idx="1"/>
+          </p:nvPr>
+        </p:nvSpPr>
+        <p:spPr/>
+        <p:txBody>
+          <a:bodyPr/>
+          <a:lstStyle/>
+          <a:p>
+            <a:r>
+              <a:rPr lang="zh-TW" altLang="en-US" dirty="0"/>
+              <a:t>專案 範疇、時間、成本 在早期階段即已確定。</a:t>
+            </a:r>
+            <a:endParaRPr lang="en-US" altLang="zh-TW" dirty="0"/>
+          </a:p>
+          <a:p>
+            <a:r>
+              <a:rPr lang="zh-TW" altLang="en-US" dirty="0"/>
+              <a:t>對範疇進行的任何更改都經過仔細管理。</a:t>
+            </a:r>
+            <a:endParaRPr lang="en-US" altLang="zh-TW" dirty="0"/>
+          </a:p>
+          <a:p>
+            <a:r>
+              <a:rPr lang="zh-TW" altLang="en-US" dirty="0"/>
+              <a:t>也稱為瀑布生命週期。</a:t>
+            </a:r>
+            <a:endParaRPr lang="en-US" altLang="zh-TW" dirty="0"/>
+          </a:p>
+          <a:p>
+            <a:pPr lvl="1"/>
+            <a:r>
+              <a:rPr lang="en-US" altLang="zh-TW" dirty="0"/>
+              <a:t>Waterfall Life Cycle</a:t>
+            </a:r>
+            <a:endParaRPr lang="zh-TW" altLang="en-US" dirty="0"/>
+          </a:p>
+          <a:p>
+            <a:endParaRPr lang="zh-TW" altLang="en-US" dirty="0"/>
           </a:p>
         </p:txBody>
       </p:sp>
@@ -16608,7 +17760,7 @@
           <p:cNvPr id="4" name="投影片編號版面配置區 3">
             <a:extLst>
               <a:ext uri="{FF2B5EF4-FFF2-40B4-BE49-F238E27FC236}">
-                <a16:creationId xmlns:a16="http://schemas.microsoft.com/office/drawing/2014/main" id="{D3F9C872-38C4-4D7F-A41C-00FEBF90537E}"/>
+                <a16:creationId xmlns:a16="http://schemas.microsoft.com/office/drawing/2014/main" id="{C3C5EB6B-0601-4075-90A6-E49FBBA4382C}"/>
               </a:ext>
             </a:extLst>
           </p:cNvPr>
@@ -16628,6 +17780,708 @@
               <a:rPr lang="en-US" altLang="zh-TW" smtClean="0"/>
               <a:pPr/>
               <a:t>42</a:t>
+            </a:fld>
+            <a:endParaRPr lang="en-US" altLang="zh-TW"/>
+          </a:p>
+        </p:txBody>
+      </p:sp>
+      <p:pic>
+        <p:nvPicPr>
+          <p:cNvPr id="6" name="圖片 5">
+            <a:extLst>
+              <a:ext uri="{FF2B5EF4-FFF2-40B4-BE49-F238E27FC236}">
+                <a16:creationId xmlns:a16="http://schemas.microsoft.com/office/drawing/2014/main" id="{FB7F71B0-FD3A-4404-A9E1-9AA05C5C168C}"/>
+              </a:ext>
+            </a:extLst>
+          </p:cNvPr>
+          <p:cNvPicPr>
+            <a:picLocks noChangeAspect="1"/>
+          </p:cNvPicPr>
+          <p:nvPr/>
+        </p:nvPicPr>
+        <p:blipFill>
+          <a:blip r:embed="rId2">
+            <a:extLst>
+              <a:ext uri="{28A0092B-C50C-407E-A947-70E740481C1C}">
+                <a14:useLocalDpi xmlns:a14="http://schemas.microsoft.com/office/drawing/2010/main" val="0"/>
+              </a:ext>
+            </a:extLst>
+          </a:blip>
+          <a:stretch>
+            <a:fillRect/>
+          </a:stretch>
+        </p:blipFill>
+        <p:spPr>
+          <a:xfrm>
+            <a:off x="5015880" y="2961457"/>
+            <a:ext cx="6613821" cy="3431406"/>
+          </a:xfrm>
+          <a:prstGeom prst="rect">
+            <a:avLst/>
+          </a:prstGeom>
+        </p:spPr>
+      </p:pic>
+    </p:spTree>
+    <p:extLst>
+      <p:ext uri="{BB962C8B-B14F-4D97-AF65-F5344CB8AC3E}">
+        <p14:creationId xmlns:p14="http://schemas.microsoft.com/office/powerpoint/2010/main" val="2779025683"/>
+      </p:ext>
+    </p:extLst>
+  </p:cSld>
+  <p:clrMapOvr>
+    <a:masterClrMapping/>
+  </p:clrMapOvr>
+</p:sld>
+</file>
+
+<file path=ppt/slides/slide43.xml><?xml version="1.0" encoding="utf-8"?>
+<p:sld xmlns:a="http://schemas.openxmlformats.org/drawingml/2006/main" xmlns:r="http://schemas.openxmlformats.org/officeDocument/2006/relationships" xmlns:p="http://schemas.openxmlformats.org/presentationml/2006/main">
+  <p:cSld>
+    <p:spTree>
+      <p:nvGrpSpPr>
+        <p:cNvPr id="1" name=""/>
+        <p:cNvGrpSpPr/>
+        <p:nvPr/>
+      </p:nvGrpSpPr>
+      <p:grpSpPr>
+        <a:xfrm>
+          <a:off x="0" y="0"/>
+          <a:ext cx="0" cy="0"/>
+          <a:chOff x="0" y="0"/>
+          <a:chExt cx="0" cy="0"/>
+        </a:xfrm>
+      </p:grpSpPr>
+      <p:sp>
+        <p:nvSpPr>
+          <p:cNvPr id="2" name="標題 1">
+            <a:extLst>
+              <a:ext uri="{FF2B5EF4-FFF2-40B4-BE49-F238E27FC236}">
+                <a16:creationId xmlns:a16="http://schemas.microsoft.com/office/drawing/2014/main" id="{106BE1F4-D49D-405D-BCF7-C5D32210B989}"/>
+              </a:ext>
+            </a:extLst>
+          </p:cNvPr>
+          <p:cNvSpPr>
+            <a:spLocks noGrp="1"/>
+          </p:cNvSpPr>
+          <p:nvPr>
+            <p:ph type="title"/>
+          </p:nvPr>
+        </p:nvSpPr>
+        <p:spPr/>
+        <p:txBody>
+          <a:bodyPr>
+            <a:normAutofit fontScale="90000"/>
+          </a:bodyPr>
+          <a:lstStyle/>
+          <a:p>
+            <a:r>
+              <a:rPr lang="zh-TW" altLang="en-US" dirty="0"/>
+              <a:t>反覆生命週期</a:t>
+            </a:r>
+            <a:br>
+              <a:rPr lang="en-US" altLang="zh-TW" dirty="0"/>
+            </a:br>
+            <a:r>
+              <a:rPr lang="en-US" altLang="zh-TW" dirty="0"/>
+              <a:t>Iterative Life Cycle</a:t>
+            </a:r>
+            <a:endParaRPr lang="zh-TW" altLang="en-US" dirty="0"/>
+          </a:p>
+        </p:txBody>
+      </p:sp>
+      <p:sp>
+        <p:nvSpPr>
+          <p:cNvPr id="3" name="內容版面配置區 2">
+            <a:extLst>
+              <a:ext uri="{FF2B5EF4-FFF2-40B4-BE49-F238E27FC236}">
+                <a16:creationId xmlns:a16="http://schemas.microsoft.com/office/drawing/2014/main" id="{A8775606-4498-4F56-9D28-FF55C7464C4B}"/>
+              </a:ext>
+            </a:extLst>
+          </p:cNvPr>
+          <p:cNvSpPr>
+            <a:spLocks noGrp="1"/>
+          </p:cNvSpPr>
+          <p:nvPr>
+            <p:ph idx="1"/>
+          </p:nvPr>
+        </p:nvSpPr>
+        <p:spPr/>
+        <p:txBody>
+          <a:bodyPr/>
+          <a:lstStyle/>
+          <a:p>
+            <a:r>
+              <a:rPr lang="zh-TW" altLang="en-US" dirty="0"/>
+              <a:t>專案範疇通常在專案生命週期的早期階段即已確定。</a:t>
+            </a:r>
+            <a:endParaRPr lang="en-US" altLang="zh-TW" dirty="0"/>
+          </a:p>
+          <a:p>
+            <a:r>
+              <a:rPr lang="zh-TW" altLang="en-US" dirty="0"/>
+              <a:t>但是隨著專案團隊對產品了解的增加、時間和成本估算會經常進行修改。</a:t>
+            </a:r>
+            <a:endParaRPr lang="en-US" altLang="zh-TW" dirty="0"/>
+          </a:p>
+          <a:p>
+            <a:r>
+              <a:rPr lang="zh-TW" altLang="en-US" dirty="0"/>
+              <a:t>反覆透過一系列重複的週期來開發產品，以增量方式逐漸增加產品功能。</a:t>
+            </a:r>
+          </a:p>
+          <a:p>
+            <a:endParaRPr lang="zh-TW" altLang="en-US" dirty="0"/>
+          </a:p>
+        </p:txBody>
+      </p:sp>
+      <p:sp>
+        <p:nvSpPr>
+          <p:cNvPr id="4" name="投影片編號版面配置區 3">
+            <a:extLst>
+              <a:ext uri="{FF2B5EF4-FFF2-40B4-BE49-F238E27FC236}">
+                <a16:creationId xmlns:a16="http://schemas.microsoft.com/office/drawing/2014/main" id="{F76ED8EB-9C54-4963-A6EA-B2E551B7E337}"/>
+              </a:ext>
+            </a:extLst>
+          </p:cNvPr>
+          <p:cNvSpPr>
+            <a:spLocks noGrp="1"/>
+          </p:cNvSpPr>
+          <p:nvPr>
+            <p:ph type="sldNum" sz="quarter" idx="12"/>
+          </p:nvPr>
+        </p:nvSpPr>
+        <p:spPr/>
+        <p:txBody>
+          <a:bodyPr/>
+          <a:lstStyle/>
+          <a:p>
+            <a:fld id="{06AFB70A-E524-49E4-8F5C-48BFBE4381EC}" type="slidenum">
+              <a:rPr lang="en-US" altLang="zh-TW" smtClean="0"/>
+              <a:pPr/>
+              <a:t>43</a:t>
+            </a:fld>
+            <a:endParaRPr lang="en-US" altLang="zh-TW"/>
+          </a:p>
+        </p:txBody>
+      </p:sp>
+    </p:spTree>
+    <p:extLst>
+      <p:ext uri="{BB962C8B-B14F-4D97-AF65-F5344CB8AC3E}">
+        <p14:creationId xmlns:p14="http://schemas.microsoft.com/office/powerpoint/2010/main" val="3928959037"/>
+      </p:ext>
+    </p:extLst>
+  </p:cSld>
+  <p:clrMapOvr>
+    <a:masterClrMapping/>
+  </p:clrMapOvr>
+</p:sld>
+</file>
+
+<file path=ppt/slides/slide44.xml><?xml version="1.0" encoding="utf-8"?>
+<p:sld xmlns:a="http://schemas.openxmlformats.org/drawingml/2006/main" xmlns:r="http://schemas.openxmlformats.org/officeDocument/2006/relationships" xmlns:p="http://schemas.openxmlformats.org/presentationml/2006/main">
+  <p:cSld>
+    <p:spTree>
+      <p:nvGrpSpPr>
+        <p:cNvPr id="1" name=""/>
+        <p:cNvGrpSpPr/>
+        <p:nvPr/>
+      </p:nvGrpSpPr>
+      <p:grpSpPr>
+        <a:xfrm>
+          <a:off x="0" y="0"/>
+          <a:ext cx="0" cy="0"/>
+          <a:chOff x="0" y="0"/>
+          <a:chExt cx="0" cy="0"/>
+        </a:xfrm>
+      </p:grpSpPr>
+      <p:sp>
+        <p:nvSpPr>
+          <p:cNvPr id="2" name="標題 1">
+            <a:extLst>
+              <a:ext uri="{FF2B5EF4-FFF2-40B4-BE49-F238E27FC236}">
+                <a16:creationId xmlns:a16="http://schemas.microsoft.com/office/drawing/2014/main" id="{48B1471C-6360-4DD8-8CD1-664CA009366D}"/>
+              </a:ext>
+            </a:extLst>
+          </p:cNvPr>
+          <p:cNvSpPr>
+            <a:spLocks noGrp="1"/>
+          </p:cNvSpPr>
+          <p:nvPr>
+            <p:ph type="title"/>
+          </p:nvPr>
+        </p:nvSpPr>
+        <p:spPr/>
+        <p:txBody>
+          <a:bodyPr>
+            <a:normAutofit fontScale="90000"/>
+          </a:bodyPr>
+          <a:lstStyle/>
+          <a:p>
+            <a:r>
+              <a:rPr lang="zh-TW" altLang="en-US" dirty="0"/>
+              <a:t>增量的生命週期</a:t>
+            </a:r>
+            <a:br>
+              <a:rPr lang="en-US" altLang="zh-TW" dirty="0"/>
+            </a:br>
+            <a:r>
+              <a:rPr lang="en-US" altLang="zh-TW" dirty="0"/>
+              <a:t>Incremental Life Cycle</a:t>
+            </a:r>
+            <a:endParaRPr lang="zh-TW" altLang="en-US" dirty="0"/>
+          </a:p>
+        </p:txBody>
+      </p:sp>
+      <p:sp>
+        <p:nvSpPr>
+          <p:cNvPr id="3" name="內容版面配置區 2">
+            <a:extLst>
+              <a:ext uri="{FF2B5EF4-FFF2-40B4-BE49-F238E27FC236}">
+                <a16:creationId xmlns:a16="http://schemas.microsoft.com/office/drawing/2014/main" id="{FB48138F-4FFF-4FAB-8D39-70D940F374F2}"/>
+              </a:ext>
+            </a:extLst>
+          </p:cNvPr>
+          <p:cNvSpPr>
+            <a:spLocks noGrp="1"/>
+          </p:cNvSpPr>
+          <p:nvPr>
+            <p:ph idx="1"/>
+          </p:nvPr>
+        </p:nvSpPr>
+        <p:spPr/>
+        <p:txBody>
+          <a:bodyPr/>
+          <a:lstStyle/>
+          <a:p>
+            <a:r>
+              <a:rPr lang="zh-TW" altLang="en-US" dirty="0"/>
+              <a:t>交付標的物是透過一系列增量產生的，</a:t>
+            </a:r>
+            <a:endParaRPr lang="en-US" altLang="zh-TW" dirty="0"/>
+          </a:p>
+          <a:p>
+            <a:r>
+              <a:rPr lang="zh-TW" altLang="en-US" dirty="0"/>
+              <a:t>這些增量是在預定時間範圍內連續增加產品功能。</a:t>
+            </a:r>
+            <a:endParaRPr lang="en-US" altLang="zh-TW" dirty="0"/>
+          </a:p>
+          <a:p>
+            <a:r>
+              <a:rPr lang="zh-TW" altLang="en-US" dirty="0"/>
+              <a:t>每次增量之交付物包含必要且足夠的能力，</a:t>
+            </a:r>
+            <a:endParaRPr lang="en-US" altLang="zh-TW" dirty="0"/>
+          </a:p>
+          <a:p>
+            <a:r>
+              <a:rPr lang="zh-TW" altLang="en-US" dirty="0"/>
+              <a:t>只有在最後一次增量時產品完整功能才算完成。</a:t>
+            </a:r>
+          </a:p>
+          <a:p>
+            <a:endParaRPr lang="zh-TW" altLang="en-US" dirty="0"/>
+          </a:p>
+        </p:txBody>
+      </p:sp>
+      <p:sp>
+        <p:nvSpPr>
+          <p:cNvPr id="4" name="投影片編號版面配置區 3">
+            <a:extLst>
+              <a:ext uri="{FF2B5EF4-FFF2-40B4-BE49-F238E27FC236}">
+                <a16:creationId xmlns:a16="http://schemas.microsoft.com/office/drawing/2014/main" id="{8178CDBF-056E-4334-AF83-8A897B608914}"/>
+              </a:ext>
+            </a:extLst>
+          </p:cNvPr>
+          <p:cNvSpPr>
+            <a:spLocks noGrp="1"/>
+          </p:cNvSpPr>
+          <p:nvPr>
+            <p:ph type="sldNum" sz="quarter" idx="12"/>
+          </p:nvPr>
+        </p:nvSpPr>
+        <p:spPr/>
+        <p:txBody>
+          <a:bodyPr/>
+          <a:lstStyle/>
+          <a:p>
+            <a:fld id="{06AFB70A-E524-49E4-8F5C-48BFBE4381EC}" type="slidenum">
+              <a:rPr lang="en-US" altLang="zh-TW" smtClean="0"/>
+              <a:pPr/>
+              <a:t>44</a:t>
+            </a:fld>
+            <a:endParaRPr lang="en-US" altLang="zh-TW"/>
+          </a:p>
+        </p:txBody>
+      </p:sp>
+    </p:spTree>
+    <p:extLst>
+      <p:ext uri="{BB962C8B-B14F-4D97-AF65-F5344CB8AC3E}">
+        <p14:creationId xmlns:p14="http://schemas.microsoft.com/office/powerpoint/2010/main" val="862091333"/>
+      </p:ext>
+    </p:extLst>
+  </p:cSld>
+  <p:clrMapOvr>
+    <a:masterClrMapping/>
+  </p:clrMapOvr>
+</p:sld>
+</file>
+
+<file path=ppt/slides/slide45.xml><?xml version="1.0" encoding="utf-8"?>
+<p:sld xmlns:a="http://schemas.openxmlformats.org/drawingml/2006/main" xmlns:r="http://schemas.openxmlformats.org/officeDocument/2006/relationships" xmlns:p="http://schemas.openxmlformats.org/presentationml/2006/main">
+  <p:cSld>
+    <p:spTree>
+      <p:nvGrpSpPr>
+        <p:cNvPr id="1" name=""/>
+        <p:cNvGrpSpPr/>
+        <p:nvPr/>
+      </p:nvGrpSpPr>
+      <p:grpSpPr>
+        <a:xfrm>
+          <a:off x="0" y="0"/>
+          <a:ext cx="0" cy="0"/>
+          <a:chOff x="0" y="0"/>
+          <a:chExt cx="0" cy="0"/>
+        </a:xfrm>
+      </p:grpSpPr>
+      <p:sp>
+        <p:nvSpPr>
+          <p:cNvPr id="2" name="標題 1">
+            <a:extLst>
+              <a:ext uri="{FF2B5EF4-FFF2-40B4-BE49-F238E27FC236}">
+                <a16:creationId xmlns:a16="http://schemas.microsoft.com/office/drawing/2014/main" id="{A31B1FC4-15D6-4CA8-A88A-5A0E3AB302CB}"/>
+              </a:ext>
+            </a:extLst>
+          </p:cNvPr>
+          <p:cNvSpPr>
+            <a:spLocks noGrp="1"/>
+          </p:cNvSpPr>
+          <p:nvPr>
+            <p:ph type="title"/>
+          </p:nvPr>
+        </p:nvSpPr>
+        <p:spPr/>
+        <p:txBody>
+          <a:bodyPr>
+            <a:normAutofit fontScale="90000"/>
+          </a:bodyPr>
+          <a:lstStyle/>
+          <a:p>
+            <a:r>
+              <a:rPr lang="zh-TW" altLang="en-US" dirty="0"/>
+              <a:t>適應性的生命週期</a:t>
+            </a:r>
+            <a:br>
+              <a:rPr lang="en-US" altLang="zh-TW" dirty="0"/>
+            </a:br>
+            <a:r>
+              <a:rPr lang="en-US" altLang="zh-TW" dirty="0"/>
+              <a:t>Adaptive Life Cycle</a:t>
+            </a:r>
+            <a:endParaRPr lang="zh-TW" altLang="en-US" dirty="0"/>
+          </a:p>
+        </p:txBody>
+      </p:sp>
+      <p:sp>
+        <p:nvSpPr>
+          <p:cNvPr id="3" name="內容版面配置區 2">
+            <a:extLst>
+              <a:ext uri="{FF2B5EF4-FFF2-40B4-BE49-F238E27FC236}">
+                <a16:creationId xmlns:a16="http://schemas.microsoft.com/office/drawing/2014/main" id="{241B703B-7E70-4517-842C-3ECB9A2C35A6}"/>
+              </a:ext>
+            </a:extLst>
+          </p:cNvPr>
+          <p:cNvSpPr>
+            <a:spLocks noGrp="1"/>
+          </p:cNvSpPr>
+          <p:nvPr>
+            <p:ph idx="1"/>
+          </p:nvPr>
+        </p:nvSpPr>
+        <p:spPr/>
+        <p:txBody>
+          <a:bodyPr/>
+          <a:lstStyle/>
+          <a:p>
+            <a:r>
+              <a:rPr lang="zh-TW" altLang="en-US" dirty="0"/>
+              <a:t>這種生命周期是敏捷的、反覆的、或增量的。</a:t>
+            </a:r>
+            <a:endParaRPr lang="en-US" altLang="zh-TW" dirty="0"/>
+          </a:p>
+          <a:p>
+            <a:r>
+              <a:rPr lang="zh-TW" altLang="en-US" dirty="0"/>
+              <a:t>詳細的範疇在每次反覆開始之前被定義和核准。</a:t>
+            </a:r>
+            <a:endParaRPr lang="en-US" altLang="zh-TW" dirty="0"/>
+          </a:p>
+          <a:p>
+            <a:r>
+              <a:rPr lang="zh-TW" altLang="en-US" dirty="0"/>
+              <a:t>適應性生命週期也被稱為敏捷</a:t>
+            </a:r>
+            <a:r>
+              <a:rPr lang="en-US" altLang="zh-TW" dirty="0"/>
+              <a:t>(Agile)</a:t>
+            </a:r>
+            <a:r>
+              <a:rPr lang="zh-TW" altLang="en-US" dirty="0"/>
+              <a:t>或變更驅動</a:t>
+            </a:r>
+            <a:r>
+              <a:rPr lang="en-US" altLang="zh-TW" dirty="0"/>
+              <a:t>(Change Driven)</a:t>
+            </a:r>
+            <a:r>
+              <a:rPr lang="zh-TW" altLang="en-US" dirty="0"/>
+              <a:t>的生命週期。</a:t>
+            </a:r>
+          </a:p>
+          <a:p>
+            <a:endParaRPr lang="zh-TW" altLang="en-US" dirty="0"/>
+          </a:p>
+        </p:txBody>
+      </p:sp>
+      <p:sp>
+        <p:nvSpPr>
+          <p:cNvPr id="4" name="投影片編號版面配置區 3">
+            <a:extLst>
+              <a:ext uri="{FF2B5EF4-FFF2-40B4-BE49-F238E27FC236}">
+                <a16:creationId xmlns:a16="http://schemas.microsoft.com/office/drawing/2014/main" id="{0AA70BD9-BF10-4349-8C20-29E70623CD36}"/>
+              </a:ext>
+            </a:extLst>
+          </p:cNvPr>
+          <p:cNvSpPr>
+            <a:spLocks noGrp="1"/>
+          </p:cNvSpPr>
+          <p:nvPr>
+            <p:ph type="sldNum" sz="quarter" idx="12"/>
+          </p:nvPr>
+        </p:nvSpPr>
+        <p:spPr/>
+        <p:txBody>
+          <a:bodyPr/>
+          <a:lstStyle/>
+          <a:p>
+            <a:fld id="{06AFB70A-E524-49E4-8F5C-48BFBE4381EC}" type="slidenum">
+              <a:rPr lang="en-US" altLang="zh-TW" smtClean="0"/>
+              <a:pPr/>
+              <a:t>45</a:t>
+            </a:fld>
+            <a:endParaRPr lang="en-US" altLang="zh-TW"/>
+          </a:p>
+        </p:txBody>
+      </p:sp>
+    </p:spTree>
+    <p:extLst>
+      <p:ext uri="{BB962C8B-B14F-4D97-AF65-F5344CB8AC3E}">
+        <p14:creationId xmlns:p14="http://schemas.microsoft.com/office/powerpoint/2010/main" val="3934737127"/>
+      </p:ext>
+    </p:extLst>
+  </p:cSld>
+  <p:clrMapOvr>
+    <a:masterClrMapping/>
+  </p:clrMapOvr>
+</p:sld>
+</file>
+
+<file path=ppt/slides/slide46.xml><?xml version="1.0" encoding="utf-8"?>
+<p:sld xmlns:a="http://schemas.openxmlformats.org/drawingml/2006/main" xmlns:r="http://schemas.openxmlformats.org/officeDocument/2006/relationships" xmlns:p="http://schemas.openxmlformats.org/presentationml/2006/main">
+  <p:cSld>
+    <p:spTree>
+      <p:nvGrpSpPr>
+        <p:cNvPr id="1" name=""/>
+        <p:cNvGrpSpPr/>
+        <p:nvPr/>
+      </p:nvGrpSpPr>
+      <p:grpSpPr>
+        <a:xfrm>
+          <a:off x="0" y="0"/>
+          <a:ext cx="0" cy="0"/>
+          <a:chOff x="0" y="0"/>
+          <a:chExt cx="0" cy="0"/>
+        </a:xfrm>
+      </p:grpSpPr>
+      <p:sp>
+        <p:nvSpPr>
+          <p:cNvPr id="2" name="標題 1">
+            <a:extLst>
+              <a:ext uri="{FF2B5EF4-FFF2-40B4-BE49-F238E27FC236}">
+                <a16:creationId xmlns:a16="http://schemas.microsoft.com/office/drawing/2014/main" id="{E2B06264-FE67-4B84-83B5-E0F1AAA63032}"/>
+              </a:ext>
+            </a:extLst>
+          </p:cNvPr>
+          <p:cNvSpPr>
+            <a:spLocks noGrp="1"/>
+          </p:cNvSpPr>
+          <p:nvPr>
+            <p:ph type="title"/>
+          </p:nvPr>
+        </p:nvSpPr>
+        <p:spPr/>
+        <p:txBody>
+          <a:bodyPr/>
+          <a:lstStyle/>
+          <a:p>
+            <a:r>
+              <a:rPr lang="zh-TW" altLang="en-US" dirty="0"/>
+              <a:t>混合生命週期</a:t>
+            </a:r>
+          </a:p>
+        </p:txBody>
+      </p:sp>
+      <p:sp>
+        <p:nvSpPr>
+          <p:cNvPr id="3" name="內容版面配置區 2">
+            <a:extLst>
+              <a:ext uri="{FF2B5EF4-FFF2-40B4-BE49-F238E27FC236}">
+                <a16:creationId xmlns:a16="http://schemas.microsoft.com/office/drawing/2014/main" id="{FCFFEBBA-7930-4B2F-919C-7B403FB14694}"/>
+              </a:ext>
+            </a:extLst>
+          </p:cNvPr>
+          <p:cNvSpPr>
+            <a:spLocks noGrp="1"/>
+          </p:cNvSpPr>
+          <p:nvPr>
+            <p:ph idx="1"/>
+          </p:nvPr>
+        </p:nvSpPr>
+        <p:spPr/>
+        <p:txBody>
+          <a:bodyPr/>
+          <a:lstStyle/>
+          <a:p>
+            <a:r>
+              <a:rPr lang="zh-TW" altLang="en-US" dirty="0"/>
+              <a:t>預測性和適應性生命週期的組合。</a:t>
+            </a:r>
+            <a:endParaRPr lang="en-US" altLang="zh-TW" dirty="0"/>
+          </a:p>
+          <a:p>
+            <a:r>
+              <a:rPr lang="zh-TW" altLang="en-US" dirty="0"/>
+              <a:t>專案中屬於已確定且眾所周知的元素可依預測性開發生命週期，而那些仍在發展的元素則依適應性開發生命週期。</a:t>
+            </a:r>
+          </a:p>
+          <a:p>
+            <a:endParaRPr lang="zh-TW" altLang="en-US" dirty="0"/>
+          </a:p>
+        </p:txBody>
+      </p:sp>
+      <p:sp>
+        <p:nvSpPr>
+          <p:cNvPr id="4" name="投影片編號版面配置區 3">
+            <a:extLst>
+              <a:ext uri="{FF2B5EF4-FFF2-40B4-BE49-F238E27FC236}">
+                <a16:creationId xmlns:a16="http://schemas.microsoft.com/office/drawing/2014/main" id="{AE8DBA84-5628-4F6D-97D2-12B027314ACB}"/>
+              </a:ext>
+            </a:extLst>
+          </p:cNvPr>
+          <p:cNvSpPr>
+            <a:spLocks noGrp="1"/>
+          </p:cNvSpPr>
+          <p:nvPr>
+            <p:ph type="sldNum" sz="quarter" idx="12"/>
+          </p:nvPr>
+        </p:nvSpPr>
+        <p:spPr/>
+        <p:txBody>
+          <a:bodyPr/>
+          <a:lstStyle/>
+          <a:p>
+            <a:fld id="{06AFB70A-E524-49E4-8F5C-48BFBE4381EC}" type="slidenum">
+              <a:rPr lang="en-US" altLang="zh-TW" smtClean="0"/>
+              <a:pPr/>
+              <a:t>46</a:t>
+            </a:fld>
+            <a:endParaRPr lang="en-US" altLang="zh-TW"/>
+          </a:p>
+        </p:txBody>
+      </p:sp>
+    </p:spTree>
+    <p:extLst>
+      <p:ext uri="{BB962C8B-B14F-4D97-AF65-F5344CB8AC3E}">
+        <p14:creationId xmlns:p14="http://schemas.microsoft.com/office/powerpoint/2010/main" val="1246184521"/>
+      </p:ext>
+    </p:extLst>
+  </p:cSld>
+  <p:clrMapOvr>
+    <a:masterClrMapping/>
+  </p:clrMapOvr>
+</p:sld>
+</file>
+
+<file path=ppt/slides/slide47.xml><?xml version="1.0" encoding="utf-8"?>
+<p:sld xmlns:a="http://schemas.openxmlformats.org/drawingml/2006/main" xmlns:r="http://schemas.openxmlformats.org/officeDocument/2006/relationships" xmlns:p="http://schemas.openxmlformats.org/presentationml/2006/main">
+  <p:cSld>
+    <p:spTree>
+      <p:nvGrpSpPr>
+        <p:cNvPr id="1" name=""/>
+        <p:cNvGrpSpPr/>
+        <p:nvPr/>
+      </p:nvGrpSpPr>
+      <p:grpSpPr>
+        <a:xfrm>
+          <a:off x="0" y="0"/>
+          <a:ext cx="0" cy="0"/>
+          <a:chOff x="0" y="0"/>
+          <a:chExt cx="0" cy="0"/>
+        </a:xfrm>
+      </p:grpSpPr>
+      <p:sp>
+        <p:nvSpPr>
+          <p:cNvPr id="2" name="標題 1">
+            <a:extLst>
+              <a:ext uri="{FF2B5EF4-FFF2-40B4-BE49-F238E27FC236}">
+                <a16:creationId xmlns:a16="http://schemas.microsoft.com/office/drawing/2014/main" id="{91CAEA5D-6170-4F7D-9EC6-76051ECF54C4}"/>
+              </a:ext>
+            </a:extLst>
+          </p:cNvPr>
+          <p:cNvSpPr>
+            <a:spLocks noGrp="1"/>
+          </p:cNvSpPr>
+          <p:nvPr>
+            <p:ph type="title"/>
+          </p:nvPr>
+        </p:nvSpPr>
+        <p:spPr/>
+        <p:txBody>
+          <a:bodyPr/>
+          <a:lstStyle/>
+          <a:p>
+            <a:r>
+              <a:rPr lang="zh-TW" altLang="en-US" dirty="0"/>
+              <a:t>專案生命週期與產品生命週期之關係</a:t>
+            </a:r>
+          </a:p>
+        </p:txBody>
+      </p:sp>
+      <p:sp>
+        <p:nvSpPr>
+          <p:cNvPr id="4" name="投影片編號版面配置區 3">
+            <a:extLst>
+              <a:ext uri="{FF2B5EF4-FFF2-40B4-BE49-F238E27FC236}">
+                <a16:creationId xmlns:a16="http://schemas.microsoft.com/office/drawing/2014/main" id="{D3F9C872-38C4-4D7F-A41C-00FEBF90537E}"/>
+              </a:ext>
+            </a:extLst>
+          </p:cNvPr>
+          <p:cNvSpPr>
+            <a:spLocks noGrp="1"/>
+          </p:cNvSpPr>
+          <p:nvPr>
+            <p:ph type="sldNum" sz="quarter" idx="12"/>
+          </p:nvPr>
+        </p:nvSpPr>
+        <p:spPr/>
+        <p:txBody>
+          <a:bodyPr/>
+          <a:lstStyle/>
+          <a:p>
+            <a:fld id="{06AFB70A-E524-49E4-8F5C-48BFBE4381EC}" type="slidenum">
+              <a:rPr lang="en-US" altLang="zh-TW" smtClean="0"/>
+              <a:pPr/>
+              <a:t>47</a:t>
             </a:fld>
             <a:endParaRPr lang="en-US" altLang="zh-TW"/>
           </a:p>
@@ -16869,7 +18723,7 @@
 </p:sld>
 </file>
 
-<file path=ppt/slides/slide43.xml><?xml version="1.0" encoding="utf-8"?>
+<file path=ppt/slides/slide48.xml><?xml version="1.0" encoding="utf-8"?>
 <p:sld xmlns:a="http://schemas.openxmlformats.org/drawingml/2006/main" xmlns:r="http://schemas.openxmlformats.org/officeDocument/2006/relationships" xmlns:p="http://schemas.openxmlformats.org/presentationml/2006/main">
   <p:cSld>
     <p:spTree>
@@ -17018,7 +18872,7 @@
             <a:fld id="{0BC55746-04A1-42DC-A0BC-1E09A8E18DBD}" type="slidenum">
               <a:rPr lang="en-US" altLang="zh-TW" smtClean="0"/>
               <a:pPr/>
-              <a:t>43</a:t>
+              <a:t>48</a:t>
             </a:fld>
             <a:endParaRPr lang="en-US" altLang="zh-TW"/>
           </a:p>
@@ -17037,7 +18891,7 @@
 </p:sld>
 </file>
 
-<file path=ppt/slides/slide44.xml><?xml version="1.0" encoding="utf-8"?>
+<file path=ppt/slides/slide49.xml><?xml version="1.0" encoding="utf-8"?>
 <p:sld xmlns:a="http://schemas.openxmlformats.org/drawingml/2006/main" xmlns:r="http://schemas.openxmlformats.org/officeDocument/2006/relationships" xmlns:p="http://schemas.openxmlformats.org/presentationml/2006/main">
   <p:cSld>
     <p:spTree>
@@ -17078,7 +18932,7 @@
             <a:fld id="{06AFB70A-E524-49E4-8F5C-48BFBE4381EC}" type="slidenum">
               <a:rPr lang="en-US" altLang="zh-TW" smtClean="0"/>
               <a:pPr/>
-              <a:t>44</a:t>
+              <a:t>49</a:t>
             </a:fld>
             <a:endParaRPr lang="en-US" altLang="zh-TW"/>
           </a:p>
@@ -17176,1025 +19030,6 @@
 </p:sld>
 </file>
 
-<file path=ppt/slides/slide45.xml><?xml version="1.0" encoding="utf-8"?>
-<p:sld xmlns:a="http://schemas.openxmlformats.org/drawingml/2006/main" xmlns:r="http://schemas.openxmlformats.org/officeDocument/2006/relationships" xmlns:p="http://schemas.openxmlformats.org/presentationml/2006/main">
-  <p:cSld>
-    <p:spTree>
-      <p:nvGrpSpPr>
-        <p:cNvPr id="1" name=""/>
-        <p:cNvGrpSpPr/>
-        <p:nvPr/>
-      </p:nvGrpSpPr>
-      <p:grpSpPr>
-        <a:xfrm>
-          <a:off x="0" y="0"/>
-          <a:ext cx="0" cy="0"/>
-          <a:chOff x="0" y="0"/>
-          <a:chExt cx="0" cy="0"/>
-        </a:xfrm>
-      </p:grpSpPr>
-      <p:sp>
-        <p:nvSpPr>
-          <p:cNvPr id="2" name="標題 1">
-            <a:extLst>
-              <a:ext uri="{FF2B5EF4-FFF2-40B4-BE49-F238E27FC236}">
-                <a16:creationId xmlns:a16="http://schemas.microsoft.com/office/drawing/2014/main" id="{A50A5E06-3172-48EE-8D03-D3561E53592E}"/>
-              </a:ext>
-            </a:extLst>
-          </p:cNvPr>
-          <p:cNvSpPr>
-            <a:spLocks noGrp="1"/>
-          </p:cNvSpPr>
-          <p:nvPr>
-            <p:ph type="title"/>
-          </p:nvPr>
-        </p:nvSpPr>
-        <p:spPr/>
-        <p:txBody>
-          <a:bodyPr/>
-          <a:lstStyle/>
-          <a:p>
-            <a:r>
-              <a:rPr lang="zh-TW" altLang="en-US" dirty="0"/>
-              <a:t>專案管理知識體系指引</a:t>
-            </a:r>
-          </a:p>
-        </p:txBody>
-      </p:sp>
-      <p:sp>
-        <p:nvSpPr>
-          <p:cNvPr id="3" name="內容版面配置區 2">
-            <a:extLst>
-              <a:ext uri="{FF2B5EF4-FFF2-40B4-BE49-F238E27FC236}">
-                <a16:creationId xmlns:a16="http://schemas.microsoft.com/office/drawing/2014/main" id="{3104D82C-55A9-4483-9162-982A1AD51676}"/>
-              </a:ext>
-            </a:extLst>
-          </p:cNvPr>
-          <p:cNvSpPr>
-            <a:spLocks noGrp="1"/>
-          </p:cNvSpPr>
-          <p:nvPr>
-            <p:ph idx="1"/>
-          </p:nvPr>
-        </p:nvSpPr>
-        <p:spPr/>
-        <p:txBody>
-          <a:bodyPr/>
-          <a:lstStyle/>
-          <a:p>
-            <a:r>
-              <a:rPr lang="zh-TW" altLang="en-US" dirty="0"/>
-              <a:t>專案管理知識體系</a:t>
-            </a:r>
-            <a:endParaRPr lang="en-US" altLang="zh-TW" dirty="0"/>
-          </a:p>
-          <a:p>
-            <a:pPr lvl="1"/>
-            <a:r>
-              <a:rPr lang="en-US" altLang="zh-TW" dirty="0"/>
-              <a:t>Project Management Body of Knowledge (PMBOK)</a:t>
-            </a:r>
-          </a:p>
-          <a:p>
-            <a:r>
-              <a:rPr lang="zh-TW" altLang="en-US" dirty="0"/>
-              <a:t>專案管理知識體系指引</a:t>
-            </a:r>
-            <a:endParaRPr lang="en-US" altLang="zh-TW" dirty="0"/>
-          </a:p>
-          <a:p>
-            <a:pPr lvl="1"/>
-            <a:r>
-              <a:rPr lang="en-US" altLang="zh-TW" dirty="0"/>
-              <a:t>PMBOK Guide 6</a:t>
-            </a:r>
-            <a:r>
-              <a:rPr lang="en-US" altLang="zh-TW" baseline="30000" dirty="0"/>
-              <a:t>th</a:t>
-            </a:r>
-            <a:r>
-              <a:rPr lang="en-US" altLang="zh-TW" dirty="0"/>
-              <a:t> Edition</a:t>
-            </a:r>
-          </a:p>
-          <a:p>
-            <a:r>
-              <a:rPr lang="zh-TW" altLang="en-US" dirty="0"/>
-              <a:t>主要涵蓋</a:t>
-            </a:r>
-            <a:endParaRPr lang="en-US" altLang="zh-TW" dirty="0"/>
-          </a:p>
-          <a:p>
-            <a:pPr lvl="1"/>
-            <a:r>
-              <a:rPr lang="zh-TW" altLang="en-US" dirty="0"/>
-              <a:t>專案生命週期定義</a:t>
-            </a:r>
-            <a:endParaRPr lang="en-US" altLang="zh-TW" dirty="0"/>
-          </a:p>
-          <a:p>
-            <a:pPr lvl="1"/>
-            <a:r>
-              <a:rPr lang="zh-TW" altLang="en-US" dirty="0"/>
-              <a:t>五個專案管理流程群組</a:t>
-            </a:r>
-            <a:endParaRPr lang="en-US" altLang="zh-TW" dirty="0"/>
-          </a:p>
-          <a:p>
-            <a:pPr lvl="1"/>
-            <a:r>
-              <a:rPr lang="zh-TW" altLang="en-US" dirty="0"/>
-              <a:t>十個管理知識領域</a:t>
-            </a:r>
-          </a:p>
-        </p:txBody>
-      </p:sp>
-      <p:sp>
-        <p:nvSpPr>
-          <p:cNvPr id="4" name="投影片編號版面配置區 3">
-            <a:extLst>
-              <a:ext uri="{FF2B5EF4-FFF2-40B4-BE49-F238E27FC236}">
-                <a16:creationId xmlns:a16="http://schemas.microsoft.com/office/drawing/2014/main" id="{BA488443-20B2-4949-8670-9C822D981FAE}"/>
-              </a:ext>
-            </a:extLst>
-          </p:cNvPr>
-          <p:cNvSpPr>
-            <a:spLocks noGrp="1"/>
-          </p:cNvSpPr>
-          <p:nvPr>
-            <p:ph type="sldNum" sz="quarter" idx="12"/>
-          </p:nvPr>
-        </p:nvSpPr>
-        <p:spPr/>
-        <p:txBody>
-          <a:bodyPr/>
-          <a:lstStyle/>
-          <a:p>
-            <a:fld id="{06AFB70A-E524-49E4-8F5C-48BFBE4381EC}" type="slidenum">
-              <a:rPr lang="en-US" altLang="zh-TW" smtClean="0"/>
-              <a:pPr/>
-              <a:t>45</a:t>
-            </a:fld>
-            <a:endParaRPr lang="en-US" altLang="zh-TW"/>
-          </a:p>
-        </p:txBody>
-      </p:sp>
-    </p:spTree>
-    <p:extLst>
-      <p:ext uri="{BB962C8B-B14F-4D97-AF65-F5344CB8AC3E}">
-        <p14:creationId xmlns:p14="http://schemas.microsoft.com/office/powerpoint/2010/main" val="711582115"/>
-      </p:ext>
-    </p:extLst>
-  </p:cSld>
-  <p:clrMapOvr>
-    <a:masterClrMapping/>
-  </p:clrMapOvr>
-</p:sld>
-</file>
-
-<file path=ppt/slides/slide46.xml><?xml version="1.0" encoding="utf-8"?>
-<p:sld xmlns:a="http://schemas.openxmlformats.org/drawingml/2006/main" xmlns:r="http://schemas.openxmlformats.org/officeDocument/2006/relationships" xmlns:p="http://schemas.openxmlformats.org/presentationml/2006/main">
-  <p:cSld>
-    <p:spTree>
-      <p:nvGrpSpPr>
-        <p:cNvPr id="1" name=""/>
-        <p:cNvGrpSpPr/>
-        <p:nvPr/>
-      </p:nvGrpSpPr>
-      <p:grpSpPr>
-        <a:xfrm>
-          <a:off x="0" y="0"/>
-          <a:ext cx="0" cy="0"/>
-          <a:chOff x="0" y="0"/>
-          <a:chExt cx="0" cy="0"/>
-        </a:xfrm>
-      </p:grpSpPr>
-      <p:sp>
-        <p:nvSpPr>
-          <p:cNvPr id="2" name="標題 1">
-            <a:extLst>
-              <a:ext uri="{FF2B5EF4-FFF2-40B4-BE49-F238E27FC236}">
-                <a16:creationId xmlns:a16="http://schemas.microsoft.com/office/drawing/2014/main" id="{54AA1307-2685-4C16-8490-9CC85D763104}"/>
-              </a:ext>
-            </a:extLst>
-          </p:cNvPr>
-          <p:cNvSpPr>
-            <a:spLocks noGrp="1"/>
-          </p:cNvSpPr>
-          <p:nvPr>
-            <p:ph type="title"/>
-          </p:nvPr>
-        </p:nvSpPr>
-        <p:spPr/>
-        <p:txBody>
-          <a:bodyPr/>
-          <a:lstStyle/>
-          <a:p>
-            <a:r>
-              <a:rPr lang="zh-TW" altLang="en-US" dirty="0"/>
-              <a:t>應用領域之知識、標準和法規</a:t>
-            </a:r>
-          </a:p>
-        </p:txBody>
-      </p:sp>
-      <p:sp>
-        <p:nvSpPr>
-          <p:cNvPr id="3" name="內容版面配置區 2">
-            <a:extLst>
-              <a:ext uri="{FF2B5EF4-FFF2-40B4-BE49-F238E27FC236}">
-                <a16:creationId xmlns:a16="http://schemas.microsoft.com/office/drawing/2014/main" id="{8DF1AE24-9694-41A8-8BBA-220353B6578D}"/>
-              </a:ext>
-            </a:extLst>
-          </p:cNvPr>
-          <p:cNvSpPr>
-            <a:spLocks noGrp="1"/>
-          </p:cNvSpPr>
-          <p:nvPr>
-            <p:ph sz="half" idx="1"/>
-          </p:nvPr>
-        </p:nvSpPr>
-        <p:spPr/>
-        <p:txBody>
-          <a:bodyPr>
-            <a:normAutofit lnSpcReduction="10000"/>
-          </a:bodyPr>
-          <a:lstStyle/>
-          <a:p>
-            <a:r>
-              <a:rPr lang="zh-TW" altLang="en-US" dirty="0"/>
-              <a:t>專案管理應用於那些領域</a:t>
-            </a:r>
-            <a:r>
-              <a:rPr lang="en-US" altLang="zh-TW" dirty="0"/>
-              <a:t>?</a:t>
-            </a:r>
-          </a:p>
-          <a:p>
-            <a:r>
-              <a:rPr lang="zh-TW" altLang="en-US" dirty="0"/>
-              <a:t>應用領域以下列角度加以定義</a:t>
-            </a:r>
-            <a:endParaRPr lang="en-US" altLang="zh-TW" dirty="0"/>
-          </a:p>
-          <a:p>
-            <a:pPr lvl="1"/>
-            <a:r>
-              <a:rPr lang="zh-TW" altLang="en-US" dirty="0"/>
-              <a:t>功能部門和輔助性專案</a:t>
-            </a:r>
-            <a:endParaRPr lang="en-US" altLang="zh-TW" dirty="0"/>
-          </a:p>
-          <a:p>
-            <a:pPr lvl="2"/>
-            <a:r>
-              <a:rPr lang="zh-TW" altLang="en-US" dirty="0"/>
-              <a:t>如法律、生產與存貨管理、行銷、後勤、人事</a:t>
-            </a:r>
-            <a:endParaRPr lang="en-US" altLang="zh-TW" dirty="0"/>
-          </a:p>
-          <a:p>
-            <a:pPr lvl="1"/>
-            <a:r>
-              <a:rPr lang="zh-TW" altLang="en-US" dirty="0"/>
-              <a:t>科技要素</a:t>
-            </a:r>
-            <a:endParaRPr lang="en-US" altLang="zh-TW" dirty="0"/>
-          </a:p>
-          <a:p>
-            <a:pPr lvl="2"/>
-            <a:r>
-              <a:rPr lang="zh-TW" altLang="en-US" dirty="0"/>
-              <a:t>如軟體開發、水利工程、建設工程</a:t>
-            </a:r>
-            <a:endParaRPr lang="en-US" altLang="zh-TW" dirty="0"/>
-          </a:p>
-          <a:p>
-            <a:pPr lvl="1"/>
-            <a:r>
-              <a:rPr lang="zh-TW" altLang="en-US" dirty="0"/>
-              <a:t>專門化管理</a:t>
-            </a:r>
-            <a:endParaRPr lang="en-US" altLang="zh-TW" dirty="0"/>
-          </a:p>
-          <a:p>
-            <a:pPr lvl="2"/>
-            <a:r>
-              <a:rPr lang="zh-TW" altLang="en-US" dirty="0"/>
-              <a:t>如政府合約、新產品開發</a:t>
-            </a:r>
-            <a:endParaRPr lang="en-US" altLang="zh-TW" dirty="0"/>
-          </a:p>
-          <a:p>
-            <a:pPr lvl="1"/>
-            <a:r>
-              <a:rPr lang="zh-TW" altLang="en-US" dirty="0"/>
-              <a:t>產業群</a:t>
-            </a:r>
-            <a:endParaRPr lang="en-US" altLang="zh-TW" dirty="0"/>
-          </a:p>
-          <a:p>
-            <a:pPr lvl="2"/>
-            <a:r>
-              <a:rPr lang="zh-TW" altLang="en-US" dirty="0"/>
-              <a:t>如汽車、化工、建築、財務服務</a:t>
-            </a:r>
-          </a:p>
-        </p:txBody>
-      </p:sp>
-      <p:sp>
-        <p:nvSpPr>
-          <p:cNvPr id="5" name="內容版面配置區 4">
-            <a:extLst>
-              <a:ext uri="{FF2B5EF4-FFF2-40B4-BE49-F238E27FC236}">
-                <a16:creationId xmlns:a16="http://schemas.microsoft.com/office/drawing/2014/main" id="{C5A16E8E-E729-45C6-B0CB-0E5248ADACB7}"/>
-              </a:ext>
-            </a:extLst>
-          </p:cNvPr>
-          <p:cNvSpPr>
-            <a:spLocks noGrp="1"/>
-          </p:cNvSpPr>
-          <p:nvPr>
-            <p:ph sz="half" idx="2"/>
-          </p:nvPr>
-        </p:nvSpPr>
-        <p:spPr/>
-        <p:txBody>
-          <a:bodyPr>
-            <a:normAutofit lnSpcReduction="10000"/>
-          </a:bodyPr>
-          <a:lstStyle/>
-          <a:p>
-            <a:r>
-              <a:rPr lang="zh-TW" altLang="en-US" dirty="0"/>
-              <a:t>標準 </a:t>
-            </a:r>
-            <a:r>
-              <a:rPr lang="en-US" altLang="zh-TW" dirty="0"/>
-              <a:t>Standard</a:t>
-            </a:r>
-          </a:p>
-          <a:p>
-            <a:pPr lvl="1"/>
-            <a:r>
-              <a:rPr lang="zh-TW" altLang="en-US" dirty="0"/>
-              <a:t>業界公認的規範</a:t>
-            </a:r>
-            <a:endParaRPr lang="en-US" altLang="zh-TW" dirty="0"/>
-          </a:p>
-          <a:p>
-            <a:r>
-              <a:rPr lang="zh-TW" altLang="en-US" dirty="0"/>
-              <a:t>法規 </a:t>
-            </a:r>
-            <a:r>
-              <a:rPr lang="en-US" altLang="zh-TW" dirty="0"/>
-              <a:t>Regulation</a:t>
-            </a:r>
-          </a:p>
-          <a:p>
-            <a:pPr lvl="1"/>
-            <a:r>
-              <a:rPr lang="zh-TW" altLang="en-US" dirty="0"/>
-              <a:t>政府強制性的要求</a:t>
-            </a:r>
-            <a:endParaRPr lang="en-US" altLang="zh-TW" dirty="0"/>
-          </a:p>
-          <a:p>
-            <a:pPr lvl="2"/>
-            <a:r>
-              <a:rPr lang="zh-TW" altLang="en-US" dirty="0"/>
-              <a:t>例如消防法規</a:t>
-            </a:r>
-          </a:p>
-        </p:txBody>
-      </p:sp>
-      <p:sp>
-        <p:nvSpPr>
-          <p:cNvPr id="4" name="投影片編號版面配置區 3">
-            <a:extLst>
-              <a:ext uri="{FF2B5EF4-FFF2-40B4-BE49-F238E27FC236}">
-                <a16:creationId xmlns:a16="http://schemas.microsoft.com/office/drawing/2014/main" id="{C7F9DC9F-AAD7-4A10-8CAD-E62EB2854F5C}"/>
-              </a:ext>
-            </a:extLst>
-          </p:cNvPr>
-          <p:cNvSpPr>
-            <a:spLocks noGrp="1"/>
-          </p:cNvSpPr>
-          <p:nvPr>
-            <p:ph type="sldNum" sz="quarter" idx="12"/>
-          </p:nvPr>
-        </p:nvSpPr>
-        <p:spPr/>
-        <p:txBody>
-          <a:bodyPr/>
-          <a:lstStyle/>
-          <a:p>
-            <a:fld id="{06AFB70A-E524-49E4-8F5C-48BFBE4381EC}" type="slidenum">
-              <a:rPr lang="en-US" altLang="zh-TW" smtClean="0"/>
-              <a:pPr/>
-              <a:t>46</a:t>
-            </a:fld>
-            <a:endParaRPr lang="en-US" altLang="zh-TW"/>
-          </a:p>
-        </p:txBody>
-      </p:sp>
-    </p:spTree>
-    <p:extLst>
-      <p:ext uri="{BB962C8B-B14F-4D97-AF65-F5344CB8AC3E}">
-        <p14:creationId xmlns:p14="http://schemas.microsoft.com/office/powerpoint/2010/main" val="3958126932"/>
-      </p:ext>
-    </p:extLst>
-  </p:cSld>
-  <p:clrMapOvr>
-    <a:masterClrMapping/>
-  </p:clrMapOvr>
-</p:sld>
-</file>
-
-<file path=ppt/slides/slide47.xml><?xml version="1.0" encoding="utf-8"?>
-<p:sld xmlns:a="http://schemas.openxmlformats.org/drawingml/2006/main" xmlns:r="http://schemas.openxmlformats.org/officeDocument/2006/relationships" xmlns:p="http://schemas.openxmlformats.org/presentationml/2006/main">
-  <p:cSld>
-    <p:spTree>
-      <p:nvGrpSpPr>
-        <p:cNvPr id="1" name=""/>
-        <p:cNvGrpSpPr/>
-        <p:nvPr/>
-      </p:nvGrpSpPr>
-      <p:grpSpPr>
-        <a:xfrm>
-          <a:off x="0" y="0"/>
-          <a:ext cx="0" cy="0"/>
-          <a:chOff x="0" y="0"/>
-          <a:chExt cx="0" cy="0"/>
-        </a:xfrm>
-      </p:grpSpPr>
-      <p:sp>
-        <p:nvSpPr>
-          <p:cNvPr id="2" name="標題 1">
-            <a:extLst>
-              <a:ext uri="{FF2B5EF4-FFF2-40B4-BE49-F238E27FC236}">
-                <a16:creationId xmlns:a16="http://schemas.microsoft.com/office/drawing/2014/main" id="{9660DFB0-B0FE-4320-B088-8C65BB6505C0}"/>
-              </a:ext>
-            </a:extLst>
-          </p:cNvPr>
-          <p:cNvSpPr>
-            <a:spLocks noGrp="1"/>
-          </p:cNvSpPr>
-          <p:nvPr>
-            <p:ph type="title"/>
-          </p:nvPr>
-        </p:nvSpPr>
-        <p:spPr/>
-        <p:txBody>
-          <a:bodyPr/>
-          <a:lstStyle/>
-          <a:p>
-            <a:r>
-              <a:rPr lang="zh-TW" altLang="en-US" dirty="0"/>
-              <a:t>了解專案環境</a:t>
-            </a:r>
-          </a:p>
-        </p:txBody>
-      </p:sp>
-      <p:sp>
-        <p:nvSpPr>
-          <p:cNvPr id="3" name="內容版面配置區 2">
-            <a:extLst>
-              <a:ext uri="{FF2B5EF4-FFF2-40B4-BE49-F238E27FC236}">
-                <a16:creationId xmlns:a16="http://schemas.microsoft.com/office/drawing/2014/main" id="{B58A321D-46E3-4B54-AB77-233F19ABBD80}"/>
-              </a:ext>
-            </a:extLst>
-          </p:cNvPr>
-          <p:cNvSpPr>
-            <a:spLocks noGrp="1"/>
-          </p:cNvSpPr>
-          <p:nvPr>
-            <p:ph idx="1"/>
-          </p:nvPr>
-        </p:nvSpPr>
-        <p:spPr/>
-        <p:txBody>
-          <a:bodyPr/>
-          <a:lstStyle/>
-          <a:p>
-            <a:r>
-              <a:rPr lang="zh-TW" altLang="en-US" dirty="0"/>
-              <a:t>文化與社會環境</a:t>
-            </a:r>
-            <a:endParaRPr lang="en-US" altLang="zh-TW" dirty="0"/>
-          </a:p>
-          <a:p>
-            <a:pPr lvl="1"/>
-            <a:r>
-              <a:rPr lang="zh-TW" altLang="en-US" dirty="0"/>
-              <a:t>經濟、人口統計、教育、倫理、民族、宗教</a:t>
-            </a:r>
-            <a:endParaRPr lang="en-US" altLang="zh-TW" dirty="0"/>
-          </a:p>
-          <a:p>
-            <a:r>
-              <a:rPr lang="zh-TW" altLang="en-US" dirty="0"/>
-              <a:t>國際政治環境</a:t>
-            </a:r>
-            <a:endParaRPr lang="en-US" altLang="zh-TW" dirty="0"/>
-          </a:p>
-          <a:p>
-            <a:pPr lvl="1"/>
-            <a:r>
-              <a:rPr lang="zh-TW" altLang="en-US" dirty="0"/>
-              <a:t>時區、節日、當地法律、風俗習慣</a:t>
-            </a:r>
-            <a:endParaRPr lang="en-US" altLang="zh-TW" dirty="0"/>
-          </a:p>
-          <a:p>
-            <a:r>
-              <a:rPr lang="zh-TW" altLang="en-US" dirty="0"/>
-              <a:t>實體環境</a:t>
-            </a:r>
-            <a:endParaRPr lang="en-US" altLang="zh-TW" dirty="0"/>
-          </a:p>
-          <a:p>
-            <a:pPr lvl="1"/>
-            <a:r>
-              <a:rPr lang="zh-TW" altLang="en-US" dirty="0"/>
-              <a:t>生態、地形、供電品質、交通便利</a:t>
-            </a:r>
-          </a:p>
-        </p:txBody>
-      </p:sp>
-      <p:sp>
-        <p:nvSpPr>
-          <p:cNvPr id="4" name="投影片編號版面配置區 3">
-            <a:extLst>
-              <a:ext uri="{FF2B5EF4-FFF2-40B4-BE49-F238E27FC236}">
-                <a16:creationId xmlns:a16="http://schemas.microsoft.com/office/drawing/2014/main" id="{224FE062-810F-470E-97FB-D3F43FE9F3D2}"/>
-              </a:ext>
-            </a:extLst>
-          </p:cNvPr>
-          <p:cNvSpPr>
-            <a:spLocks noGrp="1"/>
-          </p:cNvSpPr>
-          <p:nvPr>
-            <p:ph type="sldNum" sz="quarter" idx="12"/>
-          </p:nvPr>
-        </p:nvSpPr>
-        <p:spPr/>
-        <p:txBody>
-          <a:bodyPr/>
-          <a:lstStyle/>
-          <a:p>
-            <a:fld id="{06AFB70A-E524-49E4-8F5C-48BFBE4381EC}" type="slidenum">
-              <a:rPr lang="en-US" altLang="zh-TW" smtClean="0"/>
-              <a:pPr/>
-              <a:t>47</a:t>
-            </a:fld>
-            <a:endParaRPr lang="en-US" altLang="zh-TW"/>
-          </a:p>
-        </p:txBody>
-      </p:sp>
-    </p:spTree>
-    <p:extLst>
-      <p:ext uri="{BB962C8B-B14F-4D97-AF65-F5344CB8AC3E}">
-        <p14:creationId xmlns:p14="http://schemas.microsoft.com/office/powerpoint/2010/main" val="3240814400"/>
-      </p:ext>
-    </p:extLst>
-  </p:cSld>
-  <p:clrMapOvr>
-    <a:masterClrMapping/>
-  </p:clrMapOvr>
-</p:sld>
-</file>
-
-<file path=ppt/slides/slide48.xml><?xml version="1.0" encoding="utf-8"?>
-<p:sld xmlns:a="http://schemas.openxmlformats.org/drawingml/2006/main" xmlns:r="http://schemas.openxmlformats.org/officeDocument/2006/relationships" xmlns:p="http://schemas.openxmlformats.org/presentationml/2006/main">
-  <p:cSld>
-    <p:spTree>
-      <p:nvGrpSpPr>
-        <p:cNvPr id="1" name=""/>
-        <p:cNvGrpSpPr/>
-        <p:nvPr/>
-      </p:nvGrpSpPr>
-      <p:grpSpPr>
-        <a:xfrm>
-          <a:off x="0" y="0"/>
-          <a:ext cx="0" cy="0"/>
-          <a:chOff x="0" y="0"/>
-          <a:chExt cx="0" cy="0"/>
-        </a:xfrm>
-      </p:grpSpPr>
-      <p:sp>
-        <p:nvSpPr>
-          <p:cNvPr id="2" name="標題 1">
-            <a:extLst>
-              <a:ext uri="{FF2B5EF4-FFF2-40B4-BE49-F238E27FC236}">
-                <a16:creationId xmlns:a16="http://schemas.microsoft.com/office/drawing/2014/main" id="{D325244E-F3D1-40A9-AC16-0D659EF4A452}"/>
-              </a:ext>
-            </a:extLst>
-          </p:cNvPr>
-          <p:cNvSpPr>
-            <a:spLocks noGrp="1"/>
-          </p:cNvSpPr>
-          <p:nvPr>
-            <p:ph type="title"/>
-          </p:nvPr>
-        </p:nvSpPr>
-        <p:spPr/>
-        <p:txBody>
-          <a:bodyPr/>
-          <a:lstStyle/>
-          <a:p>
-            <a:r>
-              <a:rPr lang="zh-TW" altLang="en-US" dirty="0"/>
-              <a:t>一般管理知識和技能</a:t>
-            </a:r>
-          </a:p>
-        </p:txBody>
-      </p:sp>
-      <p:sp>
-        <p:nvSpPr>
-          <p:cNvPr id="3" name="內容版面配置區 2">
-            <a:extLst>
-              <a:ext uri="{FF2B5EF4-FFF2-40B4-BE49-F238E27FC236}">
-                <a16:creationId xmlns:a16="http://schemas.microsoft.com/office/drawing/2014/main" id="{DB186EBA-78C0-4F34-9049-1ED8F79D92F7}"/>
-              </a:ext>
-            </a:extLst>
-          </p:cNvPr>
-          <p:cNvSpPr>
-            <a:spLocks noGrp="1"/>
-          </p:cNvSpPr>
-          <p:nvPr>
-            <p:ph sz="half" idx="1"/>
-          </p:nvPr>
-        </p:nvSpPr>
-        <p:spPr/>
-        <p:txBody>
-          <a:bodyPr/>
-          <a:lstStyle/>
-          <a:p>
-            <a:r>
-              <a:rPr lang="zh-TW" altLang="en-US" dirty="0"/>
-              <a:t>財務管理、會計</a:t>
-            </a:r>
-            <a:endParaRPr lang="en-US" altLang="zh-TW" dirty="0"/>
-          </a:p>
-          <a:p>
-            <a:r>
-              <a:rPr lang="zh-TW" altLang="en-US" dirty="0"/>
-              <a:t>採購</a:t>
-            </a:r>
-            <a:endParaRPr lang="en-US" altLang="zh-TW" dirty="0"/>
-          </a:p>
-          <a:p>
-            <a:r>
-              <a:rPr lang="zh-TW" altLang="en-US" dirty="0"/>
-              <a:t>行銷</a:t>
-            </a:r>
-            <a:endParaRPr lang="en-US" altLang="zh-TW" dirty="0"/>
-          </a:p>
-          <a:p>
-            <a:r>
-              <a:rPr lang="zh-TW" altLang="en-US" dirty="0"/>
-              <a:t>合約、商業法令</a:t>
-            </a:r>
-            <a:endParaRPr lang="en-US" altLang="zh-TW" dirty="0"/>
-          </a:p>
-          <a:p>
-            <a:r>
-              <a:rPr lang="zh-TW" altLang="en-US" dirty="0"/>
-              <a:t>生產製造、物流</a:t>
-            </a:r>
-            <a:endParaRPr lang="en-US" altLang="zh-TW" dirty="0"/>
-          </a:p>
-          <a:p>
-            <a:r>
-              <a:rPr lang="zh-TW" altLang="en-US" dirty="0"/>
-              <a:t>後勤、供應鏈</a:t>
-            </a:r>
-            <a:endParaRPr lang="en-US" altLang="zh-TW" dirty="0"/>
-          </a:p>
-          <a:p>
-            <a:r>
-              <a:rPr lang="zh-TW" altLang="en-US" dirty="0"/>
-              <a:t>策略規劃、戰術規劃、作業規劃</a:t>
-            </a:r>
-            <a:endParaRPr lang="en-US" altLang="zh-TW" dirty="0"/>
-          </a:p>
-        </p:txBody>
-      </p:sp>
-      <p:sp>
-        <p:nvSpPr>
-          <p:cNvPr id="6" name="內容版面配置區 5">
-            <a:extLst>
-              <a:ext uri="{FF2B5EF4-FFF2-40B4-BE49-F238E27FC236}">
-                <a16:creationId xmlns:a16="http://schemas.microsoft.com/office/drawing/2014/main" id="{E8950778-4773-4166-833E-688B1FF16BE2}"/>
-              </a:ext>
-            </a:extLst>
-          </p:cNvPr>
-          <p:cNvSpPr>
-            <a:spLocks noGrp="1"/>
-          </p:cNvSpPr>
-          <p:nvPr>
-            <p:ph sz="half" idx="2"/>
-          </p:nvPr>
-        </p:nvSpPr>
-        <p:spPr/>
-        <p:txBody>
-          <a:bodyPr/>
-          <a:lstStyle/>
-          <a:p>
-            <a:r>
-              <a:rPr lang="zh-TW" altLang="en-US" dirty="0"/>
-              <a:t>組織架構、組織行為、人事管理、薪資、津貼、生涯規劃</a:t>
-            </a:r>
-            <a:endParaRPr lang="en-US" altLang="zh-TW" dirty="0"/>
-          </a:p>
-          <a:p>
-            <a:r>
-              <a:rPr lang="zh-TW" altLang="en-US" dirty="0"/>
-              <a:t>健康、工安</a:t>
-            </a:r>
-            <a:endParaRPr lang="en-US" altLang="zh-TW" dirty="0"/>
-          </a:p>
-          <a:p>
-            <a:r>
-              <a:rPr lang="zh-TW" altLang="en-US" dirty="0"/>
-              <a:t>資訊科技</a:t>
-            </a:r>
-          </a:p>
-        </p:txBody>
-      </p:sp>
-      <p:sp>
-        <p:nvSpPr>
-          <p:cNvPr id="4" name="投影片編號版面配置區 3">
-            <a:extLst>
-              <a:ext uri="{FF2B5EF4-FFF2-40B4-BE49-F238E27FC236}">
-                <a16:creationId xmlns:a16="http://schemas.microsoft.com/office/drawing/2014/main" id="{1C76EE05-58DE-4543-973E-C23B7A1201B0}"/>
-              </a:ext>
-            </a:extLst>
-          </p:cNvPr>
-          <p:cNvSpPr>
-            <a:spLocks noGrp="1"/>
-          </p:cNvSpPr>
-          <p:nvPr>
-            <p:ph type="sldNum" sz="quarter" idx="12"/>
-          </p:nvPr>
-        </p:nvSpPr>
-        <p:spPr/>
-        <p:txBody>
-          <a:bodyPr/>
-          <a:lstStyle/>
-          <a:p>
-            <a:fld id="{06AFB70A-E524-49E4-8F5C-48BFBE4381EC}" type="slidenum">
-              <a:rPr lang="en-US" altLang="zh-TW" smtClean="0"/>
-              <a:pPr/>
-              <a:t>48</a:t>
-            </a:fld>
-            <a:endParaRPr lang="en-US" altLang="zh-TW"/>
-          </a:p>
-        </p:txBody>
-      </p:sp>
-    </p:spTree>
-    <p:extLst>
-      <p:ext uri="{BB962C8B-B14F-4D97-AF65-F5344CB8AC3E}">
-        <p14:creationId xmlns:p14="http://schemas.microsoft.com/office/powerpoint/2010/main" val="4099326777"/>
-      </p:ext>
-    </p:extLst>
-  </p:cSld>
-  <p:clrMapOvr>
-    <a:masterClrMapping/>
-  </p:clrMapOvr>
-</p:sld>
-</file>
-
-<file path=ppt/slides/slide49.xml><?xml version="1.0" encoding="utf-8"?>
-<p:sld xmlns:a="http://schemas.openxmlformats.org/drawingml/2006/main" xmlns:r="http://schemas.openxmlformats.org/officeDocument/2006/relationships" xmlns:p="http://schemas.openxmlformats.org/presentationml/2006/main">
-  <p:cSld>
-    <p:spTree>
-      <p:nvGrpSpPr>
-        <p:cNvPr id="1" name=""/>
-        <p:cNvGrpSpPr/>
-        <p:nvPr/>
-      </p:nvGrpSpPr>
-      <p:grpSpPr>
-        <a:xfrm>
-          <a:off x="0" y="0"/>
-          <a:ext cx="0" cy="0"/>
-          <a:chOff x="0" y="0"/>
-          <a:chExt cx="0" cy="0"/>
-        </a:xfrm>
-      </p:grpSpPr>
-      <p:sp>
-        <p:nvSpPr>
-          <p:cNvPr id="2" name="標題 1">
-            <a:extLst>
-              <a:ext uri="{FF2B5EF4-FFF2-40B4-BE49-F238E27FC236}">
-                <a16:creationId xmlns:a16="http://schemas.microsoft.com/office/drawing/2014/main" id="{020B0E32-1A35-4A83-8FD7-899A18196E0E}"/>
-              </a:ext>
-            </a:extLst>
-          </p:cNvPr>
-          <p:cNvSpPr>
-            <a:spLocks noGrp="1"/>
-          </p:cNvSpPr>
-          <p:nvPr>
-            <p:ph type="title"/>
-          </p:nvPr>
-        </p:nvSpPr>
-        <p:spPr/>
-        <p:txBody>
-          <a:bodyPr/>
-          <a:lstStyle/>
-          <a:p>
-            <a:r>
-              <a:rPr lang="zh-TW" altLang="en-US" dirty="0"/>
-              <a:t>人際關係技能</a:t>
-            </a:r>
-          </a:p>
-        </p:txBody>
-      </p:sp>
-      <p:sp>
-        <p:nvSpPr>
-          <p:cNvPr id="3" name="內容版面配置區 2">
-            <a:extLst>
-              <a:ext uri="{FF2B5EF4-FFF2-40B4-BE49-F238E27FC236}">
-                <a16:creationId xmlns:a16="http://schemas.microsoft.com/office/drawing/2014/main" id="{7C866DA0-292A-463B-8F1C-91770C395FEE}"/>
-              </a:ext>
-            </a:extLst>
-          </p:cNvPr>
-          <p:cNvSpPr>
-            <a:spLocks noGrp="1"/>
-          </p:cNvSpPr>
-          <p:nvPr>
-            <p:ph sz="half" idx="1"/>
-          </p:nvPr>
-        </p:nvSpPr>
-        <p:spPr/>
-        <p:txBody>
-          <a:bodyPr>
-            <a:normAutofit/>
-          </a:bodyPr>
-          <a:lstStyle/>
-          <a:p>
-            <a:r>
-              <a:rPr lang="zh-TW" altLang="en-US" dirty="0"/>
-              <a:t>有效溝通</a:t>
-            </a:r>
-            <a:endParaRPr lang="en-US" altLang="zh-TW" dirty="0"/>
-          </a:p>
-          <a:p>
-            <a:pPr lvl="1"/>
-            <a:r>
-              <a:rPr lang="zh-TW" altLang="en-US" dirty="0"/>
-              <a:t>資訊交換</a:t>
-            </a:r>
-            <a:endParaRPr lang="en-US" altLang="zh-TW" dirty="0"/>
-          </a:p>
-          <a:p>
-            <a:r>
-              <a:rPr lang="zh-TW" altLang="en-US" dirty="0"/>
-              <a:t>影響組織</a:t>
-            </a:r>
-            <a:endParaRPr lang="en-US" altLang="zh-TW" dirty="0"/>
-          </a:p>
-          <a:p>
-            <a:pPr lvl="1"/>
-            <a:r>
-              <a:rPr lang="zh-TW" altLang="en-US" dirty="0"/>
-              <a:t>完成工作 </a:t>
-            </a:r>
-            <a:r>
-              <a:rPr lang="en-US" altLang="zh-TW" dirty="0"/>
-              <a:t>Get Things Done</a:t>
-            </a:r>
-          </a:p>
-          <a:p>
-            <a:r>
-              <a:rPr lang="zh-TW" altLang="en-US" dirty="0"/>
-              <a:t>領導</a:t>
-            </a:r>
-            <a:endParaRPr lang="en-US" altLang="zh-TW" dirty="0"/>
-          </a:p>
-          <a:p>
-            <a:pPr lvl="1"/>
-            <a:r>
-              <a:rPr lang="zh-TW" altLang="en-US" dirty="0"/>
-              <a:t>發展願景與策略</a:t>
-            </a:r>
-            <a:endParaRPr lang="en-US" altLang="zh-TW" dirty="0"/>
-          </a:p>
-          <a:p>
-            <a:r>
-              <a:rPr lang="zh-TW" altLang="en-US" dirty="0"/>
-              <a:t>激勵士氣</a:t>
-            </a:r>
-            <a:endParaRPr lang="en-US" altLang="zh-TW" dirty="0"/>
-          </a:p>
-          <a:p>
-            <a:pPr lvl="1"/>
-            <a:r>
-              <a:rPr lang="zh-TW" altLang="en-US" dirty="0"/>
-              <a:t>提高績效、克服障礙</a:t>
-            </a:r>
-            <a:endParaRPr lang="en-US" altLang="zh-TW" dirty="0"/>
-          </a:p>
-          <a:p>
-            <a:endParaRPr lang="zh-TW" altLang="en-US" dirty="0"/>
-          </a:p>
-        </p:txBody>
-      </p:sp>
-      <p:sp>
-        <p:nvSpPr>
-          <p:cNvPr id="5" name="內容版面配置區 4">
-            <a:extLst>
-              <a:ext uri="{FF2B5EF4-FFF2-40B4-BE49-F238E27FC236}">
-                <a16:creationId xmlns:a16="http://schemas.microsoft.com/office/drawing/2014/main" id="{EEA795FB-D41D-4C2A-9299-E125E5293449}"/>
-              </a:ext>
-            </a:extLst>
-          </p:cNvPr>
-          <p:cNvSpPr>
-            <a:spLocks noGrp="1"/>
-          </p:cNvSpPr>
-          <p:nvPr>
-            <p:ph sz="half" idx="2"/>
-          </p:nvPr>
-        </p:nvSpPr>
-        <p:spPr/>
-        <p:txBody>
-          <a:bodyPr/>
-          <a:lstStyle/>
-          <a:p>
-            <a:r>
-              <a:rPr lang="zh-TW" altLang="en-US" dirty="0"/>
-              <a:t>協商與衝突管理</a:t>
-            </a:r>
-            <a:endParaRPr lang="en-US" altLang="zh-TW" dirty="0"/>
-          </a:p>
-          <a:p>
-            <a:pPr lvl="1"/>
-            <a:r>
-              <a:rPr lang="zh-TW" altLang="en-US" dirty="0"/>
-              <a:t>妥協、達成協議</a:t>
-            </a:r>
-            <a:endParaRPr lang="en-US" altLang="zh-TW" dirty="0"/>
-          </a:p>
-          <a:p>
-            <a:r>
-              <a:rPr lang="zh-TW" altLang="en-US" dirty="0"/>
-              <a:t>解決問題</a:t>
-            </a:r>
-            <a:endParaRPr lang="en-US" altLang="zh-TW" dirty="0"/>
-          </a:p>
-          <a:p>
-            <a:pPr lvl="1"/>
-            <a:r>
-              <a:rPr lang="zh-TW" altLang="en-US" dirty="0"/>
-              <a:t>定義問題、設計解決方案、替代方案辨識與分析、決策</a:t>
-            </a:r>
-          </a:p>
-        </p:txBody>
-      </p:sp>
-      <p:sp>
-        <p:nvSpPr>
-          <p:cNvPr id="4" name="投影片編號版面配置區 3">
-            <a:extLst>
-              <a:ext uri="{FF2B5EF4-FFF2-40B4-BE49-F238E27FC236}">
-                <a16:creationId xmlns:a16="http://schemas.microsoft.com/office/drawing/2014/main" id="{0F0F3DB7-1B88-464C-B6A9-A6A5A9D200AD}"/>
-              </a:ext>
-            </a:extLst>
-          </p:cNvPr>
-          <p:cNvSpPr>
-            <a:spLocks noGrp="1"/>
-          </p:cNvSpPr>
-          <p:nvPr>
-            <p:ph type="sldNum" sz="quarter" idx="12"/>
-          </p:nvPr>
-        </p:nvSpPr>
-        <p:spPr/>
-        <p:txBody>
-          <a:bodyPr/>
-          <a:lstStyle/>
-          <a:p>
-            <a:fld id="{06AFB70A-E524-49E4-8F5C-48BFBE4381EC}" type="slidenum">
-              <a:rPr lang="en-US" altLang="zh-TW" smtClean="0"/>
-              <a:pPr/>
-              <a:t>49</a:t>
-            </a:fld>
-            <a:endParaRPr lang="en-US" altLang="zh-TW"/>
-          </a:p>
-        </p:txBody>
-      </p:sp>
-    </p:spTree>
-    <p:extLst>
-      <p:ext uri="{BB962C8B-B14F-4D97-AF65-F5344CB8AC3E}">
-        <p14:creationId xmlns:p14="http://schemas.microsoft.com/office/powerpoint/2010/main" val="686582313"/>
-      </p:ext>
-    </p:extLst>
-  </p:cSld>
-  <p:clrMapOvr>
-    <a:masterClrMapping/>
-  </p:clrMapOvr>
-</p:sld>
-</file>
-
 <file path=ppt/slides/slide5.xml><?xml version="1.0" encoding="utf-8"?>
 <p:sld xmlns:a="http://schemas.openxmlformats.org/drawingml/2006/main" xmlns:r="http://schemas.openxmlformats.org/officeDocument/2006/relationships" xmlns:p="http://schemas.openxmlformats.org/presentationml/2006/main">
   <p:cSld>
@@ -18410,7 +19245,7 @@
           <p:cNvPr id="2" name="標題 1">
             <a:extLst>
               <a:ext uri="{FF2B5EF4-FFF2-40B4-BE49-F238E27FC236}">
-                <a16:creationId xmlns:a16="http://schemas.microsoft.com/office/drawing/2014/main" id="{DC9A94CC-18EA-47F7-9519-7EB31B23179F}"/>
+                <a16:creationId xmlns:a16="http://schemas.microsoft.com/office/drawing/2014/main" id="{A50A5E06-3172-48EE-8D03-D3561E53592E}"/>
               </a:ext>
             </a:extLst>
           </p:cNvPr>
@@ -18427,19 +19262,106 @@
           <a:lstStyle/>
           <a:p>
             <a:r>
+              <a:rPr lang="zh-TW" altLang="en-US" dirty="0"/>
+              <a:t>專案管理知識體系指引</a:t>
+            </a:r>
+          </a:p>
+        </p:txBody>
+      </p:sp>
+      <p:sp>
+        <p:nvSpPr>
+          <p:cNvPr id="3" name="內容版面配置區 2">
+            <a:extLst>
+              <a:ext uri="{FF2B5EF4-FFF2-40B4-BE49-F238E27FC236}">
+                <a16:creationId xmlns:a16="http://schemas.microsoft.com/office/drawing/2014/main" id="{3104D82C-55A9-4483-9162-982A1AD51676}"/>
+              </a:ext>
+            </a:extLst>
+          </p:cNvPr>
+          <p:cNvSpPr>
+            <a:spLocks noGrp="1"/>
+          </p:cNvSpPr>
+          <p:nvPr>
+            <p:ph idx="1"/>
+          </p:nvPr>
+        </p:nvSpPr>
+        <p:spPr/>
+        <p:txBody>
+          <a:bodyPr/>
+          <a:lstStyle/>
+          <a:p>
+            <a:r>
+              <a:rPr lang="zh-TW" altLang="en-US" dirty="0"/>
+              <a:t>專案管理知識體系</a:t>
+            </a:r>
+            <a:endParaRPr lang="en-US" altLang="zh-TW" dirty="0"/>
+          </a:p>
+          <a:p>
+            <a:pPr lvl="1"/>
+            <a:r>
               <a:rPr lang="en-US" altLang="zh-TW" dirty="0"/>
-              <a:t>Wrap Up</a:t>
-            </a:r>
-            <a:endParaRPr lang="zh-TW" altLang="en-US" dirty="0"/>
-          </a:p>
-        </p:txBody>
-      </p:sp>
-      <p:sp>
-        <p:nvSpPr>
-          <p:cNvPr id="4" name="內容版面配置區 3">
+              <a:t>Project Management Body of Knowledge (PMBOK)</a:t>
+            </a:r>
+          </a:p>
+          <a:p>
+            <a:r>
+              <a:rPr lang="zh-TW" altLang="en-US" dirty="0"/>
+              <a:t>專案管理知識體系指引</a:t>
+            </a:r>
+            <a:endParaRPr lang="en-US" altLang="zh-TW" dirty="0"/>
+          </a:p>
+          <a:p>
+            <a:pPr lvl="1"/>
+            <a:r>
+              <a:rPr lang="en-US" altLang="zh-TW" dirty="0"/>
+              <a:t>PMBOK Guide 6</a:t>
+            </a:r>
+            <a:r>
+              <a:rPr lang="en-US" altLang="zh-TW" baseline="30000" dirty="0"/>
+              <a:t>th</a:t>
+            </a:r>
+            <a:r>
+              <a:rPr lang="en-US" altLang="zh-TW" dirty="0"/>
+              <a:t> Edition</a:t>
+            </a:r>
+          </a:p>
+          <a:p>
+            <a:r>
+              <a:rPr lang="zh-TW" altLang="en-US" dirty="0"/>
+              <a:t>主要涵蓋</a:t>
+            </a:r>
+            <a:endParaRPr lang="en-US" altLang="zh-TW" dirty="0"/>
+          </a:p>
+          <a:p>
+            <a:pPr lvl="1"/>
+            <a:r>
+              <a:rPr lang="zh-TW" altLang="en-US" dirty="0"/>
+              <a:t>專案生命週期定義</a:t>
+            </a:r>
+            <a:endParaRPr lang="en-US" altLang="zh-TW" dirty="0"/>
+          </a:p>
+          <a:p>
+            <a:pPr lvl="1"/>
+            <a:r>
+              <a:rPr lang="zh-TW" altLang="en-US" dirty="0"/>
+              <a:t>五個專案管理流程群組</a:t>
+            </a:r>
+            <a:endParaRPr lang="en-US" altLang="zh-TW" dirty="0"/>
+          </a:p>
+          <a:p>
+            <a:pPr lvl="1"/>
+            <a:r>
+              <a:rPr lang="zh-TW" altLang="en-US" dirty="0"/>
+              <a:t>十個管理知識領域</a:t>
+            </a:r>
+          </a:p>
+        </p:txBody>
+      </p:sp>
+      <p:sp>
+        <p:nvSpPr>
+          <p:cNvPr id="4" name="投影片編號版面配置區 3">
             <a:extLst>
               <a:ext uri="{FF2B5EF4-FFF2-40B4-BE49-F238E27FC236}">
-                <a16:creationId xmlns:a16="http://schemas.microsoft.com/office/drawing/2014/main" id="{F4455607-487B-4BAA-ADBC-DD732BD1ED7D}"/>
+                <a16:creationId xmlns:a16="http://schemas.microsoft.com/office/drawing/2014/main" id="{BA488443-20B2-4949-8670-9C822D981FAE}"/>
               </a:ext>
             </a:extLst>
           </p:cNvPr>
@@ -18447,69 +19369,6 @@
             <a:spLocks noGrp="1"/>
           </p:cNvSpPr>
           <p:nvPr>
-            <p:ph idx="1"/>
-          </p:nvPr>
-        </p:nvSpPr>
-        <p:spPr/>
-        <p:txBody>
-          <a:bodyPr/>
-          <a:lstStyle/>
-          <a:p>
-            <a:r>
-              <a:rPr lang="zh-TW" altLang="en-US" dirty="0"/>
-              <a:t>專案：為創造一個獨一無二的產品、服務或成果而從事的暫時性努力</a:t>
-            </a:r>
-            <a:endParaRPr lang="en-US" altLang="zh-TW" dirty="0"/>
-          </a:p>
-          <a:p>
-            <a:pPr lvl="1"/>
-            <a:r>
-              <a:rPr lang="zh-TW" altLang="en-US" dirty="0"/>
-              <a:t>專案三項特徵：暫時性、獨一無二、逐步完善</a:t>
-            </a:r>
-            <a:endParaRPr lang="en-US" altLang="zh-TW" dirty="0"/>
-          </a:p>
-          <a:p>
-            <a:r>
-              <a:rPr lang="zh-TW" altLang="en-US" dirty="0"/>
-              <a:t>專案管理：在有限的時間和成本下，運用有限的資源完成專案工作，達成專案目標</a:t>
-            </a:r>
-            <a:endParaRPr lang="en-US" altLang="zh-TW" dirty="0"/>
-          </a:p>
-          <a:p>
-            <a:pPr lvl="1"/>
-            <a:r>
-              <a:rPr lang="zh-TW" altLang="en-US" dirty="0"/>
-              <a:t>專案管理三項限制元素：時間、成本、範疇</a:t>
-            </a:r>
-            <a:endParaRPr lang="en-US" altLang="zh-TW" dirty="0"/>
-          </a:p>
-          <a:p>
-            <a:pPr lvl="1"/>
-            <a:r>
-              <a:rPr lang="zh-TW" altLang="en-US" dirty="0"/>
-              <a:t>影響專案成敗重要因素：帕金森定律、彼得原理、墨菲定律</a:t>
-            </a:r>
-            <a:endParaRPr lang="en-US" altLang="zh-TW" dirty="0"/>
-          </a:p>
-          <a:p>
-            <a:endParaRPr lang="zh-TW" altLang="en-US" dirty="0"/>
-          </a:p>
-        </p:txBody>
-      </p:sp>
-      <p:sp>
-        <p:nvSpPr>
-          <p:cNvPr id="3" name="投影片編號版面配置區 2">
-            <a:extLst>
-              <a:ext uri="{FF2B5EF4-FFF2-40B4-BE49-F238E27FC236}">
-                <a16:creationId xmlns:a16="http://schemas.microsoft.com/office/drawing/2014/main" id="{FC68D03B-1775-4682-8063-BF01335DD00C}"/>
-              </a:ext>
-            </a:extLst>
-          </p:cNvPr>
-          <p:cNvSpPr>
-            <a:spLocks noGrp="1"/>
-          </p:cNvSpPr>
-          <p:nvPr>
             <p:ph type="sldNum" sz="quarter" idx="12"/>
           </p:nvPr>
         </p:nvSpPr>
@@ -18518,7 +19377,7 @@
           <a:bodyPr/>
           <a:lstStyle/>
           <a:p>
-            <a:fld id="{0BC55746-04A1-42DC-A0BC-1E09A8E18DBD}" type="slidenum">
+            <a:fld id="{06AFB70A-E524-49E4-8F5C-48BFBE4381EC}" type="slidenum">
               <a:rPr lang="en-US" altLang="zh-TW" smtClean="0"/>
               <a:pPr/>
               <a:t>50</a:t>
@@ -18530,7 +19389,7 @@
     </p:spTree>
     <p:extLst>
       <p:ext uri="{BB962C8B-B14F-4D97-AF65-F5344CB8AC3E}">
-        <p14:creationId xmlns:p14="http://schemas.microsoft.com/office/powerpoint/2010/main" val="2076011402"/>
+        <p14:creationId xmlns:p14="http://schemas.microsoft.com/office/powerpoint/2010/main" val="711582115"/>
       </p:ext>
     </p:extLst>
   </p:cSld>
@@ -18562,7 +19421,7 @@
           <p:cNvPr id="2" name="標題 1">
             <a:extLst>
               <a:ext uri="{FF2B5EF4-FFF2-40B4-BE49-F238E27FC236}">
-                <a16:creationId xmlns:a16="http://schemas.microsoft.com/office/drawing/2014/main" id="{DC9A94CC-18EA-47F7-9519-7EB31B23179F}"/>
+                <a16:creationId xmlns:a16="http://schemas.microsoft.com/office/drawing/2014/main" id="{249E244D-5445-4162-969B-9A638545E2B2}"/>
               </a:ext>
             </a:extLst>
           </p:cNvPr>
@@ -18575,26 +19434,32 @@
         </p:nvSpPr>
         <p:spPr/>
         <p:txBody>
-          <a:bodyPr/>
-          <a:lstStyle/>
-          <a:p>
-            <a:r>
+          <a:bodyPr>
+            <a:normAutofit fontScale="90000"/>
+          </a:bodyPr>
+          <a:lstStyle/>
+          <a:p>
+            <a:r>
+              <a:rPr lang="zh-TW" altLang="en-US" dirty="0"/>
+              <a:t>五個專案管理流程群組</a:t>
+            </a:r>
+            <a:br>
               <a:rPr lang="en-US" altLang="zh-TW" dirty="0"/>
-              <a:t>Wrap Up</a:t>
-            </a:r>
-            <a:r>
-              <a:rPr lang="zh-TW" altLang="en-US" dirty="0"/>
-              <a:t>（續）</a:t>
-            </a:r>
-          </a:p>
-        </p:txBody>
-      </p:sp>
-      <p:sp>
-        <p:nvSpPr>
-          <p:cNvPr id="4" name="內容版面配置區 3">
+            </a:br>
+            <a:r>
+              <a:rPr lang="en-US" altLang="zh-TW" sz="3600" dirty="0"/>
+              <a:t>Project management processes fall into five groups:</a:t>
+            </a:r>
+            <a:endParaRPr lang="zh-TW" altLang="en-US" sz="3600" dirty="0"/>
+          </a:p>
+        </p:txBody>
+      </p:sp>
+      <p:sp>
+        <p:nvSpPr>
+          <p:cNvPr id="3" name="內容版面配置區 2">
             <a:extLst>
               <a:ext uri="{FF2B5EF4-FFF2-40B4-BE49-F238E27FC236}">
-                <a16:creationId xmlns:a16="http://schemas.microsoft.com/office/drawing/2014/main" id="{F4455607-487B-4BAA-ADBC-DD732BD1ED7D}"/>
+                <a16:creationId xmlns:a16="http://schemas.microsoft.com/office/drawing/2014/main" id="{214D97B4-C6CA-44CA-8F95-5701D8232F0A}"/>
               </a:ext>
             </a:extLst>
           </p:cNvPr>
@@ -18610,45 +19475,91 @@
           <a:bodyPr/>
           <a:lstStyle/>
           <a:p>
-            <a:r>
-              <a:rPr lang="zh-TW" altLang="en-US" dirty="0"/>
-              <a:t>依照專案的目標與解決方案區分四類：傳統專案、敏捷專案、極限專案、反極限專案</a:t>
+            <a:pPr marL="571500" indent="-514350">
+              <a:buFont typeface="+mj-lt"/>
+              <a:buAutoNum type="arabicPeriod"/>
+            </a:pPr>
+            <a:r>
+              <a:rPr lang="en-US" altLang="zh-TW" dirty="0"/>
+              <a:t>Initiating </a:t>
+            </a:r>
+            <a:r>
+              <a:rPr lang="zh-TW" altLang="en-US" dirty="0"/>
+              <a:t>啟動</a:t>
             </a:r>
             <a:endParaRPr lang="en-US" altLang="zh-TW" dirty="0"/>
           </a:p>
           <a:p>
-            <a:r>
-              <a:rPr lang="zh-TW" altLang="en-US" dirty="0"/>
-              <a:t>專案生命週期：概念構思、規劃、執行、結束</a:t>
+            <a:pPr marL="571500" indent="-514350">
+              <a:buFont typeface="+mj-lt"/>
+              <a:buAutoNum type="arabicPeriod"/>
+            </a:pPr>
+            <a:r>
+              <a:rPr lang="en-US" altLang="zh-TW" dirty="0"/>
+              <a:t>Planning </a:t>
+            </a:r>
+            <a:r>
+              <a:rPr lang="zh-TW" altLang="en-US" dirty="0"/>
+              <a:t>規劃</a:t>
             </a:r>
             <a:endParaRPr lang="en-US" altLang="zh-TW" dirty="0"/>
           </a:p>
           <a:p>
-            <a:r>
-              <a:rPr lang="zh-TW" altLang="en-US" dirty="0"/>
-              <a:t>專案成熟度模式</a:t>
+            <a:pPr marL="571500" indent="-514350">
+              <a:buFont typeface="+mj-lt"/>
+              <a:buAutoNum type="arabicPeriod"/>
+            </a:pPr>
+            <a:r>
+              <a:rPr lang="en-US" altLang="zh-TW" dirty="0"/>
+              <a:t>Executing </a:t>
+            </a:r>
+            <a:r>
+              <a:rPr lang="zh-TW" altLang="en-US" dirty="0"/>
+              <a:t>執行</a:t>
             </a:r>
             <a:endParaRPr lang="en-US" altLang="zh-TW" dirty="0"/>
           </a:p>
           <a:p>
-            <a:r>
-              <a:rPr lang="zh-TW" altLang="en-US" dirty="0"/>
-              <a:t>專案管理知識體系 </a:t>
-            </a:r>
+            <a:pPr marL="571500" indent="-514350">
+              <a:buFont typeface="+mj-lt"/>
+              <a:buAutoNum type="arabicPeriod"/>
+            </a:pPr>
             <a:r>
               <a:rPr lang="en-US" altLang="zh-TW" dirty="0"/>
-              <a:t>PMBOK</a:t>
-            </a:r>
+              <a:t>Monitoring and Controlling </a:t>
+            </a:r>
+            <a:r>
+              <a:rPr lang="zh-TW" altLang="en-US" dirty="0"/>
+              <a:t>監控</a:t>
+            </a:r>
+            <a:endParaRPr lang="en-US" altLang="zh-TW" dirty="0"/>
+          </a:p>
+          <a:p>
+            <a:pPr marL="571500" indent="-514350">
+              <a:buFont typeface="+mj-lt"/>
+              <a:buAutoNum type="arabicPeriod"/>
+            </a:pPr>
+            <a:r>
+              <a:rPr lang="en-US" altLang="zh-TW" dirty="0"/>
+              <a:t>Closing </a:t>
+            </a:r>
+            <a:r>
+              <a:rPr lang="zh-TW" altLang="en-US" dirty="0"/>
+              <a:t>結案（收尾）</a:t>
+            </a:r>
+            <a:endParaRPr lang="en-US" altLang="zh-TW" dirty="0"/>
+          </a:p>
+          <a:p>
             <a:endParaRPr lang="zh-TW" altLang="en-US" dirty="0"/>
           </a:p>
         </p:txBody>
       </p:sp>
       <p:sp>
         <p:nvSpPr>
-          <p:cNvPr id="3" name="投影片編號版面配置區 2">
+          <p:cNvPr id="4" name="投影片編號版面配置區 3">
             <a:extLst>
               <a:ext uri="{FF2B5EF4-FFF2-40B4-BE49-F238E27FC236}">
-                <a16:creationId xmlns:a16="http://schemas.microsoft.com/office/drawing/2014/main" id="{FC68D03B-1775-4682-8063-BF01335DD00C}"/>
+                <a16:creationId xmlns:a16="http://schemas.microsoft.com/office/drawing/2014/main" id="{1C86451D-3B12-4061-8ACE-15A8F5A1EEDC}"/>
               </a:ext>
             </a:extLst>
           </p:cNvPr>
@@ -18664,7 +19575,7 @@
           <a:bodyPr/>
           <a:lstStyle/>
           <a:p>
-            <a:fld id="{0BC55746-04A1-42DC-A0BC-1E09A8E18DBD}" type="slidenum">
+            <a:fld id="{06AFB70A-E524-49E4-8F5C-48BFBE4381EC}" type="slidenum">
               <a:rPr lang="en-US" altLang="zh-TW" smtClean="0"/>
               <a:pPr/>
               <a:t>51</a:t>
@@ -18676,7 +19587,7 @@
     </p:spTree>
     <p:extLst>
       <p:ext uri="{BB962C8B-B14F-4D97-AF65-F5344CB8AC3E}">
-        <p14:creationId xmlns:p14="http://schemas.microsoft.com/office/powerpoint/2010/main" val="177274697"/>
+        <p14:creationId xmlns:p14="http://schemas.microsoft.com/office/powerpoint/2010/main" val="2706981431"/>
       </p:ext>
     </p:extLst>
   </p:cSld>
@@ -18708,7 +19619,7 @@
           <p:cNvPr id="2" name="標題 1">
             <a:extLst>
               <a:ext uri="{FF2B5EF4-FFF2-40B4-BE49-F238E27FC236}">
-                <a16:creationId xmlns:a16="http://schemas.microsoft.com/office/drawing/2014/main" id="{A3902E19-FA30-4281-841B-1FA995320EB7}"/>
+                <a16:creationId xmlns:a16="http://schemas.microsoft.com/office/drawing/2014/main" id="{9F9A4259-DAB9-44CC-90D7-FEB5CB5B7608}"/>
               </a:ext>
             </a:extLst>
           </p:cNvPr>
@@ -18721,22 +19632,32 @@
         </p:nvSpPr>
         <p:spPr/>
         <p:txBody>
-          <a:bodyPr/>
-          <a:lstStyle/>
-          <a:p>
-            <a:r>
-              <a:rPr lang="zh-TW" altLang="en-US" dirty="0"/>
-              <a:t>專案管理在台灣</a:t>
-            </a:r>
-          </a:p>
-        </p:txBody>
-      </p:sp>
-      <p:sp>
-        <p:nvSpPr>
-          <p:cNvPr id="3" name="內容版面配置區 2">
+          <a:bodyPr>
+            <a:normAutofit fontScale="90000"/>
+          </a:bodyPr>
+          <a:lstStyle/>
+          <a:p>
+            <a:r>
+              <a:rPr lang="zh-TW" altLang="en-US" dirty="0"/>
+              <a:t>十個管理知識領域</a:t>
+            </a:r>
+            <a:br>
+              <a:rPr lang="en-US" altLang="zh-TW" dirty="0"/>
+            </a:br>
+            <a:r>
+              <a:rPr lang="en-US" altLang="zh-TW" sz="3600" dirty="0"/>
+              <a:t>Project management knowledge draws on ten areas:</a:t>
+            </a:r>
+            <a:endParaRPr lang="zh-TW" altLang="en-US" sz="3600" dirty="0"/>
+          </a:p>
+        </p:txBody>
+      </p:sp>
+      <p:sp>
+        <p:nvSpPr>
+          <p:cNvPr id="11" name="內容版面配置區 10">
             <a:extLst>
               <a:ext uri="{FF2B5EF4-FFF2-40B4-BE49-F238E27FC236}">
-                <a16:creationId xmlns:a16="http://schemas.microsoft.com/office/drawing/2014/main" id="{68A07931-1BF5-4A0A-9739-6B920F10E87D}"/>
+                <a16:creationId xmlns:a16="http://schemas.microsoft.com/office/drawing/2014/main" id="{8359B88D-0BF7-4B74-B72D-D56C2823B285}"/>
               </a:ext>
             </a:extLst>
           </p:cNvPr>
@@ -18744,122 +19665,189 @@
             <a:spLocks noGrp="1"/>
           </p:cNvSpPr>
           <p:nvPr>
-            <p:ph idx="1"/>
+            <p:ph sz="half" idx="1"/>
           </p:nvPr>
         </p:nvSpPr>
         <p:spPr/>
         <p:txBody>
           <a:bodyPr>
-            <a:normAutofit fontScale="92500" lnSpcReduction="20000"/>
+            <a:normAutofit/>
           </a:bodyPr>
           <a:lstStyle/>
           <a:p>
-            <a:r>
-              <a:rPr lang="zh-TW" altLang="en-US" dirty="0"/>
-              <a:t>政府推動</a:t>
+            <a:pPr marL="514350" indent="-514350">
+              <a:buFont typeface="+mj-lt"/>
+              <a:buAutoNum type="arabicPeriod"/>
+            </a:pPr>
+            <a:r>
+              <a:rPr lang="en-US" altLang="zh-TW" dirty="0"/>
+              <a:t>Integration </a:t>
+            </a:r>
+            <a:r>
+              <a:rPr lang="zh-TW" altLang="en-US" dirty="0"/>
+              <a:t>整合</a:t>
             </a:r>
             <a:endParaRPr lang="en-US" altLang="zh-TW" dirty="0"/>
           </a:p>
           <a:p>
-            <a:pPr lvl="1"/>
-            <a:r>
-              <a:rPr lang="zh-TW" altLang="en-US" dirty="0"/>
-              <a:t>中科院，民國</a:t>
-            </a:r>
+            <a:pPr marL="514350" indent="-514350">
+              <a:buFont typeface="+mj-lt"/>
+              <a:buAutoNum type="arabicPeriod"/>
+            </a:pPr>
             <a:r>
               <a:rPr lang="en-US" altLang="zh-TW" dirty="0"/>
-              <a:t>71</a:t>
-            </a:r>
-            <a:r>
-              <a:rPr lang="zh-TW" altLang="en-US" dirty="0"/>
-              <a:t>年</a:t>
+              <a:t>Scope </a:t>
+            </a:r>
+            <a:r>
+              <a:rPr lang="zh-TW" altLang="en-US" dirty="0"/>
+              <a:t>範疇（範圍）</a:t>
             </a:r>
             <a:endParaRPr lang="en-US" altLang="zh-TW" dirty="0"/>
           </a:p>
           <a:p>
-            <a:pPr lvl="1"/>
-            <a:r>
-              <a:rPr lang="zh-TW" altLang="en-US"/>
-              <a:t>資策會</a:t>
-            </a:r>
-            <a:endParaRPr lang="en-US" altLang="zh-TW"/>
-          </a:p>
-          <a:p>
-            <a:r>
-              <a:rPr lang="zh-TW" altLang="en-US" dirty="0"/>
-              <a:t>法人團體</a:t>
+            <a:pPr marL="514350" indent="-514350">
+              <a:buFont typeface="+mj-lt"/>
+              <a:buAutoNum type="arabicPeriod"/>
+            </a:pPr>
+            <a:r>
+              <a:rPr lang="en-US" altLang="zh-TW" dirty="0"/>
+              <a:t>Time </a:t>
+            </a:r>
+            <a:r>
+              <a:rPr lang="zh-TW" altLang="en-US" dirty="0"/>
+              <a:t>時間</a:t>
             </a:r>
             <a:endParaRPr lang="en-US" altLang="zh-TW" dirty="0"/>
           </a:p>
           <a:p>
-            <a:pPr lvl="1"/>
-            <a:r>
-              <a:rPr lang="zh-TW" altLang="en-US" dirty="0"/>
-              <a:t>社團法人國際專案管理學會台灣分會 </a:t>
-            </a:r>
+            <a:pPr marL="514350" indent="-514350">
+              <a:buFont typeface="+mj-lt"/>
+              <a:buAutoNum type="arabicPeriod"/>
+            </a:pPr>
             <a:r>
               <a:rPr lang="en-US" altLang="zh-TW" dirty="0"/>
-              <a:t>PMI-TW</a:t>
-            </a:r>
-          </a:p>
-          <a:p>
-            <a:pPr lvl="2"/>
+              <a:t>Cost </a:t>
+            </a:r>
+            <a:r>
+              <a:rPr lang="zh-TW" altLang="en-US" dirty="0"/>
+              <a:t>成本</a:t>
+            </a:r>
+            <a:endParaRPr lang="en-US" altLang="zh-TW" dirty="0"/>
+          </a:p>
+          <a:p>
+            <a:pPr marL="514350" indent="-514350">
+              <a:buFont typeface="+mj-lt"/>
+              <a:buAutoNum type="arabicPeriod"/>
+            </a:pPr>
             <a:r>
               <a:rPr lang="en-US" altLang="zh-TW" dirty="0"/>
-              <a:t>Project Management Institute Taiwan Chapter</a:t>
-            </a:r>
-          </a:p>
-          <a:p>
-            <a:pPr lvl="1"/>
-            <a:r>
-              <a:rPr lang="zh-TW" altLang="en-US" dirty="0"/>
-              <a:t>台灣專案管理學會 </a:t>
-            </a:r>
+              <a:t>Quality </a:t>
+            </a:r>
+            <a:r>
+              <a:rPr lang="zh-TW" altLang="en-US" dirty="0"/>
+              <a:t>品質（質量）</a:t>
+            </a:r>
+          </a:p>
+        </p:txBody>
+      </p:sp>
+      <p:sp>
+        <p:nvSpPr>
+          <p:cNvPr id="12" name="內容版面配置區 11">
+            <a:extLst>
+              <a:ext uri="{FF2B5EF4-FFF2-40B4-BE49-F238E27FC236}">
+                <a16:creationId xmlns:a16="http://schemas.microsoft.com/office/drawing/2014/main" id="{B2E59BF1-AF37-4746-9AF5-4C6F846E9B6D}"/>
+              </a:ext>
+            </a:extLst>
+          </p:cNvPr>
+          <p:cNvSpPr>
+            <a:spLocks noGrp="1"/>
+          </p:cNvSpPr>
+          <p:nvPr>
+            <p:ph sz="half" idx="2"/>
+          </p:nvPr>
+        </p:nvSpPr>
+        <p:spPr/>
+        <p:txBody>
+          <a:bodyPr>
+            <a:normAutofit/>
+          </a:bodyPr>
+          <a:lstStyle/>
+          <a:p>
+            <a:pPr marL="514350" indent="-514350">
+              <a:buFont typeface="+mj-lt"/>
+              <a:buAutoNum type="arabicPeriod" startAt="6"/>
+            </a:pPr>
             <a:r>
               <a:rPr lang="en-US" altLang="zh-TW" dirty="0"/>
-              <a:t>TPMA</a:t>
-            </a:r>
-          </a:p>
-          <a:p>
-            <a:pPr lvl="2"/>
-            <a:r>
-              <a:rPr lang="zh-TW" altLang="en-US" dirty="0"/>
-              <a:t>國際專案管理學會 </a:t>
-            </a:r>
+              <a:t>Procurement </a:t>
+            </a:r>
+            <a:r>
+              <a:rPr lang="zh-TW" altLang="en-US" dirty="0"/>
+              <a:t>採購</a:t>
+            </a:r>
+            <a:endParaRPr lang="en-US" altLang="zh-TW" dirty="0"/>
+          </a:p>
+          <a:p>
+            <a:pPr marL="514350" indent="-514350">
+              <a:buFont typeface="+mj-lt"/>
+              <a:buAutoNum type="arabicPeriod" startAt="6"/>
+            </a:pPr>
             <a:r>
               <a:rPr lang="en-US" altLang="zh-TW" dirty="0"/>
-              <a:t>IPMA </a:t>
-            </a:r>
-            <a:r>
-              <a:rPr lang="zh-TW" altLang="en-US" dirty="0"/>
-              <a:t>授權</a:t>
+              <a:t>Human resources </a:t>
+            </a:r>
+            <a:r>
+              <a:rPr lang="zh-TW" altLang="en-US" dirty="0"/>
+              <a:t>人力資源</a:t>
             </a:r>
             <a:endParaRPr lang="en-US" altLang="zh-TW" dirty="0"/>
           </a:p>
           <a:p>
-            <a:pPr lvl="3"/>
+            <a:pPr marL="514350" indent="-514350">
+              <a:buFont typeface="+mj-lt"/>
+              <a:buAutoNum type="arabicPeriod" startAt="6"/>
+            </a:pPr>
             <a:r>
               <a:rPr lang="en-US" altLang="zh-TW" dirty="0"/>
-              <a:t>International Project Management Association</a:t>
-            </a:r>
-          </a:p>
-          <a:p>
-            <a:pPr lvl="1"/>
-            <a:r>
-              <a:rPr lang="zh-TW" altLang="en-US" dirty="0"/>
-              <a:t>中華專案管理學會 </a:t>
-            </a:r>
+              <a:t>Communications </a:t>
+            </a:r>
+            <a:r>
+              <a:rPr lang="zh-TW" altLang="en-US" dirty="0"/>
+              <a:t>溝通</a:t>
+            </a:r>
+            <a:endParaRPr lang="en-US" altLang="zh-TW" dirty="0"/>
+          </a:p>
+          <a:p>
+            <a:pPr marL="514350" indent="-514350">
+              <a:buFont typeface="+mj-lt"/>
+              <a:buAutoNum type="arabicPeriod" startAt="6"/>
+            </a:pPr>
             <a:r>
               <a:rPr lang="en-US" altLang="zh-TW" dirty="0"/>
-              <a:t>NPMA</a:t>
-            </a:r>
-          </a:p>
-          <a:p>
-            <a:pPr lvl="2"/>
+              <a:t>Risk management </a:t>
+            </a:r>
+            <a:r>
+              <a:rPr lang="zh-TW" altLang="en-US" dirty="0"/>
+              <a:t>風險管理</a:t>
+            </a:r>
+            <a:endParaRPr lang="en-US" altLang="zh-TW" dirty="0"/>
+          </a:p>
+          <a:p>
+            <a:pPr marL="514350" indent="-514350">
+              <a:buFont typeface="+mj-lt"/>
+              <a:buAutoNum type="arabicPeriod" startAt="6"/>
+            </a:pPr>
             <a:r>
               <a:rPr lang="en-US" altLang="zh-TW" dirty="0"/>
-              <a:t>National Project Management Association</a:t>
-            </a:r>
+              <a:t>Stakeholder management </a:t>
+            </a:r>
+            <a:r>
+              <a:rPr lang="zh-TW" altLang="en-US" dirty="0"/>
+              <a:t>利害關係人（相關方）管理</a:t>
+            </a:r>
+            <a:endParaRPr lang="en-US" altLang="zh-TW" dirty="0"/>
+          </a:p>
+          <a:p>
             <a:endParaRPr lang="zh-TW" altLang="en-US" dirty="0"/>
           </a:p>
         </p:txBody>
@@ -18869,7 +19857,7 @@
           <p:cNvPr id="4" name="投影片編號版面配置區 3">
             <a:extLst>
               <a:ext uri="{FF2B5EF4-FFF2-40B4-BE49-F238E27FC236}">
-                <a16:creationId xmlns:a16="http://schemas.microsoft.com/office/drawing/2014/main" id="{063E97C4-2ABA-4330-9822-647A20080554}"/>
+                <a16:creationId xmlns:a16="http://schemas.microsoft.com/office/drawing/2014/main" id="{9500BD0A-E9F9-4307-83C6-E05E28EB05D9}"/>
               </a:ext>
             </a:extLst>
           </p:cNvPr>
@@ -18897,7 +19885,7 @@
     </p:spTree>
     <p:extLst>
       <p:ext uri="{BB962C8B-B14F-4D97-AF65-F5344CB8AC3E}">
-        <p14:creationId xmlns:p14="http://schemas.microsoft.com/office/powerpoint/2010/main" val="4197588948"/>
+        <p14:creationId xmlns:p14="http://schemas.microsoft.com/office/powerpoint/2010/main" val="206541025"/>
       </p:ext>
     </p:extLst>
   </p:cSld>
@@ -18929,7 +19917,7 @@
           <p:cNvPr id="2" name="標題 1">
             <a:extLst>
               <a:ext uri="{FF2B5EF4-FFF2-40B4-BE49-F238E27FC236}">
-                <a16:creationId xmlns:a16="http://schemas.microsoft.com/office/drawing/2014/main" id="{74AC54FC-5389-4F88-922E-9E28AE1AEEBE}"/>
+                <a16:creationId xmlns:a16="http://schemas.microsoft.com/office/drawing/2014/main" id="{54AA1307-2685-4C16-8490-9CC85D763104}"/>
               </a:ext>
             </a:extLst>
           </p:cNvPr>
@@ -18946,19 +19934,18 @@
           <a:lstStyle/>
           <a:p>
             <a:r>
-              <a:rPr lang="zh-TW" altLang="zh-TW" dirty="0"/>
-              <a:t>試說明專案和專案管理之定義</a:t>
-            </a:r>
-            <a:endParaRPr lang="zh-TW" altLang="en-US" dirty="0"/>
-          </a:p>
-        </p:txBody>
-      </p:sp>
-      <p:sp>
-        <p:nvSpPr>
-          <p:cNvPr id="7" name="內容版面配置區 6">
+              <a:rPr lang="zh-TW" altLang="en-US" dirty="0"/>
+              <a:t>應用領域之知識、標準和法規</a:t>
+            </a:r>
+          </a:p>
+        </p:txBody>
+      </p:sp>
+      <p:sp>
+        <p:nvSpPr>
+          <p:cNvPr id="3" name="內容版面配置區 2">
             <a:extLst>
               <a:ext uri="{FF2B5EF4-FFF2-40B4-BE49-F238E27FC236}">
-                <a16:creationId xmlns:a16="http://schemas.microsoft.com/office/drawing/2014/main" id="{5EDA3327-8F06-4009-A069-49C4E62D1EC2}"/>
+                <a16:creationId xmlns:a16="http://schemas.microsoft.com/office/drawing/2014/main" id="{8DF1AE24-9694-41A8-8BBA-220353B6578D}"/>
               </a:ext>
             </a:extLst>
           </p:cNvPr>
@@ -18966,7 +19953,7 @@
             <a:spLocks noGrp="1"/>
           </p:cNvSpPr>
           <p:nvPr>
-            <p:ph idx="1"/>
+            <p:ph sz="half" idx="1"/>
           </p:nvPr>
         </p:nvSpPr>
         <p:spPr/>
@@ -18978,51 +19965,160 @@
           <a:p>
             <a:r>
               <a:rPr lang="zh-TW" altLang="en-US" dirty="0"/>
-              <a:t>答：</a:t>
-            </a:r>
+              <a:t>應用領域之知識</a:t>
+            </a:r>
+            <a:endParaRPr lang="en-US" altLang="zh-TW" dirty="0"/>
           </a:p>
           <a:p>
             <a:pPr lvl="1"/>
             <a:r>
-              <a:rPr lang="zh-TW" altLang="en-US" dirty="0"/>
-              <a:t>專案是指為創造一個獨一無二的產品、服務、或成果而從事的一個暫時性的努力。</a:t>
-            </a:r>
+              <a:rPr lang="en-US" altLang="zh-TW" dirty="0"/>
+              <a:t>Domain Knowhow</a:t>
+            </a:r>
+          </a:p>
+          <a:p>
+            <a:r>
+              <a:rPr lang="zh-TW" altLang="en-US" dirty="0"/>
+              <a:t>應用領域：</a:t>
+            </a:r>
+            <a:endParaRPr lang="en-US" altLang="zh-TW" dirty="0"/>
           </a:p>
           <a:p>
             <a:pPr lvl="1"/>
             <a:r>
+              <a:rPr lang="zh-TW" altLang="en-US" dirty="0"/>
+              <a:t>功能部門和輔助性專案</a:t>
+            </a:r>
+            <a:endParaRPr lang="en-US" altLang="zh-TW" dirty="0"/>
+          </a:p>
+          <a:p>
+            <a:pPr lvl="2"/>
+            <a:r>
+              <a:rPr lang="zh-TW" altLang="en-US" dirty="0"/>
+              <a:t>法律、生產與存貨管理、行銷、後勤、人事</a:t>
+            </a:r>
+            <a:endParaRPr lang="en-US" altLang="zh-TW" dirty="0"/>
+          </a:p>
+          <a:p>
+            <a:pPr lvl="1"/>
+            <a:r>
+              <a:rPr lang="zh-TW" altLang="en-US" dirty="0"/>
+              <a:t>科技要素</a:t>
+            </a:r>
+            <a:endParaRPr lang="en-US" altLang="zh-TW" dirty="0"/>
+          </a:p>
+          <a:p>
+            <a:pPr lvl="2"/>
+            <a:r>
+              <a:rPr lang="zh-TW" altLang="en-US" dirty="0"/>
+              <a:t>軟體開發、水利工程、建設工程</a:t>
+            </a:r>
+            <a:endParaRPr lang="en-US" altLang="zh-TW" dirty="0"/>
+          </a:p>
+          <a:p>
+            <a:pPr lvl="1"/>
+            <a:r>
+              <a:rPr lang="zh-TW" altLang="en-US" dirty="0"/>
+              <a:t>專門化管理</a:t>
+            </a:r>
+            <a:endParaRPr lang="en-US" altLang="zh-TW" dirty="0"/>
+          </a:p>
+          <a:p>
+            <a:pPr lvl="2"/>
+            <a:r>
+              <a:rPr lang="zh-TW" altLang="en-US" dirty="0"/>
+              <a:t>政府合約、新產品開發</a:t>
+            </a:r>
+            <a:endParaRPr lang="en-US" altLang="zh-TW" dirty="0"/>
+          </a:p>
+          <a:p>
+            <a:pPr lvl="1"/>
+            <a:r>
+              <a:rPr lang="zh-TW" altLang="en-US" dirty="0"/>
+              <a:t>產業群</a:t>
+            </a:r>
+            <a:endParaRPr lang="en-US" altLang="zh-TW" dirty="0"/>
+          </a:p>
+          <a:p>
+            <a:pPr lvl="2"/>
+            <a:r>
+              <a:rPr lang="zh-TW" altLang="en-US" dirty="0"/>
+              <a:t>汽車、化工、建築、財務服務</a:t>
+            </a:r>
+          </a:p>
+        </p:txBody>
+      </p:sp>
+      <p:sp>
+        <p:nvSpPr>
+          <p:cNvPr id="5" name="內容版面配置區 4">
+            <a:extLst>
+              <a:ext uri="{FF2B5EF4-FFF2-40B4-BE49-F238E27FC236}">
+                <a16:creationId xmlns:a16="http://schemas.microsoft.com/office/drawing/2014/main" id="{C5A16E8E-E729-45C6-B0CB-0E5248ADACB7}"/>
+              </a:ext>
+            </a:extLst>
+          </p:cNvPr>
+          <p:cNvSpPr>
+            <a:spLocks noGrp="1"/>
+          </p:cNvSpPr>
+          <p:nvPr>
+            <p:ph sz="half" idx="2"/>
+          </p:nvPr>
+        </p:nvSpPr>
+        <p:spPr/>
+        <p:txBody>
+          <a:bodyPr>
+            <a:normAutofit fontScale="92500" lnSpcReduction="10000"/>
+          </a:bodyPr>
+          <a:lstStyle/>
+          <a:p>
+            <a:r>
+              <a:rPr lang="zh-TW" altLang="en-US" dirty="0"/>
+              <a:t>標準 </a:t>
+            </a:r>
+            <a:r>
               <a:rPr lang="en-US" altLang="zh-TW" dirty="0"/>
-              <a:t>PMBOK</a:t>
-            </a:r>
-            <a:r>
-              <a:rPr lang="zh-TW" altLang="en-US" dirty="0"/>
-              <a:t>定義：專案管理是指統合運用管理知識、技術、工具、方法於任何專案活動上，使專案的交付標的物能符合或超越專案利害關係人的需求與期望的一種專門技術。</a:t>
+              <a:t>Standard</a:t>
             </a:r>
           </a:p>
           <a:p>
             <a:pPr lvl="1"/>
             <a:r>
+              <a:rPr lang="zh-TW" altLang="en-US" dirty="0"/>
+              <a:t>業界公認的規範</a:t>
+            </a:r>
+            <a:endParaRPr lang="en-US" altLang="zh-TW" dirty="0"/>
+          </a:p>
+          <a:p>
+            <a:pPr lvl="2"/>
+            <a:r>
               <a:rPr lang="en-US" altLang="zh-TW" dirty="0"/>
-              <a:t>Kerzner</a:t>
-            </a:r>
-            <a:r>
-              <a:rPr lang="zh-TW" altLang="en-US" dirty="0"/>
-              <a:t>定義：將專案管理定義為藉由建立一個相對短期目標，藉由規劃、組織、指導、和控制公司資源以完成特定的目標和目的。</a:t>
+              <a:t>ISO 27001(ISMS)</a:t>
+            </a:r>
+          </a:p>
+          <a:p>
+            <a:r>
+              <a:rPr lang="zh-TW" altLang="en-US" dirty="0"/>
+              <a:t>法規 </a:t>
+            </a:r>
+            <a:r>
+              <a:rPr lang="en-US" altLang="zh-TW" dirty="0"/>
+              <a:t>Regulation</a:t>
             </a:r>
           </a:p>
           <a:p>
             <a:pPr lvl="1"/>
             <a:r>
-              <a:rPr lang="en-US" altLang="zh-TW" dirty="0"/>
-              <a:t>Wysocki</a:t>
-            </a:r>
-            <a:r>
-              <a:rPr lang="zh-TW" altLang="en-US" dirty="0"/>
-              <a:t>定義：將專案管理定義為透過適當的顧客參與，以有組織的普通常識性手法來滿足贊助者需求和傳遞增量的期望商業價值。</a:t>
-            </a:r>
-          </a:p>
-          <a:p>
-            <a:endParaRPr lang="zh-TW" altLang="en-US" dirty="0"/>
+              <a:rPr lang="zh-TW" altLang="en-US" dirty="0"/>
+              <a:t>政府強制性的要求</a:t>
+            </a:r>
+            <a:endParaRPr lang="en-US" altLang="zh-TW" dirty="0"/>
+          </a:p>
+          <a:p>
+            <a:pPr lvl="2"/>
+            <a:r>
+              <a:rPr lang="zh-TW" altLang="en-US" dirty="0"/>
+              <a:t>消防法規</a:t>
+            </a:r>
           </a:p>
         </p:txBody>
       </p:sp>
@@ -19031,7 +20127,7 @@
           <p:cNvPr id="4" name="投影片編號版面配置區 3">
             <a:extLst>
               <a:ext uri="{FF2B5EF4-FFF2-40B4-BE49-F238E27FC236}">
-                <a16:creationId xmlns:a16="http://schemas.microsoft.com/office/drawing/2014/main" id="{7AE08DED-AE84-47FC-88AF-2A9440A92571}"/>
+                <a16:creationId xmlns:a16="http://schemas.microsoft.com/office/drawing/2014/main" id="{C7F9DC9F-AAD7-4A10-8CAD-E62EB2854F5C}"/>
               </a:ext>
             </a:extLst>
           </p:cNvPr>
@@ -19059,7 +20155,7 @@
     </p:spTree>
     <p:extLst>
       <p:ext uri="{BB962C8B-B14F-4D97-AF65-F5344CB8AC3E}">
-        <p14:creationId xmlns:p14="http://schemas.microsoft.com/office/powerpoint/2010/main" val="2577917093"/>
+        <p14:creationId xmlns:p14="http://schemas.microsoft.com/office/powerpoint/2010/main" val="3958126932"/>
       </p:ext>
     </p:extLst>
   </p:cSld>
@@ -19091,7 +20187,7 @@
           <p:cNvPr id="2" name="標題 1">
             <a:extLst>
               <a:ext uri="{FF2B5EF4-FFF2-40B4-BE49-F238E27FC236}">
-                <a16:creationId xmlns:a16="http://schemas.microsoft.com/office/drawing/2014/main" id="{DE3BB3BA-1E3D-45B1-B4ED-128E19B7253B}"/>
+                <a16:creationId xmlns:a16="http://schemas.microsoft.com/office/drawing/2014/main" id="{9660DFB0-B0FE-4320-B088-8C65BB6505C0}"/>
               </a:ext>
             </a:extLst>
           </p:cNvPr>
@@ -19108,19 +20204,18 @@
           <a:lstStyle/>
           <a:p>
             <a:r>
-              <a:rPr lang="zh-TW" altLang="zh-TW" dirty="0"/>
-              <a:t>試說明專案成功和專案管理成功有何差異？</a:t>
-            </a:r>
-            <a:endParaRPr lang="zh-TW" altLang="en-US" dirty="0"/>
-          </a:p>
-        </p:txBody>
-      </p:sp>
-      <p:sp>
-        <p:nvSpPr>
-          <p:cNvPr id="7" name="內容版面配置區 6">
+              <a:rPr lang="zh-TW" altLang="en-US" dirty="0"/>
+              <a:t>了解專案環境</a:t>
+            </a:r>
+          </a:p>
+        </p:txBody>
+      </p:sp>
+      <p:sp>
+        <p:nvSpPr>
+          <p:cNvPr id="3" name="內容版面配置區 2">
             <a:extLst>
               <a:ext uri="{FF2B5EF4-FFF2-40B4-BE49-F238E27FC236}">
-                <a16:creationId xmlns:a16="http://schemas.microsoft.com/office/drawing/2014/main" id="{19165656-A3AE-4B10-97CB-50B932575A6F}"/>
+                <a16:creationId xmlns:a16="http://schemas.microsoft.com/office/drawing/2014/main" id="{B58A321D-46E3-4B54-AB77-233F19ABBD80}"/>
               </a:ext>
             </a:extLst>
           </p:cNvPr>
@@ -19133,164 +20228,51 @@
         </p:nvSpPr>
         <p:spPr/>
         <p:txBody>
-          <a:bodyPr>
-            <a:normAutofit fontScale="85000" lnSpcReduction="10000"/>
-          </a:bodyPr>
-          <a:lstStyle/>
-          <a:p>
-            <a:r>
-              <a:rPr lang="zh-TW" altLang="zh-TW" dirty="0"/>
-              <a:t>答：</a:t>
-            </a:r>
+          <a:bodyPr/>
+          <a:lstStyle/>
+          <a:p>
+            <a:r>
+              <a:rPr lang="zh-TW" altLang="en-US" dirty="0"/>
+              <a:t>文化與社會環境</a:t>
+            </a:r>
+            <a:endParaRPr lang="en-US" altLang="zh-TW" dirty="0"/>
           </a:p>
           <a:p>
             <a:pPr lvl="1"/>
             <a:r>
-              <a:rPr lang="en-US" altLang="zh-TW" dirty="0"/>
-              <a:t>Kerzner</a:t>
-            </a:r>
-            <a:r>
-              <a:rPr lang="zh-TW" altLang="zh-TW" dirty="0"/>
-              <a:t>將專案管理成功定義為在預定時間和成本內，有效能及有效率地運用資源，達成專案的預定目標，而且產品的品質是被顧客所接受。</a:t>
-            </a:r>
+              <a:rPr lang="zh-TW" altLang="en-US" dirty="0"/>
+              <a:t>經濟、人口統計、教育、倫理、民族、宗教</a:t>
+            </a:r>
+            <a:endParaRPr lang="en-US" altLang="zh-TW" dirty="0"/>
+          </a:p>
+          <a:p>
+            <a:r>
+              <a:rPr lang="zh-TW" altLang="en-US" dirty="0"/>
+              <a:t>國際政治環境</a:t>
+            </a:r>
+            <a:endParaRPr lang="en-US" altLang="zh-TW" dirty="0"/>
           </a:p>
           <a:p>
             <a:pPr lvl="1"/>
             <a:r>
-              <a:rPr lang="en-US" altLang="zh-TW" dirty="0" err="1"/>
-              <a:t>Kapur</a:t>
-            </a:r>
-            <a:r>
-              <a:rPr lang="zh-TW" altLang="zh-TW" dirty="0"/>
-              <a:t>認為成功的專案管理必須同時在下列四個構面都能滿足顧客之要求時才算成功。其定義如下：</a:t>
-            </a:r>
-            <a:br>
-              <a:rPr lang="en-US" altLang="zh-TW" dirty="0"/>
-            </a:br>
-            <a:r>
-              <a:rPr lang="zh-TW" altLang="zh-TW" dirty="0"/>
-              <a:t>專案管理 （成功）</a:t>
-            </a:r>
-            <a:r>
-              <a:rPr lang="en-US" altLang="zh-TW" dirty="0"/>
-              <a:t>= </a:t>
-            </a:r>
-            <a:r>
-              <a:rPr lang="zh-TW" altLang="zh-TW" dirty="0"/>
-              <a:t>（時程</a:t>
-            </a:r>
-            <a:r>
-              <a:rPr lang="en-US" altLang="zh-TW" dirty="0"/>
-              <a:t> + </a:t>
-            </a:r>
-            <a:r>
-              <a:rPr lang="zh-TW" altLang="zh-TW" dirty="0"/>
-              <a:t>範疇</a:t>
-            </a:r>
-            <a:r>
-              <a:rPr lang="en-US" altLang="zh-TW" dirty="0"/>
-              <a:t> + </a:t>
-            </a:r>
-            <a:r>
-              <a:rPr lang="zh-TW" altLang="zh-TW" dirty="0"/>
-              <a:t>預算</a:t>
-            </a:r>
-            <a:r>
-              <a:rPr lang="en-US" altLang="zh-TW" dirty="0"/>
-              <a:t> + </a:t>
-            </a:r>
-            <a:r>
-              <a:rPr lang="zh-TW" altLang="zh-TW" dirty="0"/>
-              <a:t>品質）</a:t>
-            </a:r>
-            <a:r>
-              <a:rPr lang="en-US" altLang="zh-TW" dirty="0"/>
-              <a:t>→</a:t>
-            </a:r>
-            <a:r>
-              <a:rPr lang="zh-TW" altLang="zh-TW" dirty="0"/>
-              <a:t>顧客滿意</a:t>
-            </a:r>
-          </a:p>
-          <a:p>
-            <a:pPr lvl="2"/>
-            <a:r>
-              <a:rPr lang="zh-TW" altLang="zh-TW" dirty="0"/>
-              <a:t>專案成功可以「效能（</a:t>
-            </a:r>
-            <a:r>
-              <a:rPr lang="en-US" altLang="zh-TW" dirty="0"/>
-              <a:t>effectiveness</a:t>
-            </a:r>
-            <a:r>
-              <a:rPr lang="zh-TW" altLang="zh-TW" dirty="0"/>
-              <a:t>）」程度來衡量，即專案所完成交付標的物可帶來的利益和利害關係人滿意之程度，</a:t>
-            </a:r>
-            <a:r>
-              <a:rPr lang="zh-TW" altLang="en-US" dirty="0"/>
-              <a:t>亦即</a:t>
-            </a:r>
-            <a:r>
-              <a:rPr lang="zh-TW" altLang="zh-TW" dirty="0"/>
-              <a:t>專案目標最後被達成的程度。</a:t>
+              <a:rPr lang="zh-TW" altLang="en-US" dirty="0"/>
+              <a:t>時區、節日、當地法律、風俗習慣</a:t>
             </a:r>
             <a:endParaRPr lang="en-US" altLang="zh-TW" dirty="0"/>
           </a:p>
           <a:p>
-            <a:pPr lvl="2"/>
-            <a:r>
-              <a:rPr lang="zh-TW" altLang="zh-TW" dirty="0"/>
-              <a:t>專案管理成功定義為專案為達成和實現專案目標之「效率（</a:t>
-            </a:r>
-            <a:r>
-              <a:rPr lang="en-US" altLang="zh-TW" dirty="0"/>
-              <a:t>efficiency</a:t>
-            </a:r>
-            <a:r>
-              <a:rPr lang="zh-TW" altLang="zh-TW" dirty="0"/>
-              <a:t>）」程度。</a:t>
-            </a:r>
-          </a:p>
-          <a:p>
-            <a:pPr lvl="2"/>
-            <a:r>
-              <a:rPr lang="zh-TW" altLang="zh-TW" dirty="0"/>
-              <a:t>專案成功和專案管理成功的關係可以下列式子簡單地表示</a:t>
-            </a:r>
-            <a:br>
-              <a:rPr lang="en-US" altLang="zh-TW" dirty="0"/>
-            </a:br>
-            <a:r>
-              <a:rPr lang="zh-TW" altLang="zh-TW" dirty="0"/>
-              <a:t>專案成功</a:t>
-            </a:r>
-            <a:r>
-              <a:rPr lang="en-US" altLang="zh-TW" dirty="0"/>
-              <a:t> = </a:t>
-            </a:r>
-            <a:r>
-              <a:rPr lang="zh-TW" altLang="zh-TW" dirty="0"/>
-              <a:t>專案管理成功（滿足時間、成本、和品質要求）</a:t>
-            </a:r>
-            <a:r>
-              <a:rPr lang="en-US" altLang="zh-TW" dirty="0"/>
-              <a:t>+ </a:t>
-            </a:r>
-            <a:r>
-              <a:rPr lang="zh-TW" altLang="zh-TW" dirty="0"/>
-              <a:t>實現預期利益</a:t>
-            </a:r>
-          </a:p>
-          <a:p>
-            <a:pPr lvl="2"/>
-            <a:endParaRPr lang="zh-TW" altLang="zh-TW" dirty="0"/>
+            <a:r>
+              <a:rPr lang="zh-TW" altLang="en-US" dirty="0"/>
+              <a:t>實體環境</a:t>
+            </a:r>
+            <a:endParaRPr lang="en-US" altLang="zh-TW" dirty="0"/>
           </a:p>
           <a:p>
             <a:pPr lvl="1"/>
-            <a:endParaRPr lang="zh-TW" altLang="zh-TW" dirty="0"/>
-          </a:p>
-          <a:p>
-            <a:endParaRPr lang="zh-TW" altLang="en-US" dirty="0"/>
+            <a:r>
+              <a:rPr lang="zh-TW" altLang="en-US" dirty="0"/>
+              <a:t>生態、地形、供電品質、交通便利</a:t>
+            </a:r>
           </a:p>
         </p:txBody>
       </p:sp>
@@ -19299,7 +20281,7 @@
           <p:cNvPr id="4" name="投影片編號版面配置區 3">
             <a:extLst>
               <a:ext uri="{FF2B5EF4-FFF2-40B4-BE49-F238E27FC236}">
-                <a16:creationId xmlns:a16="http://schemas.microsoft.com/office/drawing/2014/main" id="{19CFC7AF-892F-4D64-A753-479510081822}"/>
+                <a16:creationId xmlns:a16="http://schemas.microsoft.com/office/drawing/2014/main" id="{224FE062-810F-470E-97FB-D3F43FE9F3D2}"/>
               </a:ext>
             </a:extLst>
           </p:cNvPr>
@@ -19327,7 +20309,956 @@
     </p:spTree>
     <p:extLst>
       <p:ext uri="{BB962C8B-B14F-4D97-AF65-F5344CB8AC3E}">
-        <p14:creationId xmlns:p14="http://schemas.microsoft.com/office/powerpoint/2010/main" val="4040002911"/>
+        <p14:creationId xmlns:p14="http://schemas.microsoft.com/office/powerpoint/2010/main" val="3240814400"/>
+      </p:ext>
+    </p:extLst>
+  </p:cSld>
+  <p:clrMapOvr>
+    <a:masterClrMapping/>
+  </p:clrMapOvr>
+</p:sld>
+</file>
+
+<file path=ppt/slides/slide55.xml><?xml version="1.0" encoding="utf-8"?>
+<p:sld xmlns:a="http://schemas.openxmlformats.org/drawingml/2006/main" xmlns:r="http://schemas.openxmlformats.org/officeDocument/2006/relationships" xmlns:p="http://schemas.openxmlformats.org/presentationml/2006/main">
+  <p:cSld>
+    <p:spTree>
+      <p:nvGrpSpPr>
+        <p:cNvPr id="1" name=""/>
+        <p:cNvGrpSpPr/>
+        <p:nvPr/>
+      </p:nvGrpSpPr>
+      <p:grpSpPr>
+        <a:xfrm>
+          <a:off x="0" y="0"/>
+          <a:ext cx="0" cy="0"/>
+          <a:chOff x="0" y="0"/>
+          <a:chExt cx="0" cy="0"/>
+        </a:xfrm>
+      </p:grpSpPr>
+      <p:sp>
+        <p:nvSpPr>
+          <p:cNvPr id="2" name="標題 1">
+            <a:extLst>
+              <a:ext uri="{FF2B5EF4-FFF2-40B4-BE49-F238E27FC236}">
+                <a16:creationId xmlns:a16="http://schemas.microsoft.com/office/drawing/2014/main" id="{D325244E-F3D1-40A9-AC16-0D659EF4A452}"/>
+              </a:ext>
+            </a:extLst>
+          </p:cNvPr>
+          <p:cNvSpPr>
+            <a:spLocks noGrp="1"/>
+          </p:cNvSpPr>
+          <p:nvPr>
+            <p:ph type="title"/>
+          </p:nvPr>
+        </p:nvSpPr>
+        <p:spPr/>
+        <p:txBody>
+          <a:bodyPr/>
+          <a:lstStyle/>
+          <a:p>
+            <a:r>
+              <a:rPr lang="zh-TW" altLang="en-US" dirty="0"/>
+              <a:t>一般管理知識和技能</a:t>
+            </a:r>
+          </a:p>
+        </p:txBody>
+      </p:sp>
+      <p:sp>
+        <p:nvSpPr>
+          <p:cNvPr id="3" name="內容版面配置區 2">
+            <a:extLst>
+              <a:ext uri="{FF2B5EF4-FFF2-40B4-BE49-F238E27FC236}">
+                <a16:creationId xmlns:a16="http://schemas.microsoft.com/office/drawing/2014/main" id="{DB186EBA-78C0-4F34-9049-1ED8F79D92F7}"/>
+              </a:ext>
+            </a:extLst>
+          </p:cNvPr>
+          <p:cNvSpPr>
+            <a:spLocks noGrp="1"/>
+          </p:cNvSpPr>
+          <p:nvPr>
+            <p:ph sz="half" idx="1"/>
+          </p:nvPr>
+        </p:nvSpPr>
+        <p:spPr/>
+        <p:txBody>
+          <a:bodyPr/>
+          <a:lstStyle/>
+          <a:p>
+            <a:r>
+              <a:rPr lang="zh-TW" altLang="en-US" dirty="0"/>
+              <a:t>財務管理、會計</a:t>
+            </a:r>
+            <a:endParaRPr lang="en-US" altLang="zh-TW" dirty="0"/>
+          </a:p>
+          <a:p>
+            <a:r>
+              <a:rPr lang="zh-TW" altLang="en-US" dirty="0"/>
+              <a:t>採購</a:t>
+            </a:r>
+            <a:endParaRPr lang="en-US" altLang="zh-TW" dirty="0"/>
+          </a:p>
+          <a:p>
+            <a:r>
+              <a:rPr lang="zh-TW" altLang="en-US" dirty="0"/>
+              <a:t>行銷</a:t>
+            </a:r>
+            <a:endParaRPr lang="en-US" altLang="zh-TW" dirty="0"/>
+          </a:p>
+          <a:p>
+            <a:r>
+              <a:rPr lang="zh-TW" altLang="en-US" dirty="0"/>
+              <a:t>合約、商業法令</a:t>
+            </a:r>
+            <a:endParaRPr lang="en-US" altLang="zh-TW" dirty="0"/>
+          </a:p>
+          <a:p>
+            <a:r>
+              <a:rPr lang="zh-TW" altLang="en-US" dirty="0"/>
+              <a:t>生產製造、物流</a:t>
+            </a:r>
+            <a:endParaRPr lang="en-US" altLang="zh-TW" dirty="0"/>
+          </a:p>
+          <a:p>
+            <a:r>
+              <a:rPr lang="zh-TW" altLang="en-US" dirty="0"/>
+              <a:t>後勤、供應鏈</a:t>
+            </a:r>
+            <a:endParaRPr lang="en-US" altLang="zh-TW" dirty="0"/>
+          </a:p>
+          <a:p>
+            <a:r>
+              <a:rPr lang="zh-TW" altLang="en-US" dirty="0"/>
+              <a:t>策略規劃、戰術規劃、作業規劃</a:t>
+            </a:r>
+            <a:endParaRPr lang="en-US" altLang="zh-TW" dirty="0"/>
+          </a:p>
+        </p:txBody>
+      </p:sp>
+      <p:sp>
+        <p:nvSpPr>
+          <p:cNvPr id="6" name="內容版面配置區 5">
+            <a:extLst>
+              <a:ext uri="{FF2B5EF4-FFF2-40B4-BE49-F238E27FC236}">
+                <a16:creationId xmlns:a16="http://schemas.microsoft.com/office/drawing/2014/main" id="{E8950778-4773-4166-833E-688B1FF16BE2}"/>
+              </a:ext>
+            </a:extLst>
+          </p:cNvPr>
+          <p:cNvSpPr>
+            <a:spLocks noGrp="1"/>
+          </p:cNvSpPr>
+          <p:nvPr>
+            <p:ph sz="half" idx="2"/>
+          </p:nvPr>
+        </p:nvSpPr>
+        <p:spPr/>
+        <p:txBody>
+          <a:bodyPr/>
+          <a:lstStyle/>
+          <a:p>
+            <a:r>
+              <a:rPr lang="zh-TW" altLang="en-US" dirty="0"/>
+              <a:t>組織架構、組織行為、人事管理、薪資、津貼、生涯規劃</a:t>
+            </a:r>
+            <a:endParaRPr lang="en-US" altLang="zh-TW" dirty="0"/>
+          </a:p>
+          <a:p>
+            <a:r>
+              <a:rPr lang="zh-TW" altLang="en-US" dirty="0"/>
+              <a:t>健康、工安</a:t>
+            </a:r>
+            <a:endParaRPr lang="en-US" altLang="zh-TW" dirty="0"/>
+          </a:p>
+          <a:p>
+            <a:r>
+              <a:rPr lang="zh-TW" altLang="en-US" dirty="0"/>
+              <a:t>資訊科技</a:t>
+            </a:r>
+          </a:p>
+        </p:txBody>
+      </p:sp>
+      <p:sp>
+        <p:nvSpPr>
+          <p:cNvPr id="4" name="投影片編號版面配置區 3">
+            <a:extLst>
+              <a:ext uri="{FF2B5EF4-FFF2-40B4-BE49-F238E27FC236}">
+                <a16:creationId xmlns:a16="http://schemas.microsoft.com/office/drawing/2014/main" id="{1C76EE05-58DE-4543-973E-C23B7A1201B0}"/>
+              </a:ext>
+            </a:extLst>
+          </p:cNvPr>
+          <p:cNvSpPr>
+            <a:spLocks noGrp="1"/>
+          </p:cNvSpPr>
+          <p:nvPr>
+            <p:ph type="sldNum" sz="quarter" idx="12"/>
+          </p:nvPr>
+        </p:nvSpPr>
+        <p:spPr/>
+        <p:txBody>
+          <a:bodyPr/>
+          <a:lstStyle/>
+          <a:p>
+            <a:fld id="{06AFB70A-E524-49E4-8F5C-48BFBE4381EC}" type="slidenum">
+              <a:rPr lang="en-US" altLang="zh-TW" smtClean="0"/>
+              <a:pPr/>
+              <a:t>55</a:t>
+            </a:fld>
+            <a:endParaRPr lang="en-US" altLang="zh-TW"/>
+          </a:p>
+        </p:txBody>
+      </p:sp>
+    </p:spTree>
+    <p:extLst>
+      <p:ext uri="{BB962C8B-B14F-4D97-AF65-F5344CB8AC3E}">
+        <p14:creationId xmlns:p14="http://schemas.microsoft.com/office/powerpoint/2010/main" val="4099326777"/>
+      </p:ext>
+    </p:extLst>
+  </p:cSld>
+  <p:clrMapOvr>
+    <a:masterClrMapping/>
+  </p:clrMapOvr>
+</p:sld>
+</file>
+
+<file path=ppt/slides/slide56.xml><?xml version="1.0" encoding="utf-8"?>
+<p:sld xmlns:a="http://schemas.openxmlformats.org/drawingml/2006/main" xmlns:r="http://schemas.openxmlformats.org/officeDocument/2006/relationships" xmlns:p="http://schemas.openxmlformats.org/presentationml/2006/main">
+  <p:cSld>
+    <p:spTree>
+      <p:nvGrpSpPr>
+        <p:cNvPr id="1" name=""/>
+        <p:cNvGrpSpPr/>
+        <p:nvPr/>
+      </p:nvGrpSpPr>
+      <p:grpSpPr>
+        <a:xfrm>
+          <a:off x="0" y="0"/>
+          <a:ext cx="0" cy="0"/>
+          <a:chOff x="0" y="0"/>
+          <a:chExt cx="0" cy="0"/>
+        </a:xfrm>
+      </p:grpSpPr>
+      <p:sp>
+        <p:nvSpPr>
+          <p:cNvPr id="2" name="標題 1">
+            <a:extLst>
+              <a:ext uri="{FF2B5EF4-FFF2-40B4-BE49-F238E27FC236}">
+                <a16:creationId xmlns:a16="http://schemas.microsoft.com/office/drawing/2014/main" id="{020B0E32-1A35-4A83-8FD7-899A18196E0E}"/>
+              </a:ext>
+            </a:extLst>
+          </p:cNvPr>
+          <p:cNvSpPr>
+            <a:spLocks noGrp="1"/>
+          </p:cNvSpPr>
+          <p:nvPr>
+            <p:ph type="title"/>
+          </p:nvPr>
+        </p:nvSpPr>
+        <p:spPr/>
+        <p:txBody>
+          <a:bodyPr/>
+          <a:lstStyle/>
+          <a:p>
+            <a:r>
+              <a:rPr lang="zh-TW" altLang="en-US" dirty="0"/>
+              <a:t>人際關係技能</a:t>
+            </a:r>
+          </a:p>
+        </p:txBody>
+      </p:sp>
+      <p:sp>
+        <p:nvSpPr>
+          <p:cNvPr id="3" name="內容版面配置區 2">
+            <a:extLst>
+              <a:ext uri="{FF2B5EF4-FFF2-40B4-BE49-F238E27FC236}">
+                <a16:creationId xmlns:a16="http://schemas.microsoft.com/office/drawing/2014/main" id="{7C866DA0-292A-463B-8F1C-91770C395FEE}"/>
+              </a:ext>
+            </a:extLst>
+          </p:cNvPr>
+          <p:cNvSpPr>
+            <a:spLocks noGrp="1"/>
+          </p:cNvSpPr>
+          <p:nvPr>
+            <p:ph sz="half" idx="1"/>
+          </p:nvPr>
+        </p:nvSpPr>
+        <p:spPr/>
+        <p:txBody>
+          <a:bodyPr>
+            <a:normAutofit/>
+          </a:bodyPr>
+          <a:lstStyle/>
+          <a:p>
+            <a:r>
+              <a:rPr lang="zh-TW" altLang="en-US" dirty="0"/>
+              <a:t>有效溝通</a:t>
+            </a:r>
+            <a:endParaRPr lang="en-US" altLang="zh-TW" dirty="0"/>
+          </a:p>
+          <a:p>
+            <a:pPr lvl="1"/>
+            <a:r>
+              <a:rPr lang="zh-TW" altLang="en-US" dirty="0"/>
+              <a:t>資訊交換</a:t>
+            </a:r>
+            <a:endParaRPr lang="en-US" altLang="zh-TW" dirty="0"/>
+          </a:p>
+          <a:p>
+            <a:r>
+              <a:rPr lang="zh-TW" altLang="en-US" dirty="0"/>
+              <a:t>影響組織</a:t>
+            </a:r>
+            <a:endParaRPr lang="en-US" altLang="zh-TW" dirty="0"/>
+          </a:p>
+          <a:p>
+            <a:pPr lvl="1"/>
+            <a:r>
+              <a:rPr lang="zh-TW" altLang="en-US" dirty="0"/>
+              <a:t>完成工作 </a:t>
+            </a:r>
+            <a:r>
+              <a:rPr lang="en-US" altLang="zh-TW" dirty="0"/>
+              <a:t>Get Things Done</a:t>
+            </a:r>
+          </a:p>
+          <a:p>
+            <a:r>
+              <a:rPr lang="zh-TW" altLang="en-US" dirty="0"/>
+              <a:t>領導</a:t>
+            </a:r>
+            <a:endParaRPr lang="en-US" altLang="zh-TW" dirty="0"/>
+          </a:p>
+          <a:p>
+            <a:pPr lvl="1"/>
+            <a:r>
+              <a:rPr lang="zh-TW" altLang="en-US" dirty="0"/>
+              <a:t>發展願景與策略</a:t>
+            </a:r>
+            <a:endParaRPr lang="en-US" altLang="zh-TW" dirty="0"/>
+          </a:p>
+          <a:p>
+            <a:r>
+              <a:rPr lang="zh-TW" altLang="en-US" dirty="0"/>
+              <a:t>激勵士氣</a:t>
+            </a:r>
+            <a:endParaRPr lang="en-US" altLang="zh-TW" dirty="0"/>
+          </a:p>
+          <a:p>
+            <a:pPr lvl="1"/>
+            <a:r>
+              <a:rPr lang="zh-TW" altLang="en-US" dirty="0"/>
+              <a:t>提高績效、克服障礙</a:t>
+            </a:r>
+            <a:endParaRPr lang="en-US" altLang="zh-TW" dirty="0"/>
+          </a:p>
+          <a:p>
+            <a:endParaRPr lang="zh-TW" altLang="en-US" dirty="0"/>
+          </a:p>
+        </p:txBody>
+      </p:sp>
+      <p:sp>
+        <p:nvSpPr>
+          <p:cNvPr id="5" name="內容版面配置區 4">
+            <a:extLst>
+              <a:ext uri="{FF2B5EF4-FFF2-40B4-BE49-F238E27FC236}">
+                <a16:creationId xmlns:a16="http://schemas.microsoft.com/office/drawing/2014/main" id="{EEA795FB-D41D-4C2A-9299-E125E5293449}"/>
+              </a:ext>
+            </a:extLst>
+          </p:cNvPr>
+          <p:cNvSpPr>
+            <a:spLocks noGrp="1"/>
+          </p:cNvSpPr>
+          <p:nvPr>
+            <p:ph sz="half" idx="2"/>
+          </p:nvPr>
+        </p:nvSpPr>
+        <p:spPr/>
+        <p:txBody>
+          <a:bodyPr/>
+          <a:lstStyle/>
+          <a:p>
+            <a:r>
+              <a:rPr lang="zh-TW" altLang="en-US" dirty="0"/>
+              <a:t>協商與衝突管理</a:t>
+            </a:r>
+            <a:endParaRPr lang="en-US" altLang="zh-TW" dirty="0"/>
+          </a:p>
+          <a:p>
+            <a:pPr lvl="1"/>
+            <a:r>
+              <a:rPr lang="zh-TW" altLang="en-US" dirty="0"/>
+              <a:t>妥協、達成協議</a:t>
+            </a:r>
+            <a:endParaRPr lang="en-US" altLang="zh-TW" dirty="0"/>
+          </a:p>
+          <a:p>
+            <a:r>
+              <a:rPr lang="zh-TW" altLang="en-US" dirty="0"/>
+              <a:t>解決問題</a:t>
+            </a:r>
+            <a:endParaRPr lang="en-US" altLang="zh-TW" dirty="0"/>
+          </a:p>
+          <a:p>
+            <a:pPr lvl="1"/>
+            <a:r>
+              <a:rPr lang="zh-TW" altLang="en-US" dirty="0"/>
+              <a:t>定義問題、設計解決方案、替代方案辨識與分析、決策</a:t>
+            </a:r>
+          </a:p>
+        </p:txBody>
+      </p:sp>
+      <p:sp>
+        <p:nvSpPr>
+          <p:cNvPr id="4" name="投影片編號版面配置區 3">
+            <a:extLst>
+              <a:ext uri="{FF2B5EF4-FFF2-40B4-BE49-F238E27FC236}">
+                <a16:creationId xmlns:a16="http://schemas.microsoft.com/office/drawing/2014/main" id="{0F0F3DB7-1B88-464C-B6A9-A6A5A9D200AD}"/>
+              </a:ext>
+            </a:extLst>
+          </p:cNvPr>
+          <p:cNvSpPr>
+            <a:spLocks noGrp="1"/>
+          </p:cNvSpPr>
+          <p:nvPr>
+            <p:ph type="sldNum" sz="quarter" idx="12"/>
+          </p:nvPr>
+        </p:nvSpPr>
+        <p:spPr/>
+        <p:txBody>
+          <a:bodyPr/>
+          <a:lstStyle/>
+          <a:p>
+            <a:fld id="{06AFB70A-E524-49E4-8F5C-48BFBE4381EC}" type="slidenum">
+              <a:rPr lang="en-US" altLang="zh-TW" smtClean="0"/>
+              <a:pPr/>
+              <a:t>56</a:t>
+            </a:fld>
+            <a:endParaRPr lang="en-US" altLang="zh-TW"/>
+          </a:p>
+        </p:txBody>
+      </p:sp>
+    </p:spTree>
+    <p:extLst>
+      <p:ext uri="{BB962C8B-B14F-4D97-AF65-F5344CB8AC3E}">
+        <p14:creationId xmlns:p14="http://schemas.microsoft.com/office/powerpoint/2010/main" val="686582313"/>
+      </p:ext>
+    </p:extLst>
+  </p:cSld>
+  <p:clrMapOvr>
+    <a:masterClrMapping/>
+  </p:clrMapOvr>
+</p:sld>
+</file>
+
+<file path=ppt/slides/slide57.xml><?xml version="1.0" encoding="utf-8"?>
+<p:sld xmlns:a="http://schemas.openxmlformats.org/drawingml/2006/main" xmlns:r="http://schemas.openxmlformats.org/officeDocument/2006/relationships" xmlns:p="http://schemas.openxmlformats.org/presentationml/2006/main">
+  <p:cSld>
+    <p:spTree>
+      <p:nvGrpSpPr>
+        <p:cNvPr id="1" name=""/>
+        <p:cNvGrpSpPr/>
+        <p:nvPr/>
+      </p:nvGrpSpPr>
+      <p:grpSpPr>
+        <a:xfrm>
+          <a:off x="0" y="0"/>
+          <a:ext cx="0" cy="0"/>
+          <a:chOff x="0" y="0"/>
+          <a:chExt cx="0" cy="0"/>
+        </a:xfrm>
+      </p:grpSpPr>
+      <p:sp>
+        <p:nvSpPr>
+          <p:cNvPr id="2" name="標題 1">
+            <a:extLst>
+              <a:ext uri="{FF2B5EF4-FFF2-40B4-BE49-F238E27FC236}">
+                <a16:creationId xmlns:a16="http://schemas.microsoft.com/office/drawing/2014/main" id="{DC9A94CC-18EA-47F7-9519-7EB31B23179F}"/>
+              </a:ext>
+            </a:extLst>
+          </p:cNvPr>
+          <p:cNvSpPr>
+            <a:spLocks noGrp="1"/>
+          </p:cNvSpPr>
+          <p:nvPr>
+            <p:ph type="title"/>
+          </p:nvPr>
+        </p:nvSpPr>
+        <p:spPr/>
+        <p:txBody>
+          <a:bodyPr/>
+          <a:lstStyle/>
+          <a:p>
+            <a:r>
+              <a:rPr lang="en-US" altLang="zh-TW" dirty="0"/>
+              <a:t>Wrap Up</a:t>
+            </a:r>
+            <a:endParaRPr lang="zh-TW" altLang="en-US" dirty="0"/>
+          </a:p>
+        </p:txBody>
+      </p:sp>
+      <p:sp>
+        <p:nvSpPr>
+          <p:cNvPr id="4" name="內容版面配置區 3">
+            <a:extLst>
+              <a:ext uri="{FF2B5EF4-FFF2-40B4-BE49-F238E27FC236}">
+                <a16:creationId xmlns:a16="http://schemas.microsoft.com/office/drawing/2014/main" id="{F4455607-487B-4BAA-ADBC-DD732BD1ED7D}"/>
+              </a:ext>
+            </a:extLst>
+          </p:cNvPr>
+          <p:cNvSpPr>
+            <a:spLocks noGrp="1"/>
+          </p:cNvSpPr>
+          <p:nvPr>
+            <p:ph idx="1"/>
+          </p:nvPr>
+        </p:nvSpPr>
+        <p:spPr/>
+        <p:txBody>
+          <a:bodyPr/>
+          <a:lstStyle/>
+          <a:p>
+            <a:r>
+              <a:rPr lang="zh-TW" altLang="en-US" dirty="0"/>
+              <a:t>專案：為創造一個獨一無二的產品、服務或成果而從事的暫時性努力</a:t>
+            </a:r>
+            <a:endParaRPr lang="en-US" altLang="zh-TW" dirty="0"/>
+          </a:p>
+          <a:p>
+            <a:pPr lvl="1"/>
+            <a:r>
+              <a:rPr lang="zh-TW" altLang="en-US" dirty="0"/>
+              <a:t>專案三項特徵：暫時性、獨一無二、逐步完善</a:t>
+            </a:r>
+            <a:endParaRPr lang="en-US" altLang="zh-TW" dirty="0"/>
+          </a:p>
+          <a:p>
+            <a:r>
+              <a:rPr lang="zh-TW" altLang="en-US" dirty="0"/>
+              <a:t>專案管理：在有限的時間和成本下，運用有限的資源完成專案工作，達成專案目標</a:t>
+            </a:r>
+            <a:endParaRPr lang="en-US" altLang="zh-TW" dirty="0"/>
+          </a:p>
+          <a:p>
+            <a:pPr lvl="1"/>
+            <a:r>
+              <a:rPr lang="zh-TW" altLang="en-US" dirty="0"/>
+              <a:t>專案管理三項限制元素：時間、成本、範疇</a:t>
+            </a:r>
+            <a:endParaRPr lang="en-US" altLang="zh-TW" dirty="0"/>
+          </a:p>
+          <a:p>
+            <a:pPr lvl="1"/>
+            <a:r>
+              <a:rPr lang="zh-TW" altLang="en-US" dirty="0"/>
+              <a:t>影響專案成敗重要因素：帕金森定律、彼得原理、墨菲定律</a:t>
+            </a:r>
+            <a:endParaRPr lang="en-US" altLang="zh-TW" dirty="0"/>
+          </a:p>
+          <a:p>
+            <a:endParaRPr lang="zh-TW" altLang="en-US" dirty="0"/>
+          </a:p>
+        </p:txBody>
+      </p:sp>
+      <p:sp>
+        <p:nvSpPr>
+          <p:cNvPr id="3" name="投影片編號版面配置區 2">
+            <a:extLst>
+              <a:ext uri="{FF2B5EF4-FFF2-40B4-BE49-F238E27FC236}">
+                <a16:creationId xmlns:a16="http://schemas.microsoft.com/office/drawing/2014/main" id="{FC68D03B-1775-4682-8063-BF01335DD00C}"/>
+              </a:ext>
+            </a:extLst>
+          </p:cNvPr>
+          <p:cNvSpPr>
+            <a:spLocks noGrp="1"/>
+          </p:cNvSpPr>
+          <p:nvPr>
+            <p:ph type="sldNum" sz="quarter" idx="12"/>
+          </p:nvPr>
+        </p:nvSpPr>
+        <p:spPr/>
+        <p:txBody>
+          <a:bodyPr/>
+          <a:lstStyle/>
+          <a:p>
+            <a:fld id="{0BC55746-04A1-42DC-A0BC-1E09A8E18DBD}" type="slidenum">
+              <a:rPr lang="en-US" altLang="zh-TW" smtClean="0"/>
+              <a:pPr/>
+              <a:t>57</a:t>
+            </a:fld>
+            <a:endParaRPr lang="en-US" altLang="zh-TW"/>
+          </a:p>
+        </p:txBody>
+      </p:sp>
+    </p:spTree>
+    <p:extLst>
+      <p:ext uri="{BB962C8B-B14F-4D97-AF65-F5344CB8AC3E}">
+        <p14:creationId xmlns:p14="http://schemas.microsoft.com/office/powerpoint/2010/main" val="2076011402"/>
+      </p:ext>
+    </p:extLst>
+  </p:cSld>
+  <p:clrMapOvr>
+    <a:masterClrMapping/>
+  </p:clrMapOvr>
+</p:sld>
+</file>
+
+<file path=ppt/slides/slide58.xml><?xml version="1.0" encoding="utf-8"?>
+<p:sld xmlns:a="http://schemas.openxmlformats.org/drawingml/2006/main" xmlns:r="http://schemas.openxmlformats.org/officeDocument/2006/relationships" xmlns:p="http://schemas.openxmlformats.org/presentationml/2006/main">
+  <p:cSld>
+    <p:spTree>
+      <p:nvGrpSpPr>
+        <p:cNvPr id="1" name=""/>
+        <p:cNvGrpSpPr/>
+        <p:nvPr/>
+      </p:nvGrpSpPr>
+      <p:grpSpPr>
+        <a:xfrm>
+          <a:off x="0" y="0"/>
+          <a:ext cx="0" cy="0"/>
+          <a:chOff x="0" y="0"/>
+          <a:chExt cx="0" cy="0"/>
+        </a:xfrm>
+      </p:grpSpPr>
+      <p:sp>
+        <p:nvSpPr>
+          <p:cNvPr id="2" name="標題 1">
+            <a:extLst>
+              <a:ext uri="{FF2B5EF4-FFF2-40B4-BE49-F238E27FC236}">
+                <a16:creationId xmlns:a16="http://schemas.microsoft.com/office/drawing/2014/main" id="{DC9A94CC-18EA-47F7-9519-7EB31B23179F}"/>
+              </a:ext>
+            </a:extLst>
+          </p:cNvPr>
+          <p:cNvSpPr>
+            <a:spLocks noGrp="1"/>
+          </p:cNvSpPr>
+          <p:nvPr>
+            <p:ph type="title"/>
+          </p:nvPr>
+        </p:nvSpPr>
+        <p:spPr/>
+        <p:txBody>
+          <a:bodyPr/>
+          <a:lstStyle/>
+          <a:p>
+            <a:r>
+              <a:rPr lang="en-US" altLang="zh-TW" dirty="0"/>
+              <a:t>Wrap Up</a:t>
+            </a:r>
+            <a:r>
+              <a:rPr lang="zh-TW" altLang="en-US" dirty="0"/>
+              <a:t>（續）</a:t>
+            </a:r>
+          </a:p>
+        </p:txBody>
+      </p:sp>
+      <p:sp>
+        <p:nvSpPr>
+          <p:cNvPr id="4" name="內容版面配置區 3">
+            <a:extLst>
+              <a:ext uri="{FF2B5EF4-FFF2-40B4-BE49-F238E27FC236}">
+                <a16:creationId xmlns:a16="http://schemas.microsoft.com/office/drawing/2014/main" id="{F4455607-487B-4BAA-ADBC-DD732BD1ED7D}"/>
+              </a:ext>
+            </a:extLst>
+          </p:cNvPr>
+          <p:cNvSpPr>
+            <a:spLocks noGrp="1"/>
+          </p:cNvSpPr>
+          <p:nvPr>
+            <p:ph idx="1"/>
+          </p:nvPr>
+        </p:nvSpPr>
+        <p:spPr/>
+        <p:txBody>
+          <a:bodyPr/>
+          <a:lstStyle/>
+          <a:p>
+            <a:r>
+              <a:rPr lang="zh-TW" altLang="en-US" dirty="0"/>
+              <a:t>依照專案的目標與解決方案區分四類：傳統專案、敏捷專案、極限專案、反極限專案</a:t>
+            </a:r>
+            <a:endParaRPr lang="en-US" altLang="zh-TW" dirty="0"/>
+          </a:p>
+          <a:p>
+            <a:r>
+              <a:rPr lang="zh-TW" altLang="en-US" dirty="0"/>
+              <a:t>專案生命週期：概念構思、規劃、執行、結束</a:t>
+            </a:r>
+            <a:endParaRPr lang="en-US" altLang="zh-TW" dirty="0"/>
+          </a:p>
+          <a:p>
+            <a:r>
+              <a:rPr lang="zh-TW" altLang="en-US" dirty="0"/>
+              <a:t>專案成熟度模式</a:t>
+            </a:r>
+            <a:endParaRPr lang="en-US" altLang="zh-TW" dirty="0"/>
+          </a:p>
+          <a:p>
+            <a:r>
+              <a:rPr lang="zh-TW" altLang="en-US" dirty="0"/>
+              <a:t>專案管理知識體系 </a:t>
+            </a:r>
+            <a:r>
+              <a:rPr lang="en-US" altLang="zh-TW" dirty="0"/>
+              <a:t>PMBOK</a:t>
+            </a:r>
+            <a:endParaRPr lang="zh-TW" altLang="en-US" dirty="0"/>
+          </a:p>
+        </p:txBody>
+      </p:sp>
+      <p:sp>
+        <p:nvSpPr>
+          <p:cNvPr id="3" name="投影片編號版面配置區 2">
+            <a:extLst>
+              <a:ext uri="{FF2B5EF4-FFF2-40B4-BE49-F238E27FC236}">
+                <a16:creationId xmlns:a16="http://schemas.microsoft.com/office/drawing/2014/main" id="{FC68D03B-1775-4682-8063-BF01335DD00C}"/>
+              </a:ext>
+            </a:extLst>
+          </p:cNvPr>
+          <p:cNvSpPr>
+            <a:spLocks noGrp="1"/>
+          </p:cNvSpPr>
+          <p:nvPr>
+            <p:ph type="sldNum" sz="quarter" idx="12"/>
+          </p:nvPr>
+        </p:nvSpPr>
+        <p:spPr/>
+        <p:txBody>
+          <a:bodyPr/>
+          <a:lstStyle/>
+          <a:p>
+            <a:fld id="{0BC55746-04A1-42DC-A0BC-1E09A8E18DBD}" type="slidenum">
+              <a:rPr lang="en-US" altLang="zh-TW" smtClean="0"/>
+              <a:pPr/>
+              <a:t>58</a:t>
+            </a:fld>
+            <a:endParaRPr lang="en-US" altLang="zh-TW"/>
+          </a:p>
+        </p:txBody>
+      </p:sp>
+    </p:spTree>
+    <p:extLst>
+      <p:ext uri="{BB962C8B-B14F-4D97-AF65-F5344CB8AC3E}">
+        <p14:creationId xmlns:p14="http://schemas.microsoft.com/office/powerpoint/2010/main" val="177274697"/>
+      </p:ext>
+    </p:extLst>
+  </p:cSld>
+  <p:clrMapOvr>
+    <a:masterClrMapping/>
+  </p:clrMapOvr>
+</p:sld>
+</file>
+
+<file path=ppt/slides/slide59.xml><?xml version="1.0" encoding="utf-8"?>
+<p:sld xmlns:a="http://schemas.openxmlformats.org/drawingml/2006/main" xmlns:r="http://schemas.openxmlformats.org/officeDocument/2006/relationships" xmlns:p="http://schemas.openxmlformats.org/presentationml/2006/main">
+  <p:cSld>
+    <p:spTree>
+      <p:nvGrpSpPr>
+        <p:cNvPr id="1" name=""/>
+        <p:cNvGrpSpPr/>
+        <p:nvPr/>
+      </p:nvGrpSpPr>
+      <p:grpSpPr>
+        <a:xfrm>
+          <a:off x="0" y="0"/>
+          <a:ext cx="0" cy="0"/>
+          <a:chOff x="0" y="0"/>
+          <a:chExt cx="0" cy="0"/>
+        </a:xfrm>
+      </p:grpSpPr>
+      <p:sp>
+        <p:nvSpPr>
+          <p:cNvPr id="2" name="標題 1">
+            <a:extLst>
+              <a:ext uri="{FF2B5EF4-FFF2-40B4-BE49-F238E27FC236}">
+                <a16:creationId xmlns:a16="http://schemas.microsoft.com/office/drawing/2014/main" id="{A3902E19-FA30-4281-841B-1FA995320EB7}"/>
+              </a:ext>
+            </a:extLst>
+          </p:cNvPr>
+          <p:cNvSpPr>
+            <a:spLocks noGrp="1"/>
+          </p:cNvSpPr>
+          <p:nvPr>
+            <p:ph type="title"/>
+          </p:nvPr>
+        </p:nvSpPr>
+        <p:spPr/>
+        <p:txBody>
+          <a:bodyPr/>
+          <a:lstStyle/>
+          <a:p>
+            <a:r>
+              <a:rPr lang="zh-TW" altLang="en-US" dirty="0"/>
+              <a:t>專案管理在台灣</a:t>
+            </a:r>
+          </a:p>
+        </p:txBody>
+      </p:sp>
+      <p:sp>
+        <p:nvSpPr>
+          <p:cNvPr id="3" name="內容版面配置區 2">
+            <a:extLst>
+              <a:ext uri="{FF2B5EF4-FFF2-40B4-BE49-F238E27FC236}">
+                <a16:creationId xmlns:a16="http://schemas.microsoft.com/office/drawing/2014/main" id="{68A07931-1BF5-4A0A-9739-6B920F10E87D}"/>
+              </a:ext>
+            </a:extLst>
+          </p:cNvPr>
+          <p:cNvSpPr>
+            <a:spLocks noGrp="1"/>
+          </p:cNvSpPr>
+          <p:nvPr>
+            <p:ph idx="1"/>
+          </p:nvPr>
+        </p:nvSpPr>
+        <p:spPr/>
+        <p:txBody>
+          <a:bodyPr>
+            <a:normAutofit fontScale="92500" lnSpcReduction="20000"/>
+          </a:bodyPr>
+          <a:lstStyle/>
+          <a:p>
+            <a:r>
+              <a:rPr lang="zh-TW" altLang="en-US" dirty="0"/>
+              <a:t>政府推動</a:t>
+            </a:r>
+            <a:endParaRPr lang="en-US" altLang="zh-TW" dirty="0"/>
+          </a:p>
+          <a:p>
+            <a:pPr lvl="1"/>
+            <a:r>
+              <a:rPr lang="zh-TW" altLang="en-US" dirty="0"/>
+              <a:t>中科院，民國</a:t>
+            </a:r>
+            <a:r>
+              <a:rPr lang="en-US" altLang="zh-TW" dirty="0"/>
+              <a:t>71</a:t>
+            </a:r>
+            <a:r>
+              <a:rPr lang="zh-TW" altLang="en-US" dirty="0"/>
+              <a:t>年</a:t>
+            </a:r>
+            <a:endParaRPr lang="en-US" altLang="zh-TW" dirty="0"/>
+          </a:p>
+          <a:p>
+            <a:pPr lvl="1"/>
+            <a:r>
+              <a:rPr lang="zh-TW" altLang="en-US"/>
+              <a:t>資策會</a:t>
+            </a:r>
+            <a:endParaRPr lang="en-US" altLang="zh-TW"/>
+          </a:p>
+          <a:p>
+            <a:r>
+              <a:rPr lang="zh-TW" altLang="en-US" dirty="0"/>
+              <a:t>法人團體</a:t>
+            </a:r>
+            <a:endParaRPr lang="en-US" altLang="zh-TW" dirty="0"/>
+          </a:p>
+          <a:p>
+            <a:pPr lvl="1"/>
+            <a:r>
+              <a:rPr lang="zh-TW" altLang="en-US" dirty="0"/>
+              <a:t>社團法人國際專案管理學會台灣分會 </a:t>
+            </a:r>
+            <a:r>
+              <a:rPr lang="en-US" altLang="zh-TW" dirty="0"/>
+              <a:t>PMI-TW</a:t>
+            </a:r>
+          </a:p>
+          <a:p>
+            <a:pPr lvl="2"/>
+            <a:r>
+              <a:rPr lang="en-US" altLang="zh-TW" dirty="0"/>
+              <a:t>Project Management Institute Taiwan Chapter</a:t>
+            </a:r>
+          </a:p>
+          <a:p>
+            <a:pPr lvl="1"/>
+            <a:r>
+              <a:rPr lang="zh-TW" altLang="en-US" dirty="0"/>
+              <a:t>台灣專案管理學會 </a:t>
+            </a:r>
+            <a:r>
+              <a:rPr lang="en-US" altLang="zh-TW" dirty="0"/>
+              <a:t>TPMA</a:t>
+            </a:r>
+          </a:p>
+          <a:p>
+            <a:pPr lvl="2"/>
+            <a:r>
+              <a:rPr lang="zh-TW" altLang="en-US" dirty="0"/>
+              <a:t>國際專案管理學會 </a:t>
+            </a:r>
+            <a:r>
+              <a:rPr lang="en-US" altLang="zh-TW" dirty="0"/>
+              <a:t>IPMA </a:t>
+            </a:r>
+            <a:r>
+              <a:rPr lang="zh-TW" altLang="en-US" dirty="0"/>
+              <a:t>授權</a:t>
+            </a:r>
+            <a:endParaRPr lang="en-US" altLang="zh-TW" dirty="0"/>
+          </a:p>
+          <a:p>
+            <a:pPr lvl="3"/>
+            <a:r>
+              <a:rPr lang="en-US" altLang="zh-TW" dirty="0"/>
+              <a:t>International Project Management Association</a:t>
+            </a:r>
+          </a:p>
+          <a:p>
+            <a:pPr lvl="1"/>
+            <a:r>
+              <a:rPr lang="zh-TW" altLang="en-US" dirty="0"/>
+              <a:t>中華專案管理學會 </a:t>
+            </a:r>
+            <a:r>
+              <a:rPr lang="en-US" altLang="zh-TW" dirty="0"/>
+              <a:t>NPMA</a:t>
+            </a:r>
+          </a:p>
+          <a:p>
+            <a:pPr lvl="2"/>
+            <a:r>
+              <a:rPr lang="en-US" altLang="zh-TW" dirty="0"/>
+              <a:t>National Project Management Association</a:t>
+            </a:r>
+            <a:endParaRPr lang="zh-TW" altLang="en-US" dirty="0"/>
+          </a:p>
+        </p:txBody>
+      </p:sp>
+      <p:sp>
+        <p:nvSpPr>
+          <p:cNvPr id="4" name="投影片編號版面配置區 3">
+            <a:extLst>
+              <a:ext uri="{FF2B5EF4-FFF2-40B4-BE49-F238E27FC236}">
+                <a16:creationId xmlns:a16="http://schemas.microsoft.com/office/drawing/2014/main" id="{063E97C4-2ABA-4330-9822-647A20080554}"/>
+              </a:ext>
+            </a:extLst>
+          </p:cNvPr>
+          <p:cNvSpPr>
+            <a:spLocks noGrp="1"/>
+          </p:cNvSpPr>
+          <p:nvPr>
+            <p:ph type="sldNum" sz="quarter" idx="12"/>
+          </p:nvPr>
+        </p:nvSpPr>
+        <p:spPr/>
+        <p:txBody>
+          <a:bodyPr/>
+          <a:lstStyle/>
+          <a:p>
+            <a:fld id="{06AFB70A-E524-49E4-8F5C-48BFBE4381EC}" type="slidenum">
+              <a:rPr lang="en-US" altLang="zh-TW" smtClean="0"/>
+              <a:pPr/>
+              <a:t>59</a:t>
+            </a:fld>
+            <a:endParaRPr lang="en-US" altLang="zh-TW"/>
+          </a:p>
+        </p:txBody>
+      </p:sp>
+    </p:spTree>
+    <p:extLst>
+      <p:ext uri="{BB962C8B-B14F-4D97-AF65-F5344CB8AC3E}">
+        <p14:creationId xmlns:p14="http://schemas.microsoft.com/office/powerpoint/2010/main" val="4197588948"/>
       </p:ext>
     </p:extLst>
   </p:cSld>
@@ -19451,6 +21382,710 @@
     <p:extLst>
       <p:ext uri="{BB962C8B-B14F-4D97-AF65-F5344CB8AC3E}">
         <p14:creationId xmlns:p14="http://schemas.microsoft.com/office/powerpoint/2010/main" val="1450267606"/>
+      </p:ext>
+    </p:extLst>
+  </p:cSld>
+  <p:clrMapOvr>
+    <a:masterClrMapping/>
+  </p:clrMapOvr>
+</p:sld>
+</file>
+
+<file path=ppt/slides/slide60.xml><?xml version="1.0" encoding="utf-8"?>
+<p:sld xmlns:a="http://schemas.openxmlformats.org/drawingml/2006/main" xmlns:r="http://schemas.openxmlformats.org/officeDocument/2006/relationships" xmlns:p="http://schemas.openxmlformats.org/presentationml/2006/main">
+  <p:cSld>
+    <p:spTree>
+      <p:nvGrpSpPr>
+        <p:cNvPr id="1" name=""/>
+        <p:cNvGrpSpPr/>
+        <p:nvPr/>
+      </p:nvGrpSpPr>
+      <p:grpSpPr>
+        <a:xfrm>
+          <a:off x="0" y="0"/>
+          <a:ext cx="0" cy="0"/>
+          <a:chOff x="0" y="0"/>
+          <a:chExt cx="0" cy="0"/>
+        </a:xfrm>
+      </p:grpSpPr>
+      <p:sp>
+        <p:nvSpPr>
+          <p:cNvPr id="5" name="標題 4">
+            <a:extLst>
+              <a:ext uri="{FF2B5EF4-FFF2-40B4-BE49-F238E27FC236}">
+                <a16:creationId xmlns:a16="http://schemas.microsoft.com/office/drawing/2014/main" id="{9B9DE0B1-2ED3-4591-97C2-6DC76F0B35F6}"/>
+              </a:ext>
+            </a:extLst>
+          </p:cNvPr>
+          <p:cNvSpPr>
+            <a:spLocks noGrp="1"/>
+          </p:cNvSpPr>
+          <p:nvPr>
+            <p:ph type="title"/>
+          </p:nvPr>
+        </p:nvSpPr>
+        <p:spPr/>
+        <p:txBody>
+          <a:bodyPr/>
+          <a:lstStyle/>
+          <a:p>
+            <a:r>
+              <a:rPr lang="en-US" altLang="zh-TW" dirty="0"/>
+              <a:t>The Enablers of Project Management Practice in Technological Industry</a:t>
+            </a:r>
+            <a:endParaRPr lang="zh-TW" altLang="en-US" dirty="0"/>
+          </a:p>
+        </p:txBody>
+      </p:sp>
+      <p:sp>
+        <p:nvSpPr>
+          <p:cNvPr id="6" name="內容版面配置區 5">
+            <a:extLst>
+              <a:ext uri="{FF2B5EF4-FFF2-40B4-BE49-F238E27FC236}">
+                <a16:creationId xmlns:a16="http://schemas.microsoft.com/office/drawing/2014/main" id="{20F42A7D-9A35-44DE-8FC9-23CAA13A1B3B}"/>
+              </a:ext>
+            </a:extLst>
+          </p:cNvPr>
+          <p:cNvSpPr>
+            <a:spLocks noGrp="1"/>
+          </p:cNvSpPr>
+          <p:nvPr>
+            <p:ph idx="1"/>
+          </p:nvPr>
+        </p:nvSpPr>
+        <p:spPr/>
+        <p:txBody>
+          <a:bodyPr/>
+          <a:lstStyle/>
+          <a:p>
+            <a:r>
+              <a:rPr lang="en-US" altLang="zh-TW" dirty="0"/>
+              <a:t>S. </a:t>
+            </a:r>
+            <a:r>
+              <a:rPr lang="en-US" altLang="zh-TW" dirty="0" err="1"/>
+              <a:t>Iamratanakul</a:t>
+            </a:r>
+            <a:r>
+              <a:rPr lang="en-US" altLang="zh-TW" dirty="0"/>
+              <a:t>, R. Shankar, Y. </a:t>
+            </a:r>
+            <a:r>
+              <a:rPr lang="en-US" altLang="zh-TW" dirty="0" err="1"/>
+              <a:t>Badir</a:t>
+            </a:r>
+            <a:r>
+              <a:rPr lang="en-US" altLang="zh-TW" dirty="0"/>
+              <a:t> and N. J. Dimmitt, "The enablers of project management practice in technological industry," PICMET 2010 TECHNOLOGY MANAGEMENT FOR GLOBAL ECONOMIC GROWTH, Phuket, 2010, pp. 1-7.</a:t>
+            </a:r>
+          </a:p>
+          <a:p>
+            <a:r>
+              <a:rPr lang="zh-TW" altLang="en-US" dirty="0"/>
+              <a:t>專案管理的實踐非常重要，然而更加重要的是推動這一切的 </a:t>
+            </a:r>
+            <a:r>
+              <a:rPr lang="en-US" altLang="zh-TW" dirty="0"/>
+              <a:t>Enabler</a:t>
+            </a:r>
+            <a:r>
+              <a:rPr lang="zh-TW" altLang="en-US" dirty="0"/>
+              <a:t>，本文運用 </a:t>
+            </a:r>
+            <a:r>
+              <a:rPr lang="en-US" altLang="zh-TW" dirty="0"/>
+              <a:t>ISM </a:t>
+            </a:r>
+            <a:r>
+              <a:rPr lang="zh-TW" altLang="en-US" dirty="0"/>
+              <a:t>探討科技業各個領域的 </a:t>
+            </a:r>
+            <a:r>
+              <a:rPr lang="en-US" altLang="zh-TW" dirty="0"/>
+              <a:t>Enabler </a:t>
+            </a:r>
+            <a:r>
+              <a:rPr lang="zh-TW" altLang="en-US" dirty="0"/>
+              <a:t>和各 </a:t>
+            </a:r>
+            <a:r>
+              <a:rPr lang="en-US" altLang="zh-TW" dirty="0"/>
+              <a:t>Enablers </a:t>
+            </a:r>
+            <a:r>
+              <a:rPr lang="zh-TW" altLang="en-US" dirty="0"/>
+              <a:t>之間的交互關係。</a:t>
+            </a:r>
+            <a:endParaRPr lang="en-US" altLang="zh-TW" dirty="0"/>
+          </a:p>
+          <a:p>
+            <a:pPr lvl="1"/>
+            <a:r>
+              <a:rPr lang="zh-TW" altLang="en-US" dirty="0"/>
+              <a:t>以泰國電子業為例</a:t>
+            </a:r>
+            <a:endParaRPr lang="en-US" altLang="zh-TW" dirty="0"/>
+          </a:p>
+          <a:p>
+            <a:r>
+              <a:rPr lang="zh-TW" altLang="en-US" dirty="0"/>
+              <a:t>結論： </a:t>
+            </a:r>
+            <a:r>
+              <a:rPr lang="en-US" altLang="zh-TW" dirty="0"/>
+              <a:t>Relationship with clients </a:t>
+            </a:r>
+            <a:r>
+              <a:rPr lang="zh-TW" altLang="en-US" dirty="0"/>
+              <a:t>是最重要的 </a:t>
+            </a:r>
+            <a:r>
+              <a:rPr lang="en-US" altLang="zh-TW" dirty="0"/>
+              <a:t>Enabler</a:t>
+            </a:r>
+          </a:p>
+        </p:txBody>
+      </p:sp>
+      <p:sp>
+        <p:nvSpPr>
+          <p:cNvPr id="4" name="投影片編號版面配置區 3">
+            <a:extLst>
+              <a:ext uri="{FF2B5EF4-FFF2-40B4-BE49-F238E27FC236}">
+                <a16:creationId xmlns:a16="http://schemas.microsoft.com/office/drawing/2014/main" id="{7A0FE65D-D88E-42B9-B29B-5083E650D0FF}"/>
+              </a:ext>
+            </a:extLst>
+          </p:cNvPr>
+          <p:cNvSpPr>
+            <a:spLocks noGrp="1"/>
+          </p:cNvSpPr>
+          <p:nvPr>
+            <p:ph type="sldNum" sz="quarter" idx="12"/>
+          </p:nvPr>
+        </p:nvSpPr>
+        <p:spPr/>
+        <p:txBody>
+          <a:bodyPr/>
+          <a:lstStyle/>
+          <a:p>
+            <a:fld id="{378D85B2-BC9C-4FD8-BD17-ECCE531B176B}" type="slidenum">
+              <a:rPr lang="en-US" altLang="zh-TW" smtClean="0"/>
+              <a:pPr/>
+              <a:t>60</a:t>
+            </a:fld>
+            <a:endParaRPr lang="en-US" altLang="zh-TW"/>
+          </a:p>
+        </p:txBody>
+      </p:sp>
+    </p:spTree>
+    <p:extLst>
+      <p:ext uri="{BB962C8B-B14F-4D97-AF65-F5344CB8AC3E}">
+        <p14:creationId xmlns:p14="http://schemas.microsoft.com/office/powerpoint/2010/main" val="2797967381"/>
+      </p:ext>
+    </p:extLst>
+  </p:cSld>
+  <p:clrMapOvr>
+    <a:masterClrMapping/>
+  </p:clrMapOvr>
+</p:sld>
+</file>
+
+<file path=ppt/slides/slide61.xml><?xml version="1.0" encoding="utf-8"?>
+<p:sld xmlns:a="http://schemas.openxmlformats.org/drawingml/2006/main" xmlns:r="http://schemas.openxmlformats.org/officeDocument/2006/relationships" xmlns:p="http://schemas.openxmlformats.org/presentationml/2006/main">
+  <p:cSld>
+    <p:spTree>
+      <p:nvGrpSpPr>
+        <p:cNvPr id="1" name=""/>
+        <p:cNvGrpSpPr/>
+        <p:nvPr/>
+      </p:nvGrpSpPr>
+      <p:grpSpPr>
+        <a:xfrm>
+          <a:off x="0" y="0"/>
+          <a:ext cx="0" cy="0"/>
+          <a:chOff x="0" y="0"/>
+          <a:chExt cx="0" cy="0"/>
+        </a:xfrm>
+      </p:grpSpPr>
+      <p:sp>
+        <p:nvSpPr>
+          <p:cNvPr id="2" name="標題 1">
+            <a:extLst>
+              <a:ext uri="{FF2B5EF4-FFF2-40B4-BE49-F238E27FC236}">
+                <a16:creationId xmlns:a16="http://schemas.microsoft.com/office/drawing/2014/main" id="{7DE115EA-3D38-42D4-A45A-8A7FD932FA49}"/>
+              </a:ext>
+            </a:extLst>
+          </p:cNvPr>
+          <p:cNvSpPr>
+            <a:spLocks noGrp="1"/>
+          </p:cNvSpPr>
+          <p:nvPr>
+            <p:ph type="title"/>
+          </p:nvPr>
+        </p:nvSpPr>
+        <p:spPr/>
+        <p:txBody>
+          <a:bodyPr/>
+          <a:lstStyle/>
+          <a:p>
+            <a:r>
+              <a:rPr lang="en-US" altLang="zh-TW" dirty="0"/>
+              <a:t>The Project Management Practice of the Development of the Application Software</a:t>
+            </a:r>
+            <a:endParaRPr lang="zh-TW" altLang="en-US" dirty="0"/>
+          </a:p>
+        </p:txBody>
+      </p:sp>
+      <p:sp>
+        <p:nvSpPr>
+          <p:cNvPr id="3" name="內容版面配置區 2">
+            <a:extLst>
+              <a:ext uri="{FF2B5EF4-FFF2-40B4-BE49-F238E27FC236}">
+                <a16:creationId xmlns:a16="http://schemas.microsoft.com/office/drawing/2014/main" id="{18DB6B9A-B337-4492-9096-B534206EA140}"/>
+              </a:ext>
+            </a:extLst>
+          </p:cNvPr>
+          <p:cNvSpPr>
+            <a:spLocks noGrp="1"/>
+          </p:cNvSpPr>
+          <p:nvPr>
+            <p:ph idx="1"/>
+          </p:nvPr>
+        </p:nvSpPr>
+        <p:spPr/>
+        <p:txBody>
+          <a:bodyPr/>
+          <a:lstStyle/>
+          <a:p>
+            <a:r>
+              <a:rPr lang="en-US" altLang="zh-TW" dirty="0" err="1"/>
+              <a:t>XianYu</a:t>
+            </a:r>
+            <a:r>
+              <a:rPr lang="en-US" altLang="zh-TW" dirty="0"/>
+              <a:t> Li, Hua Wang, Gang Xiang, Hui He and Hui Wang, "The project management practice of the development of the application software," 2011 2nd International Conference on Artificial Intelligence, Management Science and Electronic Commerce (AIMSEC), Zhengzhou, China, 2011, pp. 1729-1732, </a:t>
+            </a:r>
+            <a:r>
+              <a:rPr lang="en-US" altLang="zh-TW" dirty="0" err="1"/>
+              <a:t>doi</a:t>
+            </a:r>
+            <a:r>
+              <a:rPr lang="en-US" altLang="zh-TW" dirty="0"/>
+              <a:t>: 10.1109/AIMSEC.2011.6010810.</a:t>
+            </a:r>
+          </a:p>
+          <a:p>
+            <a:r>
+              <a:rPr lang="zh-TW" altLang="en-US" dirty="0"/>
+              <a:t>標題非常吸引人的大爛片</a:t>
+            </a:r>
+            <a:endParaRPr lang="en-US" altLang="zh-TW" dirty="0"/>
+          </a:p>
+          <a:p>
+            <a:r>
+              <a:rPr lang="zh-TW" altLang="en-US" dirty="0"/>
+              <a:t>濫竽充數文的典範</a:t>
+            </a:r>
+            <a:endParaRPr lang="en-US" altLang="zh-TW" dirty="0"/>
+          </a:p>
+          <a:p>
+            <a:r>
+              <a:rPr lang="zh-TW" altLang="en-US" dirty="0"/>
+              <a:t>先寫中文再翻譯成英文的下場：</a:t>
+            </a:r>
+            <a:endParaRPr lang="en-US" altLang="zh-TW" dirty="0"/>
+          </a:p>
+          <a:p>
+            <a:pPr lvl="1"/>
+            <a:r>
+              <a:rPr lang="zh-TW" altLang="en-US" dirty="0"/>
+              <a:t>「外包管理」被翻譯成 </a:t>
+            </a:r>
+            <a:r>
+              <a:rPr lang="en-US" altLang="zh-TW" dirty="0">
+                <a:hlinkClick r:id="rId2"/>
+              </a:rPr>
+              <a:t>epiboly</a:t>
+            </a:r>
+            <a:r>
+              <a:rPr lang="en-US" altLang="zh-TW" dirty="0"/>
+              <a:t> management</a:t>
+            </a:r>
+          </a:p>
+          <a:p>
+            <a:pPr lvl="1"/>
+            <a:r>
+              <a:rPr lang="zh-TW" altLang="en-US" dirty="0"/>
+              <a:t>將一部分的專案工作外包給其他公司實作稱為 </a:t>
+            </a:r>
+            <a:r>
+              <a:rPr lang="en-US" altLang="zh-TW" dirty="0"/>
+              <a:t>Outsourcing</a:t>
+            </a:r>
+          </a:p>
+          <a:p>
+            <a:pPr lvl="1"/>
+            <a:r>
+              <a:rPr lang="en-US" altLang="zh-TW" dirty="0"/>
+              <a:t>PMI </a:t>
+            </a:r>
+            <a:r>
+              <a:rPr lang="zh-TW" altLang="en-US" dirty="0"/>
+              <a:t>稱為採購管理 </a:t>
+            </a:r>
+            <a:r>
+              <a:rPr lang="en-US" altLang="zh-TW" dirty="0"/>
+              <a:t>Procurement Management</a:t>
+            </a:r>
+          </a:p>
+          <a:p>
+            <a:pPr lvl="1"/>
+            <a:r>
+              <a:rPr lang="en-US" altLang="zh-TW" dirty="0"/>
+              <a:t>SEI </a:t>
+            </a:r>
+            <a:r>
+              <a:rPr lang="zh-TW" altLang="en-US" dirty="0"/>
+              <a:t>針對外包工作的管理，特別推出 </a:t>
+            </a:r>
+            <a:r>
+              <a:rPr lang="en-US" altLang="zh-TW" dirty="0"/>
+              <a:t>CMMI for Acquisition (CMMI-ACQ) </a:t>
+            </a:r>
+          </a:p>
+          <a:p>
+            <a:r>
+              <a:rPr lang="zh-TW" altLang="en-US" dirty="0"/>
+              <a:t>結論：辦研討會具備主場優勢時，論文寫得漂亮就好，內容不重要！</a:t>
+            </a:r>
+          </a:p>
+        </p:txBody>
+      </p:sp>
+      <p:sp>
+        <p:nvSpPr>
+          <p:cNvPr id="4" name="投影片編號版面配置區 3">
+            <a:extLst>
+              <a:ext uri="{FF2B5EF4-FFF2-40B4-BE49-F238E27FC236}">
+                <a16:creationId xmlns:a16="http://schemas.microsoft.com/office/drawing/2014/main" id="{CAA49D21-F9D3-4048-B763-1A34952EFDF9}"/>
+              </a:ext>
+            </a:extLst>
+          </p:cNvPr>
+          <p:cNvSpPr>
+            <a:spLocks noGrp="1"/>
+          </p:cNvSpPr>
+          <p:nvPr>
+            <p:ph type="sldNum" sz="quarter" idx="12"/>
+          </p:nvPr>
+        </p:nvSpPr>
+        <p:spPr/>
+        <p:txBody>
+          <a:bodyPr/>
+          <a:lstStyle/>
+          <a:p>
+            <a:fld id="{21C75E21-BEE4-4CF1-8A21-EACBB0756E63}" type="slidenum">
+              <a:rPr lang="en-US" altLang="zh-TW" smtClean="0"/>
+              <a:pPr/>
+              <a:t>61</a:t>
+            </a:fld>
+            <a:endParaRPr lang="en-US" altLang="zh-TW"/>
+          </a:p>
+        </p:txBody>
+      </p:sp>
+    </p:spTree>
+    <p:extLst>
+      <p:ext uri="{BB962C8B-B14F-4D97-AF65-F5344CB8AC3E}">
+        <p14:creationId xmlns:p14="http://schemas.microsoft.com/office/powerpoint/2010/main" val="2051839470"/>
+      </p:ext>
+    </p:extLst>
+  </p:cSld>
+  <p:clrMapOvr>
+    <a:masterClrMapping/>
+  </p:clrMapOvr>
+</p:sld>
+</file>
+
+<file path=ppt/slides/slide62.xml><?xml version="1.0" encoding="utf-8"?>
+<p:sld xmlns:a="http://schemas.openxmlformats.org/drawingml/2006/main" xmlns:r="http://schemas.openxmlformats.org/officeDocument/2006/relationships" xmlns:p="http://schemas.openxmlformats.org/presentationml/2006/main">
+  <p:cSld>
+    <p:spTree>
+      <p:nvGrpSpPr>
+        <p:cNvPr id="1" name=""/>
+        <p:cNvGrpSpPr/>
+        <p:nvPr/>
+      </p:nvGrpSpPr>
+      <p:grpSpPr>
+        <a:xfrm>
+          <a:off x="0" y="0"/>
+          <a:ext cx="0" cy="0"/>
+          <a:chOff x="0" y="0"/>
+          <a:chExt cx="0" cy="0"/>
+        </a:xfrm>
+      </p:grpSpPr>
+      <p:sp>
+        <p:nvSpPr>
+          <p:cNvPr id="2" name="標題 1">
+            <a:extLst>
+              <a:ext uri="{FF2B5EF4-FFF2-40B4-BE49-F238E27FC236}">
+                <a16:creationId xmlns:a16="http://schemas.microsoft.com/office/drawing/2014/main" id="{AAB8DCBB-B436-4D69-96CE-D2190FCF5238}"/>
+              </a:ext>
+            </a:extLst>
+          </p:cNvPr>
+          <p:cNvSpPr>
+            <a:spLocks noGrp="1"/>
+          </p:cNvSpPr>
+          <p:nvPr>
+            <p:ph type="title"/>
+          </p:nvPr>
+        </p:nvSpPr>
+        <p:spPr/>
+        <p:txBody>
+          <a:bodyPr/>
+          <a:lstStyle/>
+          <a:p>
+            <a:r>
+              <a:rPr lang="en-US" altLang="zh-TW" dirty="0"/>
+              <a:t>Determining Critical Success Factors of Project Management</a:t>
+            </a:r>
+            <a:br>
+              <a:rPr lang="en-US" altLang="zh-TW" dirty="0"/>
+            </a:br>
+            <a:r>
+              <a:rPr lang="en-US" altLang="zh-TW" dirty="0"/>
+              <a:t>Practice: A conceptual framework</a:t>
+            </a:r>
+            <a:endParaRPr lang="zh-TW" altLang="en-US" dirty="0"/>
+          </a:p>
+        </p:txBody>
+      </p:sp>
+      <p:sp>
+        <p:nvSpPr>
+          <p:cNvPr id="3" name="內容版面配置區 2">
+            <a:extLst>
+              <a:ext uri="{FF2B5EF4-FFF2-40B4-BE49-F238E27FC236}">
+                <a16:creationId xmlns:a16="http://schemas.microsoft.com/office/drawing/2014/main" id="{B8E48BE1-FD20-4229-B45D-6D45BEE1CB79}"/>
+              </a:ext>
+            </a:extLst>
+          </p:cNvPr>
+          <p:cNvSpPr>
+            <a:spLocks noGrp="1"/>
+          </p:cNvSpPr>
+          <p:nvPr>
+            <p:ph idx="1"/>
+          </p:nvPr>
+        </p:nvSpPr>
+        <p:spPr/>
+        <p:txBody>
+          <a:bodyPr/>
+          <a:lstStyle/>
+          <a:p>
+            <a:r>
+              <a:rPr lang="en-US" altLang="zh-TW" dirty="0"/>
+              <a:t>Zarina Alias, E.M.A. Zawawi, Khalid Yusof, N.M. Aris, Determining Critical Success Factors of Project Management Practice: A Conceptual Framework, Procedia - Social and Behavioral Sciences, Volume 153, 2014, Pages 61-69, ISSN 1877-0428</a:t>
+            </a:r>
+          </a:p>
+          <a:p>
+            <a:r>
+              <a:rPr lang="zh-TW" altLang="en-US" dirty="0"/>
+              <a:t>探討專案管理修煉之中的關鍵成功因子</a:t>
+            </a:r>
+            <a:endParaRPr lang="en-US" altLang="zh-TW"/>
+          </a:p>
+          <a:p>
+            <a:endParaRPr lang="zh-TW" altLang="en-US" dirty="0"/>
+          </a:p>
+        </p:txBody>
+      </p:sp>
+      <p:sp>
+        <p:nvSpPr>
+          <p:cNvPr id="4" name="投影片編號版面配置區 3">
+            <a:extLst>
+              <a:ext uri="{FF2B5EF4-FFF2-40B4-BE49-F238E27FC236}">
+                <a16:creationId xmlns:a16="http://schemas.microsoft.com/office/drawing/2014/main" id="{4DF11043-4570-4694-AE44-C9DD9FC80EAE}"/>
+              </a:ext>
+            </a:extLst>
+          </p:cNvPr>
+          <p:cNvSpPr>
+            <a:spLocks noGrp="1"/>
+          </p:cNvSpPr>
+          <p:nvPr>
+            <p:ph type="sldNum" sz="quarter" idx="12"/>
+          </p:nvPr>
+        </p:nvSpPr>
+        <p:spPr/>
+        <p:txBody>
+          <a:bodyPr/>
+          <a:lstStyle/>
+          <a:p>
+            <a:fld id="{21C75E21-BEE4-4CF1-8A21-EACBB0756E63}" type="slidenum">
+              <a:rPr lang="en-US" altLang="zh-TW" smtClean="0"/>
+              <a:pPr/>
+              <a:t>62</a:t>
+            </a:fld>
+            <a:endParaRPr lang="en-US" altLang="zh-TW"/>
+          </a:p>
+        </p:txBody>
+      </p:sp>
+    </p:spTree>
+    <p:extLst>
+      <p:ext uri="{BB962C8B-B14F-4D97-AF65-F5344CB8AC3E}">
+        <p14:creationId xmlns:p14="http://schemas.microsoft.com/office/powerpoint/2010/main" val="2611600445"/>
+      </p:ext>
+    </p:extLst>
+  </p:cSld>
+  <p:clrMapOvr>
+    <a:masterClrMapping/>
+  </p:clrMapOvr>
+</p:sld>
+</file>
+
+<file path=ppt/slides/slide63.xml><?xml version="1.0" encoding="utf-8"?>
+<p:sld xmlns:a="http://schemas.openxmlformats.org/drawingml/2006/main" xmlns:r="http://schemas.openxmlformats.org/officeDocument/2006/relationships" xmlns:p="http://schemas.openxmlformats.org/presentationml/2006/main">
+  <p:cSld>
+    <p:spTree>
+      <p:nvGrpSpPr>
+        <p:cNvPr id="1" name=""/>
+        <p:cNvGrpSpPr/>
+        <p:nvPr/>
+      </p:nvGrpSpPr>
+      <p:grpSpPr>
+        <a:xfrm>
+          <a:off x="0" y="0"/>
+          <a:ext cx="0" cy="0"/>
+          <a:chOff x="0" y="0"/>
+          <a:chExt cx="0" cy="0"/>
+        </a:xfrm>
+      </p:grpSpPr>
+      <p:sp>
+        <p:nvSpPr>
+          <p:cNvPr id="2" name="標題 1">
+            <a:extLst>
+              <a:ext uri="{FF2B5EF4-FFF2-40B4-BE49-F238E27FC236}">
+                <a16:creationId xmlns:a16="http://schemas.microsoft.com/office/drawing/2014/main" id="{CB75D39D-E954-43D7-BCED-2778DC4A4CC6}"/>
+              </a:ext>
+            </a:extLst>
+          </p:cNvPr>
+          <p:cNvSpPr>
+            <a:spLocks noGrp="1"/>
+          </p:cNvSpPr>
+          <p:nvPr>
+            <p:ph type="title"/>
+          </p:nvPr>
+        </p:nvSpPr>
+        <p:spPr/>
+        <p:txBody>
+          <a:bodyPr/>
+          <a:lstStyle/>
+          <a:p>
+            <a:r>
+              <a:rPr lang="en-US" altLang="zh-TW" dirty="0"/>
+              <a:t>Development of Scrum-Tree-KNN Algorithm for</a:t>
+            </a:r>
+            <a:br>
+              <a:rPr lang="en-US" altLang="zh-TW" dirty="0"/>
+            </a:br>
+            <a:r>
+              <a:rPr lang="en-US" altLang="zh-TW" dirty="0"/>
+              <a:t>Distributed Agile Development</a:t>
+            </a:r>
+            <a:endParaRPr lang="zh-TW" altLang="en-US" dirty="0"/>
+          </a:p>
+        </p:txBody>
+      </p:sp>
+      <p:sp>
+        <p:nvSpPr>
+          <p:cNvPr id="10" name="內容版面配置區 9">
+            <a:extLst>
+              <a:ext uri="{FF2B5EF4-FFF2-40B4-BE49-F238E27FC236}">
+                <a16:creationId xmlns:a16="http://schemas.microsoft.com/office/drawing/2014/main" id="{2AB7B182-2626-4DC9-8985-CD8DC2A70BFA}"/>
+              </a:ext>
+            </a:extLst>
+          </p:cNvPr>
+          <p:cNvSpPr>
+            <a:spLocks noGrp="1"/>
+          </p:cNvSpPr>
+          <p:nvPr>
+            <p:ph idx="1"/>
+          </p:nvPr>
+        </p:nvSpPr>
+        <p:spPr/>
+        <p:txBody>
+          <a:bodyPr/>
+          <a:lstStyle/>
+          <a:p>
+            <a:r>
+              <a:rPr lang="en-US" altLang="zh-TW" dirty="0"/>
+              <a:t>R. A. Mahajan and S. A. Mahajan, "Development of Scrum-Tree-KNN Algorithm for Distributed Agile Development," 2020 International Conference on Emerging Smart Computing and Informatics (ESCI), Pune, India, 2020, pp. 17-21, </a:t>
+            </a:r>
+            <a:r>
+              <a:rPr lang="en-US" altLang="zh-TW" dirty="0" err="1"/>
+              <a:t>doi</a:t>
+            </a:r>
+            <a:r>
+              <a:rPr lang="en-US" altLang="zh-TW" dirty="0"/>
+              <a:t>: 10.1109/ESCI48226.2020.9167621.</a:t>
+            </a:r>
+          </a:p>
+          <a:p>
+            <a:r>
+              <a:rPr lang="zh-TW" altLang="en-US" dirty="0"/>
+              <a:t>以敏捷開發的 </a:t>
+            </a:r>
+            <a:r>
+              <a:rPr lang="en-US" altLang="zh-TW" dirty="0"/>
+              <a:t>Scrum </a:t>
+            </a:r>
+            <a:r>
+              <a:rPr lang="zh-TW" altLang="en-US" dirty="0"/>
+              <a:t>設計一 </a:t>
+            </a:r>
+            <a:r>
+              <a:rPr lang="en-US" altLang="zh-TW" dirty="0"/>
+              <a:t>KNN </a:t>
+            </a:r>
+            <a:r>
+              <a:rPr lang="zh-TW" altLang="en-US" dirty="0"/>
+              <a:t>演算法，應用於提昇預測的準確度，降低風險</a:t>
+            </a:r>
+            <a:endParaRPr lang="en-US" altLang="zh-TW" dirty="0"/>
+          </a:p>
+          <a:p>
+            <a:endParaRPr lang="zh-TW" altLang="en-US" dirty="0"/>
+          </a:p>
+        </p:txBody>
+      </p:sp>
+      <p:sp>
+        <p:nvSpPr>
+          <p:cNvPr id="4" name="投影片編號版面配置區 3">
+            <a:extLst>
+              <a:ext uri="{FF2B5EF4-FFF2-40B4-BE49-F238E27FC236}">
+                <a16:creationId xmlns:a16="http://schemas.microsoft.com/office/drawing/2014/main" id="{45CC06CC-9908-492A-8CEC-01BA263DD96E}"/>
+              </a:ext>
+            </a:extLst>
+          </p:cNvPr>
+          <p:cNvSpPr>
+            <a:spLocks noGrp="1"/>
+          </p:cNvSpPr>
+          <p:nvPr>
+            <p:ph type="sldNum" sz="quarter" idx="12"/>
+          </p:nvPr>
+        </p:nvSpPr>
+        <p:spPr/>
+        <p:txBody>
+          <a:bodyPr/>
+          <a:lstStyle/>
+          <a:p>
+            <a:fld id="{21C75E21-BEE4-4CF1-8A21-EACBB0756E63}" type="slidenum">
+              <a:rPr lang="en-US" altLang="zh-TW" smtClean="0"/>
+              <a:pPr/>
+              <a:t>63</a:t>
+            </a:fld>
+            <a:endParaRPr lang="en-US" altLang="zh-TW"/>
+          </a:p>
+        </p:txBody>
+      </p:sp>
+    </p:spTree>
+    <p:extLst>
+      <p:ext uri="{BB962C8B-B14F-4D97-AF65-F5344CB8AC3E}">
+        <p14:creationId xmlns:p14="http://schemas.microsoft.com/office/powerpoint/2010/main" val="1727052651"/>
       </p:ext>
     </p:extLst>
   </p:cSld>
